--- a/CaseStudy2DDS.pptx
+++ b/CaseStudy2DDS.pptx
@@ -7,6 +7,16 @@
   <p:sldIdLst>
     <p:sldId id="256" r:id="rId2"/>
     <p:sldId id="257" r:id="rId3"/>
+    <p:sldId id="259" r:id="rId4"/>
+    <p:sldId id="262" r:id="rId5"/>
+    <p:sldId id="263" r:id="rId6"/>
+    <p:sldId id="264" r:id="rId7"/>
+    <p:sldId id="265" r:id="rId8"/>
+    <p:sldId id="260" r:id="rId9"/>
+    <p:sldId id="266" r:id="rId10"/>
+    <p:sldId id="268" r:id="rId11"/>
+    <p:sldId id="269" r:id="rId12"/>
+    <p:sldId id="261" r:id="rId13"/>
   </p:sldIdLst>
   <p:sldSz cx="12192000" cy="6858000"/>
   <p:notesSz cx="6858000" cy="9144000"/>
@@ -3312,6 +3322,969 @@
 </p:sld>
 </file>
 
+<file path=ppt/slides/slide10.xml><?xml version="1.0" encoding="utf-8"?>
+<p:sld xmlns:a="http://schemas.openxmlformats.org/drawingml/2006/main" xmlns:r="http://schemas.openxmlformats.org/officeDocument/2006/relationships" xmlns:p="http://schemas.openxmlformats.org/presentationml/2006/main">
+  <p:cSld>
+    <p:spTree>
+      <p:nvGrpSpPr>
+        <p:cNvPr id="1" name=""/>
+        <p:cNvGrpSpPr/>
+        <p:nvPr/>
+      </p:nvGrpSpPr>
+      <p:grpSpPr>
+        <a:xfrm>
+          <a:off x="0" y="0"/>
+          <a:ext cx="0" cy="0"/>
+          <a:chOff x="0" y="0"/>
+          <a:chExt cx="0" cy="0"/>
+        </a:xfrm>
+      </p:grpSpPr>
+      <p:sp>
+        <p:nvSpPr>
+          <p:cNvPr id="2" name="Title 1">
+            <a:extLst>
+              <a:ext uri="{FF2B5EF4-FFF2-40B4-BE49-F238E27FC236}">
+                <a16:creationId xmlns:a16="http://schemas.microsoft.com/office/drawing/2014/main" id="{7CB20EDE-73E2-4851-A40B-DBE53644AE10}"/>
+              </a:ext>
+            </a:extLst>
+          </p:cNvPr>
+          <p:cNvSpPr>
+            <a:spLocks noGrp="1"/>
+          </p:cNvSpPr>
+          <p:nvPr>
+            <p:ph type="title"/>
+          </p:nvPr>
+        </p:nvSpPr>
+        <p:spPr/>
+        <p:txBody>
+          <a:bodyPr/>
+          <a:lstStyle/>
+          <a:p>
+            <a:r>
+              <a:rPr lang="en-US" dirty="0"/>
+              <a:t>Random Forest Model</a:t>
+            </a:r>
+          </a:p>
+        </p:txBody>
+      </p:sp>
+      <p:sp>
+        <p:nvSpPr>
+          <p:cNvPr id="3" name="Content Placeholder 2">
+            <a:extLst>
+              <a:ext uri="{FF2B5EF4-FFF2-40B4-BE49-F238E27FC236}">
+                <a16:creationId xmlns:a16="http://schemas.microsoft.com/office/drawing/2014/main" id="{8BAF8085-B9BD-4BE8-931E-3D8446EA3B3E}"/>
+              </a:ext>
+            </a:extLst>
+          </p:cNvPr>
+          <p:cNvSpPr>
+            <a:spLocks noGrp="1"/>
+          </p:cNvSpPr>
+          <p:nvPr>
+            <p:ph idx="1"/>
+          </p:nvPr>
+        </p:nvSpPr>
+        <p:spPr>
+          <a:xfrm>
+            <a:off x="7644386" y="1165099"/>
+            <a:ext cx="3803902" cy="5184716"/>
+          </a:xfrm>
+        </p:spPr>
+        <p:txBody>
+          <a:bodyPr>
+            <a:normAutofit/>
+          </a:bodyPr>
+          <a:lstStyle/>
+          <a:p>
+            <a:pPr marL="0" indent="0">
+              <a:buNone/>
+            </a:pPr>
+            <a:r>
+              <a:rPr lang="en-US" sz="1800" b="1" dirty="0"/>
+              <a:t>Accuracy: </a:t>
+            </a:r>
+            <a:r>
+              <a:rPr lang="en-US" sz="1800" dirty="0"/>
+              <a:t>83%</a:t>
+            </a:r>
+          </a:p>
+          <a:p>
+            <a:pPr marL="0" indent="0">
+              <a:buNone/>
+            </a:pPr>
+            <a:r>
+              <a:rPr lang="en-US" sz="1800" b="1" dirty="0"/>
+              <a:t>P-Value: </a:t>
+            </a:r>
+            <a:r>
+              <a:rPr lang="en-US" sz="1800" dirty="0"/>
+              <a:t>1.243e-10</a:t>
+            </a:r>
+          </a:p>
+          <a:p>
+            <a:pPr marL="0" indent="0">
+              <a:buNone/>
+            </a:pPr>
+            <a:r>
+              <a:rPr lang="en-US" sz="1800" b="1" dirty="0"/>
+              <a:t>Sensitivity: </a:t>
+            </a:r>
+            <a:r>
+              <a:rPr lang="en-US" sz="1800" dirty="0"/>
+              <a:t>0.8373</a:t>
+            </a:r>
+          </a:p>
+          <a:p>
+            <a:pPr marL="0" indent="0">
+              <a:buNone/>
+            </a:pPr>
+            <a:r>
+              <a:rPr lang="en-US" sz="1800" b="1" dirty="0"/>
+              <a:t>Specificity: </a:t>
+            </a:r>
+            <a:r>
+              <a:rPr lang="en-US" sz="1800" dirty="0"/>
+              <a:t>0.7895</a:t>
+            </a:r>
+          </a:p>
+          <a:p>
+            <a:pPr marL="0" indent="0">
+              <a:buNone/>
+            </a:pPr>
+            <a:endParaRPr lang="en-US" sz="1800" dirty="0"/>
+          </a:p>
+        </p:txBody>
+      </p:sp>
+      <p:sp>
+        <p:nvSpPr>
+          <p:cNvPr id="4" name="Content Placeholder 2">
+            <a:extLst>
+              <a:ext uri="{FF2B5EF4-FFF2-40B4-BE49-F238E27FC236}">
+                <a16:creationId xmlns:a16="http://schemas.microsoft.com/office/drawing/2014/main" id="{59DEFC31-2269-4B1B-8BE9-FA8CD8AD5685}"/>
+              </a:ext>
+            </a:extLst>
+          </p:cNvPr>
+          <p:cNvSpPr txBox="1">
+            <a:spLocks/>
+          </p:cNvSpPr>
+          <p:nvPr/>
+        </p:nvSpPr>
+        <p:spPr>
+          <a:xfrm>
+            <a:off x="429768" y="1165099"/>
+            <a:ext cx="6128973" cy="5184716"/>
+          </a:xfrm>
+          <a:prstGeom prst="rect">
+            <a:avLst/>
+          </a:prstGeom>
+        </p:spPr>
+        <p:txBody>
+          <a:bodyPr vert="horz" lIns="91440" tIns="45720" rIns="91440" bIns="45720" rtlCol="0">
+            <a:normAutofit/>
+          </a:bodyPr>
+          <a:lstStyle>
+            <a:lvl1pPr marL="228600" indent="-228600" algn="l" defTabSz="914400" rtl="0" eaLnBrk="1" latinLnBrk="0" hangingPunct="1">
+              <a:lnSpc>
+                <a:spcPct val="90000"/>
+              </a:lnSpc>
+              <a:spcBef>
+                <a:spcPts val="1000"/>
+              </a:spcBef>
+              <a:buFont typeface="Arial" panose="020B0604020202020204" pitchFamily="34" charset="0"/>
+              <a:buChar char="•"/>
+              <a:defRPr sz="2800" kern="1200">
+                <a:solidFill>
+                  <a:schemeClr val="tx1"/>
+                </a:solidFill>
+                <a:latin typeface="Times New Roman" panose="02020603050405020304" pitchFamily="18" charset="0"/>
+                <a:ea typeface="+mn-ea"/>
+                <a:cs typeface="Times New Roman" panose="02020603050405020304" pitchFamily="18" charset="0"/>
+              </a:defRPr>
+            </a:lvl1pPr>
+            <a:lvl2pPr marL="685800" indent="-228600" algn="l" defTabSz="914400" rtl="0" eaLnBrk="1" latinLnBrk="0" hangingPunct="1">
+              <a:lnSpc>
+                <a:spcPct val="90000"/>
+              </a:lnSpc>
+              <a:spcBef>
+                <a:spcPts val="500"/>
+              </a:spcBef>
+              <a:buFont typeface="Arial" panose="020B0604020202020204" pitchFamily="34" charset="0"/>
+              <a:buChar char="•"/>
+              <a:defRPr sz="2400" kern="1200">
+                <a:solidFill>
+                  <a:schemeClr val="tx1"/>
+                </a:solidFill>
+                <a:latin typeface="Times New Roman" panose="02020603050405020304" pitchFamily="18" charset="0"/>
+                <a:ea typeface="+mn-ea"/>
+                <a:cs typeface="Times New Roman" panose="02020603050405020304" pitchFamily="18" charset="0"/>
+              </a:defRPr>
+            </a:lvl2pPr>
+            <a:lvl3pPr marL="1143000" indent="-228600" algn="l" defTabSz="914400" rtl="0" eaLnBrk="1" latinLnBrk="0" hangingPunct="1">
+              <a:lnSpc>
+                <a:spcPct val="90000"/>
+              </a:lnSpc>
+              <a:spcBef>
+                <a:spcPts val="500"/>
+              </a:spcBef>
+              <a:buFont typeface="Arial" panose="020B0604020202020204" pitchFamily="34" charset="0"/>
+              <a:buChar char="•"/>
+              <a:defRPr sz="2000" kern="1200">
+                <a:solidFill>
+                  <a:schemeClr val="tx1"/>
+                </a:solidFill>
+                <a:latin typeface="Times New Roman" panose="02020603050405020304" pitchFamily="18" charset="0"/>
+                <a:ea typeface="+mn-ea"/>
+                <a:cs typeface="Times New Roman" panose="02020603050405020304" pitchFamily="18" charset="0"/>
+              </a:defRPr>
+            </a:lvl3pPr>
+            <a:lvl4pPr marL="1600200" indent="-228600" algn="l" defTabSz="914400" rtl="0" eaLnBrk="1" latinLnBrk="0" hangingPunct="1">
+              <a:lnSpc>
+                <a:spcPct val="90000"/>
+              </a:lnSpc>
+              <a:spcBef>
+                <a:spcPts val="500"/>
+              </a:spcBef>
+              <a:buFont typeface="Arial" panose="020B0604020202020204" pitchFamily="34" charset="0"/>
+              <a:buChar char="•"/>
+              <a:defRPr sz="1800" kern="1200">
+                <a:solidFill>
+                  <a:schemeClr val="tx1"/>
+                </a:solidFill>
+                <a:latin typeface="Times New Roman" panose="02020603050405020304" pitchFamily="18" charset="0"/>
+                <a:ea typeface="+mn-ea"/>
+                <a:cs typeface="Times New Roman" panose="02020603050405020304" pitchFamily="18" charset="0"/>
+              </a:defRPr>
+            </a:lvl4pPr>
+            <a:lvl5pPr marL="2057400" indent="-228600" algn="l" defTabSz="914400" rtl="0" eaLnBrk="1" latinLnBrk="0" hangingPunct="1">
+              <a:lnSpc>
+                <a:spcPct val="90000"/>
+              </a:lnSpc>
+              <a:spcBef>
+                <a:spcPts val="500"/>
+              </a:spcBef>
+              <a:buFont typeface="Arial" panose="020B0604020202020204" pitchFamily="34" charset="0"/>
+              <a:buChar char="•"/>
+              <a:defRPr sz="1800" kern="1200">
+                <a:solidFill>
+                  <a:schemeClr val="tx1"/>
+                </a:solidFill>
+                <a:latin typeface="Times New Roman" panose="02020603050405020304" pitchFamily="18" charset="0"/>
+                <a:ea typeface="+mn-ea"/>
+                <a:cs typeface="Times New Roman" panose="02020603050405020304" pitchFamily="18" charset="0"/>
+              </a:defRPr>
+            </a:lvl5pPr>
+            <a:lvl6pPr marL="2514600" indent="-228600" algn="l" defTabSz="914400" rtl="0" eaLnBrk="1" latinLnBrk="0" hangingPunct="1">
+              <a:lnSpc>
+                <a:spcPct val="90000"/>
+              </a:lnSpc>
+              <a:spcBef>
+                <a:spcPts val="500"/>
+              </a:spcBef>
+              <a:buFont typeface="Arial" panose="020B0604020202020204" pitchFamily="34" charset="0"/>
+              <a:buChar char="•"/>
+              <a:defRPr sz="1800" kern="1200">
+                <a:solidFill>
+                  <a:schemeClr val="tx1"/>
+                </a:solidFill>
+                <a:latin typeface="+mn-lt"/>
+                <a:ea typeface="+mn-ea"/>
+                <a:cs typeface="+mn-cs"/>
+              </a:defRPr>
+            </a:lvl6pPr>
+            <a:lvl7pPr marL="2971800" indent="-228600" algn="l" defTabSz="914400" rtl="0" eaLnBrk="1" latinLnBrk="0" hangingPunct="1">
+              <a:lnSpc>
+                <a:spcPct val="90000"/>
+              </a:lnSpc>
+              <a:spcBef>
+                <a:spcPts val="500"/>
+              </a:spcBef>
+              <a:buFont typeface="Arial" panose="020B0604020202020204" pitchFamily="34" charset="0"/>
+              <a:buChar char="•"/>
+              <a:defRPr sz="1800" kern="1200">
+                <a:solidFill>
+                  <a:schemeClr val="tx1"/>
+                </a:solidFill>
+                <a:latin typeface="+mn-lt"/>
+                <a:ea typeface="+mn-ea"/>
+                <a:cs typeface="+mn-cs"/>
+              </a:defRPr>
+            </a:lvl7pPr>
+            <a:lvl8pPr marL="3429000" indent="-228600" algn="l" defTabSz="914400" rtl="0" eaLnBrk="1" latinLnBrk="0" hangingPunct="1">
+              <a:lnSpc>
+                <a:spcPct val="90000"/>
+              </a:lnSpc>
+              <a:spcBef>
+                <a:spcPts val="500"/>
+              </a:spcBef>
+              <a:buFont typeface="Arial" panose="020B0604020202020204" pitchFamily="34" charset="0"/>
+              <a:buChar char="•"/>
+              <a:defRPr sz="1800" kern="1200">
+                <a:solidFill>
+                  <a:schemeClr val="tx1"/>
+                </a:solidFill>
+                <a:latin typeface="+mn-lt"/>
+                <a:ea typeface="+mn-ea"/>
+                <a:cs typeface="+mn-cs"/>
+              </a:defRPr>
+            </a:lvl8pPr>
+            <a:lvl9pPr marL="3886200" indent="-228600" algn="l" defTabSz="914400" rtl="0" eaLnBrk="1" latinLnBrk="0" hangingPunct="1">
+              <a:lnSpc>
+                <a:spcPct val="90000"/>
+              </a:lnSpc>
+              <a:spcBef>
+                <a:spcPts val="500"/>
+              </a:spcBef>
+              <a:buFont typeface="Arial" panose="020B0604020202020204" pitchFamily="34" charset="0"/>
+              <a:buChar char="•"/>
+              <a:defRPr sz="1800" kern="1200">
+                <a:solidFill>
+                  <a:schemeClr val="tx1"/>
+                </a:solidFill>
+                <a:latin typeface="+mn-lt"/>
+                <a:ea typeface="+mn-ea"/>
+                <a:cs typeface="+mn-cs"/>
+              </a:defRPr>
+            </a:lvl9pPr>
+          </a:lstStyle>
+          <a:p>
+            <a:r>
+              <a:rPr lang="en-US" sz="2000" dirty="0"/>
+              <a:t>Using the Random Forest, I was able to achieve an accuracy of 83%</a:t>
+            </a:r>
+          </a:p>
+          <a:p>
+            <a:pPr lvl="1"/>
+            <a:r>
+              <a:rPr lang="en-US" sz="1600" dirty="0"/>
+              <a:t>May be slightly lower than KNN, but it is more consistent </a:t>
+            </a:r>
+          </a:p>
+          <a:p>
+            <a:pPr lvl="1"/>
+            <a:endParaRPr lang="en-US" sz="1600" dirty="0"/>
+          </a:p>
+          <a:p>
+            <a:r>
+              <a:rPr lang="en-US" sz="2000" dirty="0"/>
+              <a:t>The specificity only achieved a value of 0.7895</a:t>
+            </a:r>
+          </a:p>
+          <a:p>
+            <a:endParaRPr lang="en-US" sz="2000" dirty="0"/>
+          </a:p>
+          <a:p>
+            <a:r>
+              <a:rPr lang="en-US" sz="2000" dirty="0"/>
+              <a:t>After using the same formula as KNN the random forest model was able to achieve a more consistent and reliable prediction model </a:t>
+            </a:r>
+          </a:p>
+          <a:p>
+            <a:endParaRPr lang="en-US" sz="2000" dirty="0"/>
+          </a:p>
+          <a:p>
+            <a:r>
+              <a:rPr lang="en-US" sz="2000" dirty="0"/>
+              <a:t>I</a:t>
+            </a:r>
+            <a:r>
+              <a:rPr lang="en-US" sz="2000" b="1" dirty="0"/>
+              <a:t> recommend </a:t>
+            </a:r>
+            <a:r>
+              <a:rPr lang="en-US" sz="2000" dirty="0"/>
+              <a:t>using the Random Forest Model as the method of predicting attrition</a:t>
+            </a:r>
+          </a:p>
+        </p:txBody>
+      </p:sp>
+      <p:cxnSp>
+        <p:nvCxnSpPr>
+          <p:cNvPr id="6" name="Straight Connector 5">
+            <a:extLst>
+              <a:ext uri="{FF2B5EF4-FFF2-40B4-BE49-F238E27FC236}">
+                <a16:creationId xmlns:a16="http://schemas.microsoft.com/office/drawing/2014/main" id="{102EF477-D3D8-4E70-A341-AD153AC1B7EA}"/>
+              </a:ext>
+            </a:extLst>
+          </p:cNvPr>
+          <p:cNvCxnSpPr>
+            <a:cxnSpLocks/>
+          </p:cNvCxnSpPr>
+          <p:nvPr/>
+        </p:nvCxnSpPr>
+        <p:spPr>
+          <a:xfrm>
+            <a:off x="7089648" y="1036320"/>
+            <a:ext cx="0" cy="5313495"/>
+          </a:xfrm>
+          <a:prstGeom prst="line">
+            <a:avLst/>
+          </a:prstGeom>
+        </p:spPr>
+        <p:style>
+          <a:lnRef idx="1">
+            <a:schemeClr val="dk1"/>
+          </a:lnRef>
+          <a:fillRef idx="0">
+            <a:schemeClr val="dk1"/>
+          </a:fillRef>
+          <a:effectRef idx="0">
+            <a:schemeClr val="dk1"/>
+          </a:effectRef>
+          <a:fontRef idx="minor">
+            <a:schemeClr val="tx1"/>
+          </a:fontRef>
+        </p:style>
+      </p:cxnSp>
+      <p:pic>
+        <p:nvPicPr>
+          <p:cNvPr id="9" name="Graphic 8" descr="Checkmark with solid fill">
+            <a:extLst>
+              <a:ext uri="{FF2B5EF4-FFF2-40B4-BE49-F238E27FC236}">
+                <a16:creationId xmlns:a16="http://schemas.microsoft.com/office/drawing/2014/main" id="{75C42593-F22D-4E88-8510-9E133BFFDBF7}"/>
+              </a:ext>
+            </a:extLst>
+          </p:cNvPr>
+          <p:cNvPicPr>
+            <a:picLocks noChangeAspect="1"/>
+          </p:cNvPicPr>
+          <p:nvPr/>
+        </p:nvPicPr>
+        <p:blipFill>
+          <a:blip r:embed="rId2">
+            <a:extLst>
+              <a:ext uri="{28A0092B-C50C-407E-A947-70E740481C1C}">
+                <a14:useLocalDpi xmlns:a14="http://schemas.microsoft.com/office/drawing/2010/main" val="0"/>
+              </a:ext>
+              <a:ext uri="{96DAC541-7B7A-43D3-8B79-37D633B846F1}">
+                <asvg:svgBlip xmlns:asvg="http://schemas.microsoft.com/office/drawing/2016/SVG/main" r:embed="rId3"/>
+              </a:ext>
+            </a:extLst>
+          </a:blip>
+          <a:srcRect/>
+          <a:stretch/>
+        </p:blipFill>
+        <p:spPr>
+          <a:xfrm>
+            <a:off x="8145781" y="3112008"/>
+            <a:ext cx="2801112" cy="2801112"/>
+          </a:xfrm>
+          <a:prstGeom prst="rect">
+            <a:avLst/>
+          </a:prstGeom>
+        </p:spPr>
+      </p:pic>
+    </p:spTree>
+    <p:extLst>
+      <p:ext uri="{BB962C8B-B14F-4D97-AF65-F5344CB8AC3E}">
+        <p14:creationId xmlns:p14="http://schemas.microsoft.com/office/powerpoint/2010/main" val="654981537"/>
+      </p:ext>
+    </p:extLst>
+  </p:cSld>
+  <p:clrMapOvr>
+    <a:masterClrMapping/>
+  </p:clrMapOvr>
+</p:sld>
+</file>
+
+<file path=ppt/slides/slide11.xml><?xml version="1.0" encoding="utf-8"?>
+<p:sld xmlns:a="http://schemas.openxmlformats.org/drawingml/2006/main" xmlns:r="http://schemas.openxmlformats.org/officeDocument/2006/relationships" xmlns:p="http://schemas.openxmlformats.org/presentationml/2006/main">
+  <p:cSld>
+    <p:spTree>
+      <p:nvGrpSpPr>
+        <p:cNvPr id="1" name=""/>
+        <p:cNvGrpSpPr/>
+        <p:nvPr/>
+      </p:nvGrpSpPr>
+      <p:grpSpPr>
+        <a:xfrm>
+          <a:off x="0" y="0"/>
+          <a:ext cx="0" cy="0"/>
+          <a:chOff x="0" y="0"/>
+          <a:chExt cx="0" cy="0"/>
+        </a:xfrm>
+      </p:grpSpPr>
+      <p:sp>
+        <p:nvSpPr>
+          <p:cNvPr id="2" name="Title 1">
+            <a:extLst>
+              <a:ext uri="{FF2B5EF4-FFF2-40B4-BE49-F238E27FC236}">
+                <a16:creationId xmlns:a16="http://schemas.microsoft.com/office/drawing/2014/main" id="{05EB3667-FB82-4695-B009-9016F440AB4D}"/>
+              </a:ext>
+            </a:extLst>
+          </p:cNvPr>
+          <p:cNvSpPr>
+            <a:spLocks noGrp="1"/>
+          </p:cNvSpPr>
+          <p:nvPr>
+            <p:ph type="title"/>
+          </p:nvPr>
+        </p:nvSpPr>
+        <p:spPr/>
+        <p:txBody>
+          <a:bodyPr/>
+          <a:lstStyle/>
+          <a:p>
+            <a:r>
+              <a:rPr lang="en-US" dirty="0"/>
+              <a:t>Employees with Possible Attrition</a:t>
+            </a:r>
+          </a:p>
+        </p:txBody>
+      </p:sp>
+      <p:sp>
+        <p:nvSpPr>
+          <p:cNvPr id="3" name="Content Placeholder 2">
+            <a:extLst>
+              <a:ext uri="{FF2B5EF4-FFF2-40B4-BE49-F238E27FC236}">
+                <a16:creationId xmlns:a16="http://schemas.microsoft.com/office/drawing/2014/main" id="{AD1D8FB4-4317-46BC-A10C-D91452199B0A}"/>
+              </a:ext>
+            </a:extLst>
+          </p:cNvPr>
+          <p:cNvSpPr>
+            <a:spLocks noGrp="1"/>
+          </p:cNvSpPr>
+          <p:nvPr>
+            <p:ph idx="1"/>
+          </p:nvPr>
+        </p:nvSpPr>
+        <p:spPr>
+          <a:xfrm>
+            <a:off x="5865816" y="1462669"/>
+            <a:ext cx="6235140" cy="3932662"/>
+          </a:xfrm>
+        </p:spPr>
+        <p:txBody>
+          <a:bodyPr/>
+          <a:lstStyle/>
+          <a:p>
+            <a:pPr marL="0" indent="0">
+              <a:buNone/>
+            </a:pPr>
+            <a:r>
+              <a:rPr lang="en-US" sz="3200" dirty="0"/>
+              <a:t>What do they have in common?</a:t>
+            </a:r>
+          </a:p>
+          <a:p>
+            <a:pPr lvl="1"/>
+            <a:r>
+              <a:rPr lang="en-US" dirty="0"/>
+              <a:t>Same Department (R&amp;D)</a:t>
+            </a:r>
+          </a:p>
+          <a:p>
+            <a:pPr lvl="1"/>
+            <a:r>
+              <a:rPr lang="en-US" dirty="0"/>
+              <a:t>Low Job Involvement (2)</a:t>
+            </a:r>
+          </a:p>
+          <a:p>
+            <a:pPr lvl="1"/>
+            <a:r>
+              <a:rPr lang="en-US" b="1" dirty="0"/>
+              <a:t>Low Job Level </a:t>
+            </a:r>
+            <a:r>
+              <a:rPr lang="en-US" dirty="0"/>
+              <a:t>(1)</a:t>
+            </a:r>
+          </a:p>
+          <a:p>
+            <a:pPr lvl="1"/>
+            <a:r>
+              <a:rPr lang="en-US" dirty="0"/>
+              <a:t>Low Job Satisfaction </a:t>
+            </a:r>
+          </a:p>
+          <a:p>
+            <a:pPr lvl="1"/>
+            <a:r>
+              <a:rPr lang="en-US" dirty="0"/>
+              <a:t>Low Monthly Income </a:t>
+            </a:r>
+          </a:p>
+          <a:p>
+            <a:pPr lvl="1"/>
+            <a:r>
+              <a:rPr lang="en-US" b="1" dirty="0"/>
+              <a:t>No Stock Option</a:t>
+            </a:r>
+          </a:p>
+          <a:p>
+            <a:pPr lvl="1"/>
+            <a:r>
+              <a:rPr lang="en-US" b="1" dirty="0"/>
+              <a:t>All have Overtime</a:t>
+            </a:r>
+          </a:p>
+          <a:p>
+            <a:pPr lvl="1"/>
+            <a:endParaRPr lang="en-US" dirty="0"/>
+          </a:p>
+        </p:txBody>
+      </p:sp>
+      <p:sp>
+        <p:nvSpPr>
+          <p:cNvPr id="4" name="Content Placeholder 2">
+            <a:extLst>
+              <a:ext uri="{FF2B5EF4-FFF2-40B4-BE49-F238E27FC236}">
+                <a16:creationId xmlns:a16="http://schemas.microsoft.com/office/drawing/2014/main" id="{A6669414-7F21-4D47-BC4B-DB7CE0125C55}"/>
+              </a:ext>
+            </a:extLst>
+          </p:cNvPr>
+          <p:cNvSpPr txBox="1">
+            <a:spLocks/>
+          </p:cNvSpPr>
+          <p:nvPr/>
+        </p:nvSpPr>
+        <p:spPr>
+          <a:xfrm>
+            <a:off x="758042" y="1462669"/>
+            <a:ext cx="4965864" cy="4142484"/>
+          </a:xfrm>
+          <a:prstGeom prst="rect">
+            <a:avLst/>
+          </a:prstGeom>
+        </p:spPr>
+        <p:txBody>
+          <a:bodyPr vert="horz" lIns="91440" tIns="45720" rIns="91440" bIns="45720" rtlCol="0">
+            <a:normAutofit/>
+          </a:bodyPr>
+          <a:lstStyle>
+            <a:lvl1pPr marL="228600" indent="-228600" algn="l" defTabSz="914400" rtl="0" eaLnBrk="1" latinLnBrk="0" hangingPunct="1">
+              <a:lnSpc>
+                <a:spcPct val="90000"/>
+              </a:lnSpc>
+              <a:spcBef>
+                <a:spcPts val="1000"/>
+              </a:spcBef>
+              <a:buFont typeface="Arial" panose="020B0604020202020204" pitchFamily="34" charset="0"/>
+              <a:buChar char="•"/>
+              <a:defRPr sz="2800" kern="1200">
+                <a:solidFill>
+                  <a:schemeClr val="tx1"/>
+                </a:solidFill>
+                <a:latin typeface="Times New Roman" panose="02020603050405020304" pitchFamily="18" charset="0"/>
+                <a:ea typeface="+mn-ea"/>
+                <a:cs typeface="Times New Roman" panose="02020603050405020304" pitchFamily="18" charset="0"/>
+              </a:defRPr>
+            </a:lvl1pPr>
+            <a:lvl2pPr marL="685800" indent="-228600" algn="l" defTabSz="914400" rtl="0" eaLnBrk="1" latinLnBrk="0" hangingPunct="1">
+              <a:lnSpc>
+                <a:spcPct val="90000"/>
+              </a:lnSpc>
+              <a:spcBef>
+                <a:spcPts val="500"/>
+              </a:spcBef>
+              <a:buFont typeface="Arial" panose="020B0604020202020204" pitchFamily="34" charset="0"/>
+              <a:buChar char="•"/>
+              <a:defRPr sz="2400" kern="1200">
+                <a:solidFill>
+                  <a:schemeClr val="tx1"/>
+                </a:solidFill>
+                <a:latin typeface="Times New Roman" panose="02020603050405020304" pitchFamily="18" charset="0"/>
+                <a:ea typeface="+mn-ea"/>
+                <a:cs typeface="Times New Roman" panose="02020603050405020304" pitchFamily="18" charset="0"/>
+              </a:defRPr>
+            </a:lvl2pPr>
+            <a:lvl3pPr marL="1143000" indent="-228600" algn="l" defTabSz="914400" rtl="0" eaLnBrk="1" latinLnBrk="0" hangingPunct="1">
+              <a:lnSpc>
+                <a:spcPct val="90000"/>
+              </a:lnSpc>
+              <a:spcBef>
+                <a:spcPts val="500"/>
+              </a:spcBef>
+              <a:buFont typeface="Arial" panose="020B0604020202020204" pitchFamily="34" charset="0"/>
+              <a:buChar char="•"/>
+              <a:defRPr sz="2000" kern="1200">
+                <a:solidFill>
+                  <a:schemeClr val="tx1"/>
+                </a:solidFill>
+                <a:latin typeface="Times New Roman" panose="02020603050405020304" pitchFamily="18" charset="0"/>
+                <a:ea typeface="+mn-ea"/>
+                <a:cs typeface="Times New Roman" panose="02020603050405020304" pitchFamily="18" charset="0"/>
+              </a:defRPr>
+            </a:lvl3pPr>
+            <a:lvl4pPr marL="1600200" indent="-228600" algn="l" defTabSz="914400" rtl="0" eaLnBrk="1" latinLnBrk="0" hangingPunct="1">
+              <a:lnSpc>
+                <a:spcPct val="90000"/>
+              </a:lnSpc>
+              <a:spcBef>
+                <a:spcPts val="500"/>
+              </a:spcBef>
+              <a:buFont typeface="Arial" panose="020B0604020202020204" pitchFamily="34" charset="0"/>
+              <a:buChar char="•"/>
+              <a:defRPr sz="1800" kern="1200">
+                <a:solidFill>
+                  <a:schemeClr val="tx1"/>
+                </a:solidFill>
+                <a:latin typeface="Times New Roman" panose="02020603050405020304" pitchFamily="18" charset="0"/>
+                <a:ea typeface="+mn-ea"/>
+                <a:cs typeface="Times New Roman" panose="02020603050405020304" pitchFamily="18" charset="0"/>
+              </a:defRPr>
+            </a:lvl4pPr>
+            <a:lvl5pPr marL="2057400" indent="-228600" algn="l" defTabSz="914400" rtl="0" eaLnBrk="1" latinLnBrk="0" hangingPunct="1">
+              <a:lnSpc>
+                <a:spcPct val="90000"/>
+              </a:lnSpc>
+              <a:spcBef>
+                <a:spcPts val="500"/>
+              </a:spcBef>
+              <a:buFont typeface="Arial" panose="020B0604020202020204" pitchFamily="34" charset="0"/>
+              <a:buChar char="•"/>
+              <a:defRPr sz="1800" kern="1200">
+                <a:solidFill>
+                  <a:schemeClr val="tx1"/>
+                </a:solidFill>
+                <a:latin typeface="Times New Roman" panose="02020603050405020304" pitchFamily="18" charset="0"/>
+                <a:ea typeface="+mn-ea"/>
+                <a:cs typeface="Times New Roman" panose="02020603050405020304" pitchFamily="18" charset="0"/>
+              </a:defRPr>
+            </a:lvl5pPr>
+            <a:lvl6pPr marL="2514600" indent="-228600" algn="l" defTabSz="914400" rtl="0" eaLnBrk="1" latinLnBrk="0" hangingPunct="1">
+              <a:lnSpc>
+                <a:spcPct val="90000"/>
+              </a:lnSpc>
+              <a:spcBef>
+                <a:spcPts val="500"/>
+              </a:spcBef>
+              <a:buFont typeface="Arial" panose="020B0604020202020204" pitchFamily="34" charset="0"/>
+              <a:buChar char="•"/>
+              <a:defRPr sz="1800" kern="1200">
+                <a:solidFill>
+                  <a:schemeClr val="tx1"/>
+                </a:solidFill>
+                <a:latin typeface="+mn-lt"/>
+                <a:ea typeface="+mn-ea"/>
+                <a:cs typeface="+mn-cs"/>
+              </a:defRPr>
+            </a:lvl6pPr>
+            <a:lvl7pPr marL="2971800" indent="-228600" algn="l" defTabSz="914400" rtl="0" eaLnBrk="1" latinLnBrk="0" hangingPunct="1">
+              <a:lnSpc>
+                <a:spcPct val="90000"/>
+              </a:lnSpc>
+              <a:spcBef>
+                <a:spcPts val="500"/>
+              </a:spcBef>
+              <a:buFont typeface="Arial" panose="020B0604020202020204" pitchFamily="34" charset="0"/>
+              <a:buChar char="•"/>
+              <a:defRPr sz="1800" kern="1200">
+                <a:solidFill>
+                  <a:schemeClr val="tx1"/>
+                </a:solidFill>
+                <a:latin typeface="+mn-lt"/>
+                <a:ea typeface="+mn-ea"/>
+                <a:cs typeface="+mn-cs"/>
+              </a:defRPr>
+            </a:lvl7pPr>
+            <a:lvl8pPr marL="3429000" indent="-228600" algn="l" defTabSz="914400" rtl="0" eaLnBrk="1" latinLnBrk="0" hangingPunct="1">
+              <a:lnSpc>
+                <a:spcPct val="90000"/>
+              </a:lnSpc>
+              <a:spcBef>
+                <a:spcPts val="500"/>
+              </a:spcBef>
+              <a:buFont typeface="Arial" panose="020B0604020202020204" pitchFamily="34" charset="0"/>
+              <a:buChar char="•"/>
+              <a:defRPr sz="1800" kern="1200">
+                <a:solidFill>
+                  <a:schemeClr val="tx1"/>
+                </a:solidFill>
+                <a:latin typeface="+mn-lt"/>
+                <a:ea typeface="+mn-ea"/>
+                <a:cs typeface="+mn-cs"/>
+              </a:defRPr>
+            </a:lvl8pPr>
+            <a:lvl9pPr marL="3886200" indent="-228600" algn="l" defTabSz="914400" rtl="0" eaLnBrk="1" latinLnBrk="0" hangingPunct="1">
+              <a:lnSpc>
+                <a:spcPct val="90000"/>
+              </a:lnSpc>
+              <a:spcBef>
+                <a:spcPts val="500"/>
+              </a:spcBef>
+              <a:buFont typeface="Arial" panose="020B0604020202020204" pitchFamily="34" charset="0"/>
+              <a:buChar char="•"/>
+              <a:defRPr sz="1800" kern="1200">
+                <a:solidFill>
+                  <a:schemeClr val="tx1"/>
+                </a:solidFill>
+                <a:latin typeface="+mn-lt"/>
+                <a:ea typeface="+mn-ea"/>
+                <a:cs typeface="+mn-cs"/>
+              </a:defRPr>
+            </a:lvl9pPr>
+          </a:lstStyle>
+          <a:p>
+            <a:pPr marL="0" indent="0">
+              <a:buNone/>
+            </a:pPr>
+            <a:r>
+              <a:rPr lang="en-US" sz="3200" dirty="0"/>
+              <a:t>Employee by ID:</a:t>
+            </a:r>
+          </a:p>
+          <a:p>
+            <a:pPr lvl="1"/>
+            <a:r>
+              <a:rPr lang="en-US" dirty="0"/>
+              <a:t>1205</a:t>
+            </a:r>
+          </a:p>
+          <a:p>
+            <a:pPr lvl="1"/>
+            <a:r>
+              <a:rPr lang="en-US" dirty="0"/>
+              <a:t>1233</a:t>
+            </a:r>
+          </a:p>
+          <a:p>
+            <a:pPr lvl="1"/>
+            <a:r>
+              <a:rPr lang="en-US" dirty="0"/>
+              <a:t>1421 </a:t>
+            </a:r>
+          </a:p>
+          <a:p>
+            <a:pPr lvl="1"/>
+            <a:r>
+              <a:rPr lang="en-US" dirty="0"/>
+              <a:t>1439</a:t>
+            </a:r>
+          </a:p>
+        </p:txBody>
+      </p:sp>
+      <p:cxnSp>
+        <p:nvCxnSpPr>
+          <p:cNvPr id="6" name="Straight Connector 5">
+            <a:extLst>
+              <a:ext uri="{FF2B5EF4-FFF2-40B4-BE49-F238E27FC236}">
+                <a16:creationId xmlns:a16="http://schemas.microsoft.com/office/drawing/2014/main" id="{20608CBE-4A74-416A-A348-78C6F35DBEB0}"/>
+              </a:ext>
+            </a:extLst>
+          </p:cNvPr>
+          <p:cNvCxnSpPr/>
+          <p:nvPr/>
+        </p:nvCxnSpPr>
+        <p:spPr>
+          <a:xfrm>
+            <a:off x="4762005" y="830085"/>
+            <a:ext cx="0" cy="5197829"/>
+          </a:xfrm>
+          <a:prstGeom prst="line">
+            <a:avLst/>
+          </a:prstGeom>
+        </p:spPr>
+        <p:style>
+          <a:lnRef idx="1">
+            <a:schemeClr val="dk1"/>
+          </a:lnRef>
+          <a:fillRef idx="0">
+            <a:schemeClr val="dk1"/>
+          </a:fillRef>
+          <a:effectRef idx="0">
+            <a:schemeClr val="dk1"/>
+          </a:effectRef>
+          <a:fontRef idx="minor">
+            <a:schemeClr val="tx1"/>
+          </a:fontRef>
+        </p:style>
+      </p:cxnSp>
+    </p:spTree>
+    <p:extLst>
+      <p:ext uri="{BB962C8B-B14F-4D97-AF65-F5344CB8AC3E}">
+        <p14:creationId xmlns:p14="http://schemas.microsoft.com/office/powerpoint/2010/main" val="1267473096"/>
+      </p:ext>
+    </p:extLst>
+  </p:cSld>
+  <p:clrMapOvr>
+    <a:masterClrMapping/>
+  </p:clrMapOvr>
+</p:sld>
+</file>
+
+<file path=ppt/slides/slide12.xml><?xml version="1.0" encoding="utf-8"?>
+<p:sld xmlns:a="http://schemas.openxmlformats.org/drawingml/2006/main" xmlns:r="http://schemas.openxmlformats.org/officeDocument/2006/relationships" xmlns:p="http://schemas.openxmlformats.org/presentationml/2006/main">
+  <p:cSld>
+    <p:spTree>
+      <p:nvGrpSpPr>
+        <p:cNvPr id="1" name=""/>
+        <p:cNvGrpSpPr/>
+        <p:nvPr/>
+      </p:nvGrpSpPr>
+      <p:grpSpPr>
+        <a:xfrm>
+          <a:off x="0" y="0"/>
+          <a:ext cx="0" cy="0"/>
+          <a:chOff x="0" y="0"/>
+          <a:chExt cx="0" cy="0"/>
+        </a:xfrm>
+      </p:grpSpPr>
+      <p:sp>
+        <p:nvSpPr>
+          <p:cNvPr id="2" name="Title 1">
+            <a:extLst>
+              <a:ext uri="{FF2B5EF4-FFF2-40B4-BE49-F238E27FC236}">
+                <a16:creationId xmlns:a16="http://schemas.microsoft.com/office/drawing/2014/main" id="{01CBDE37-F4A4-4A24-A16E-E9B31B04F843}"/>
+              </a:ext>
+            </a:extLst>
+          </p:cNvPr>
+          <p:cNvSpPr>
+            <a:spLocks noGrp="1"/>
+          </p:cNvSpPr>
+          <p:nvPr>
+            <p:ph type="title"/>
+          </p:nvPr>
+        </p:nvSpPr>
+        <p:spPr/>
+        <p:txBody>
+          <a:bodyPr/>
+          <a:lstStyle/>
+          <a:p>
+            <a:r>
+              <a:rPr lang="en-US" dirty="0"/>
+              <a:t>Other Information</a:t>
+            </a:r>
+          </a:p>
+        </p:txBody>
+      </p:sp>
+      <p:sp>
+        <p:nvSpPr>
+          <p:cNvPr id="3" name="Content Placeholder 2">
+            <a:extLst>
+              <a:ext uri="{FF2B5EF4-FFF2-40B4-BE49-F238E27FC236}">
+                <a16:creationId xmlns:a16="http://schemas.microsoft.com/office/drawing/2014/main" id="{F4BDA297-7D79-4EB1-965D-1B45D1955CF8}"/>
+              </a:ext>
+            </a:extLst>
+          </p:cNvPr>
+          <p:cNvSpPr>
+            <a:spLocks noGrp="1"/>
+          </p:cNvSpPr>
+          <p:nvPr>
+            <p:ph idx="1"/>
+          </p:nvPr>
+        </p:nvSpPr>
+        <p:spPr/>
+        <p:txBody>
+          <a:bodyPr/>
+          <a:lstStyle/>
+          <a:p>
+            <a:endParaRPr lang="en-US"/>
+          </a:p>
+        </p:txBody>
+      </p:sp>
+    </p:spTree>
+    <p:extLst>
+      <p:ext uri="{BB962C8B-B14F-4D97-AF65-F5344CB8AC3E}">
+        <p14:creationId xmlns:p14="http://schemas.microsoft.com/office/powerpoint/2010/main" val="1499934009"/>
+      </p:ext>
+    </p:extLst>
+  </p:cSld>
+  <p:clrMapOvr>
+    <a:masterClrMapping/>
+  </p:clrMapOvr>
+</p:sld>
+</file>
+
 <file path=ppt/slides/slide2.xml><?xml version="1.0" encoding="utf-8"?>
 <p:sld xmlns:a="http://schemas.openxmlformats.org/drawingml/2006/main" xmlns:r="http://schemas.openxmlformats.org/officeDocument/2006/relationships" xmlns:p="http://schemas.openxmlformats.org/presentationml/2006/main">
   <p:cSld>
@@ -3378,7 +4351,7 @@
           <a:bodyPr/>
           <a:lstStyle/>
           <a:p>
-            <a:endParaRPr lang="en-US"/>
+            <a:endParaRPr lang="en-US" dirty="0"/>
           </a:p>
         </p:txBody>
       </p:sp>
@@ -3386,6 +4359,2260 @@
     <p:extLst>
       <p:ext uri="{BB962C8B-B14F-4D97-AF65-F5344CB8AC3E}">
         <p14:creationId xmlns:p14="http://schemas.microsoft.com/office/powerpoint/2010/main" val="2381646238"/>
+      </p:ext>
+    </p:extLst>
+  </p:cSld>
+  <p:clrMapOvr>
+    <a:masterClrMapping/>
+  </p:clrMapOvr>
+</p:sld>
+</file>
+
+<file path=ppt/slides/slide3.xml><?xml version="1.0" encoding="utf-8"?>
+<p:sld xmlns:a="http://schemas.openxmlformats.org/drawingml/2006/main" xmlns:r="http://schemas.openxmlformats.org/officeDocument/2006/relationships" xmlns:p="http://schemas.openxmlformats.org/presentationml/2006/main">
+  <p:cSld>
+    <p:spTree>
+      <p:nvGrpSpPr>
+        <p:cNvPr id="1" name=""/>
+        <p:cNvGrpSpPr/>
+        <p:nvPr/>
+      </p:nvGrpSpPr>
+      <p:grpSpPr>
+        <a:xfrm>
+          <a:off x="0" y="0"/>
+          <a:ext cx="0" cy="0"/>
+          <a:chOff x="0" y="0"/>
+          <a:chExt cx="0" cy="0"/>
+        </a:xfrm>
+      </p:grpSpPr>
+      <p:sp>
+        <p:nvSpPr>
+          <p:cNvPr id="2" name="Title 1">
+            <a:extLst>
+              <a:ext uri="{FF2B5EF4-FFF2-40B4-BE49-F238E27FC236}">
+                <a16:creationId xmlns:a16="http://schemas.microsoft.com/office/drawing/2014/main" id="{89D4EE30-10BE-401E-A58E-CEAFD8E71705}"/>
+              </a:ext>
+            </a:extLst>
+          </p:cNvPr>
+          <p:cNvSpPr>
+            <a:spLocks noGrp="1"/>
+          </p:cNvSpPr>
+          <p:nvPr>
+            <p:ph type="title"/>
+          </p:nvPr>
+        </p:nvSpPr>
+        <p:spPr/>
+        <p:txBody>
+          <a:bodyPr>
+            <a:normAutofit/>
+          </a:bodyPr>
+          <a:lstStyle/>
+          <a:p>
+            <a:r>
+              <a:rPr lang="en-US" dirty="0"/>
+              <a:t>Calculating Salary</a:t>
+            </a:r>
+          </a:p>
+        </p:txBody>
+      </p:sp>
+      <p:sp>
+        <p:nvSpPr>
+          <p:cNvPr id="3" name="Content Placeholder 2">
+            <a:extLst>
+              <a:ext uri="{FF2B5EF4-FFF2-40B4-BE49-F238E27FC236}">
+                <a16:creationId xmlns:a16="http://schemas.microsoft.com/office/drawing/2014/main" id="{81A48FCF-AC7B-488F-8796-F91BC30DA99F}"/>
+              </a:ext>
+            </a:extLst>
+          </p:cNvPr>
+          <p:cNvSpPr>
+            <a:spLocks noGrp="1"/>
+          </p:cNvSpPr>
+          <p:nvPr>
+            <p:ph idx="1"/>
+          </p:nvPr>
+        </p:nvSpPr>
+        <p:spPr>
+          <a:xfrm>
+            <a:off x="838200" y="1024891"/>
+            <a:ext cx="6050280" cy="5184716"/>
+          </a:xfrm>
+        </p:spPr>
+        <p:txBody>
+          <a:bodyPr>
+            <a:normAutofit/>
+          </a:bodyPr>
+          <a:lstStyle/>
+          <a:p>
+            <a:pPr marL="0" indent="0">
+              <a:buNone/>
+            </a:pPr>
+            <a:r>
+              <a:rPr lang="en-US" sz="2400" dirty="0"/>
+              <a:t>Missing Data</a:t>
+            </a:r>
+          </a:p>
+          <a:p>
+            <a:r>
+              <a:rPr lang="en-US" sz="1800" dirty="0"/>
+              <a:t>Part of the data set provided had </a:t>
+            </a:r>
+            <a:r>
+              <a:rPr lang="en-US" sz="1800" b="1" dirty="0"/>
+              <a:t>no salary information </a:t>
+            </a:r>
+          </a:p>
+          <a:p>
+            <a:endParaRPr lang="en-US" sz="1800" dirty="0"/>
+          </a:p>
+          <a:p>
+            <a:endParaRPr lang="en-US" sz="1800" dirty="0"/>
+          </a:p>
+          <a:p>
+            <a:pPr marL="0" indent="0">
+              <a:buNone/>
+            </a:pPr>
+            <a:r>
+              <a:rPr lang="en-US" sz="2400" dirty="0"/>
+              <a:t>Solution</a:t>
+            </a:r>
+          </a:p>
+          <a:p>
+            <a:r>
+              <a:rPr lang="en-US" sz="1800" dirty="0"/>
+              <a:t>Used </a:t>
+            </a:r>
+            <a:r>
+              <a:rPr lang="en-US" sz="1800" b="1" dirty="0"/>
+              <a:t>Linear Regression </a:t>
+            </a:r>
+            <a:r>
+              <a:rPr lang="en-US" sz="1800" dirty="0"/>
+              <a:t>to fill in the missing data </a:t>
+            </a:r>
+          </a:p>
+          <a:p>
+            <a:r>
+              <a:rPr lang="en-US" sz="1800" dirty="0"/>
+              <a:t>Used the highest correlating variables to define my function</a:t>
+            </a:r>
+          </a:p>
+          <a:p>
+            <a:pPr marL="0" indent="0">
+              <a:buNone/>
+            </a:pPr>
+            <a:endParaRPr lang="en-US" sz="1400" dirty="0"/>
+          </a:p>
+          <a:p>
+            <a:pPr marL="0" indent="0">
+              <a:buNone/>
+            </a:pPr>
+            <a:endParaRPr lang="en-US" sz="1400" dirty="0"/>
+          </a:p>
+          <a:p>
+            <a:pPr marL="0" indent="0">
+              <a:buNone/>
+            </a:pPr>
+            <a:r>
+              <a:rPr lang="en-US" sz="2400" dirty="0"/>
+              <a:t>Results</a:t>
+            </a:r>
+          </a:p>
+          <a:p>
+            <a:r>
+              <a:rPr lang="en-US" sz="1800" b="1" dirty="0"/>
+              <a:t>7% Median </a:t>
+            </a:r>
+            <a:r>
+              <a:rPr lang="en-US" sz="1800" dirty="0"/>
+              <a:t>and </a:t>
+            </a:r>
+            <a:r>
+              <a:rPr lang="en-US" sz="1800" b="1" dirty="0"/>
+              <a:t>9.8% Mean </a:t>
+            </a:r>
+            <a:r>
+              <a:rPr lang="en-US" sz="1800" dirty="0"/>
+              <a:t>difference of generated salary data as compared to the test data</a:t>
+            </a:r>
+          </a:p>
+          <a:p>
+            <a:r>
+              <a:rPr lang="en-US" sz="1800" b="1" dirty="0"/>
+              <a:t>RMSE</a:t>
+            </a:r>
+            <a:r>
+              <a:rPr lang="en-US" sz="1800" dirty="0"/>
+              <a:t> of $</a:t>
+            </a:r>
+            <a:r>
+              <a:rPr lang="en-US" sz="1800" b="1" dirty="0"/>
+              <a:t>1,376.95</a:t>
+            </a:r>
+          </a:p>
+        </p:txBody>
+      </p:sp>
+      <p:pic>
+        <p:nvPicPr>
+          <p:cNvPr id="5" name="Picture 4">
+            <a:extLst>
+              <a:ext uri="{FF2B5EF4-FFF2-40B4-BE49-F238E27FC236}">
+                <a16:creationId xmlns:a16="http://schemas.microsoft.com/office/drawing/2014/main" id="{E2F3D118-9E8D-4AA5-996F-05B1ED40A03D}"/>
+              </a:ext>
+            </a:extLst>
+          </p:cNvPr>
+          <p:cNvPicPr>
+            <a:picLocks noChangeAspect="1"/>
+          </p:cNvPicPr>
+          <p:nvPr/>
+        </p:nvPicPr>
+        <p:blipFill>
+          <a:blip r:embed="rId2"/>
+          <a:stretch>
+            <a:fillRect/>
+          </a:stretch>
+        </p:blipFill>
+        <p:spPr>
+          <a:xfrm>
+            <a:off x="7089354" y="1192876"/>
+            <a:ext cx="4572033" cy="4472247"/>
+          </a:xfrm>
+          <a:prstGeom prst="rect">
+            <a:avLst/>
+          </a:prstGeom>
+        </p:spPr>
+      </p:pic>
+    </p:spTree>
+    <p:extLst>
+      <p:ext uri="{BB962C8B-B14F-4D97-AF65-F5344CB8AC3E}">
+        <p14:creationId xmlns:p14="http://schemas.microsoft.com/office/powerpoint/2010/main" val="1334244964"/>
+      </p:ext>
+    </p:extLst>
+  </p:cSld>
+  <p:clrMapOvr>
+    <a:masterClrMapping/>
+  </p:clrMapOvr>
+</p:sld>
+</file>
+
+<file path=ppt/slides/slide4.xml><?xml version="1.0" encoding="utf-8"?>
+<p:sld xmlns:a="http://schemas.openxmlformats.org/drawingml/2006/main" xmlns:r="http://schemas.openxmlformats.org/officeDocument/2006/relationships" xmlns:p="http://schemas.openxmlformats.org/presentationml/2006/main">
+  <p:cSld>
+    <p:spTree>
+      <p:nvGrpSpPr>
+        <p:cNvPr id="1" name=""/>
+        <p:cNvGrpSpPr/>
+        <p:nvPr/>
+      </p:nvGrpSpPr>
+      <p:grpSpPr>
+        <a:xfrm>
+          <a:off x="0" y="0"/>
+          <a:ext cx="0" cy="0"/>
+          <a:chOff x="0" y="0"/>
+          <a:chExt cx="0" cy="0"/>
+        </a:xfrm>
+      </p:grpSpPr>
+      <p:sp>
+        <p:nvSpPr>
+          <p:cNvPr id="2" name="Title 1">
+            <a:extLst>
+              <a:ext uri="{FF2B5EF4-FFF2-40B4-BE49-F238E27FC236}">
+                <a16:creationId xmlns:a16="http://schemas.microsoft.com/office/drawing/2014/main" id="{2285CF61-E7FF-430D-AB39-64B5C30ED7DA}"/>
+              </a:ext>
+            </a:extLst>
+          </p:cNvPr>
+          <p:cNvSpPr>
+            <a:spLocks noGrp="1"/>
+          </p:cNvSpPr>
+          <p:nvPr>
+            <p:ph type="title"/>
+          </p:nvPr>
+        </p:nvSpPr>
+        <p:spPr/>
+        <p:txBody>
+          <a:bodyPr>
+            <a:normAutofit fontScale="90000"/>
+          </a:bodyPr>
+          <a:lstStyle/>
+          <a:p>
+            <a:r>
+              <a:rPr lang="en-US" dirty="0"/>
+              <a:t>Initial Discovery / Common Trends (1/2)</a:t>
+            </a:r>
+          </a:p>
+        </p:txBody>
+      </p:sp>
+      <p:pic>
+        <p:nvPicPr>
+          <p:cNvPr id="5" name="Picture 4">
+            <a:extLst>
+              <a:ext uri="{FF2B5EF4-FFF2-40B4-BE49-F238E27FC236}">
+                <a16:creationId xmlns:a16="http://schemas.microsoft.com/office/drawing/2014/main" id="{D07DCD95-F5FC-4553-9C49-AA3720609522}"/>
+              </a:ext>
+            </a:extLst>
+          </p:cNvPr>
+          <p:cNvPicPr>
+            <a:picLocks noChangeAspect="1"/>
+          </p:cNvPicPr>
+          <p:nvPr/>
+        </p:nvPicPr>
+        <p:blipFill>
+          <a:blip r:embed="rId2"/>
+          <a:stretch>
+            <a:fillRect/>
+          </a:stretch>
+        </p:blipFill>
+        <p:spPr>
+          <a:xfrm>
+            <a:off x="184023" y="1039368"/>
+            <a:ext cx="3766185" cy="2654580"/>
+          </a:xfrm>
+          <a:prstGeom prst="rect">
+            <a:avLst/>
+          </a:prstGeom>
+        </p:spPr>
+      </p:pic>
+      <p:pic>
+        <p:nvPicPr>
+          <p:cNvPr id="9" name="Picture 8">
+            <a:extLst>
+              <a:ext uri="{FF2B5EF4-FFF2-40B4-BE49-F238E27FC236}">
+                <a16:creationId xmlns:a16="http://schemas.microsoft.com/office/drawing/2014/main" id="{29793C7B-673D-4EE2-81AB-E30117518B97}"/>
+              </a:ext>
+            </a:extLst>
+          </p:cNvPr>
+          <p:cNvPicPr>
+            <a:picLocks noChangeAspect="1"/>
+          </p:cNvPicPr>
+          <p:nvPr/>
+        </p:nvPicPr>
+        <p:blipFill>
+          <a:blip r:embed="rId3"/>
+          <a:stretch>
+            <a:fillRect/>
+          </a:stretch>
+        </p:blipFill>
+        <p:spPr>
+          <a:xfrm>
+            <a:off x="3950208" y="1039368"/>
+            <a:ext cx="3766185" cy="2666326"/>
+          </a:xfrm>
+          <a:prstGeom prst="rect">
+            <a:avLst/>
+          </a:prstGeom>
+        </p:spPr>
+      </p:pic>
+      <p:pic>
+        <p:nvPicPr>
+          <p:cNvPr id="11" name="Picture 10">
+            <a:extLst>
+              <a:ext uri="{FF2B5EF4-FFF2-40B4-BE49-F238E27FC236}">
+                <a16:creationId xmlns:a16="http://schemas.microsoft.com/office/drawing/2014/main" id="{4797D163-89E7-4AD9-95B9-E9BE37B5D367}"/>
+              </a:ext>
+            </a:extLst>
+          </p:cNvPr>
+          <p:cNvPicPr>
+            <a:picLocks noChangeAspect="1"/>
+          </p:cNvPicPr>
+          <p:nvPr/>
+        </p:nvPicPr>
+        <p:blipFill>
+          <a:blip r:embed="rId4"/>
+          <a:stretch>
+            <a:fillRect/>
+          </a:stretch>
+        </p:blipFill>
+        <p:spPr>
+          <a:xfrm>
+            <a:off x="7716393" y="1039368"/>
+            <a:ext cx="4357366" cy="2971800"/>
+          </a:xfrm>
+          <a:prstGeom prst="rect">
+            <a:avLst/>
+          </a:prstGeom>
+        </p:spPr>
+      </p:pic>
+      <p:cxnSp>
+        <p:nvCxnSpPr>
+          <p:cNvPr id="13" name="Straight Connector 12">
+            <a:extLst>
+              <a:ext uri="{FF2B5EF4-FFF2-40B4-BE49-F238E27FC236}">
+                <a16:creationId xmlns:a16="http://schemas.microsoft.com/office/drawing/2014/main" id="{13F7209D-D9EB-4942-AFBA-BCF97B66A8A4}"/>
+              </a:ext>
+            </a:extLst>
+          </p:cNvPr>
+          <p:cNvCxnSpPr/>
+          <p:nvPr/>
+        </p:nvCxnSpPr>
+        <p:spPr>
+          <a:xfrm>
+            <a:off x="3645408" y="3693948"/>
+            <a:ext cx="0" cy="2877540"/>
+          </a:xfrm>
+          <a:prstGeom prst="line">
+            <a:avLst/>
+          </a:prstGeom>
+        </p:spPr>
+        <p:style>
+          <a:lnRef idx="1">
+            <a:schemeClr val="dk1"/>
+          </a:lnRef>
+          <a:fillRef idx="0">
+            <a:schemeClr val="dk1"/>
+          </a:fillRef>
+          <a:effectRef idx="0">
+            <a:schemeClr val="dk1"/>
+          </a:effectRef>
+          <a:fontRef idx="minor">
+            <a:schemeClr val="tx1"/>
+          </a:fontRef>
+        </p:style>
+      </p:cxnSp>
+      <p:cxnSp>
+        <p:nvCxnSpPr>
+          <p:cNvPr id="14" name="Straight Connector 13">
+            <a:extLst>
+              <a:ext uri="{FF2B5EF4-FFF2-40B4-BE49-F238E27FC236}">
+                <a16:creationId xmlns:a16="http://schemas.microsoft.com/office/drawing/2014/main" id="{27727402-4491-4B27-AD23-2FBB7B9AA6E6}"/>
+              </a:ext>
+            </a:extLst>
+          </p:cNvPr>
+          <p:cNvCxnSpPr/>
+          <p:nvPr/>
+        </p:nvCxnSpPr>
+        <p:spPr>
+          <a:xfrm>
+            <a:off x="7685913" y="3693948"/>
+            <a:ext cx="0" cy="2877540"/>
+          </a:xfrm>
+          <a:prstGeom prst="line">
+            <a:avLst/>
+          </a:prstGeom>
+        </p:spPr>
+        <p:style>
+          <a:lnRef idx="1">
+            <a:schemeClr val="dk1"/>
+          </a:lnRef>
+          <a:fillRef idx="0">
+            <a:schemeClr val="dk1"/>
+          </a:fillRef>
+          <a:effectRef idx="0">
+            <a:schemeClr val="dk1"/>
+          </a:effectRef>
+          <a:fontRef idx="minor">
+            <a:schemeClr val="tx1"/>
+          </a:fontRef>
+        </p:style>
+      </p:cxnSp>
+      <p:sp>
+        <p:nvSpPr>
+          <p:cNvPr id="19" name="TextBox 18">
+            <a:extLst>
+              <a:ext uri="{FF2B5EF4-FFF2-40B4-BE49-F238E27FC236}">
+                <a16:creationId xmlns:a16="http://schemas.microsoft.com/office/drawing/2014/main" id="{B3A9370F-A718-4AFF-BDB1-CCDF89109404}"/>
+              </a:ext>
+            </a:extLst>
+          </p:cNvPr>
+          <p:cNvSpPr txBox="1"/>
+          <p:nvPr/>
+        </p:nvSpPr>
+        <p:spPr>
+          <a:xfrm>
+            <a:off x="184023" y="4011168"/>
+            <a:ext cx="3156578" cy="1723549"/>
+          </a:xfrm>
+          <a:prstGeom prst="rect">
+            <a:avLst/>
+          </a:prstGeom>
+          <a:noFill/>
+        </p:spPr>
+        <p:txBody>
+          <a:bodyPr wrap="square" rtlCol="0">
+            <a:spAutoFit/>
+          </a:bodyPr>
+          <a:lstStyle/>
+          <a:p>
+            <a:r>
+              <a:rPr lang="en-US" u="sng" dirty="0">
+                <a:latin typeface="Times New Roman" panose="02020603050405020304" pitchFamily="18" charset="0"/>
+                <a:cs typeface="Times New Roman" panose="02020603050405020304" pitchFamily="18" charset="0"/>
+              </a:rPr>
+              <a:t>Age</a:t>
+            </a:r>
+          </a:p>
+          <a:p>
+            <a:endParaRPr lang="en-US" u="sng" dirty="0">
+              <a:latin typeface="Times New Roman" panose="02020603050405020304" pitchFamily="18" charset="0"/>
+              <a:cs typeface="Times New Roman" panose="02020603050405020304" pitchFamily="18" charset="0"/>
+            </a:endParaRPr>
+          </a:p>
+          <a:p>
+            <a:pPr marL="285750" indent="-285750">
+              <a:buFont typeface="Arial" panose="020B0604020202020204" pitchFamily="34" charset="0"/>
+              <a:buChar char="•"/>
+            </a:pPr>
+            <a:r>
+              <a:rPr lang="en-US" sz="1400" dirty="0">
+                <a:latin typeface="Times New Roman" panose="02020603050405020304" pitchFamily="18" charset="0"/>
+                <a:cs typeface="Times New Roman" panose="02020603050405020304" pitchFamily="18" charset="0"/>
+              </a:rPr>
+              <a:t>Mean</a:t>
+            </a:r>
+          </a:p>
+          <a:p>
+            <a:pPr marL="742950" lvl="1" indent="-285750">
+              <a:buFont typeface="Arial" panose="020B0604020202020204" pitchFamily="34" charset="0"/>
+              <a:buChar char="•"/>
+            </a:pPr>
+            <a:r>
+              <a:rPr lang="en-US" sz="1400" dirty="0">
+                <a:latin typeface="Times New Roman" panose="02020603050405020304" pitchFamily="18" charset="0"/>
+                <a:cs typeface="Times New Roman" panose="02020603050405020304" pitchFamily="18" charset="0"/>
+              </a:rPr>
+              <a:t>Attrition: 33.79</a:t>
+            </a:r>
+          </a:p>
+          <a:p>
+            <a:pPr marL="742950" lvl="1" indent="-285750">
+              <a:buFont typeface="Arial" panose="020B0604020202020204" pitchFamily="34" charset="0"/>
+              <a:buChar char="•"/>
+            </a:pPr>
+            <a:r>
+              <a:rPr lang="en-US" sz="1400" dirty="0">
+                <a:latin typeface="Times New Roman" panose="02020603050405020304" pitchFamily="18" charset="0"/>
+                <a:cs typeface="Times New Roman" panose="02020603050405020304" pitchFamily="18" charset="0"/>
+              </a:rPr>
+              <a:t>No Attrition: 37.34</a:t>
+            </a:r>
+          </a:p>
+          <a:p>
+            <a:pPr marL="285750" indent="-285750">
+              <a:buFont typeface="Arial" panose="020B0604020202020204" pitchFamily="34" charset="0"/>
+              <a:buChar char="•"/>
+            </a:pPr>
+            <a:r>
+              <a:rPr lang="en-US" sz="1400" dirty="0">
+                <a:latin typeface="Times New Roman" panose="02020603050405020304" pitchFamily="18" charset="0"/>
+                <a:cs typeface="Times New Roman" panose="02020603050405020304" pitchFamily="18" charset="0"/>
+              </a:rPr>
+              <a:t>The age of employees with attrition is noticeably lower </a:t>
+            </a:r>
+          </a:p>
+        </p:txBody>
+      </p:sp>
+      <p:sp>
+        <p:nvSpPr>
+          <p:cNvPr id="20" name="TextBox 19">
+            <a:extLst>
+              <a:ext uri="{FF2B5EF4-FFF2-40B4-BE49-F238E27FC236}">
+                <a16:creationId xmlns:a16="http://schemas.microsoft.com/office/drawing/2014/main" id="{04683568-7CE8-4135-9EED-E7C650D3B51A}"/>
+              </a:ext>
+            </a:extLst>
+          </p:cNvPr>
+          <p:cNvSpPr txBox="1"/>
+          <p:nvPr/>
+        </p:nvSpPr>
+        <p:spPr>
+          <a:xfrm>
+            <a:off x="4087372" y="4011168"/>
+            <a:ext cx="3156578" cy="1723549"/>
+          </a:xfrm>
+          <a:prstGeom prst="rect">
+            <a:avLst/>
+          </a:prstGeom>
+          <a:noFill/>
+        </p:spPr>
+        <p:txBody>
+          <a:bodyPr wrap="square" rtlCol="0">
+            <a:spAutoFit/>
+          </a:bodyPr>
+          <a:lstStyle/>
+          <a:p>
+            <a:r>
+              <a:rPr lang="en-US" u="sng" dirty="0">
+                <a:latin typeface="Times New Roman" panose="02020603050405020304" pitchFamily="18" charset="0"/>
+                <a:cs typeface="Times New Roman" panose="02020603050405020304" pitchFamily="18" charset="0"/>
+              </a:rPr>
+              <a:t>Job Level</a:t>
+            </a:r>
+          </a:p>
+          <a:p>
+            <a:endParaRPr lang="en-US" u="sng" dirty="0">
+              <a:latin typeface="Times New Roman" panose="02020603050405020304" pitchFamily="18" charset="0"/>
+              <a:cs typeface="Times New Roman" panose="02020603050405020304" pitchFamily="18" charset="0"/>
+            </a:endParaRPr>
+          </a:p>
+          <a:p>
+            <a:pPr marL="285750" indent="-285750">
+              <a:buFont typeface="Arial" panose="020B0604020202020204" pitchFamily="34" charset="0"/>
+              <a:buChar char="•"/>
+            </a:pPr>
+            <a:r>
+              <a:rPr lang="en-US" sz="1400" dirty="0">
+                <a:latin typeface="Times New Roman" panose="02020603050405020304" pitchFamily="18" charset="0"/>
+                <a:cs typeface="Times New Roman" panose="02020603050405020304" pitchFamily="18" charset="0"/>
+              </a:rPr>
+              <a:t>Employees with the highest attrition are level 1 with 26.3% of all level 1’s having attrition</a:t>
+            </a:r>
+          </a:p>
+          <a:p>
+            <a:pPr marL="285750" indent="-285750">
+              <a:buFont typeface="Arial" panose="020B0604020202020204" pitchFamily="34" charset="0"/>
+              <a:buChar char="•"/>
+            </a:pPr>
+            <a:r>
+              <a:rPr lang="en-US" sz="1400" dirty="0">
+                <a:latin typeface="Times New Roman" panose="02020603050405020304" pitchFamily="18" charset="0"/>
+                <a:cs typeface="Times New Roman" panose="02020603050405020304" pitchFamily="18" charset="0"/>
+              </a:rPr>
+              <a:t>The next highest isn’t until level 3 with 13.4%</a:t>
+            </a:r>
+          </a:p>
+        </p:txBody>
+      </p:sp>
+      <p:sp>
+        <p:nvSpPr>
+          <p:cNvPr id="21" name="TextBox 20">
+            <a:extLst>
+              <a:ext uri="{FF2B5EF4-FFF2-40B4-BE49-F238E27FC236}">
+                <a16:creationId xmlns:a16="http://schemas.microsoft.com/office/drawing/2014/main" id="{F9585D2A-C41F-4321-A602-66ADB84310B3}"/>
+              </a:ext>
+            </a:extLst>
+          </p:cNvPr>
+          <p:cNvSpPr txBox="1"/>
+          <p:nvPr/>
+        </p:nvSpPr>
+        <p:spPr>
+          <a:xfrm>
+            <a:off x="8127876" y="4011167"/>
+            <a:ext cx="3156578" cy="1938992"/>
+          </a:xfrm>
+          <a:prstGeom prst="rect">
+            <a:avLst/>
+          </a:prstGeom>
+          <a:noFill/>
+        </p:spPr>
+        <p:txBody>
+          <a:bodyPr wrap="square" rtlCol="0">
+            <a:spAutoFit/>
+          </a:bodyPr>
+          <a:lstStyle/>
+          <a:p>
+            <a:r>
+              <a:rPr lang="en-US" u="sng" dirty="0">
+                <a:latin typeface="Times New Roman" panose="02020603050405020304" pitchFamily="18" charset="0"/>
+                <a:cs typeface="Times New Roman" panose="02020603050405020304" pitchFamily="18" charset="0"/>
+              </a:rPr>
+              <a:t>Job Role</a:t>
+            </a:r>
+          </a:p>
+          <a:p>
+            <a:endParaRPr lang="en-US" u="sng" dirty="0">
+              <a:latin typeface="Times New Roman" panose="02020603050405020304" pitchFamily="18" charset="0"/>
+              <a:cs typeface="Times New Roman" panose="02020603050405020304" pitchFamily="18" charset="0"/>
+            </a:endParaRPr>
+          </a:p>
+          <a:p>
+            <a:pPr marL="285750" indent="-285750">
+              <a:buFont typeface="Arial" panose="020B0604020202020204" pitchFamily="34" charset="0"/>
+              <a:buChar char="•"/>
+            </a:pPr>
+            <a:r>
+              <a:rPr lang="en-US" sz="1400" dirty="0">
+                <a:latin typeface="Times New Roman" panose="02020603050405020304" pitchFamily="18" charset="0"/>
+                <a:cs typeface="Times New Roman" panose="02020603050405020304" pitchFamily="18" charset="0"/>
+              </a:rPr>
+              <a:t>Roles with the highest attrition rate</a:t>
+            </a:r>
+          </a:p>
+          <a:p>
+            <a:pPr marL="742950" lvl="1" indent="-285750">
+              <a:buFont typeface="Arial" panose="020B0604020202020204" pitchFamily="34" charset="0"/>
+              <a:buChar char="•"/>
+            </a:pPr>
+            <a:r>
+              <a:rPr lang="en-US" sz="1400" dirty="0">
+                <a:latin typeface="Times New Roman" panose="02020603050405020304" pitchFamily="18" charset="0"/>
+                <a:cs typeface="Times New Roman" panose="02020603050405020304" pitchFamily="18" charset="0"/>
+              </a:rPr>
+              <a:t>Sales Rep: 41.6%</a:t>
+            </a:r>
+          </a:p>
+          <a:p>
+            <a:pPr marL="742950" lvl="1" indent="-285750">
+              <a:buFont typeface="Arial" panose="020B0604020202020204" pitchFamily="34" charset="0"/>
+              <a:buChar char="•"/>
+            </a:pPr>
+            <a:r>
+              <a:rPr lang="en-US" sz="1400" dirty="0">
+                <a:latin typeface="Times New Roman" panose="02020603050405020304" pitchFamily="18" charset="0"/>
+                <a:cs typeface="Times New Roman" panose="02020603050405020304" pitchFamily="18" charset="0"/>
+              </a:rPr>
+              <a:t>Lab Tech: 22.5%</a:t>
+            </a:r>
+          </a:p>
+          <a:p>
+            <a:pPr marL="742950" lvl="1" indent="-285750">
+              <a:buFont typeface="Arial" panose="020B0604020202020204" pitchFamily="34" charset="0"/>
+              <a:buChar char="•"/>
+            </a:pPr>
+            <a:r>
+              <a:rPr lang="en-US" sz="1400" dirty="0">
+                <a:latin typeface="Times New Roman" panose="02020603050405020304" pitchFamily="18" charset="0"/>
+                <a:cs typeface="Times New Roman" panose="02020603050405020304" pitchFamily="18" charset="0"/>
+              </a:rPr>
+              <a:t>HR: 20.45%</a:t>
+            </a:r>
+          </a:p>
+          <a:p>
+            <a:pPr marL="742950" lvl="1" indent="-285750">
+              <a:buFont typeface="Arial" panose="020B0604020202020204" pitchFamily="34" charset="0"/>
+              <a:buChar char="•"/>
+            </a:pPr>
+            <a:r>
+              <a:rPr lang="en-US" sz="1400" dirty="0">
+                <a:latin typeface="Times New Roman" panose="02020603050405020304" pitchFamily="18" charset="0"/>
+                <a:cs typeface="Times New Roman" panose="02020603050405020304" pitchFamily="18" charset="0"/>
+              </a:rPr>
+              <a:t>Research Scientist: 17.3%</a:t>
+            </a:r>
+          </a:p>
+          <a:p>
+            <a:pPr marL="742950" lvl="1" indent="-285750">
+              <a:buFont typeface="Arial" panose="020B0604020202020204" pitchFamily="34" charset="0"/>
+              <a:buChar char="•"/>
+            </a:pPr>
+            <a:r>
+              <a:rPr lang="en-US" sz="1400" dirty="0">
+                <a:latin typeface="Times New Roman" panose="02020603050405020304" pitchFamily="18" charset="0"/>
+                <a:cs typeface="Times New Roman" panose="02020603050405020304" pitchFamily="18" charset="0"/>
+              </a:rPr>
+              <a:t>Sales Executive: 15.9%</a:t>
+            </a:r>
+          </a:p>
+        </p:txBody>
+      </p:sp>
+    </p:spTree>
+    <p:extLst>
+      <p:ext uri="{BB962C8B-B14F-4D97-AF65-F5344CB8AC3E}">
+        <p14:creationId xmlns:p14="http://schemas.microsoft.com/office/powerpoint/2010/main" val="2444865566"/>
+      </p:ext>
+    </p:extLst>
+  </p:cSld>
+  <p:clrMapOvr>
+    <a:masterClrMapping/>
+  </p:clrMapOvr>
+</p:sld>
+</file>
+
+<file path=ppt/slides/slide5.xml><?xml version="1.0" encoding="utf-8"?>
+<p:sld xmlns:a="http://schemas.openxmlformats.org/drawingml/2006/main" xmlns:r="http://schemas.openxmlformats.org/officeDocument/2006/relationships" xmlns:p="http://schemas.openxmlformats.org/presentationml/2006/main">
+  <p:cSld>
+    <p:spTree>
+      <p:nvGrpSpPr>
+        <p:cNvPr id="1" name=""/>
+        <p:cNvGrpSpPr/>
+        <p:nvPr/>
+      </p:nvGrpSpPr>
+      <p:grpSpPr>
+        <a:xfrm>
+          <a:off x="0" y="0"/>
+          <a:ext cx="0" cy="0"/>
+          <a:chOff x="0" y="0"/>
+          <a:chExt cx="0" cy="0"/>
+        </a:xfrm>
+      </p:grpSpPr>
+      <p:sp>
+        <p:nvSpPr>
+          <p:cNvPr id="2" name="Title 1">
+            <a:extLst>
+              <a:ext uri="{FF2B5EF4-FFF2-40B4-BE49-F238E27FC236}">
+                <a16:creationId xmlns:a16="http://schemas.microsoft.com/office/drawing/2014/main" id="{2285CF61-E7FF-430D-AB39-64B5C30ED7DA}"/>
+              </a:ext>
+            </a:extLst>
+          </p:cNvPr>
+          <p:cNvSpPr>
+            <a:spLocks noGrp="1"/>
+          </p:cNvSpPr>
+          <p:nvPr>
+            <p:ph type="title"/>
+          </p:nvPr>
+        </p:nvSpPr>
+        <p:spPr/>
+        <p:txBody>
+          <a:bodyPr>
+            <a:normAutofit fontScale="90000"/>
+          </a:bodyPr>
+          <a:lstStyle/>
+          <a:p>
+            <a:r>
+              <a:rPr lang="en-US" dirty="0"/>
+              <a:t>Initial Discovery / Common Trends (2/2)</a:t>
+            </a:r>
+          </a:p>
+        </p:txBody>
+      </p:sp>
+      <p:pic>
+        <p:nvPicPr>
+          <p:cNvPr id="5" name="Picture 4">
+            <a:extLst>
+              <a:ext uri="{FF2B5EF4-FFF2-40B4-BE49-F238E27FC236}">
+                <a16:creationId xmlns:a16="http://schemas.microsoft.com/office/drawing/2014/main" id="{D07DCD95-F5FC-4553-9C49-AA3720609522}"/>
+              </a:ext>
+            </a:extLst>
+          </p:cNvPr>
+          <p:cNvPicPr>
+            <a:picLocks noChangeAspect="1"/>
+          </p:cNvPicPr>
+          <p:nvPr/>
+        </p:nvPicPr>
+        <p:blipFill>
+          <a:blip r:embed="rId2">
+            <a:extLst>
+              <a:ext uri="{28A0092B-C50C-407E-A947-70E740481C1C}">
+                <a14:useLocalDpi xmlns:a14="http://schemas.microsoft.com/office/drawing/2010/main" val="0"/>
+              </a:ext>
+            </a:extLst>
+          </a:blip>
+          <a:srcRect/>
+          <a:stretch/>
+        </p:blipFill>
+        <p:spPr>
+          <a:xfrm>
+            <a:off x="146506" y="1039368"/>
+            <a:ext cx="3670530" cy="2654580"/>
+          </a:xfrm>
+          <a:prstGeom prst="rect">
+            <a:avLst/>
+          </a:prstGeom>
+        </p:spPr>
+      </p:pic>
+      <p:pic>
+        <p:nvPicPr>
+          <p:cNvPr id="9" name="Picture 8">
+            <a:extLst>
+              <a:ext uri="{FF2B5EF4-FFF2-40B4-BE49-F238E27FC236}">
+                <a16:creationId xmlns:a16="http://schemas.microsoft.com/office/drawing/2014/main" id="{29793C7B-673D-4EE2-81AB-E30117518B97}"/>
+              </a:ext>
+            </a:extLst>
+          </p:cNvPr>
+          <p:cNvPicPr>
+            <a:picLocks noChangeAspect="1"/>
+          </p:cNvPicPr>
+          <p:nvPr/>
+        </p:nvPicPr>
+        <p:blipFill>
+          <a:blip r:embed="rId3">
+            <a:extLst>
+              <a:ext uri="{28A0092B-C50C-407E-A947-70E740481C1C}">
+                <a14:useLocalDpi xmlns:a14="http://schemas.microsoft.com/office/drawing/2010/main" val="0"/>
+              </a:ext>
+            </a:extLst>
+          </a:blip>
+          <a:srcRect/>
+          <a:stretch/>
+        </p:blipFill>
+        <p:spPr>
+          <a:xfrm>
+            <a:off x="3998673" y="1039368"/>
+            <a:ext cx="3669255" cy="2666326"/>
+          </a:xfrm>
+          <a:prstGeom prst="rect">
+            <a:avLst/>
+          </a:prstGeom>
+        </p:spPr>
+      </p:pic>
+      <p:pic>
+        <p:nvPicPr>
+          <p:cNvPr id="11" name="Picture 10">
+            <a:extLst>
+              <a:ext uri="{FF2B5EF4-FFF2-40B4-BE49-F238E27FC236}">
+                <a16:creationId xmlns:a16="http://schemas.microsoft.com/office/drawing/2014/main" id="{4797D163-89E7-4AD9-95B9-E9BE37B5D367}"/>
+              </a:ext>
+            </a:extLst>
+          </p:cNvPr>
+          <p:cNvPicPr>
+            <a:picLocks noChangeAspect="1"/>
+          </p:cNvPicPr>
+          <p:nvPr/>
+        </p:nvPicPr>
+        <p:blipFill>
+          <a:blip r:embed="rId4">
+            <a:extLst>
+              <a:ext uri="{28A0092B-C50C-407E-A947-70E740481C1C}">
+                <a14:useLocalDpi xmlns:a14="http://schemas.microsoft.com/office/drawing/2010/main" val="0"/>
+              </a:ext>
+            </a:extLst>
+          </a:blip>
+          <a:srcRect/>
+          <a:stretch/>
+        </p:blipFill>
+        <p:spPr>
+          <a:xfrm>
+            <a:off x="7796528" y="1039368"/>
+            <a:ext cx="4197096" cy="2971800"/>
+          </a:xfrm>
+          <a:prstGeom prst="rect">
+            <a:avLst/>
+          </a:prstGeom>
+        </p:spPr>
+      </p:pic>
+      <p:cxnSp>
+        <p:nvCxnSpPr>
+          <p:cNvPr id="13" name="Straight Connector 12">
+            <a:extLst>
+              <a:ext uri="{FF2B5EF4-FFF2-40B4-BE49-F238E27FC236}">
+                <a16:creationId xmlns:a16="http://schemas.microsoft.com/office/drawing/2014/main" id="{13F7209D-D9EB-4942-AFBA-BCF97B66A8A4}"/>
+              </a:ext>
+            </a:extLst>
+          </p:cNvPr>
+          <p:cNvCxnSpPr/>
+          <p:nvPr/>
+        </p:nvCxnSpPr>
+        <p:spPr>
+          <a:xfrm>
+            <a:off x="3645408" y="3693948"/>
+            <a:ext cx="0" cy="2877540"/>
+          </a:xfrm>
+          <a:prstGeom prst="line">
+            <a:avLst/>
+          </a:prstGeom>
+        </p:spPr>
+        <p:style>
+          <a:lnRef idx="1">
+            <a:schemeClr val="dk1"/>
+          </a:lnRef>
+          <a:fillRef idx="0">
+            <a:schemeClr val="dk1"/>
+          </a:fillRef>
+          <a:effectRef idx="0">
+            <a:schemeClr val="dk1"/>
+          </a:effectRef>
+          <a:fontRef idx="minor">
+            <a:schemeClr val="tx1"/>
+          </a:fontRef>
+        </p:style>
+      </p:cxnSp>
+      <p:cxnSp>
+        <p:nvCxnSpPr>
+          <p:cNvPr id="14" name="Straight Connector 13">
+            <a:extLst>
+              <a:ext uri="{FF2B5EF4-FFF2-40B4-BE49-F238E27FC236}">
+                <a16:creationId xmlns:a16="http://schemas.microsoft.com/office/drawing/2014/main" id="{27727402-4491-4B27-AD23-2FBB7B9AA6E6}"/>
+              </a:ext>
+            </a:extLst>
+          </p:cNvPr>
+          <p:cNvCxnSpPr/>
+          <p:nvPr/>
+        </p:nvCxnSpPr>
+        <p:spPr>
+          <a:xfrm>
+            <a:off x="7685913" y="3693948"/>
+            <a:ext cx="0" cy="2877540"/>
+          </a:xfrm>
+          <a:prstGeom prst="line">
+            <a:avLst/>
+          </a:prstGeom>
+        </p:spPr>
+        <p:style>
+          <a:lnRef idx="1">
+            <a:schemeClr val="dk1"/>
+          </a:lnRef>
+          <a:fillRef idx="0">
+            <a:schemeClr val="dk1"/>
+          </a:fillRef>
+          <a:effectRef idx="0">
+            <a:schemeClr val="dk1"/>
+          </a:effectRef>
+          <a:fontRef idx="minor">
+            <a:schemeClr val="tx1"/>
+          </a:fontRef>
+        </p:style>
+      </p:cxnSp>
+      <p:sp>
+        <p:nvSpPr>
+          <p:cNvPr id="19" name="TextBox 18">
+            <a:extLst>
+              <a:ext uri="{FF2B5EF4-FFF2-40B4-BE49-F238E27FC236}">
+                <a16:creationId xmlns:a16="http://schemas.microsoft.com/office/drawing/2014/main" id="{B3A9370F-A718-4AFF-BDB1-CCDF89109404}"/>
+              </a:ext>
+            </a:extLst>
+          </p:cNvPr>
+          <p:cNvSpPr txBox="1"/>
+          <p:nvPr/>
+        </p:nvSpPr>
+        <p:spPr>
+          <a:xfrm>
+            <a:off x="184023" y="4011168"/>
+            <a:ext cx="3156578" cy="1508105"/>
+          </a:xfrm>
+          <a:prstGeom prst="rect">
+            <a:avLst/>
+          </a:prstGeom>
+          <a:noFill/>
+        </p:spPr>
+        <p:txBody>
+          <a:bodyPr wrap="square" rtlCol="0">
+            <a:spAutoFit/>
+          </a:bodyPr>
+          <a:lstStyle/>
+          <a:p>
+            <a:r>
+              <a:rPr lang="en-US" u="sng" dirty="0">
+                <a:latin typeface="Times New Roman" panose="02020603050405020304" pitchFamily="18" charset="0"/>
+                <a:cs typeface="Times New Roman" panose="02020603050405020304" pitchFamily="18" charset="0"/>
+              </a:rPr>
+              <a:t>Overtime</a:t>
+            </a:r>
+          </a:p>
+          <a:p>
+            <a:endParaRPr lang="en-US" u="sng" dirty="0">
+              <a:latin typeface="Times New Roman" panose="02020603050405020304" pitchFamily="18" charset="0"/>
+              <a:cs typeface="Times New Roman" panose="02020603050405020304" pitchFamily="18" charset="0"/>
+            </a:endParaRPr>
+          </a:p>
+          <a:p>
+            <a:pPr marL="285750" indent="-285750">
+              <a:buFont typeface="Arial" panose="020B0604020202020204" pitchFamily="34" charset="0"/>
+              <a:buChar char="•"/>
+            </a:pPr>
+            <a:r>
+              <a:rPr lang="en-US" sz="1400" dirty="0">
+                <a:latin typeface="Times New Roman" panose="02020603050405020304" pitchFamily="18" charset="0"/>
+                <a:cs typeface="Times New Roman" panose="02020603050405020304" pitchFamily="18" charset="0"/>
+              </a:rPr>
+              <a:t>No: 10.1%</a:t>
+            </a:r>
+          </a:p>
+          <a:p>
+            <a:pPr marL="285750" indent="-285750">
+              <a:buFont typeface="Arial" panose="020B0604020202020204" pitchFamily="34" charset="0"/>
+              <a:buChar char="•"/>
+            </a:pPr>
+            <a:r>
+              <a:rPr lang="en-US" sz="1400" dirty="0">
+                <a:latin typeface="Times New Roman" panose="02020603050405020304" pitchFamily="18" charset="0"/>
+                <a:cs typeface="Times New Roman" panose="02020603050405020304" pitchFamily="18" charset="0"/>
+              </a:rPr>
+              <a:t>Yes: 32.3%</a:t>
+            </a:r>
+          </a:p>
+          <a:p>
+            <a:pPr marL="285750" indent="-285750">
+              <a:buFont typeface="Arial" panose="020B0604020202020204" pitchFamily="34" charset="0"/>
+              <a:buChar char="•"/>
+            </a:pPr>
+            <a:r>
+              <a:rPr lang="en-US" sz="1400" dirty="0">
+                <a:latin typeface="Times New Roman" panose="02020603050405020304" pitchFamily="18" charset="0"/>
+                <a:cs typeface="Times New Roman" panose="02020603050405020304" pitchFamily="18" charset="0"/>
+              </a:rPr>
+              <a:t>Big increase in attrition from employees who work overtime </a:t>
+            </a:r>
+          </a:p>
+        </p:txBody>
+      </p:sp>
+      <p:sp>
+        <p:nvSpPr>
+          <p:cNvPr id="20" name="TextBox 19">
+            <a:extLst>
+              <a:ext uri="{FF2B5EF4-FFF2-40B4-BE49-F238E27FC236}">
+                <a16:creationId xmlns:a16="http://schemas.microsoft.com/office/drawing/2014/main" id="{04683568-7CE8-4135-9EED-E7C650D3B51A}"/>
+              </a:ext>
+            </a:extLst>
+          </p:cNvPr>
+          <p:cNvSpPr txBox="1"/>
+          <p:nvPr/>
+        </p:nvSpPr>
+        <p:spPr>
+          <a:xfrm>
+            <a:off x="4087372" y="4011168"/>
+            <a:ext cx="3156578" cy="1723549"/>
+          </a:xfrm>
+          <a:prstGeom prst="rect">
+            <a:avLst/>
+          </a:prstGeom>
+          <a:noFill/>
+        </p:spPr>
+        <p:txBody>
+          <a:bodyPr wrap="square" rtlCol="0">
+            <a:spAutoFit/>
+          </a:bodyPr>
+          <a:lstStyle/>
+          <a:p>
+            <a:r>
+              <a:rPr lang="en-US" u="sng" dirty="0">
+                <a:latin typeface="Times New Roman" panose="02020603050405020304" pitchFamily="18" charset="0"/>
+                <a:cs typeface="Times New Roman" panose="02020603050405020304" pitchFamily="18" charset="0"/>
+              </a:rPr>
+              <a:t>Total Working Years</a:t>
+            </a:r>
+          </a:p>
+          <a:p>
+            <a:endParaRPr lang="en-US" u="sng" dirty="0">
+              <a:latin typeface="Times New Roman" panose="02020603050405020304" pitchFamily="18" charset="0"/>
+              <a:cs typeface="Times New Roman" panose="02020603050405020304" pitchFamily="18" charset="0"/>
+            </a:endParaRPr>
+          </a:p>
+          <a:p>
+            <a:pPr marL="285750" indent="-285750">
+              <a:buFont typeface="Arial" panose="020B0604020202020204" pitchFamily="34" charset="0"/>
+              <a:buChar char="•"/>
+            </a:pPr>
+            <a:r>
+              <a:rPr lang="en-US" sz="1400" dirty="0">
+                <a:latin typeface="Times New Roman" panose="02020603050405020304" pitchFamily="18" charset="0"/>
+                <a:cs typeface="Times New Roman" panose="02020603050405020304" pitchFamily="18" charset="0"/>
+              </a:rPr>
+              <a:t>Mean</a:t>
+            </a:r>
+          </a:p>
+          <a:p>
+            <a:pPr marL="742950" lvl="1" indent="-285750">
+              <a:buFont typeface="Arial" panose="020B0604020202020204" pitchFamily="34" charset="0"/>
+              <a:buChar char="•"/>
+            </a:pPr>
+            <a:r>
+              <a:rPr lang="en-US" sz="1400" dirty="0">
+                <a:latin typeface="Times New Roman" panose="02020603050405020304" pitchFamily="18" charset="0"/>
+                <a:cs typeface="Times New Roman" panose="02020603050405020304" pitchFamily="18" charset="0"/>
+              </a:rPr>
+              <a:t>Attrition: 8.49 years</a:t>
+            </a:r>
+          </a:p>
+          <a:p>
+            <a:pPr marL="742950" lvl="1" indent="-285750">
+              <a:buFont typeface="Arial" panose="020B0604020202020204" pitchFamily="34" charset="0"/>
+              <a:buChar char="•"/>
+            </a:pPr>
+            <a:r>
+              <a:rPr lang="en-US" sz="1400" dirty="0">
+                <a:latin typeface="Times New Roman" panose="02020603050405020304" pitchFamily="18" charset="0"/>
+                <a:cs typeface="Times New Roman" panose="02020603050405020304" pitchFamily="18" charset="0"/>
+              </a:rPr>
+              <a:t>No-Attrition: 11.46</a:t>
+            </a:r>
+          </a:p>
+          <a:p>
+            <a:pPr marL="285750" indent="-285750">
+              <a:buFont typeface="Arial" panose="020B0604020202020204" pitchFamily="34" charset="0"/>
+              <a:buChar char="•"/>
+            </a:pPr>
+            <a:r>
+              <a:rPr lang="en-US" sz="1400" dirty="0">
+                <a:latin typeface="Times New Roman" panose="02020603050405020304" pitchFamily="18" charset="0"/>
+                <a:cs typeface="Times New Roman" panose="02020603050405020304" pitchFamily="18" charset="0"/>
+              </a:rPr>
+              <a:t>Those in their early career are likely to have more attrition</a:t>
+            </a:r>
+          </a:p>
+        </p:txBody>
+      </p:sp>
+      <p:sp>
+        <p:nvSpPr>
+          <p:cNvPr id="21" name="TextBox 20">
+            <a:extLst>
+              <a:ext uri="{FF2B5EF4-FFF2-40B4-BE49-F238E27FC236}">
+                <a16:creationId xmlns:a16="http://schemas.microsoft.com/office/drawing/2014/main" id="{F9585D2A-C41F-4321-A602-66ADB84310B3}"/>
+              </a:ext>
+            </a:extLst>
+          </p:cNvPr>
+          <p:cNvSpPr txBox="1"/>
+          <p:nvPr/>
+        </p:nvSpPr>
+        <p:spPr>
+          <a:xfrm>
+            <a:off x="8127876" y="4011167"/>
+            <a:ext cx="3156578" cy="1723549"/>
+          </a:xfrm>
+          <a:prstGeom prst="rect">
+            <a:avLst/>
+          </a:prstGeom>
+          <a:noFill/>
+        </p:spPr>
+        <p:txBody>
+          <a:bodyPr wrap="square" rtlCol="0">
+            <a:spAutoFit/>
+          </a:bodyPr>
+          <a:lstStyle/>
+          <a:p>
+            <a:r>
+              <a:rPr lang="en-US" u="sng" dirty="0">
+                <a:latin typeface="Times New Roman" panose="02020603050405020304" pitchFamily="18" charset="0"/>
+                <a:cs typeface="Times New Roman" panose="02020603050405020304" pitchFamily="18" charset="0"/>
+              </a:rPr>
+              <a:t>Monthly Income</a:t>
+            </a:r>
+          </a:p>
+          <a:p>
+            <a:endParaRPr lang="en-US" u="sng" dirty="0">
+              <a:latin typeface="Times New Roman" panose="02020603050405020304" pitchFamily="18" charset="0"/>
+              <a:cs typeface="Times New Roman" panose="02020603050405020304" pitchFamily="18" charset="0"/>
+            </a:endParaRPr>
+          </a:p>
+          <a:p>
+            <a:pPr marL="285750" indent="-285750">
+              <a:buFont typeface="Arial" panose="020B0604020202020204" pitchFamily="34" charset="0"/>
+              <a:buChar char="•"/>
+            </a:pPr>
+            <a:r>
+              <a:rPr lang="en-US" sz="1400" dirty="0">
+                <a:latin typeface="Times New Roman" panose="02020603050405020304" pitchFamily="18" charset="0"/>
+                <a:cs typeface="Times New Roman" panose="02020603050405020304" pitchFamily="18" charset="0"/>
+              </a:rPr>
+              <a:t>Mean</a:t>
+            </a:r>
+          </a:p>
+          <a:p>
+            <a:pPr marL="742950" lvl="1" indent="-285750">
+              <a:buFont typeface="Arial" panose="020B0604020202020204" pitchFamily="34" charset="0"/>
+              <a:buChar char="•"/>
+            </a:pPr>
+            <a:r>
+              <a:rPr lang="en-US" sz="1400" dirty="0">
+                <a:latin typeface="Times New Roman" panose="02020603050405020304" pitchFamily="18" charset="0"/>
+                <a:cs typeface="Times New Roman" panose="02020603050405020304" pitchFamily="18" charset="0"/>
+              </a:rPr>
+              <a:t>Attrition: $4,844.37</a:t>
+            </a:r>
+          </a:p>
+          <a:p>
+            <a:pPr marL="742950" lvl="1" indent="-285750">
+              <a:buFont typeface="Arial" panose="020B0604020202020204" pitchFamily="34" charset="0"/>
+              <a:buChar char="•"/>
+            </a:pPr>
+            <a:r>
+              <a:rPr lang="en-US" sz="1400" dirty="0">
+                <a:latin typeface="Times New Roman" panose="02020603050405020304" pitchFamily="18" charset="0"/>
+                <a:cs typeface="Times New Roman" panose="02020603050405020304" pitchFamily="18" charset="0"/>
+              </a:rPr>
+              <a:t>No-Attrition: $6,630.38</a:t>
+            </a:r>
+          </a:p>
+          <a:p>
+            <a:pPr marL="285750" indent="-285750">
+              <a:buFont typeface="Arial" panose="020B0604020202020204" pitchFamily="34" charset="0"/>
+              <a:buChar char="•"/>
+            </a:pPr>
+            <a:r>
+              <a:rPr lang="en-US" sz="1400" dirty="0">
+                <a:latin typeface="Times New Roman" panose="02020603050405020304" pitchFamily="18" charset="0"/>
+                <a:cs typeface="Times New Roman" panose="02020603050405020304" pitchFamily="18" charset="0"/>
+              </a:rPr>
+              <a:t>Lower monthly incomes seems to learn more towards higher attrition</a:t>
+            </a:r>
+          </a:p>
+        </p:txBody>
+      </p:sp>
+    </p:spTree>
+    <p:extLst>
+      <p:ext uri="{BB962C8B-B14F-4D97-AF65-F5344CB8AC3E}">
+        <p14:creationId xmlns:p14="http://schemas.microsoft.com/office/powerpoint/2010/main" val="2266731099"/>
+      </p:ext>
+    </p:extLst>
+  </p:cSld>
+  <p:clrMapOvr>
+    <a:masterClrMapping/>
+  </p:clrMapOvr>
+</p:sld>
+</file>
+
+<file path=ppt/slides/slide6.xml><?xml version="1.0" encoding="utf-8"?>
+<p:sld xmlns:a="http://schemas.openxmlformats.org/drawingml/2006/main" xmlns:r="http://schemas.openxmlformats.org/officeDocument/2006/relationships" xmlns:p="http://schemas.openxmlformats.org/presentationml/2006/main">
+  <p:cSld>
+    <p:spTree>
+      <p:nvGrpSpPr>
+        <p:cNvPr id="1" name=""/>
+        <p:cNvGrpSpPr/>
+        <p:nvPr/>
+      </p:nvGrpSpPr>
+      <p:grpSpPr>
+        <a:xfrm>
+          <a:off x="0" y="0"/>
+          <a:ext cx="0" cy="0"/>
+          <a:chOff x="0" y="0"/>
+          <a:chExt cx="0" cy="0"/>
+        </a:xfrm>
+      </p:grpSpPr>
+      <p:sp>
+        <p:nvSpPr>
+          <p:cNvPr id="2" name="Title 1">
+            <a:extLst>
+              <a:ext uri="{FF2B5EF4-FFF2-40B4-BE49-F238E27FC236}">
+                <a16:creationId xmlns:a16="http://schemas.microsoft.com/office/drawing/2014/main" id="{7C3F75B3-039C-4C7C-9FBE-848420074486}"/>
+              </a:ext>
+            </a:extLst>
+          </p:cNvPr>
+          <p:cNvSpPr>
+            <a:spLocks noGrp="1"/>
+          </p:cNvSpPr>
+          <p:nvPr>
+            <p:ph type="title"/>
+          </p:nvPr>
+        </p:nvSpPr>
+        <p:spPr/>
+        <p:txBody>
+          <a:bodyPr/>
+          <a:lstStyle/>
+          <a:p>
+            <a:r>
+              <a:rPr lang="en-US" dirty="0"/>
+              <a:t>Quick Profile of Employee Attrition</a:t>
+            </a:r>
+          </a:p>
+        </p:txBody>
+      </p:sp>
+      <p:sp>
+        <p:nvSpPr>
+          <p:cNvPr id="3" name="Content Placeholder 2">
+            <a:extLst>
+              <a:ext uri="{FF2B5EF4-FFF2-40B4-BE49-F238E27FC236}">
+                <a16:creationId xmlns:a16="http://schemas.microsoft.com/office/drawing/2014/main" id="{86F9281E-DF20-475A-9330-8EAB53D88A31}"/>
+              </a:ext>
+            </a:extLst>
+          </p:cNvPr>
+          <p:cNvSpPr>
+            <a:spLocks noGrp="1"/>
+          </p:cNvSpPr>
+          <p:nvPr>
+            <p:ph idx="1"/>
+          </p:nvPr>
+        </p:nvSpPr>
+        <p:spPr/>
+        <p:txBody>
+          <a:bodyPr>
+            <a:normAutofit lnSpcReduction="10000"/>
+          </a:bodyPr>
+          <a:lstStyle/>
+          <a:p>
+            <a:r>
+              <a:rPr lang="en-US" dirty="0"/>
+              <a:t>Employees with attrition have this most in common</a:t>
+            </a:r>
+          </a:p>
+          <a:p>
+            <a:pPr lvl="1"/>
+            <a:r>
+              <a:rPr lang="en-US" dirty="0"/>
+              <a:t>Young/Early Career </a:t>
+            </a:r>
+          </a:p>
+          <a:p>
+            <a:pPr lvl="1"/>
+            <a:r>
+              <a:rPr lang="en-US" dirty="0"/>
+              <a:t>Single (possibly have no family “tie” them in one location)</a:t>
+            </a:r>
+          </a:p>
+          <a:p>
+            <a:pPr lvl="1"/>
+            <a:r>
+              <a:rPr lang="en-US" dirty="0"/>
+              <a:t>Tend to have longer commutes </a:t>
+            </a:r>
+          </a:p>
+          <a:p>
+            <a:pPr lvl="1"/>
+            <a:r>
+              <a:rPr lang="en-US" dirty="0"/>
+              <a:t>Low Environment Satisfaction </a:t>
+            </a:r>
+          </a:p>
+          <a:p>
+            <a:pPr lvl="1"/>
+            <a:r>
+              <a:rPr lang="en-US" dirty="0"/>
+              <a:t>Low Job Involvement </a:t>
+            </a:r>
+          </a:p>
+          <a:p>
+            <a:pPr lvl="1"/>
+            <a:r>
+              <a:rPr lang="en-US" dirty="0"/>
+              <a:t>Most come from in Sales, HR, Lab Tech, or Research Scientist </a:t>
+            </a:r>
+          </a:p>
+          <a:p>
+            <a:pPr lvl="1"/>
+            <a:r>
+              <a:rPr lang="en-US" dirty="0"/>
+              <a:t>Work Overtime</a:t>
+            </a:r>
+          </a:p>
+          <a:p>
+            <a:pPr lvl="1"/>
+            <a:r>
+              <a:rPr lang="en-US" dirty="0"/>
+              <a:t>No stock option</a:t>
+            </a:r>
+          </a:p>
+          <a:p>
+            <a:pPr lvl="1"/>
+            <a:r>
+              <a:rPr lang="en-US" dirty="0"/>
+              <a:t>Low Work Life Balance </a:t>
+            </a:r>
+          </a:p>
+          <a:p>
+            <a:pPr lvl="1"/>
+            <a:endParaRPr lang="en-US" dirty="0"/>
+          </a:p>
+          <a:p>
+            <a:pPr lvl="1"/>
+            <a:endParaRPr lang="en-US" dirty="0"/>
+          </a:p>
+          <a:p>
+            <a:r>
+              <a:rPr lang="en-US" sz="1800" dirty="0"/>
+              <a:t>Of course, this is just what is in common and not a conclusion that if an employees has all these, they will have attrition or not</a:t>
+            </a:r>
+          </a:p>
+          <a:p>
+            <a:pPr lvl="1"/>
+            <a:endParaRPr lang="en-US" dirty="0"/>
+          </a:p>
+        </p:txBody>
+      </p:sp>
+    </p:spTree>
+    <p:extLst>
+      <p:ext uri="{BB962C8B-B14F-4D97-AF65-F5344CB8AC3E}">
+        <p14:creationId xmlns:p14="http://schemas.microsoft.com/office/powerpoint/2010/main" val="1622044747"/>
+      </p:ext>
+    </p:extLst>
+  </p:cSld>
+  <p:clrMapOvr>
+    <a:masterClrMapping/>
+  </p:clrMapOvr>
+</p:sld>
+</file>
+
+<file path=ppt/slides/slide7.xml><?xml version="1.0" encoding="utf-8"?>
+<p:sld xmlns:a="http://schemas.openxmlformats.org/drawingml/2006/main" xmlns:r="http://schemas.openxmlformats.org/officeDocument/2006/relationships" xmlns:p="http://schemas.openxmlformats.org/presentationml/2006/main">
+  <p:cSld>
+    <p:spTree>
+      <p:nvGrpSpPr>
+        <p:cNvPr id="1" name=""/>
+        <p:cNvGrpSpPr/>
+        <p:nvPr/>
+      </p:nvGrpSpPr>
+      <p:grpSpPr>
+        <a:xfrm>
+          <a:off x="0" y="0"/>
+          <a:ext cx="0" cy="0"/>
+          <a:chOff x="0" y="0"/>
+          <a:chExt cx="0" cy="0"/>
+        </a:xfrm>
+      </p:grpSpPr>
+      <p:sp>
+        <p:nvSpPr>
+          <p:cNvPr id="2" name="Title 1">
+            <a:extLst>
+              <a:ext uri="{FF2B5EF4-FFF2-40B4-BE49-F238E27FC236}">
+                <a16:creationId xmlns:a16="http://schemas.microsoft.com/office/drawing/2014/main" id="{527E1E4B-799F-4D8C-A06E-96C1AD1AF473}"/>
+              </a:ext>
+            </a:extLst>
+          </p:cNvPr>
+          <p:cNvSpPr>
+            <a:spLocks noGrp="1"/>
+          </p:cNvSpPr>
+          <p:nvPr>
+            <p:ph type="title"/>
+          </p:nvPr>
+        </p:nvSpPr>
+        <p:spPr/>
+        <p:txBody>
+          <a:bodyPr/>
+          <a:lstStyle/>
+          <a:p>
+            <a:r>
+              <a:rPr lang="en-US" dirty="0"/>
+              <a:t>Correlation for Predicting Attrition</a:t>
+            </a:r>
+          </a:p>
+        </p:txBody>
+      </p:sp>
+      <p:pic>
+        <p:nvPicPr>
+          <p:cNvPr id="5" name="Picture 4">
+            <a:extLst>
+              <a:ext uri="{FF2B5EF4-FFF2-40B4-BE49-F238E27FC236}">
+                <a16:creationId xmlns:a16="http://schemas.microsoft.com/office/drawing/2014/main" id="{F61531A3-08CC-494D-AA82-8D4A2722D69E}"/>
+              </a:ext>
+            </a:extLst>
+          </p:cNvPr>
+          <p:cNvPicPr>
+            <a:picLocks noChangeAspect="1"/>
+          </p:cNvPicPr>
+          <p:nvPr/>
+        </p:nvPicPr>
+        <p:blipFill>
+          <a:blip r:embed="rId2"/>
+          <a:stretch>
+            <a:fillRect/>
+          </a:stretch>
+        </p:blipFill>
+        <p:spPr>
+          <a:xfrm>
+            <a:off x="896015" y="956051"/>
+            <a:ext cx="4358736" cy="4335277"/>
+          </a:xfrm>
+          <a:prstGeom prst="rect">
+            <a:avLst/>
+          </a:prstGeom>
+        </p:spPr>
+      </p:pic>
+      <p:pic>
+        <p:nvPicPr>
+          <p:cNvPr id="7" name="Picture 6">
+            <a:extLst>
+              <a:ext uri="{FF2B5EF4-FFF2-40B4-BE49-F238E27FC236}">
+                <a16:creationId xmlns:a16="http://schemas.microsoft.com/office/drawing/2014/main" id="{E33178A8-2008-4AEA-A119-C69AB820A048}"/>
+              </a:ext>
+            </a:extLst>
+          </p:cNvPr>
+          <p:cNvPicPr>
+            <a:picLocks noChangeAspect="1"/>
+          </p:cNvPicPr>
+          <p:nvPr/>
+        </p:nvPicPr>
+        <p:blipFill>
+          <a:blip r:embed="rId3"/>
+          <a:stretch>
+            <a:fillRect/>
+          </a:stretch>
+        </p:blipFill>
+        <p:spPr>
+          <a:xfrm>
+            <a:off x="6352954" y="822962"/>
+            <a:ext cx="4429845" cy="4468366"/>
+          </a:xfrm>
+          <a:prstGeom prst="rect">
+            <a:avLst/>
+          </a:prstGeom>
+        </p:spPr>
+      </p:pic>
+      <p:cxnSp>
+        <p:nvCxnSpPr>
+          <p:cNvPr id="9" name="Straight Connector 8">
+            <a:extLst>
+              <a:ext uri="{FF2B5EF4-FFF2-40B4-BE49-F238E27FC236}">
+                <a16:creationId xmlns:a16="http://schemas.microsoft.com/office/drawing/2014/main" id="{EA26DB23-EDED-4EF0-A8C2-E6999A0E4B03}"/>
+              </a:ext>
+            </a:extLst>
+          </p:cNvPr>
+          <p:cNvCxnSpPr/>
+          <p:nvPr/>
+        </p:nvCxnSpPr>
+        <p:spPr>
+          <a:xfrm>
+            <a:off x="341376" y="5437632"/>
+            <a:ext cx="11338560" cy="0"/>
+          </a:xfrm>
+          <a:prstGeom prst="line">
+            <a:avLst/>
+          </a:prstGeom>
+        </p:spPr>
+        <p:style>
+          <a:lnRef idx="1">
+            <a:schemeClr val="dk1"/>
+          </a:lnRef>
+          <a:fillRef idx="0">
+            <a:schemeClr val="dk1"/>
+          </a:fillRef>
+          <a:effectRef idx="0">
+            <a:schemeClr val="dk1"/>
+          </a:effectRef>
+          <a:fontRef idx="minor">
+            <a:schemeClr val="tx1"/>
+          </a:fontRef>
+        </p:style>
+      </p:cxnSp>
+      <p:sp>
+        <p:nvSpPr>
+          <p:cNvPr id="10" name="TextBox 9">
+            <a:extLst>
+              <a:ext uri="{FF2B5EF4-FFF2-40B4-BE49-F238E27FC236}">
+                <a16:creationId xmlns:a16="http://schemas.microsoft.com/office/drawing/2014/main" id="{72DE2802-3211-4472-A146-CCF874B5AA79}"/>
+              </a:ext>
+            </a:extLst>
+          </p:cNvPr>
+          <p:cNvSpPr txBox="1"/>
+          <p:nvPr/>
+        </p:nvSpPr>
+        <p:spPr>
+          <a:xfrm>
+            <a:off x="1024128" y="5449824"/>
+            <a:ext cx="9758671" cy="1015663"/>
+          </a:xfrm>
+          <a:prstGeom prst="rect">
+            <a:avLst/>
+          </a:prstGeom>
+          <a:noFill/>
+        </p:spPr>
+        <p:txBody>
+          <a:bodyPr wrap="square" rtlCol="0">
+            <a:spAutoFit/>
+          </a:bodyPr>
+          <a:lstStyle/>
+          <a:p>
+            <a:r>
+              <a:rPr lang="en-US" sz="2400" u="sng" dirty="0">
+                <a:latin typeface="Times New Roman" panose="02020603050405020304" pitchFamily="18" charset="0"/>
+                <a:cs typeface="Times New Roman" panose="02020603050405020304" pitchFamily="18" charset="0"/>
+              </a:rPr>
+              <a:t>Biggest factors </a:t>
+            </a:r>
+            <a:endParaRPr lang="en-US" u="sng" dirty="0">
+              <a:latin typeface="Times New Roman" panose="02020603050405020304" pitchFamily="18" charset="0"/>
+              <a:cs typeface="Times New Roman" panose="02020603050405020304" pitchFamily="18" charset="0"/>
+            </a:endParaRPr>
+          </a:p>
+          <a:p>
+            <a:pPr marL="285750" indent="-285750">
+              <a:buFont typeface="Arial" panose="020B0604020202020204" pitchFamily="34" charset="0"/>
+              <a:buChar char="•"/>
+            </a:pPr>
+            <a:r>
+              <a:rPr lang="en-US" dirty="0">
+                <a:latin typeface="Times New Roman" panose="02020603050405020304" pitchFamily="18" charset="0"/>
+                <a:cs typeface="Times New Roman" panose="02020603050405020304" pitchFamily="18" charset="0"/>
+              </a:rPr>
+              <a:t>Age, Monthly Income, Total Working Years, Years at Company, Years in Current Role, Years With Current Manager, Job Level, Job Role, Marital Status, Over Time, Stock Option Level</a:t>
+            </a:r>
+          </a:p>
+        </p:txBody>
+      </p:sp>
+    </p:spTree>
+    <p:extLst>
+      <p:ext uri="{BB962C8B-B14F-4D97-AF65-F5344CB8AC3E}">
+        <p14:creationId xmlns:p14="http://schemas.microsoft.com/office/powerpoint/2010/main" val="1128817313"/>
+      </p:ext>
+    </p:extLst>
+  </p:cSld>
+  <p:clrMapOvr>
+    <a:masterClrMapping/>
+  </p:clrMapOvr>
+</p:sld>
+</file>
+
+<file path=ppt/slides/slide8.xml><?xml version="1.0" encoding="utf-8"?>
+<p:sld xmlns:a="http://schemas.openxmlformats.org/drawingml/2006/main" xmlns:r="http://schemas.openxmlformats.org/officeDocument/2006/relationships" xmlns:p="http://schemas.openxmlformats.org/presentationml/2006/main">
+  <p:cSld>
+    <p:spTree>
+      <p:nvGrpSpPr>
+        <p:cNvPr id="1" name=""/>
+        <p:cNvGrpSpPr/>
+        <p:nvPr/>
+      </p:nvGrpSpPr>
+      <p:grpSpPr>
+        <a:xfrm>
+          <a:off x="0" y="0"/>
+          <a:ext cx="0" cy="0"/>
+          <a:chOff x="0" y="0"/>
+          <a:chExt cx="0" cy="0"/>
+        </a:xfrm>
+      </p:grpSpPr>
+      <p:sp>
+        <p:nvSpPr>
+          <p:cNvPr id="2" name="Title 1">
+            <a:extLst>
+              <a:ext uri="{FF2B5EF4-FFF2-40B4-BE49-F238E27FC236}">
+                <a16:creationId xmlns:a16="http://schemas.microsoft.com/office/drawing/2014/main" id="{096F9D42-30DE-480B-B5C4-DCD580D79115}"/>
+              </a:ext>
+            </a:extLst>
+          </p:cNvPr>
+          <p:cNvSpPr>
+            <a:spLocks noGrp="1"/>
+          </p:cNvSpPr>
+          <p:nvPr>
+            <p:ph type="title"/>
+          </p:nvPr>
+        </p:nvSpPr>
+        <p:spPr/>
+        <p:txBody>
+          <a:bodyPr/>
+          <a:lstStyle/>
+          <a:p>
+            <a:r>
+              <a:rPr lang="en-US" dirty="0"/>
+              <a:t>Top 3 Factors leading to Attrition</a:t>
+            </a:r>
+          </a:p>
+        </p:txBody>
+      </p:sp>
+      <p:sp>
+        <p:nvSpPr>
+          <p:cNvPr id="3" name="Content Placeholder 2">
+            <a:extLst>
+              <a:ext uri="{FF2B5EF4-FFF2-40B4-BE49-F238E27FC236}">
+                <a16:creationId xmlns:a16="http://schemas.microsoft.com/office/drawing/2014/main" id="{06F6A022-2888-47C3-8B8D-CDBA94A2B608}"/>
+              </a:ext>
+            </a:extLst>
+          </p:cNvPr>
+          <p:cNvSpPr>
+            <a:spLocks noGrp="1"/>
+          </p:cNvSpPr>
+          <p:nvPr>
+            <p:ph idx="1"/>
+          </p:nvPr>
+        </p:nvSpPr>
+        <p:spPr>
+          <a:xfrm>
+            <a:off x="653143" y="653143"/>
+            <a:ext cx="11281557" cy="6204857"/>
+          </a:xfrm>
+        </p:spPr>
+        <p:txBody>
+          <a:bodyPr>
+            <a:normAutofit/>
+          </a:bodyPr>
+          <a:lstStyle/>
+          <a:p>
+            <a:r>
+              <a:rPr lang="en-US" b="1" dirty="0"/>
+              <a:t>Job Level</a:t>
+            </a:r>
+          </a:p>
+          <a:p>
+            <a:pPr lvl="1"/>
+            <a:r>
+              <a:rPr lang="en-US" dirty="0"/>
+              <a:t>Attrition happens early in the career </a:t>
+            </a:r>
+          </a:p>
+          <a:p>
+            <a:pPr lvl="1"/>
+            <a:endParaRPr lang="en-US" dirty="0"/>
+          </a:p>
+          <a:p>
+            <a:r>
+              <a:rPr lang="en-US" b="1" dirty="0"/>
+              <a:t>Overtime</a:t>
+            </a:r>
+          </a:p>
+          <a:p>
+            <a:pPr lvl="1"/>
+            <a:r>
+              <a:rPr lang="en-US" dirty="0"/>
+              <a:t>Reduce Overtime where possible</a:t>
+            </a:r>
+          </a:p>
+          <a:p>
+            <a:pPr lvl="1"/>
+            <a:endParaRPr lang="en-US" dirty="0"/>
+          </a:p>
+          <a:p>
+            <a:r>
+              <a:rPr lang="en-US" b="1" dirty="0"/>
+              <a:t>Stock Option Level</a:t>
+            </a:r>
+          </a:p>
+          <a:p>
+            <a:pPr lvl="1"/>
+            <a:r>
+              <a:rPr lang="en-US" dirty="0"/>
+              <a:t>Offer some sort of stock option for new employees </a:t>
+            </a:r>
+          </a:p>
+          <a:p>
+            <a:pPr marL="457200" lvl="1" indent="0">
+              <a:buNone/>
+            </a:pPr>
+            <a:endParaRPr lang="en-US" dirty="0"/>
+          </a:p>
+          <a:p>
+            <a:pPr marL="457200" lvl="1" indent="0">
+              <a:buNone/>
+            </a:pPr>
+            <a:endParaRPr lang="en-US" dirty="0"/>
+          </a:p>
+          <a:p>
+            <a:r>
+              <a:rPr lang="en-US" i="1" dirty="0"/>
+              <a:t>Note: </a:t>
+            </a:r>
+            <a:r>
+              <a:rPr lang="en-US" dirty="0"/>
+              <a:t>Most attributes correlate around an employee in the early years of their career. Focus should be on keeping </a:t>
+            </a:r>
+          </a:p>
+          <a:p>
+            <a:endParaRPr lang="en-US" dirty="0"/>
+          </a:p>
+          <a:p>
+            <a:pPr marL="0" indent="0">
+              <a:buNone/>
+            </a:pPr>
+            <a:r>
+              <a:rPr lang="en-US" sz="2000" i="1" dirty="0"/>
+              <a:t>Determined by value on correlation table cross checked by the charts generated for attrition vs non-attrition </a:t>
+            </a:r>
+          </a:p>
+        </p:txBody>
+      </p:sp>
+    </p:spTree>
+    <p:extLst>
+      <p:ext uri="{BB962C8B-B14F-4D97-AF65-F5344CB8AC3E}">
+        <p14:creationId xmlns:p14="http://schemas.microsoft.com/office/powerpoint/2010/main" val="2178260233"/>
+      </p:ext>
+    </p:extLst>
+  </p:cSld>
+  <p:clrMapOvr>
+    <a:masterClrMapping/>
+  </p:clrMapOvr>
+</p:sld>
+</file>
+
+<file path=ppt/slides/slide9.xml><?xml version="1.0" encoding="utf-8"?>
+<p:sld xmlns:a="http://schemas.openxmlformats.org/drawingml/2006/main" xmlns:r="http://schemas.openxmlformats.org/officeDocument/2006/relationships" xmlns:p="http://schemas.openxmlformats.org/presentationml/2006/main">
+  <p:cSld>
+    <p:spTree>
+      <p:nvGrpSpPr>
+        <p:cNvPr id="1" name=""/>
+        <p:cNvGrpSpPr/>
+        <p:nvPr/>
+      </p:nvGrpSpPr>
+      <p:grpSpPr>
+        <a:xfrm>
+          <a:off x="0" y="0"/>
+          <a:ext cx="0" cy="0"/>
+          <a:chOff x="0" y="0"/>
+          <a:chExt cx="0" cy="0"/>
+        </a:xfrm>
+      </p:grpSpPr>
+      <p:sp>
+        <p:nvSpPr>
+          <p:cNvPr id="2" name="Title 1">
+            <a:extLst>
+              <a:ext uri="{FF2B5EF4-FFF2-40B4-BE49-F238E27FC236}">
+                <a16:creationId xmlns:a16="http://schemas.microsoft.com/office/drawing/2014/main" id="{7CB20EDE-73E2-4851-A40B-DBE53644AE10}"/>
+              </a:ext>
+            </a:extLst>
+          </p:cNvPr>
+          <p:cNvSpPr>
+            <a:spLocks noGrp="1"/>
+          </p:cNvSpPr>
+          <p:nvPr>
+            <p:ph type="title"/>
+          </p:nvPr>
+        </p:nvSpPr>
+        <p:spPr/>
+        <p:txBody>
+          <a:bodyPr/>
+          <a:lstStyle/>
+          <a:p>
+            <a:r>
+              <a:rPr lang="en-US" dirty="0"/>
+              <a:t>KNN Model</a:t>
+            </a:r>
+          </a:p>
+        </p:txBody>
+      </p:sp>
+      <p:sp>
+        <p:nvSpPr>
+          <p:cNvPr id="3" name="Content Placeholder 2">
+            <a:extLst>
+              <a:ext uri="{FF2B5EF4-FFF2-40B4-BE49-F238E27FC236}">
+                <a16:creationId xmlns:a16="http://schemas.microsoft.com/office/drawing/2014/main" id="{8BAF8085-B9BD-4BE8-931E-3D8446EA3B3E}"/>
+              </a:ext>
+            </a:extLst>
+          </p:cNvPr>
+          <p:cNvSpPr>
+            <a:spLocks noGrp="1"/>
+          </p:cNvSpPr>
+          <p:nvPr>
+            <p:ph idx="1"/>
+          </p:nvPr>
+        </p:nvSpPr>
+        <p:spPr>
+          <a:xfrm>
+            <a:off x="7644386" y="1165099"/>
+            <a:ext cx="3803902" cy="5184716"/>
+          </a:xfrm>
+        </p:spPr>
+        <p:txBody>
+          <a:bodyPr>
+            <a:normAutofit/>
+          </a:bodyPr>
+          <a:lstStyle/>
+          <a:p>
+            <a:pPr marL="0" indent="0">
+              <a:buNone/>
+            </a:pPr>
+            <a:r>
+              <a:rPr lang="en-US" sz="1800" b="1" dirty="0"/>
+              <a:t>Accuracy: </a:t>
+            </a:r>
+            <a:r>
+              <a:rPr lang="en-US" sz="1800" dirty="0"/>
+              <a:t>86%</a:t>
+            </a:r>
+          </a:p>
+          <a:p>
+            <a:pPr marL="0" indent="0">
+              <a:buNone/>
+            </a:pPr>
+            <a:r>
+              <a:rPr lang="en-US" sz="1800" b="1" dirty="0"/>
+              <a:t>P-Value: </a:t>
+            </a:r>
+            <a:r>
+              <a:rPr lang="en-US" sz="1800" dirty="0"/>
+              <a:t>0.0001491</a:t>
+            </a:r>
+          </a:p>
+          <a:p>
+            <a:pPr marL="0" indent="0">
+              <a:buNone/>
+            </a:pPr>
+            <a:r>
+              <a:rPr lang="en-US" sz="1800" b="1" dirty="0"/>
+              <a:t>Sensitivity: </a:t>
+            </a:r>
+            <a:r>
+              <a:rPr lang="en-US" sz="1800" dirty="0"/>
+              <a:t>0.9664</a:t>
+            </a:r>
+          </a:p>
+          <a:p>
+            <a:pPr marL="0" indent="0">
+              <a:buNone/>
+            </a:pPr>
+            <a:r>
+              <a:rPr lang="en-US" sz="1800" b="1" dirty="0"/>
+              <a:t>Specificity: </a:t>
+            </a:r>
+            <a:r>
+              <a:rPr lang="en-US" sz="1800" dirty="0">
+                <a:highlight>
+                  <a:srgbClr val="FFFF00"/>
+                </a:highlight>
+              </a:rPr>
+              <a:t>0.3019</a:t>
+            </a:r>
+          </a:p>
+          <a:p>
+            <a:pPr marL="0" indent="0">
+              <a:buNone/>
+            </a:pPr>
+            <a:endParaRPr lang="en-US" sz="1800" dirty="0"/>
+          </a:p>
+        </p:txBody>
+      </p:sp>
+      <p:sp>
+        <p:nvSpPr>
+          <p:cNvPr id="4" name="Content Placeholder 2">
+            <a:extLst>
+              <a:ext uri="{FF2B5EF4-FFF2-40B4-BE49-F238E27FC236}">
+                <a16:creationId xmlns:a16="http://schemas.microsoft.com/office/drawing/2014/main" id="{59DEFC31-2269-4B1B-8BE9-FA8CD8AD5685}"/>
+              </a:ext>
+            </a:extLst>
+          </p:cNvPr>
+          <p:cNvSpPr txBox="1">
+            <a:spLocks/>
+          </p:cNvSpPr>
+          <p:nvPr/>
+        </p:nvSpPr>
+        <p:spPr>
+          <a:xfrm>
+            <a:off x="429768" y="1165099"/>
+            <a:ext cx="6128973" cy="5184716"/>
+          </a:xfrm>
+          <a:prstGeom prst="rect">
+            <a:avLst/>
+          </a:prstGeom>
+        </p:spPr>
+        <p:txBody>
+          <a:bodyPr vert="horz" lIns="91440" tIns="45720" rIns="91440" bIns="45720" rtlCol="0">
+            <a:normAutofit/>
+          </a:bodyPr>
+          <a:lstStyle>
+            <a:lvl1pPr marL="228600" indent="-228600" algn="l" defTabSz="914400" rtl="0" eaLnBrk="1" latinLnBrk="0" hangingPunct="1">
+              <a:lnSpc>
+                <a:spcPct val="90000"/>
+              </a:lnSpc>
+              <a:spcBef>
+                <a:spcPts val="1000"/>
+              </a:spcBef>
+              <a:buFont typeface="Arial" panose="020B0604020202020204" pitchFamily="34" charset="0"/>
+              <a:buChar char="•"/>
+              <a:defRPr sz="2800" kern="1200">
+                <a:solidFill>
+                  <a:schemeClr val="tx1"/>
+                </a:solidFill>
+                <a:latin typeface="Times New Roman" panose="02020603050405020304" pitchFamily="18" charset="0"/>
+                <a:ea typeface="+mn-ea"/>
+                <a:cs typeface="Times New Roman" panose="02020603050405020304" pitchFamily="18" charset="0"/>
+              </a:defRPr>
+            </a:lvl1pPr>
+            <a:lvl2pPr marL="685800" indent="-228600" algn="l" defTabSz="914400" rtl="0" eaLnBrk="1" latinLnBrk="0" hangingPunct="1">
+              <a:lnSpc>
+                <a:spcPct val="90000"/>
+              </a:lnSpc>
+              <a:spcBef>
+                <a:spcPts val="500"/>
+              </a:spcBef>
+              <a:buFont typeface="Arial" panose="020B0604020202020204" pitchFamily="34" charset="0"/>
+              <a:buChar char="•"/>
+              <a:defRPr sz="2400" kern="1200">
+                <a:solidFill>
+                  <a:schemeClr val="tx1"/>
+                </a:solidFill>
+                <a:latin typeface="Times New Roman" panose="02020603050405020304" pitchFamily="18" charset="0"/>
+                <a:ea typeface="+mn-ea"/>
+                <a:cs typeface="Times New Roman" panose="02020603050405020304" pitchFamily="18" charset="0"/>
+              </a:defRPr>
+            </a:lvl2pPr>
+            <a:lvl3pPr marL="1143000" indent="-228600" algn="l" defTabSz="914400" rtl="0" eaLnBrk="1" latinLnBrk="0" hangingPunct="1">
+              <a:lnSpc>
+                <a:spcPct val="90000"/>
+              </a:lnSpc>
+              <a:spcBef>
+                <a:spcPts val="500"/>
+              </a:spcBef>
+              <a:buFont typeface="Arial" panose="020B0604020202020204" pitchFamily="34" charset="0"/>
+              <a:buChar char="•"/>
+              <a:defRPr sz="2000" kern="1200">
+                <a:solidFill>
+                  <a:schemeClr val="tx1"/>
+                </a:solidFill>
+                <a:latin typeface="Times New Roman" panose="02020603050405020304" pitchFamily="18" charset="0"/>
+                <a:ea typeface="+mn-ea"/>
+                <a:cs typeface="Times New Roman" panose="02020603050405020304" pitchFamily="18" charset="0"/>
+              </a:defRPr>
+            </a:lvl3pPr>
+            <a:lvl4pPr marL="1600200" indent="-228600" algn="l" defTabSz="914400" rtl="0" eaLnBrk="1" latinLnBrk="0" hangingPunct="1">
+              <a:lnSpc>
+                <a:spcPct val="90000"/>
+              </a:lnSpc>
+              <a:spcBef>
+                <a:spcPts val="500"/>
+              </a:spcBef>
+              <a:buFont typeface="Arial" panose="020B0604020202020204" pitchFamily="34" charset="0"/>
+              <a:buChar char="•"/>
+              <a:defRPr sz="1800" kern="1200">
+                <a:solidFill>
+                  <a:schemeClr val="tx1"/>
+                </a:solidFill>
+                <a:latin typeface="Times New Roman" panose="02020603050405020304" pitchFamily="18" charset="0"/>
+                <a:ea typeface="+mn-ea"/>
+                <a:cs typeface="Times New Roman" panose="02020603050405020304" pitchFamily="18" charset="0"/>
+              </a:defRPr>
+            </a:lvl4pPr>
+            <a:lvl5pPr marL="2057400" indent="-228600" algn="l" defTabSz="914400" rtl="0" eaLnBrk="1" latinLnBrk="0" hangingPunct="1">
+              <a:lnSpc>
+                <a:spcPct val="90000"/>
+              </a:lnSpc>
+              <a:spcBef>
+                <a:spcPts val="500"/>
+              </a:spcBef>
+              <a:buFont typeface="Arial" panose="020B0604020202020204" pitchFamily="34" charset="0"/>
+              <a:buChar char="•"/>
+              <a:defRPr sz="1800" kern="1200">
+                <a:solidFill>
+                  <a:schemeClr val="tx1"/>
+                </a:solidFill>
+                <a:latin typeface="Times New Roman" panose="02020603050405020304" pitchFamily="18" charset="0"/>
+                <a:ea typeface="+mn-ea"/>
+                <a:cs typeface="Times New Roman" panose="02020603050405020304" pitchFamily="18" charset="0"/>
+              </a:defRPr>
+            </a:lvl5pPr>
+            <a:lvl6pPr marL="2514600" indent="-228600" algn="l" defTabSz="914400" rtl="0" eaLnBrk="1" latinLnBrk="0" hangingPunct="1">
+              <a:lnSpc>
+                <a:spcPct val="90000"/>
+              </a:lnSpc>
+              <a:spcBef>
+                <a:spcPts val="500"/>
+              </a:spcBef>
+              <a:buFont typeface="Arial" panose="020B0604020202020204" pitchFamily="34" charset="0"/>
+              <a:buChar char="•"/>
+              <a:defRPr sz="1800" kern="1200">
+                <a:solidFill>
+                  <a:schemeClr val="tx1"/>
+                </a:solidFill>
+                <a:latin typeface="+mn-lt"/>
+                <a:ea typeface="+mn-ea"/>
+                <a:cs typeface="+mn-cs"/>
+              </a:defRPr>
+            </a:lvl6pPr>
+            <a:lvl7pPr marL="2971800" indent="-228600" algn="l" defTabSz="914400" rtl="0" eaLnBrk="1" latinLnBrk="0" hangingPunct="1">
+              <a:lnSpc>
+                <a:spcPct val="90000"/>
+              </a:lnSpc>
+              <a:spcBef>
+                <a:spcPts val="500"/>
+              </a:spcBef>
+              <a:buFont typeface="Arial" panose="020B0604020202020204" pitchFamily="34" charset="0"/>
+              <a:buChar char="•"/>
+              <a:defRPr sz="1800" kern="1200">
+                <a:solidFill>
+                  <a:schemeClr val="tx1"/>
+                </a:solidFill>
+                <a:latin typeface="+mn-lt"/>
+                <a:ea typeface="+mn-ea"/>
+                <a:cs typeface="+mn-cs"/>
+              </a:defRPr>
+            </a:lvl7pPr>
+            <a:lvl8pPr marL="3429000" indent="-228600" algn="l" defTabSz="914400" rtl="0" eaLnBrk="1" latinLnBrk="0" hangingPunct="1">
+              <a:lnSpc>
+                <a:spcPct val="90000"/>
+              </a:lnSpc>
+              <a:spcBef>
+                <a:spcPts val="500"/>
+              </a:spcBef>
+              <a:buFont typeface="Arial" panose="020B0604020202020204" pitchFamily="34" charset="0"/>
+              <a:buChar char="•"/>
+              <a:defRPr sz="1800" kern="1200">
+                <a:solidFill>
+                  <a:schemeClr val="tx1"/>
+                </a:solidFill>
+                <a:latin typeface="+mn-lt"/>
+                <a:ea typeface="+mn-ea"/>
+                <a:cs typeface="+mn-cs"/>
+              </a:defRPr>
+            </a:lvl8pPr>
+            <a:lvl9pPr marL="3886200" indent="-228600" algn="l" defTabSz="914400" rtl="0" eaLnBrk="1" latinLnBrk="0" hangingPunct="1">
+              <a:lnSpc>
+                <a:spcPct val="90000"/>
+              </a:lnSpc>
+              <a:spcBef>
+                <a:spcPts val="500"/>
+              </a:spcBef>
+              <a:buFont typeface="Arial" panose="020B0604020202020204" pitchFamily="34" charset="0"/>
+              <a:buChar char="•"/>
+              <a:defRPr sz="1800" kern="1200">
+                <a:solidFill>
+                  <a:schemeClr val="tx1"/>
+                </a:solidFill>
+                <a:latin typeface="+mn-lt"/>
+                <a:ea typeface="+mn-ea"/>
+                <a:cs typeface="+mn-cs"/>
+              </a:defRPr>
+            </a:lvl9pPr>
+          </a:lstStyle>
+          <a:p>
+            <a:r>
+              <a:rPr lang="en-US" sz="2000" dirty="0"/>
+              <a:t>Using the KNN classifier I was able to achieve an accuracy of 86%</a:t>
+            </a:r>
+          </a:p>
+          <a:p>
+            <a:endParaRPr lang="en-US" sz="2000" dirty="0"/>
+          </a:p>
+          <a:p>
+            <a:r>
+              <a:rPr lang="en-US" sz="2000" dirty="0"/>
+              <a:t>Unfortunately, the specificity only achieved a value of 0.3019 </a:t>
+            </a:r>
+          </a:p>
+          <a:p>
+            <a:endParaRPr lang="en-US" sz="2000" dirty="0"/>
+          </a:p>
+          <a:p>
+            <a:r>
+              <a:rPr lang="en-US" sz="2000" dirty="0"/>
+              <a:t>After many attempts at optimizing the formula and changing the K value, the highest I could get the specificity was ~.4</a:t>
+            </a:r>
+          </a:p>
+          <a:p>
+            <a:endParaRPr lang="en-US" sz="2000" dirty="0"/>
+          </a:p>
+          <a:p>
+            <a:r>
+              <a:rPr lang="en-US" sz="2000" dirty="0"/>
+              <a:t>KNN suffered from </a:t>
+            </a:r>
+            <a:r>
+              <a:rPr lang="en-US" sz="2000" b="1" dirty="0"/>
+              <a:t>Overfitting</a:t>
+            </a:r>
+            <a:r>
+              <a:rPr lang="en-US" sz="2000" dirty="0"/>
+              <a:t> and do not recommend for predicting attrition</a:t>
+            </a:r>
+          </a:p>
+        </p:txBody>
+      </p:sp>
+      <p:cxnSp>
+        <p:nvCxnSpPr>
+          <p:cNvPr id="6" name="Straight Connector 5">
+            <a:extLst>
+              <a:ext uri="{FF2B5EF4-FFF2-40B4-BE49-F238E27FC236}">
+                <a16:creationId xmlns:a16="http://schemas.microsoft.com/office/drawing/2014/main" id="{102EF477-D3D8-4E70-A341-AD153AC1B7EA}"/>
+              </a:ext>
+            </a:extLst>
+          </p:cNvPr>
+          <p:cNvCxnSpPr>
+            <a:cxnSpLocks/>
+          </p:cNvCxnSpPr>
+          <p:nvPr/>
+        </p:nvCxnSpPr>
+        <p:spPr>
+          <a:xfrm>
+            <a:off x="7089648" y="1036320"/>
+            <a:ext cx="0" cy="5313495"/>
+          </a:xfrm>
+          <a:prstGeom prst="line">
+            <a:avLst/>
+          </a:prstGeom>
+        </p:spPr>
+        <p:style>
+          <a:lnRef idx="1">
+            <a:schemeClr val="dk1"/>
+          </a:lnRef>
+          <a:fillRef idx="0">
+            <a:schemeClr val="dk1"/>
+          </a:fillRef>
+          <a:effectRef idx="0">
+            <a:schemeClr val="dk1"/>
+          </a:effectRef>
+          <a:fontRef idx="minor">
+            <a:schemeClr val="tx1"/>
+          </a:fontRef>
+        </p:style>
+      </p:cxnSp>
+      <p:pic>
+        <p:nvPicPr>
+          <p:cNvPr id="9" name="Graphic 8" descr="Close with solid fill">
+            <a:extLst>
+              <a:ext uri="{FF2B5EF4-FFF2-40B4-BE49-F238E27FC236}">
+                <a16:creationId xmlns:a16="http://schemas.microsoft.com/office/drawing/2014/main" id="{75C42593-F22D-4E88-8510-9E133BFFDBF7}"/>
+              </a:ext>
+            </a:extLst>
+          </p:cNvPr>
+          <p:cNvPicPr>
+            <a:picLocks noChangeAspect="1"/>
+          </p:cNvPicPr>
+          <p:nvPr/>
+        </p:nvPicPr>
+        <p:blipFill>
+          <a:blip r:embed="rId2">
+            <a:extLst>
+              <a:ext uri="{28A0092B-C50C-407E-A947-70E740481C1C}">
+                <a14:useLocalDpi xmlns:a14="http://schemas.microsoft.com/office/drawing/2010/main" val="0"/>
+              </a:ext>
+              <a:ext uri="{96DAC541-7B7A-43D3-8B79-37D633B846F1}">
+                <asvg:svgBlip xmlns:asvg="http://schemas.microsoft.com/office/drawing/2016/SVG/main" r:embed="rId3"/>
+              </a:ext>
+            </a:extLst>
+          </a:blip>
+          <a:stretch>
+            <a:fillRect/>
+          </a:stretch>
+        </p:blipFill>
+        <p:spPr>
+          <a:xfrm>
+            <a:off x="8145781" y="3112008"/>
+            <a:ext cx="2801112" cy="2801112"/>
+          </a:xfrm>
+          <a:prstGeom prst="rect">
+            <a:avLst/>
+          </a:prstGeom>
+        </p:spPr>
+      </p:pic>
+    </p:spTree>
+    <p:extLst>
+      <p:ext uri="{BB962C8B-B14F-4D97-AF65-F5344CB8AC3E}">
+        <p14:creationId xmlns:p14="http://schemas.microsoft.com/office/powerpoint/2010/main" val="2607107953"/>
       </p:ext>
     </p:extLst>
   </p:cSld>

--- a/CaseStudy2DDS.pptx
+++ b/CaseStudy2DDS.pptx
@@ -3867,26 +3867,23 @@
           <a:p>
             <a:pPr lvl="1"/>
             <a:r>
-              <a:rPr lang="en-US" dirty="0"/>
-              <a:t>Same Department (R&amp;D)</a:t>
-            </a:r>
-          </a:p>
-          <a:p>
-            <a:pPr lvl="1"/>
-            <a:r>
-              <a:rPr lang="en-US" dirty="0"/>
-              <a:t>Low Job Involvement (2)</a:t>
-            </a:r>
-          </a:p>
-          <a:p>
-            <a:pPr lvl="1"/>
-            <a:r>
               <a:rPr lang="en-US" b="1" dirty="0"/>
               <a:t>Low Job Level </a:t>
             </a:r>
-            <a:r>
-              <a:rPr lang="en-US" dirty="0"/>
-              <a:t>(1)</a:t>
+            <a:endParaRPr lang="en-US" dirty="0"/>
+          </a:p>
+          <a:p>
+            <a:pPr lvl="1"/>
+            <a:r>
+              <a:rPr lang="en-US" b="1" dirty="0"/>
+              <a:t>No Stock Option</a:t>
+            </a:r>
+          </a:p>
+          <a:p>
+            <a:pPr lvl="1"/>
+            <a:r>
+              <a:rPr lang="en-US" b="1" dirty="0"/>
+              <a:t>All have Overtime</a:t>
             </a:r>
           </a:p>
           <a:p>
@@ -3906,16 +3903,26 @@
           <a:p>
             <a:pPr lvl="1"/>
             <a:r>
-              <a:rPr lang="en-US" b="1" dirty="0"/>
-              <a:t>No Stock Option</a:t>
+              <a:rPr lang="en-US" dirty="0"/>
+              <a:t>Same Department</a:t>
             </a:r>
           </a:p>
           <a:p>
             <a:pPr lvl="1"/>
             <a:r>
-              <a:rPr lang="en-US" b="1" dirty="0"/>
-              <a:t>All have Overtime</a:t>
-            </a:r>
+              <a:rPr lang="en-US" dirty="0"/>
+              <a:t>Low Job Involvement</a:t>
+            </a:r>
+          </a:p>
+          <a:p>
+            <a:pPr marL="457200" lvl="1" indent="0">
+              <a:buNone/>
+            </a:pPr>
+            <a:endParaRPr lang="en-US" dirty="0"/>
+          </a:p>
+          <a:p>
+            <a:pPr lvl="1"/>
+            <a:endParaRPr lang="en-US" b="1" dirty="0"/>
           </a:p>
           <a:p>
             <a:pPr lvl="1"/>
@@ -4120,35 +4127,35 @@
             </a:pPr>
             <a:r>
               <a:rPr lang="en-US" sz="3200" dirty="0"/>
-              <a:t>Employee by ID:</a:t>
+              <a:t>Employee by Number:</a:t>
             </a:r>
           </a:p>
           <a:p>
             <a:pPr lvl="1"/>
             <a:r>
               <a:rPr lang="en-US" dirty="0"/>
-              <a:t>1205</a:t>
+              <a:t>1079</a:t>
             </a:r>
           </a:p>
           <a:p>
             <a:pPr lvl="1"/>
             <a:r>
               <a:rPr lang="en-US" dirty="0"/>
-              <a:t>1233</a:t>
+              <a:t>1016</a:t>
             </a:r>
           </a:p>
           <a:p>
             <a:pPr lvl="1"/>
             <a:r>
               <a:rPr lang="en-US" dirty="0"/>
-              <a:t>1421 </a:t>
+              <a:t>1108</a:t>
             </a:r>
           </a:p>
           <a:p>
             <a:pPr lvl="1"/>
             <a:r>
               <a:rPr lang="en-US" dirty="0"/>
-              <a:t>1439</a:t>
+              <a:t>1458</a:t>
             </a:r>
           </a:p>
         </p:txBody>
@@ -4167,7 +4174,7 @@
         </p:nvCxnSpPr>
         <p:spPr>
           <a:xfrm>
-            <a:off x="4762005" y="830085"/>
+            <a:off x="5213267" y="822961"/>
             <a:ext cx="0" cy="5197829"/>
           </a:xfrm>
           <a:prstGeom prst="line">
@@ -4205,6 +4212,14 @@
 <file path=ppt/slides/slide12.xml><?xml version="1.0" encoding="utf-8"?>
 <p:sld xmlns:a="http://schemas.openxmlformats.org/drawingml/2006/main" xmlns:r="http://schemas.openxmlformats.org/officeDocument/2006/relationships" xmlns:p="http://schemas.openxmlformats.org/presentationml/2006/main">
   <p:cSld>
+    <p:bg>
+      <p:bgPr>
+        <a:solidFill>
+          <a:schemeClr val="bg1"/>
+        </a:solidFill>
+        <a:effectLst/>
+      </p:bgPr>
+    </p:bg>
     <p:spTree>
       <p:nvGrpSpPr>
         <p:cNvPr id="1" name=""/>
@@ -4235,13 +4250,20 @@
             <p:ph type="title"/>
           </p:nvPr>
         </p:nvSpPr>
-        <p:spPr/>
-        <p:txBody>
-          <a:bodyPr/>
+        <p:spPr>
+          <a:xfrm>
+            <a:off x="648928" y="338328"/>
+            <a:ext cx="3685032" cy="1608328"/>
+          </a:xfrm>
+        </p:spPr>
+        <p:txBody>
+          <a:bodyPr>
+            <a:normAutofit/>
+          </a:bodyPr>
           <a:lstStyle/>
           <a:p>
             <a:r>
-              <a:rPr lang="en-US" dirty="0"/>
+              <a:rPr lang="en-US" sz="3600"/>
               <a:t>Other Information</a:t>
             </a:r>
           </a:p>
@@ -4263,15 +4285,366 @@
             <p:ph idx="1"/>
           </p:nvPr>
         </p:nvSpPr>
-        <p:spPr/>
-        <p:txBody>
-          <a:bodyPr/>
+        <p:spPr>
+          <a:xfrm>
+            <a:off x="4864100" y="338328"/>
+            <a:ext cx="6675627" cy="1605083"/>
+          </a:xfrm>
+        </p:spPr>
+        <p:txBody>
+          <a:bodyPr anchor="ctr">
+            <a:normAutofit/>
+          </a:bodyPr>
           <a:lstStyle/>
           <a:p>
+            <a:pPr marL="0" indent="0">
+              <a:buNone/>
+            </a:pPr>
+            <a:r>
+              <a:rPr lang="en-US" sz="2000" u="sng" dirty="0"/>
+              <a:t>Work Life Balance by Role</a:t>
+            </a:r>
+          </a:p>
+          <a:p>
+            <a:pPr lvl="1"/>
+            <a:r>
+              <a:rPr lang="en-US" sz="2000" b="1" dirty="0"/>
+              <a:t>Sales Representatives </a:t>
+            </a:r>
+            <a:r>
+              <a:rPr lang="en-US" sz="2000" dirty="0"/>
+              <a:t>have the </a:t>
+            </a:r>
+            <a:r>
+              <a:rPr lang="en-US" sz="2000" b="1" dirty="0"/>
+              <a:t>highest</a:t>
+            </a:r>
+            <a:r>
+              <a:rPr lang="en-US" sz="2000" dirty="0"/>
+              <a:t> Work Life Balance </a:t>
+            </a:r>
+          </a:p>
+          <a:p>
+            <a:pPr lvl="1"/>
+            <a:r>
+              <a:rPr lang="en-US" sz="2000" b="1" dirty="0"/>
+              <a:t>Research Scientist </a:t>
+            </a:r>
+            <a:r>
+              <a:rPr lang="en-US" sz="2000" dirty="0"/>
+              <a:t>have the </a:t>
+            </a:r>
+            <a:r>
+              <a:rPr lang="en-US" sz="2000" b="1" dirty="0"/>
+              <a:t>lowest </a:t>
+            </a:r>
+            <a:r>
+              <a:rPr lang="en-US" sz="2000" dirty="0"/>
+              <a:t>Work Life Balance </a:t>
+            </a:r>
+          </a:p>
+        </p:txBody>
+      </p:sp>
+      <p:sp>
+        <p:nvSpPr>
+          <p:cNvPr id="12" name="Rectangle 11">
+            <a:extLst>
+              <a:ext uri="{FF2B5EF4-FFF2-40B4-BE49-F238E27FC236}">
+                <a16:creationId xmlns:a16="http://schemas.microsoft.com/office/drawing/2014/main" id="{5AAE9118-0436-4488-AC4A-C14DF6A7B6B1}"/>
+              </a:ext>
+              <a:ext uri="{C183D7F6-B498-43B3-948B-1728B52AA6E4}">
+                <adec:decorative xmlns:adec="http://schemas.microsoft.com/office/drawing/2017/decorative" val="1"/>
+              </a:ext>
+            </a:extLst>
+          </p:cNvPr>
+          <p:cNvSpPr>
+            <a:spLocks noGrp="1" noRot="1" noChangeAspect="1" noMove="1" noResize="1" noEditPoints="1" noAdjustHandles="1" noChangeArrowheads="1" noChangeShapeType="1" noTextEdit="1"/>
+          </p:cNvSpPr>
+          <p:nvPr>
+            <p:extLst>
+              <p:ext uri="{386F3935-93C4-4BCD-93E2-E3B085C9AB24}">
+                <p16:designElem xmlns:p16="http://schemas.microsoft.com/office/powerpoint/2015/main" val="1"/>
+              </p:ext>
+            </p:extLst>
+          </p:nvPr>
+        </p:nvSpPr>
+        <p:spPr>
+          <a:xfrm>
+            <a:off x="-2" y="2211010"/>
+            <a:ext cx="12192002" cy="4646990"/>
+          </a:xfrm>
+          <a:prstGeom prst="rect">
+            <a:avLst/>
+          </a:prstGeom>
+          <a:solidFill>
+            <a:srgbClr val="C8CACA"/>
+          </a:solidFill>
+          <a:ln>
+            <a:noFill/>
+          </a:ln>
+        </p:spPr>
+        <p:style>
+          <a:lnRef idx="2">
+            <a:schemeClr val="accent1">
+              <a:shade val="50000"/>
+            </a:schemeClr>
+          </a:lnRef>
+          <a:fillRef idx="1">
+            <a:schemeClr val="accent1"/>
+          </a:fillRef>
+          <a:effectRef idx="0">
+            <a:schemeClr val="accent1"/>
+          </a:effectRef>
+          <a:fontRef idx="minor">
+            <a:schemeClr val="lt1"/>
+          </a:fontRef>
+        </p:style>
+        <p:txBody>
+          <a:bodyPr rtlCol="0" anchor="ctr"/>
+          <a:lstStyle/>
+          <a:p>
+            <a:pPr marL="0" marR="0" lvl="0" indent="0" algn="ctr" defTabSz="914400" rtl="0" eaLnBrk="1" fontAlgn="auto" latinLnBrk="0" hangingPunct="1">
+              <a:lnSpc>
+                <a:spcPct val="100000"/>
+              </a:lnSpc>
+              <a:spcBef>
+                <a:spcPts val="0"/>
+              </a:spcBef>
+              <a:spcAft>
+                <a:spcPts val="0"/>
+              </a:spcAft>
+              <a:buClrTx/>
+              <a:buSzTx/>
+              <a:buFontTx/>
+              <a:buNone/>
+              <a:tabLst/>
+              <a:defRPr/>
+            </a:pPr>
+            <a:endParaRPr kumimoji="0" lang="en-US" sz="1800" b="0" i="0" u="none" strike="noStrike" kern="1200" cap="none" spc="0" normalizeH="0" baseline="0" noProof="0">
+              <a:ln>
+                <a:noFill/>
+              </a:ln>
+              <a:solidFill>
+                <a:prstClr val="white"/>
+              </a:solidFill>
+              <a:effectLst/>
+              <a:uLnTx/>
+              <a:uFillTx/>
+              <a:latin typeface="Calibri" panose="020F0502020204030204"/>
+              <a:ea typeface="+mn-ea"/>
+              <a:cs typeface="+mn-cs"/>
+            </a:endParaRPr>
+          </a:p>
+        </p:txBody>
+      </p:sp>
+      <p:sp>
+        <p:nvSpPr>
+          <p:cNvPr id="14" name="Rounded Rectangle 26">
+            <a:extLst>
+              <a:ext uri="{FF2B5EF4-FFF2-40B4-BE49-F238E27FC236}">
+                <a16:creationId xmlns:a16="http://schemas.microsoft.com/office/drawing/2014/main" id="{1B10F861-B8F1-49C7-BD58-EAB20CEE7F93}"/>
+              </a:ext>
+              <a:ext uri="{C183D7F6-B498-43B3-948B-1728B52AA6E4}">
+                <adec:decorative xmlns:adec="http://schemas.microsoft.com/office/drawing/2017/decorative" val="1"/>
+              </a:ext>
+            </a:extLst>
+          </p:cNvPr>
+          <p:cNvSpPr>
+            <a:spLocks noGrp="1" noRot="1" noChangeAspect="1" noMove="1" noResize="1" noEditPoints="1" noAdjustHandles="1" noChangeArrowheads="1" noChangeShapeType="1" noTextEdit="1"/>
+          </p:cNvSpPr>
+          <p:nvPr>
+            <p:extLst>
+              <p:ext uri="{386F3935-93C4-4BCD-93E2-E3B085C9AB24}">
+                <p16:designElem xmlns:p16="http://schemas.microsoft.com/office/powerpoint/2015/main" val="1"/>
+              </p:ext>
+            </p:extLst>
+          </p:nvPr>
+        </p:nvSpPr>
+        <p:spPr>
+          <a:xfrm>
+            <a:off x="321564" y="2423160"/>
+            <a:ext cx="5613569" cy="3930315"/>
+          </a:xfrm>
+          <a:prstGeom prst="roundRect">
+            <a:avLst>
+              <a:gd name="adj" fmla="val 0"/>
+            </a:avLst>
+          </a:prstGeom>
+          <a:solidFill>
+            <a:srgbClr val="FFFFFF"/>
+          </a:solidFill>
+          <a:ln w="9525">
+            <a:solidFill>
+              <a:srgbClr val="C8CACA"/>
+            </a:solidFill>
+          </a:ln>
+          <a:effectLst>
+            <a:outerShdw blurRad="57150" dist="19050" dir="5400000" algn="t" rotWithShape="0">
+              <a:prstClr val="black">
+                <a:alpha val="63000"/>
+              </a:prstClr>
+            </a:outerShdw>
+          </a:effectLst>
+        </p:spPr>
+        <p:style>
+          <a:lnRef idx="2">
+            <a:schemeClr val="accent1">
+              <a:shade val="50000"/>
+            </a:schemeClr>
+          </a:lnRef>
+          <a:fillRef idx="1">
+            <a:schemeClr val="accent1"/>
+          </a:fillRef>
+          <a:effectRef idx="0">
+            <a:schemeClr val="accent1"/>
+          </a:effectRef>
+          <a:fontRef idx="minor">
+            <a:schemeClr val="lt1"/>
+          </a:fontRef>
+        </p:style>
+        <p:txBody>
+          <a:bodyPr rtlCol="0" anchor="ctr"/>
+          <a:lstStyle/>
+          <a:p>
+            <a:pPr algn="ctr"/>
             <a:endParaRPr lang="en-US"/>
           </a:p>
         </p:txBody>
       </p:sp>
+      <p:pic>
+        <p:nvPicPr>
+          <p:cNvPr id="7" name="Picture 6" descr="Chart, line chart&#10;&#10;Description automatically generated">
+            <a:extLst>
+              <a:ext uri="{FF2B5EF4-FFF2-40B4-BE49-F238E27FC236}">
+                <a16:creationId xmlns:a16="http://schemas.microsoft.com/office/drawing/2014/main" id="{9648DAD2-A99A-4E06-9548-174A82C6A422}"/>
+              </a:ext>
+            </a:extLst>
+          </p:cNvPr>
+          <p:cNvPicPr>
+            <a:picLocks noChangeAspect="1"/>
+          </p:cNvPicPr>
+          <p:nvPr/>
+        </p:nvPicPr>
+        <p:blipFill>
+          <a:blip r:embed="rId2"/>
+          <a:stretch>
+            <a:fillRect/>
+          </a:stretch>
+        </p:blipFill>
+        <p:spPr>
+          <a:xfrm>
+            <a:off x="801959" y="2742397"/>
+            <a:ext cx="4652778" cy="3291840"/>
+          </a:xfrm>
+          <a:prstGeom prst="rect">
+            <a:avLst/>
+          </a:prstGeom>
+        </p:spPr>
+      </p:pic>
+      <p:sp>
+        <p:nvSpPr>
+          <p:cNvPr id="16" name="Rounded Rectangle 16">
+            <a:extLst>
+              <a:ext uri="{FF2B5EF4-FFF2-40B4-BE49-F238E27FC236}">
+                <a16:creationId xmlns:a16="http://schemas.microsoft.com/office/drawing/2014/main" id="{61F6E425-22AB-4DA2-8FAC-58ADB58EF6C3}"/>
+              </a:ext>
+              <a:ext uri="{C183D7F6-B498-43B3-948B-1728B52AA6E4}">
+                <adec:decorative xmlns:adec="http://schemas.microsoft.com/office/drawing/2017/decorative" val="1"/>
+              </a:ext>
+            </a:extLst>
+          </p:cNvPr>
+          <p:cNvSpPr>
+            <a:spLocks noGrp="1" noRot="1" noChangeAspect="1" noMove="1" noResize="1" noEditPoints="1" noAdjustHandles="1" noChangeArrowheads="1" noChangeShapeType="1" noTextEdit="1"/>
+          </p:cNvSpPr>
+          <p:nvPr>
+            <p:extLst>
+              <p:ext uri="{386F3935-93C4-4BCD-93E2-E3B085C9AB24}">
+                <p16:designElem xmlns:p16="http://schemas.microsoft.com/office/powerpoint/2015/main" val="1"/>
+              </p:ext>
+            </p:extLst>
+          </p:nvPr>
+        </p:nvSpPr>
+        <p:spPr>
+          <a:xfrm>
+            <a:off x="6254749" y="2423160"/>
+            <a:ext cx="5613569" cy="3930315"/>
+          </a:xfrm>
+          <a:prstGeom prst="roundRect">
+            <a:avLst>
+              <a:gd name="adj" fmla="val 0"/>
+            </a:avLst>
+          </a:prstGeom>
+          <a:solidFill>
+            <a:srgbClr val="FFFFFF"/>
+          </a:solidFill>
+          <a:ln w="9525">
+            <a:solidFill>
+              <a:srgbClr val="C8CACA"/>
+            </a:solidFill>
+          </a:ln>
+          <a:effectLst>
+            <a:outerShdw blurRad="57150" dist="19050" dir="5400000" algn="t" rotWithShape="0">
+              <a:prstClr val="black">
+                <a:alpha val="63000"/>
+              </a:prstClr>
+            </a:outerShdw>
+          </a:effectLst>
+        </p:spPr>
+        <p:style>
+          <a:lnRef idx="2">
+            <a:schemeClr val="accent1">
+              <a:shade val="50000"/>
+            </a:schemeClr>
+          </a:lnRef>
+          <a:fillRef idx="1">
+            <a:schemeClr val="accent1"/>
+          </a:fillRef>
+          <a:effectRef idx="0">
+            <a:schemeClr val="accent1"/>
+          </a:effectRef>
+          <a:fontRef idx="minor">
+            <a:schemeClr val="lt1"/>
+          </a:fontRef>
+        </p:style>
+        <p:txBody>
+          <a:bodyPr rtlCol="0" anchor="ctr"/>
+          <a:lstStyle/>
+          <a:p>
+            <a:pPr algn="ctr"/>
+            <a:endParaRPr lang="en-US"/>
+          </a:p>
+        </p:txBody>
+      </p:sp>
+      <p:pic>
+        <p:nvPicPr>
+          <p:cNvPr id="5" name="Picture 4" descr="Chart, line chart&#10;&#10;Description automatically generated">
+            <a:extLst>
+              <a:ext uri="{FF2B5EF4-FFF2-40B4-BE49-F238E27FC236}">
+                <a16:creationId xmlns:a16="http://schemas.microsoft.com/office/drawing/2014/main" id="{722812DA-18D1-408C-AA6D-00603097DBBA}"/>
+              </a:ext>
+            </a:extLst>
+          </p:cNvPr>
+          <p:cNvPicPr>
+            <a:picLocks noChangeAspect="1"/>
+          </p:cNvPicPr>
+          <p:nvPr/>
+        </p:nvPicPr>
+        <p:blipFill>
+          <a:blip r:embed="rId3"/>
+          <a:stretch>
+            <a:fillRect/>
+          </a:stretch>
+        </p:blipFill>
+        <p:spPr>
+          <a:xfrm>
+            <a:off x="6720706" y="2742397"/>
+            <a:ext cx="4685892" cy="3291840"/>
+          </a:xfrm>
+          <a:prstGeom prst="rect">
+            <a:avLst/>
+          </a:prstGeom>
+        </p:spPr>
+      </p:pic>
     </p:spTree>
     <p:extLst>
       <p:ext uri="{BB962C8B-B14F-4D97-AF65-F5344CB8AC3E}">
@@ -4346,12 +4719,58 @@
             <p:ph idx="1"/>
           </p:nvPr>
         </p:nvSpPr>
-        <p:spPr/>
-        <p:txBody>
-          <a:bodyPr/>
+        <p:spPr>
+          <a:xfrm>
+            <a:off x="733796" y="1024891"/>
+            <a:ext cx="10724408" cy="5184716"/>
+          </a:xfrm>
+        </p:spPr>
+        <p:txBody>
+          <a:bodyPr>
+            <a:normAutofit/>
+          </a:bodyPr>
           <a:lstStyle/>
           <a:p>
-            <a:endParaRPr lang="en-US" dirty="0"/>
+            <a:r>
+              <a:rPr lang="en-US" sz="2400" dirty="0"/>
+              <a:t>Missing salary data was generated using a linear regression model</a:t>
+            </a:r>
+          </a:p>
+          <a:p>
+            <a:endParaRPr lang="en-US" sz="2400" dirty="0"/>
+          </a:p>
+          <a:p>
+            <a:r>
+              <a:rPr lang="en-US" sz="2400" dirty="0"/>
+              <a:t>Common profile with attrition is young, early career, single with overtime</a:t>
+            </a:r>
+          </a:p>
+          <a:p>
+            <a:endParaRPr lang="en-US" sz="2400" dirty="0"/>
+          </a:p>
+          <a:p>
+            <a:r>
+              <a:rPr lang="en-US" sz="2400" dirty="0"/>
+              <a:t>Three attributes to focus on: Job Level, Overtime, Stock Options </a:t>
+            </a:r>
+          </a:p>
+          <a:p>
+            <a:endParaRPr lang="en-US" sz="2400" dirty="0"/>
+          </a:p>
+          <a:p>
+            <a:r>
+              <a:rPr lang="en-US" sz="2400" dirty="0"/>
+              <a:t>Random Forest was the optimal Model for predicting Attrition</a:t>
+            </a:r>
+          </a:p>
+          <a:p>
+            <a:endParaRPr lang="en-US" sz="2400" dirty="0"/>
+          </a:p>
+          <a:p>
+            <a:r>
+              <a:rPr lang="en-US" sz="2400" dirty="0"/>
+              <a:t>Identified 4 employees that are predicted to have attrition </a:t>
+            </a:r>
           </a:p>
         </p:txBody>
       </p:sp>

--- a/CaseStudy2DDS.pptx
+++ b/CaseStudy2DDS.pptx
@@ -8,15 +8,23 @@
     <p:sldId id="256" r:id="rId2"/>
     <p:sldId id="257" r:id="rId3"/>
     <p:sldId id="259" r:id="rId4"/>
-    <p:sldId id="262" r:id="rId5"/>
-    <p:sldId id="263" r:id="rId6"/>
-    <p:sldId id="264" r:id="rId7"/>
-    <p:sldId id="265" r:id="rId8"/>
-    <p:sldId id="260" r:id="rId9"/>
-    <p:sldId id="266" r:id="rId10"/>
-    <p:sldId id="268" r:id="rId11"/>
-    <p:sldId id="269" r:id="rId12"/>
-    <p:sldId id="261" r:id="rId13"/>
+    <p:sldId id="270" r:id="rId5"/>
+    <p:sldId id="262" r:id="rId6"/>
+    <p:sldId id="263" r:id="rId7"/>
+    <p:sldId id="271" r:id="rId8"/>
+    <p:sldId id="264" r:id="rId9"/>
+    <p:sldId id="272" r:id="rId10"/>
+    <p:sldId id="265" r:id="rId11"/>
+    <p:sldId id="273" r:id="rId12"/>
+    <p:sldId id="260" r:id="rId13"/>
+    <p:sldId id="274" r:id="rId14"/>
+    <p:sldId id="266" r:id="rId15"/>
+    <p:sldId id="268" r:id="rId16"/>
+    <p:sldId id="275" r:id="rId17"/>
+    <p:sldId id="269" r:id="rId18"/>
+    <p:sldId id="276" r:id="rId19"/>
+    <p:sldId id="261" r:id="rId20"/>
+    <p:sldId id="277" r:id="rId21"/>
   </p:sldIdLst>
   <p:sldSz cx="12192000" cy="6858000"/>
   <p:notesSz cx="6858000" cy="9144000"/>
@@ -3344,7 +3352,7 @@
           <p:cNvPr id="2" name="Title 1">
             <a:extLst>
               <a:ext uri="{FF2B5EF4-FFF2-40B4-BE49-F238E27FC236}">
-                <a16:creationId xmlns:a16="http://schemas.microsoft.com/office/drawing/2014/main" id="{7CB20EDE-73E2-4851-A40B-DBE53644AE10}"/>
+                <a16:creationId xmlns:a16="http://schemas.microsoft.com/office/drawing/2014/main" id="{527E1E4B-799F-4D8C-A06E-96C1AD1AF473}"/>
               </a:ext>
             </a:extLst>
           </p:cNvPr>
@@ -3362,7 +3370,280 @@
           <a:p>
             <a:r>
               <a:rPr lang="en-US" dirty="0"/>
-              <a:t>Random Forest Model</a:t>
+              <a:t>Correlation for Predicting Attrition</a:t>
+            </a:r>
+          </a:p>
+        </p:txBody>
+      </p:sp>
+      <p:pic>
+        <p:nvPicPr>
+          <p:cNvPr id="5" name="Picture 4">
+            <a:extLst>
+              <a:ext uri="{FF2B5EF4-FFF2-40B4-BE49-F238E27FC236}">
+                <a16:creationId xmlns:a16="http://schemas.microsoft.com/office/drawing/2014/main" id="{F61531A3-08CC-494D-AA82-8D4A2722D69E}"/>
+              </a:ext>
+            </a:extLst>
+          </p:cNvPr>
+          <p:cNvPicPr>
+            <a:picLocks noChangeAspect="1"/>
+          </p:cNvPicPr>
+          <p:nvPr/>
+        </p:nvPicPr>
+        <p:blipFill>
+          <a:blip r:embed="rId2"/>
+          <a:stretch>
+            <a:fillRect/>
+          </a:stretch>
+        </p:blipFill>
+        <p:spPr>
+          <a:xfrm>
+            <a:off x="896015" y="956051"/>
+            <a:ext cx="4358736" cy="4335277"/>
+          </a:xfrm>
+          <a:prstGeom prst="rect">
+            <a:avLst/>
+          </a:prstGeom>
+        </p:spPr>
+      </p:pic>
+      <p:pic>
+        <p:nvPicPr>
+          <p:cNvPr id="7" name="Picture 6">
+            <a:extLst>
+              <a:ext uri="{FF2B5EF4-FFF2-40B4-BE49-F238E27FC236}">
+                <a16:creationId xmlns:a16="http://schemas.microsoft.com/office/drawing/2014/main" id="{E33178A8-2008-4AEA-A119-C69AB820A048}"/>
+              </a:ext>
+            </a:extLst>
+          </p:cNvPr>
+          <p:cNvPicPr>
+            <a:picLocks noChangeAspect="1"/>
+          </p:cNvPicPr>
+          <p:nvPr/>
+        </p:nvPicPr>
+        <p:blipFill>
+          <a:blip r:embed="rId3"/>
+          <a:stretch>
+            <a:fillRect/>
+          </a:stretch>
+        </p:blipFill>
+        <p:spPr>
+          <a:xfrm>
+            <a:off x="6352954" y="822962"/>
+            <a:ext cx="4429845" cy="4468366"/>
+          </a:xfrm>
+          <a:prstGeom prst="rect">
+            <a:avLst/>
+          </a:prstGeom>
+        </p:spPr>
+      </p:pic>
+      <p:cxnSp>
+        <p:nvCxnSpPr>
+          <p:cNvPr id="9" name="Straight Connector 8">
+            <a:extLst>
+              <a:ext uri="{FF2B5EF4-FFF2-40B4-BE49-F238E27FC236}">
+                <a16:creationId xmlns:a16="http://schemas.microsoft.com/office/drawing/2014/main" id="{EA26DB23-EDED-4EF0-A8C2-E6999A0E4B03}"/>
+              </a:ext>
+            </a:extLst>
+          </p:cNvPr>
+          <p:cNvCxnSpPr/>
+          <p:nvPr/>
+        </p:nvCxnSpPr>
+        <p:spPr>
+          <a:xfrm>
+            <a:off x="341376" y="5437632"/>
+            <a:ext cx="11338560" cy="0"/>
+          </a:xfrm>
+          <a:prstGeom prst="line">
+            <a:avLst/>
+          </a:prstGeom>
+        </p:spPr>
+        <p:style>
+          <a:lnRef idx="1">
+            <a:schemeClr val="dk1"/>
+          </a:lnRef>
+          <a:fillRef idx="0">
+            <a:schemeClr val="dk1"/>
+          </a:fillRef>
+          <a:effectRef idx="0">
+            <a:schemeClr val="dk1"/>
+          </a:effectRef>
+          <a:fontRef idx="minor">
+            <a:schemeClr val="tx1"/>
+          </a:fontRef>
+        </p:style>
+      </p:cxnSp>
+      <p:sp>
+        <p:nvSpPr>
+          <p:cNvPr id="10" name="TextBox 9">
+            <a:extLst>
+              <a:ext uri="{FF2B5EF4-FFF2-40B4-BE49-F238E27FC236}">
+                <a16:creationId xmlns:a16="http://schemas.microsoft.com/office/drawing/2014/main" id="{72DE2802-3211-4472-A146-CCF874B5AA79}"/>
+              </a:ext>
+            </a:extLst>
+          </p:cNvPr>
+          <p:cNvSpPr txBox="1"/>
+          <p:nvPr/>
+        </p:nvSpPr>
+        <p:spPr>
+          <a:xfrm>
+            <a:off x="1024128" y="5449824"/>
+            <a:ext cx="9758671" cy="1015663"/>
+          </a:xfrm>
+          <a:prstGeom prst="rect">
+            <a:avLst/>
+          </a:prstGeom>
+          <a:noFill/>
+        </p:spPr>
+        <p:txBody>
+          <a:bodyPr wrap="square" rtlCol="0">
+            <a:spAutoFit/>
+          </a:bodyPr>
+          <a:lstStyle/>
+          <a:p>
+            <a:r>
+              <a:rPr lang="en-US" sz="2400" u="sng" dirty="0">
+                <a:latin typeface="Times New Roman" panose="02020603050405020304" pitchFamily="18" charset="0"/>
+                <a:cs typeface="Times New Roman" panose="02020603050405020304" pitchFamily="18" charset="0"/>
+              </a:rPr>
+              <a:t>Biggest factors </a:t>
+            </a:r>
+            <a:endParaRPr lang="en-US" u="sng" dirty="0">
+              <a:latin typeface="Times New Roman" panose="02020603050405020304" pitchFamily="18" charset="0"/>
+              <a:cs typeface="Times New Roman" panose="02020603050405020304" pitchFamily="18" charset="0"/>
+            </a:endParaRPr>
+          </a:p>
+          <a:p>
+            <a:pPr marL="285750" indent="-285750">
+              <a:buFont typeface="Arial" panose="020B0604020202020204" pitchFamily="34" charset="0"/>
+              <a:buChar char="•"/>
+            </a:pPr>
+            <a:r>
+              <a:rPr lang="en-US" dirty="0">
+                <a:latin typeface="Times New Roman" panose="02020603050405020304" pitchFamily="18" charset="0"/>
+                <a:cs typeface="Times New Roman" panose="02020603050405020304" pitchFamily="18" charset="0"/>
+              </a:rPr>
+              <a:t>Age, Monthly Income, Total Working Years, Years at Company, Years in Current Role, Years With Current Manager, Job Level, Job Role, Marital Status, Over Time, Stock Option Level</a:t>
+            </a:r>
+          </a:p>
+        </p:txBody>
+      </p:sp>
+    </p:spTree>
+    <p:extLst>
+      <p:ext uri="{BB962C8B-B14F-4D97-AF65-F5344CB8AC3E}">
+        <p14:creationId xmlns:p14="http://schemas.microsoft.com/office/powerpoint/2010/main" val="1128817313"/>
+      </p:ext>
+    </p:extLst>
+  </p:cSld>
+  <p:clrMapOvr>
+    <a:masterClrMapping/>
+  </p:clrMapOvr>
+</p:sld>
+</file>
+
+<file path=ppt/slides/slide11.xml><?xml version="1.0" encoding="utf-8"?>
+<p:sld xmlns:a="http://schemas.openxmlformats.org/drawingml/2006/main" xmlns:r="http://schemas.openxmlformats.org/officeDocument/2006/relationships" xmlns:p="http://schemas.openxmlformats.org/presentationml/2006/main">
+  <p:cSld>
+    <p:spTree>
+      <p:nvGrpSpPr>
+        <p:cNvPr id="1" name=""/>
+        <p:cNvGrpSpPr/>
+        <p:nvPr/>
+      </p:nvGrpSpPr>
+      <p:grpSpPr>
+        <a:xfrm>
+          <a:off x="0" y="0"/>
+          <a:ext cx="0" cy="0"/>
+          <a:chOff x="0" y="0"/>
+          <a:chExt cx="0" cy="0"/>
+        </a:xfrm>
+      </p:grpSpPr>
+      <p:sp>
+        <p:nvSpPr>
+          <p:cNvPr id="2" name="Title 1">
+            <a:extLst>
+              <a:ext uri="{FF2B5EF4-FFF2-40B4-BE49-F238E27FC236}">
+                <a16:creationId xmlns:a16="http://schemas.microsoft.com/office/drawing/2014/main" id="{D4A5888F-44C7-4B3A-BA71-2AFC73296244}"/>
+              </a:ext>
+            </a:extLst>
+          </p:cNvPr>
+          <p:cNvSpPr>
+            <a:spLocks noGrp="1"/>
+          </p:cNvSpPr>
+          <p:nvPr>
+            <p:ph type="title"/>
+          </p:nvPr>
+        </p:nvSpPr>
+        <p:spPr>
+          <a:xfrm>
+            <a:off x="838200" y="665797"/>
+            <a:ext cx="10425157" cy="3983115"/>
+          </a:xfrm>
+        </p:spPr>
+        <p:txBody>
+          <a:bodyPr/>
+          <a:lstStyle/>
+          <a:p>
+            <a:pPr algn="ctr"/>
+            <a:r>
+              <a:rPr lang="en-US" dirty="0"/>
+              <a:t>Top 3 Factors</a:t>
+            </a:r>
+          </a:p>
+        </p:txBody>
+      </p:sp>
+    </p:spTree>
+    <p:extLst>
+      <p:ext uri="{BB962C8B-B14F-4D97-AF65-F5344CB8AC3E}">
+        <p14:creationId xmlns:p14="http://schemas.microsoft.com/office/powerpoint/2010/main" val="560220545"/>
+      </p:ext>
+    </p:extLst>
+  </p:cSld>
+  <p:clrMapOvr>
+    <a:masterClrMapping/>
+  </p:clrMapOvr>
+</p:sld>
+</file>
+
+<file path=ppt/slides/slide12.xml><?xml version="1.0" encoding="utf-8"?>
+<p:sld xmlns:a="http://schemas.openxmlformats.org/drawingml/2006/main" xmlns:r="http://schemas.openxmlformats.org/officeDocument/2006/relationships" xmlns:p="http://schemas.openxmlformats.org/presentationml/2006/main">
+  <p:cSld>
+    <p:spTree>
+      <p:nvGrpSpPr>
+        <p:cNvPr id="1" name=""/>
+        <p:cNvGrpSpPr/>
+        <p:nvPr/>
+      </p:nvGrpSpPr>
+      <p:grpSpPr>
+        <a:xfrm>
+          <a:off x="0" y="0"/>
+          <a:ext cx="0" cy="0"/>
+          <a:chOff x="0" y="0"/>
+          <a:chExt cx="0" cy="0"/>
+        </a:xfrm>
+      </p:grpSpPr>
+      <p:sp>
+        <p:nvSpPr>
+          <p:cNvPr id="2" name="Title 1">
+            <a:extLst>
+              <a:ext uri="{FF2B5EF4-FFF2-40B4-BE49-F238E27FC236}">
+                <a16:creationId xmlns:a16="http://schemas.microsoft.com/office/drawing/2014/main" id="{096F9D42-30DE-480B-B5C4-DCD580D79115}"/>
+              </a:ext>
+            </a:extLst>
+          </p:cNvPr>
+          <p:cNvSpPr>
+            <a:spLocks noGrp="1"/>
+          </p:cNvSpPr>
+          <p:nvPr>
+            <p:ph type="title"/>
+          </p:nvPr>
+        </p:nvSpPr>
+        <p:spPr/>
+        <p:txBody>
+          <a:bodyPr/>
+          <a:lstStyle/>
+          <a:p>
+            <a:r>
+              <a:rPr lang="en-US" dirty="0"/>
+              <a:t>Top 3 Factors leading to Attrition</a:t>
             </a:r>
           </a:p>
         </p:txBody>
@@ -3372,7 +3653,7 @@
           <p:cNvPr id="3" name="Content Placeholder 2">
             <a:extLst>
               <a:ext uri="{FF2B5EF4-FFF2-40B4-BE49-F238E27FC236}">
-                <a16:creationId xmlns:a16="http://schemas.microsoft.com/office/drawing/2014/main" id="{8BAF8085-B9BD-4BE8-931E-3D8446EA3B3E}"/>
+                <a16:creationId xmlns:a16="http://schemas.microsoft.com/office/drawing/2014/main" id="{06F6A022-2888-47C3-8B8D-CDBA94A2B608}"/>
               </a:ext>
             </a:extLst>
           </p:cNvPr>
@@ -3385,8 +3666,8 @@
         </p:nvSpPr>
         <p:spPr>
           <a:xfrm>
-            <a:off x="7644386" y="1165099"/>
-            <a:ext cx="3803902" cy="5184716"/>
+            <a:off x="653143" y="653143"/>
+            <a:ext cx="11281557" cy="6204857"/>
           </a:xfrm>
         </p:spPr>
         <p:txBody>
@@ -3395,6 +3676,238 @@
           </a:bodyPr>
           <a:lstStyle/>
           <a:p>
+            <a:r>
+              <a:rPr lang="en-US" b="1" dirty="0"/>
+              <a:t>Job Level</a:t>
+            </a:r>
+          </a:p>
+          <a:p>
+            <a:pPr lvl="1"/>
+            <a:r>
+              <a:rPr lang="en-US" dirty="0"/>
+              <a:t>Attrition happens early in the career </a:t>
+            </a:r>
+          </a:p>
+          <a:p>
+            <a:pPr lvl="1"/>
+            <a:endParaRPr lang="en-US" dirty="0"/>
+          </a:p>
+          <a:p>
+            <a:r>
+              <a:rPr lang="en-US" b="1" dirty="0"/>
+              <a:t>Overtime</a:t>
+            </a:r>
+          </a:p>
+          <a:p>
+            <a:pPr lvl="1"/>
+            <a:r>
+              <a:rPr lang="en-US" dirty="0"/>
+              <a:t>Reduce Overtime where possible</a:t>
+            </a:r>
+          </a:p>
+          <a:p>
+            <a:pPr lvl="1"/>
+            <a:endParaRPr lang="en-US" dirty="0"/>
+          </a:p>
+          <a:p>
+            <a:r>
+              <a:rPr lang="en-US" b="1" dirty="0"/>
+              <a:t>Stock Option Level</a:t>
+            </a:r>
+          </a:p>
+          <a:p>
+            <a:pPr lvl="1"/>
+            <a:r>
+              <a:rPr lang="en-US" dirty="0"/>
+              <a:t>Offer some sort of stock option for new employees </a:t>
+            </a:r>
+          </a:p>
+          <a:p>
+            <a:pPr marL="457200" lvl="1" indent="0">
+              <a:buNone/>
+            </a:pPr>
+            <a:endParaRPr lang="en-US" dirty="0"/>
+          </a:p>
+          <a:p>
+            <a:pPr marL="457200" lvl="1" indent="0">
+              <a:buNone/>
+            </a:pPr>
+            <a:endParaRPr lang="en-US" dirty="0"/>
+          </a:p>
+          <a:p>
+            <a:r>
+              <a:rPr lang="en-US" i="1" dirty="0"/>
+              <a:t>Note: </a:t>
+            </a:r>
+            <a:r>
+              <a:rPr lang="en-US" dirty="0"/>
+              <a:t>Most attributes correlate around an employee in the early years of their career. </a:t>
+            </a:r>
+          </a:p>
+          <a:p>
+            <a:endParaRPr lang="en-US" dirty="0"/>
+          </a:p>
+          <a:p>
+            <a:pPr marL="0" indent="0">
+              <a:buNone/>
+            </a:pPr>
+            <a:r>
+              <a:rPr lang="en-US" sz="2000" i="1" dirty="0"/>
+              <a:t>Determined by value on correlation table cross checked by the charts generated for attrition vs non-attrition </a:t>
+            </a:r>
+          </a:p>
+        </p:txBody>
+      </p:sp>
+    </p:spTree>
+    <p:extLst>
+      <p:ext uri="{BB962C8B-B14F-4D97-AF65-F5344CB8AC3E}">
+        <p14:creationId xmlns:p14="http://schemas.microsoft.com/office/powerpoint/2010/main" val="2178260233"/>
+      </p:ext>
+    </p:extLst>
+  </p:cSld>
+  <p:clrMapOvr>
+    <a:masterClrMapping/>
+  </p:clrMapOvr>
+</p:sld>
+</file>
+
+<file path=ppt/slides/slide13.xml><?xml version="1.0" encoding="utf-8"?>
+<p:sld xmlns:a="http://schemas.openxmlformats.org/drawingml/2006/main" xmlns:r="http://schemas.openxmlformats.org/officeDocument/2006/relationships" xmlns:p="http://schemas.openxmlformats.org/presentationml/2006/main">
+  <p:cSld>
+    <p:spTree>
+      <p:nvGrpSpPr>
+        <p:cNvPr id="1" name=""/>
+        <p:cNvGrpSpPr/>
+        <p:nvPr/>
+      </p:nvGrpSpPr>
+      <p:grpSpPr>
+        <a:xfrm>
+          <a:off x="0" y="0"/>
+          <a:ext cx="0" cy="0"/>
+          <a:chOff x="0" y="0"/>
+          <a:chExt cx="0" cy="0"/>
+        </a:xfrm>
+      </p:grpSpPr>
+      <p:sp>
+        <p:nvSpPr>
+          <p:cNvPr id="2" name="Title 1">
+            <a:extLst>
+              <a:ext uri="{FF2B5EF4-FFF2-40B4-BE49-F238E27FC236}">
+                <a16:creationId xmlns:a16="http://schemas.microsoft.com/office/drawing/2014/main" id="{D4A5888F-44C7-4B3A-BA71-2AFC73296244}"/>
+              </a:ext>
+            </a:extLst>
+          </p:cNvPr>
+          <p:cNvSpPr>
+            <a:spLocks noGrp="1"/>
+          </p:cNvSpPr>
+          <p:nvPr>
+            <p:ph type="title"/>
+          </p:nvPr>
+        </p:nvSpPr>
+        <p:spPr>
+          <a:xfrm>
+            <a:off x="838200" y="665797"/>
+            <a:ext cx="10425157" cy="3983115"/>
+          </a:xfrm>
+        </p:spPr>
+        <p:txBody>
+          <a:bodyPr/>
+          <a:lstStyle/>
+          <a:p>
+            <a:pPr algn="ctr"/>
+            <a:r>
+              <a:rPr lang="en-US" dirty="0"/>
+              <a:t>Prediction Models</a:t>
+            </a:r>
+          </a:p>
+        </p:txBody>
+      </p:sp>
+    </p:spTree>
+    <p:extLst>
+      <p:ext uri="{BB962C8B-B14F-4D97-AF65-F5344CB8AC3E}">
+        <p14:creationId xmlns:p14="http://schemas.microsoft.com/office/powerpoint/2010/main" val="1668574562"/>
+      </p:ext>
+    </p:extLst>
+  </p:cSld>
+  <p:clrMapOvr>
+    <a:masterClrMapping/>
+  </p:clrMapOvr>
+</p:sld>
+</file>
+
+<file path=ppt/slides/slide14.xml><?xml version="1.0" encoding="utf-8"?>
+<p:sld xmlns:a="http://schemas.openxmlformats.org/drawingml/2006/main" xmlns:r="http://schemas.openxmlformats.org/officeDocument/2006/relationships" xmlns:p="http://schemas.openxmlformats.org/presentationml/2006/main">
+  <p:cSld>
+    <p:spTree>
+      <p:nvGrpSpPr>
+        <p:cNvPr id="1" name=""/>
+        <p:cNvGrpSpPr/>
+        <p:nvPr/>
+      </p:nvGrpSpPr>
+      <p:grpSpPr>
+        <a:xfrm>
+          <a:off x="0" y="0"/>
+          <a:ext cx="0" cy="0"/>
+          <a:chOff x="0" y="0"/>
+          <a:chExt cx="0" cy="0"/>
+        </a:xfrm>
+      </p:grpSpPr>
+      <p:sp>
+        <p:nvSpPr>
+          <p:cNvPr id="2" name="Title 1">
+            <a:extLst>
+              <a:ext uri="{FF2B5EF4-FFF2-40B4-BE49-F238E27FC236}">
+                <a16:creationId xmlns:a16="http://schemas.microsoft.com/office/drawing/2014/main" id="{7CB20EDE-73E2-4851-A40B-DBE53644AE10}"/>
+              </a:ext>
+            </a:extLst>
+          </p:cNvPr>
+          <p:cNvSpPr>
+            <a:spLocks noGrp="1"/>
+          </p:cNvSpPr>
+          <p:nvPr>
+            <p:ph type="title"/>
+          </p:nvPr>
+        </p:nvSpPr>
+        <p:spPr/>
+        <p:txBody>
+          <a:bodyPr/>
+          <a:lstStyle/>
+          <a:p>
+            <a:r>
+              <a:rPr lang="en-US" dirty="0"/>
+              <a:t>KNN Model</a:t>
+            </a:r>
+          </a:p>
+        </p:txBody>
+      </p:sp>
+      <p:sp>
+        <p:nvSpPr>
+          <p:cNvPr id="3" name="Content Placeholder 2">
+            <a:extLst>
+              <a:ext uri="{FF2B5EF4-FFF2-40B4-BE49-F238E27FC236}">
+                <a16:creationId xmlns:a16="http://schemas.microsoft.com/office/drawing/2014/main" id="{8BAF8085-B9BD-4BE8-931E-3D8446EA3B3E}"/>
+              </a:ext>
+            </a:extLst>
+          </p:cNvPr>
+          <p:cNvSpPr>
+            <a:spLocks noGrp="1"/>
+          </p:cNvSpPr>
+          <p:nvPr>
+            <p:ph idx="1"/>
+          </p:nvPr>
+        </p:nvSpPr>
+        <p:spPr>
+          <a:xfrm>
+            <a:off x="7644386" y="1165099"/>
+            <a:ext cx="3803902" cy="5184716"/>
+          </a:xfrm>
+        </p:spPr>
+        <p:txBody>
+          <a:bodyPr>
+            <a:normAutofit/>
+          </a:bodyPr>
+          <a:lstStyle/>
+          <a:p>
             <a:pPr marL="0" indent="0">
               <a:buNone/>
             </a:pPr>
@@ -3404,7 +3917,7 @@
             </a:r>
             <a:r>
               <a:rPr lang="en-US" sz="1800" dirty="0"/>
-              <a:t>83%</a:t>
+              <a:t>86%</a:t>
             </a:r>
           </a:p>
           <a:p>
@@ -3417,7 +3930,7 @@
             </a:r>
             <a:r>
               <a:rPr lang="en-US" sz="1800" dirty="0"/>
-              <a:t>1.243e-10</a:t>
+              <a:t>0.0001491</a:t>
             </a:r>
           </a:p>
           <a:p>
@@ -3430,7 +3943,7 @@
             </a:r>
             <a:r>
               <a:rPr lang="en-US" sz="1800" dirty="0"/>
-              <a:t>0.8373</a:t>
+              <a:t>0.9664</a:t>
             </a:r>
           </a:p>
           <a:p>
@@ -3442,8 +3955,12 @@
               <a:t>Specificity: </a:t>
             </a:r>
             <a:r>
-              <a:rPr lang="en-US" sz="1800" dirty="0"/>
-              <a:t>0.7895</a:t>
+              <a:rPr lang="en-US" sz="1800" dirty="0">
+                <a:highlight>
+                  <a:srgbClr val="FFFF00"/>
+                </a:highlight>
+              </a:rPr>
+              <a:t>0.3019</a:t>
             </a:r>
           </a:p>
           <a:p>
@@ -3648,24 +4165,16 @@
           <a:p>
             <a:r>
               <a:rPr lang="en-US" sz="2000" dirty="0"/>
-              <a:t>Using the Random Forest, I was able to achieve an accuracy of 83%</a:t>
-            </a:r>
-          </a:p>
-          <a:p>
-            <a:pPr lvl="1"/>
-            <a:r>
-              <a:rPr lang="en-US" sz="1600" dirty="0"/>
-              <a:t>May be slightly lower than KNN, but it is more consistent </a:t>
-            </a:r>
-          </a:p>
-          <a:p>
-            <a:pPr lvl="1"/>
-            <a:endParaRPr lang="en-US" sz="1600" dirty="0"/>
+              <a:t>Using the KNN classifier I was able to achieve an accuracy of 86%</a:t>
+            </a:r>
+          </a:p>
+          <a:p>
+            <a:endParaRPr lang="en-US" sz="2000" dirty="0"/>
           </a:p>
           <a:p>
             <a:r>
               <a:rPr lang="en-US" sz="2000" dirty="0"/>
-              <a:t>The specificity only achieved a value of 0.7895</a:t>
+              <a:t>Unfortunately, the specificity only achieved a value of 0.3019 </a:t>
             </a:r>
           </a:p>
           <a:p>
@@ -3674,7 +4183,7 @@
           <a:p>
             <a:r>
               <a:rPr lang="en-US" sz="2000" dirty="0"/>
-              <a:t>After using the same formula as KNN the random forest model was able to achieve a more consistent and reliable prediction model </a:t>
+              <a:t>After many attempts at optimizing the formula and changing the K value, the highest I could get the specificity was ~.4</a:t>
             </a:r>
           </a:p>
           <a:p>
@@ -3683,15 +4192,15 @@
           <a:p>
             <a:r>
               <a:rPr lang="en-US" sz="2000" dirty="0"/>
-              <a:t>I</a:t>
+              <a:t>KNN suffered from </a:t>
             </a:r>
             <a:r>
               <a:rPr lang="en-US" sz="2000" b="1" dirty="0"/>
-              <a:t> recommend </a:t>
+              <a:t>Overfitting</a:t>
             </a:r>
             <a:r>
               <a:rPr lang="en-US" sz="2000" dirty="0"/>
-              <a:t>using the Random Forest Model as the method of predicting attrition</a:t>
+              <a:t> and do not recommend for predicting attrition</a:t>
             </a:r>
           </a:p>
         </p:txBody>
@@ -3736,7 +4245,7 @@
       </p:cxnSp>
       <p:pic>
         <p:nvPicPr>
-          <p:cNvPr id="9" name="Graphic 8" descr="Checkmark with solid fill">
+          <p:cNvPr id="9" name="Graphic 8" descr="Close with solid fill">
             <a:extLst>
               <a:ext uri="{FF2B5EF4-FFF2-40B4-BE49-F238E27FC236}">
                 <a16:creationId xmlns:a16="http://schemas.microsoft.com/office/drawing/2014/main" id="{75C42593-F22D-4E88-8510-9E133BFFDBF7}"/>
@@ -3759,8 +4268,9 @@
               </a:ext>
             </a:extLst>
           </a:blip>
-          <a:srcRect/>
-          <a:stretch/>
+          <a:stretch>
+            <a:fillRect/>
+          </a:stretch>
         </p:blipFill>
         <p:spPr>
           <a:xfrm>
@@ -3775,7 +4285,7 @@
     </p:spTree>
     <p:extLst>
       <p:ext uri="{BB962C8B-B14F-4D97-AF65-F5344CB8AC3E}">
-        <p14:creationId xmlns:p14="http://schemas.microsoft.com/office/powerpoint/2010/main" val="654981537"/>
+        <p14:creationId xmlns:p14="http://schemas.microsoft.com/office/powerpoint/2010/main" val="2607107953"/>
       </p:ext>
     </p:extLst>
   </p:cSld>
@@ -3785,7 +4295,7 @@
 </p:sld>
 </file>
 
-<file path=ppt/slides/slide11.xml><?xml version="1.0" encoding="utf-8"?>
+<file path=ppt/slides/slide15.xml><?xml version="1.0" encoding="utf-8"?>
 <p:sld xmlns:a="http://schemas.openxmlformats.org/drawingml/2006/main" xmlns:r="http://schemas.openxmlformats.org/officeDocument/2006/relationships" xmlns:p="http://schemas.openxmlformats.org/presentationml/2006/main">
   <p:cSld>
     <p:spTree>
@@ -3807,7 +4317,7 @@
           <p:cNvPr id="2" name="Title 1">
             <a:extLst>
               <a:ext uri="{FF2B5EF4-FFF2-40B4-BE49-F238E27FC236}">
-                <a16:creationId xmlns:a16="http://schemas.microsoft.com/office/drawing/2014/main" id="{05EB3667-FB82-4695-B009-9016F440AB4D}"/>
+                <a16:creationId xmlns:a16="http://schemas.microsoft.com/office/drawing/2014/main" id="{7CB20EDE-73E2-4851-A40B-DBE53644AE10}"/>
               </a:ext>
             </a:extLst>
           </p:cNvPr>
@@ -3825,7 +4335,7 @@
           <a:p>
             <a:r>
               <a:rPr lang="en-US" dirty="0"/>
-              <a:t>Employees with Possible Attrition</a:t>
+              <a:t>Random Forest Model</a:t>
             </a:r>
           </a:p>
         </p:txBody>
@@ -3835,7 +4345,7 @@
           <p:cNvPr id="3" name="Content Placeholder 2">
             <a:extLst>
               <a:ext uri="{FF2B5EF4-FFF2-40B4-BE49-F238E27FC236}">
-                <a16:creationId xmlns:a16="http://schemas.microsoft.com/office/drawing/2014/main" id="{AD1D8FB4-4317-46BC-A10C-D91452199B0A}"/>
+                <a16:creationId xmlns:a16="http://schemas.microsoft.com/office/drawing/2014/main" id="{8BAF8085-B9BD-4BE8-931E-3D8446EA3B3E}"/>
               </a:ext>
             </a:extLst>
           </p:cNvPr>
@@ -3848,85 +4358,72 @@
         </p:nvSpPr>
         <p:spPr>
           <a:xfrm>
-            <a:off x="5865816" y="1462669"/>
-            <a:ext cx="6235140" cy="3932662"/>
-          </a:xfrm>
-        </p:spPr>
-        <p:txBody>
-          <a:bodyPr/>
+            <a:off x="7644386" y="1165099"/>
+            <a:ext cx="3803902" cy="5184716"/>
+          </a:xfrm>
+        </p:spPr>
+        <p:txBody>
+          <a:bodyPr>
+            <a:normAutofit/>
+          </a:bodyPr>
           <a:lstStyle/>
           <a:p>
             <a:pPr marL="0" indent="0">
               <a:buNone/>
             </a:pPr>
             <a:r>
-              <a:rPr lang="en-US" sz="3200" dirty="0"/>
-              <a:t>What do they have in common?</a:t>
-            </a:r>
-          </a:p>
-          <a:p>
-            <a:pPr lvl="1"/>
-            <a:r>
-              <a:rPr lang="en-US" b="1" dirty="0"/>
-              <a:t>Low Job Level </a:t>
-            </a:r>
-            <a:endParaRPr lang="en-US" dirty="0"/>
-          </a:p>
-          <a:p>
-            <a:pPr lvl="1"/>
-            <a:r>
-              <a:rPr lang="en-US" b="1" dirty="0"/>
-              <a:t>No Stock Option</a:t>
-            </a:r>
-          </a:p>
-          <a:p>
-            <a:pPr lvl="1"/>
-            <a:r>
-              <a:rPr lang="en-US" b="1" dirty="0"/>
-              <a:t>All have Overtime</a:t>
-            </a:r>
-          </a:p>
-          <a:p>
-            <a:pPr lvl="1"/>
-            <a:r>
-              <a:rPr lang="en-US" dirty="0"/>
-              <a:t>Low Job Satisfaction </a:t>
-            </a:r>
-          </a:p>
-          <a:p>
-            <a:pPr lvl="1"/>
-            <a:r>
-              <a:rPr lang="en-US" dirty="0"/>
-              <a:t>Low Monthly Income </a:t>
-            </a:r>
-          </a:p>
-          <a:p>
-            <a:pPr lvl="1"/>
-            <a:r>
-              <a:rPr lang="en-US" dirty="0"/>
-              <a:t>Same Department</a:t>
-            </a:r>
-          </a:p>
-          <a:p>
-            <a:pPr lvl="1"/>
-            <a:r>
-              <a:rPr lang="en-US" dirty="0"/>
-              <a:t>Low Job Involvement</a:t>
-            </a:r>
-          </a:p>
-          <a:p>
-            <a:pPr marL="457200" lvl="1" indent="0">
+              <a:rPr lang="en-US" sz="1800" b="1" dirty="0"/>
+              <a:t>Accuracy: </a:t>
+            </a:r>
+            <a:r>
+              <a:rPr lang="en-US" sz="1800" dirty="0"/>
+              <a:t>83%</a:t>
+            </a:r>
+          </a:p>
+          <a:p>
+            <a:pPr marL="0" indent="0">
               <a:buNone/>
             </a:pPr>
-            <a:endParaRPr lang="en-US" dirty="0"/>
-          </a:p>
-          <a:p>
-            <a:pPr lvl="1"/>
-            <a:endParaRPr lang="en-US" b="1" dirty="0"/>
-          </a:p>
-          <a:p>
-            <a:pPr lvl="1"/>
-            <a:endParaRPr lang="en-US" dirty="0"/>
+            <a:r>
+              <a:rPr lang="en-US" sz="1800" b="1" dirty="0"/>
+              <a:t>P-Value: </a:t>
+            </a:r>
+            <a:r>
+              <a:rPr lang="en-US" sz="1800" dirty="0"/>
+              <a:t>1.243e-10</a:t>
+            </a:r>
+          </a:p>
+          <a:p>
+            <a:pPr marL="0" indent="0">
+              <a:buNone/>
+            </a:pPr>
+            <a:r>
+              <a:rPr lang="en-US" sz="1800" b="1" dirty="0"/>
+              <a:t>Sensitivity: </a:t>
+            </a:r>
+            <a:r>
+              <a:rPr lang="en-US" sz="1800" dirty="0"/>
+              <a:t>0.8373</a:t>
+            </a:r>
+          </a:p>
+          <a:p>
+            <a:pPr marL="0" indent="0">
+              <a:buNone/>
+            </a:pPr>
+            <a:r>
+              <a:rPr lang="en-US" sz="1800" b="1" dirty="0"/>
+              <a:t>Specificity: </a:t>
+            </a:r>
+            <a:r>
+              <a:rPr lang="en-US" sz="1800" dirty="0"/>
+              <a:t>0.7895</a:t>
+            </a:r>
+          </a:p>
+          <a:p>
+            <a:pPr marL="0" indent="0">
+              <a:buNone/>
+            </a:pPr>
+            <a:endParaRPr lang="en-US" sz="1800" dirty="0"/>
           </a:p>
         </p:txBody>
       </p:sp>
@@ -3935,7 +4432,7 @@
           <p:cNvPr id="4" name="Content Placeholder 2">
             <a:extLst>
               <a:ext uri="{FF2B5EF4-FFF2-40B4-BE49-F238E27FC236}">
-                <a16:creationId xmlns:a16="http://schemas.microsoft.com/office/drawing/2014/main" id="{A6669414-7F21-4D47-BC4B-DB7CE0125C55}"/>
+                <a16:creationId xmlns:a16="http://schemas.microsoft.com/office/drawing/2014/main" id="{59DEFC31-2269-4B1B-8BE9-FA8CD8AD5685}"/>
               </a:ext>
             </a:extLst>
           </p:cNvPr>
@@ -3946,8 +4443,8 @@
         </p:nvSpPr>
         <p:spPr>
           <a:xfrm>
-            <a:off x="758042" y="1462669"/>
-            <a:ext cx="4965864" cy="4142484"/>
+            <a:off x="429768" y="1165099"/>
+            <a:ext cx="6128973" cy="5184716"/>
           </a:xfrm>
           <a:prstGeom prst="rect">
             <a:avLst/>
@@ -4122,40 +4619,52 @@
             </a:lvl9pPr>
           </a:lstStyle>
           <a:p>
-            <a:pPr marL="0" indent="0">
-              <a:buNone/>
-            </a:pPr>
-            <a:r>
-              <a:rPr lang="en-US" sz="3200" dirty="0"/>
-              <a:t>Employee by Number:</a:t>
+            <a:r>
+              <a:rPr lang="en-US" sz="2000" dirty="0"/>
+              <a:t>Using the Random Forest, I was able to achieve an accuracy of 83%</a:t>
             </a:r>
           </a:p>
           <a:p>
             <a:pPr lvl="1"/>
             <a:r>
-              <a:rPr lang="en-US" dirty="0"/>
-              <a:t>1079</a:t>
+              <a:rPr lang="en-US" sz="1600" dirty="0"/>
+              <a:t>May be slightly lower than KNN, but it is more consistent </a:t>
             </a:r>
           </a:p>
           <a:p>
             <a:pPr lvl="1"/>
-            <a:r>
-              <a:rPr lang="en-US" dirty="0"/>
-              <a:t>1016</a:t>
-            </a:r>
-          </a:p>
-          <a:p>
-            <a:pPr lvl="1"/>
-            <a:r>
-              <a:rPr lang="en-US" dirty="0"/>
-              <a:t>1108</a:t>
-            </a:r>
-          </a:p>
-          <a:p>
-            <a:pPr lvl="1"/>
-            <a:r>
-              <a:rPr lang="en-US" dirty="0"/>
-              <a:t>1458</a:t>
+            <a:endParaRPr lang="en-US" sz="1600" dirty="0"/>
+          </a:p>
+          <a:p>
+            <a:r>
+              <a:rPr lang="en-US" sz="2000" dirty="0"/>
+              <a:t>The specificity only achieved a value of 0.7895</a:t>
+            </a:r>
+          </a:p>
+          <a:p>
+            <a:endParaRPr lang="en-US" sz="2000" dirty="0"/>
+          </a:p>
+          <a:p>
+            <a:r>
+              <a:rPr lang="en-US" sz="2000" dirty="0"/>
+              <a:t>After using the same formula as KNN the random forest model was able to achieve a more consistent and reliable prediction model </a:t>
+            </a:r>
+          </a:p>
+          <a:p>
+            <a:endParaRPr lang="en-US" sz="2000" dirty="0"/>
+          </a:p>
+          <a:p>
+            <a:r>
+              <a:rPr lang="en-US" sz="2000" dirty="0"/>
+              <a:t>I</a:t>
+            </a:r>
+            <a:r>
+              <a:rPr lang="en-US" sz="2000" b="1" dirty="0"/>
+              <a:t> recommend </a:t>
+            </a:r>
+            <a:r>
+              <a:rPr lang="en-US" sz="2000" dirty="0"/>
+              <a:t>using the Random Forest Model as the method of predicting attrition</a:t>
             </a:r>
           </a:p>
         </p:txBody>
@@ -4165,17 +4674,19 @@
           <p:cNvPr id="6" name="Straight Connector 5">
             <a:extLst>
               <a:ext uri="{FF2B5EF4-FFF2-40B4-BE49-F238E27FC236}">
-                <a16:creationId xmlns:a16="http://schemas.microsoft.com/office/drawing/2014/main" id="{20608CBE-4A74-416A-A348-78C6F35DBEB0}"/>
-              </a:ext>
-            </a:extLst>
-          </p:cNvPr>
-          <p:cNvCxnSpPr/>
+                <a16:creationId xmlns:a16="http://schemas.microsoft.com/office/drawing/2014/main" id="{102EF477-D3D8-4E70-A341-AD153AC1B7EA}"/>
+              </a:ext>
+            </a:extLst>
+          </p:cNvPr>
+          <p:cNvCxnSpPr>
+            <a:cxnSpLocks/>
+          </p:cNvCxnSpPr>
           <p:nvPr/>
         </p:nvCxnSpPr>
         <p:spPr>
           <a:xfrm>
-            <a:off x="5213267" y="822961"/>
-            <a:ext cx="0" cy="5197829"/>
+            <a:off x="7089648" y="1036320"/>
+            <a:ext cx="0" cy="5313495"/>
           </a:xfrm>
           <a:prstGeom prst="line">
             <a:avLst/>
@@ -4196,10 +4707,48 @@
           </a:fontRef>
         </p:style>
       </p:cxnSp>
+      <p:pic>
+        <p:nvPicPr>
+          <p:cNvPr id="9" name="Graphic 8" descr="Checkmark with solid fill">
+            <a:extLst>
+              <a:ext uri="{FF2B5EF4-FFF2-40B4-BE49-F238E27FC236}">
+                <a16:creationId xmlns:a16="http://schemas.microsoft.com/office/drawing/2014/main" id="{75C42593-F22D-4E88-8510-9E133BFFDBF7}"/>
+              </a:ext>
+            </a:extLst>
+          </p:cNvPr>
+          <p:cNvPicPr>
+            <a:picLocks noChangeAspect="1"/>
+          </p:cNvPicPr>
+          <p:nvPr/>
+        </p:nvPicPr>
+        <p:blipFill>
+          <a:blip r:embed="rId2">
+            <a:extLst>
+              <a:ext uri="{28A0092B-C50C-407E-A947-70E740481C1C}">
+                <a14:useLocalDpi xmlns:a14="http://schemas.microsoft.com/office/drawing/2010/main" val="0"/>
+              </a:ext>
+              <a:ext uri="{96DAC541-7B7A-43D3-8B79-37D633B846F1}">
+                <asvg:svgBlip xmlns:asvg="http://schemas.microsoft.com/office/drawing/2016/SVG/main" r:embed="rId3"/>
+              </a:ext>
+            </a:extLst>
+          </a:blip>
+          <a:srcRect/>
+          <a:stretch/>
+        </p:blipFill>
+        <p:spPr>
+          <a:xfrm>
+            <a:off x="8145781" y="3112008"/>
+            <a:ext cx="2801112" cy="2801112"/>
+          </a:xfrm>
+          <a:prstGeom prst="rect">
+            <a:avLst/>
+          </a:prstGeom>
+        </p:spPr>
+      </p:pic>
     </p:spTree>
     <p:extLst>
       <p:ext uri="{BB962C8B-B14F-4D97-AF65-F5344CB8AC3E}">
-        <p14:creationId xmlns:p14="http://schemas.microsoft.com/office/powerpoint/2010/main" val="1267473096"/>
+        <p14:creationId xmlns:p14="http://schemas.microsoft.com/office/powerpoint/2010/main" val="654981537"/>
       </p:ext>
     </p:extLst>
   </p:cSld>
@@ -4209,456 +4758,7 @@
 </p:sld>
 </file>
 
-<file path=ppt/slides/slide12.xml><?xml version="1.0" encoding="utf-8"?>
-<p:sld xmlns:a="http://schemas.openxmlformats.org/drawingml/2006/main" xmlns:r="http://schemas.openxmlformats.org/officeDocument/2006/relationships" xmlns:p="http://schemas.openxmlformats.org/presentationml/2006/main">
-  <p:cSld>
-    <p:bg>
-      <p:bgPr>
-        <a:solidFill>
-          <a:schemeClr val="bg1"/>
-        </a:solidFill>
-        <a:effectLst/>
-      </p:bgPr>
-    </p:bg>
-    <p:spTree>
-      <p:nvGrpSpPr>
-        <p:cNvPr id="1" name=""/>
-        <p:cNvGrpSpPr/>
-        <p:nvPr/>
-      </p:nvGrpSpPr>
-      <p:grpSpPr>
-        <a:xfrm>
-          <a:off x="0" y="0"/>
-          <a:ext cx="0" cy="0"/>
-          <a:chOff x="0" y="0"/>
-          <a:chExt cx="0" cy="0"/>
-        </a:xfrm>
-      </p:grpSpPr>
-      <p:sp>
-        <p:nvSpPr>
-          <p:cNvPr id="2" name="Title 1">
-            <a:extLst>
-              <a:ext uri="{FF2B5EF4-FFF2-40B4-BE49-F238E27FC236}">
-                <a16:creationId xmlns:a16="http://schemas.microsoft.com/office/drawing/2014/main" id="{01CBDE37-F4A4-4A24-A16E-E9B31B04F843}"/>
-              </a:ext>
-            </a:extLst>
-          </p:cNvPr>
-          <p:cNvSpPr>
-            <a:spLocks noGrp="1"/>
-          </p:cNvSpPr>
-          <p:nvPr>
-            <p:ph type="title"/>
-          </p:nvPr>
-        </p:nvSpPr>
-        <p:spPr>
-          <a:xfrm>
-            <a:off x="648928" y="338328"/>
-            <a:ext cx="3685032" cy="1608328"/>
-          </a:xfrm>
-        </p:spPr>
-        <p:txBody>
-          <a:bodyPr>
-            <a:normAutofit/>
-          </a:bodyPr>
-          <a:lstStyle/>
-          <a:p>
-            <a:r>
-              <a:rPr lang="en-US" sz="3600"/>
-              <a:t>Other Information</a:t>
-            </a:r>
-          </a:p>
-        </p:txBody>
-      </p:sp>
-      <p:sp>
-        <p:nvSpPr>
-          <p:cNvPr id="3" name="Content Placeholder 2">
-            <a:extLst>
-              <a:ext uri="{FF2B5EF4-FFF2-40B4-BE49-F238E27FC236}">
-                <a16:creationId xmlns:a16="http://schemas.microsoft.com/office/drawing/2014/main" id="{F4BDA297-7D79-4EB1-965D-1B45D1955CF8}"/>
-              </a:ext>
-            </a:extLst>
-          </p:cNvPr>
-          <p:cNvSpPr>
-            <a:spLocks noGrp="1"/>
-          </p:cNvSpPr>
-          <p:nvPr>
-            <p:ph idx="1"/>
-          </p:nvPr>
-        </p:nvSpPr>
-        <p:spPr>
-          <a:xfrm>
-            <a:off x="4864100" y="338328"/>
-            <a:ext cx="6675627" cy="1605083"/>
-          </a:xfrm>
-        </p:spPr>
-        <p:txBody>
-          <a:bodyPr anchor="ctr">
-            <a:normAutofit/>
-          </a:bodyPr>
-          <a:lstStyle/>
-          <a:p>
-            <a:pPr marL="0" indent="0">
-              <a:buNone/>
-            </a:pPr>
-            <a:r>
-              <a:rPr lang="en-US" sz="2000" u="sng" dirty="0"/>
-              <a:t>Work Life Balance by Role</a:t>
-            </a:r>
-          </a:p>
-          <a:p>
-            <a:pPr lvl="1"/>
-            <a:r>
-              <a:rPr lang="en-US" sz="2000" b="1" dirty="0"/>
-              <a:t>Sales Representatives </a:t>
-            </a:r>
-            <a:r>
-              <a:rPr lang="en-US" sz="2000" dirty="0"/>
-              <a:t>have the </a:t>
-            </a:r>
-            <a:r>
-              <a:rPr lang="en-US" sz="2000" b="1" dirty="0"/>
-              <a:t>highest</a:t>
-            </a:r>
-            <a:r>
-              <a:rPr lang="en-US" sz="2000" dirty="0"/>
-              <a:t> Work Life Balance </a:t>
-            </a:r>
-          </a:p>
-          <a:p>
-            <a:pPr lvl="1"/>
-            <a:r>
-              <a:rPr lang="en-US" sz="2000" b="1" dirty="0"/>
-              <a:t>Research Scientist </a:t>
-            </a:r>
-            <a:r>
-              <a:rPr lang="en-US" sz="2000" dirty="0"/>
-              <a:t>have the </a:t>
-            </a:r>
-            <a:r>
-              <a:rPr lang="en-US" sz="2000" b="1" dirty="0"/>
-              <a:t>lowest </a:t>
-            </a:r>
-            <a:r>
-              <a:rPr lang="en-US" sz="2000" dirty="0"/>
-              <a:t>Work Life Balance </a:t>
-            </a:r>
-          </a:p>
-        </p:txBody>
-      </p:sp>
-      <p:sp>
-        <p:nvSpPr>
-          <p:cNvPr id="12" name="Rectangle 11">
-            <a:extLst>
-              <a:ext uri="{FF2B5EF4-FFF2-40B4-BE49-F238E27FC236}">
-                <a16:creationId xmlns:a16="http://schemas.microsoft.com/office/drawing/2014/main" id="{5AAE9118-0436-4488-AC4A-C14DF6A7B6B1}"/>
-              </a:ext>
-              <a:ext uri="{C183D7F6-B498-43B3-948B-1728B52AA6E4}">
-                <adec:decorative xmlns:adec="http://schemas.microsoft.com/office/drawing/2017/decorative" val="1"/>
-              </a:ext>
-            </a:extLst>
-          </p:cNvPr>
-          <p:cNvSpPr>
-            <a:spLocks noGrp="1" noRot="1" noChangeAspect="1" noMove="1" noResize="1" noEditPoints="1" noAdjustHandles="1" noChangeArrowheads="1" noChangeShapeType="1" noTextEdit="1"/>
-          </p:cNvSpPr>
-          <p:nvPr>
-            <p:extLst>
-              <p:ext uri="{386F3935-93C4-4BCD-93E2-E3B085C9AB24}">
-                <p16:designElem xmlns:p16="http://schemas.microsoft.com/office/powerpoint/2015/main" val="1"/>
-              </p:ext>
-            </p:extLst>
-          </p:nvPr>
-        </p:nvSpPr>
-        <p:spPr>
-          <a:xfrm>
-            <a:off x="-2" y="2211010"/>
-            <a:ext cx="12192002" cy="4646990"/>
-          </a:xfrm>
-          <a:prstGeom prst="rect">
-            <a:avLst/>
-          </a:prstGeom>
-          <a:solidFill>
-            <a:srgbClr val="C8CACA"/>
-          </a:solidFill>
-          <a:ln>
-            <a:noFill/>
-          </a:ln>
-        </p:spPr>
-        <p:style>
-          <a:lnRef idx="2">
-            <a:schemeClr val="accent1">
-              <a:shade val="50000"/>
-            </a:schemeClr>
-          </a:lnRef>
-          <a:fillRef idx="1">
-            <a:schemeClr val="accent1"/>
-          </a:fillRef>
-          <a:effectRef idx="0">
-            <a:schemeClr val="accent1"/>
-          </a:effectRef>
-          <a:fontRef idx="minor">
-            <a:schemeClr val="lt1"/>
-          </a:fontRef>
-        </p:style>
-        <p:txBody>
-          <a:bodyPr rtlCol="0" anchor="ctr"/>
-          <a:lstStyle/>
-          <a:p>
-            <a:pPr marL="0" marR="0" lvl="0" indent="0" algn="ctr" defTabSz="914400" rtl="0" eaLnBrk="1" fontAlgn="auto" latinLnBrk="0" hangingPunct="1">
-              <a:lnSpc>
-                <a:spcPct val="100000"/>
-              </a:lnSpc>
-              <a:spcBef>
-                <a:spcPts val="0"/>
-              </a:spcBef>
-              <a:spcAft>
-                <a:spcPts val="0"/>
-              </a:spcAft>
-              <a:buClrTx/>
-              <a:buSzTx/>
-              <a:buFontTx/>
-              <a:buNone/>
-              <a:tabLst/>
-              <a:defRPr/>
-            </a:pPr>
-            <a:endParaRPr kumimoji="0" lang="en-US" sz="1800" b="0" i="0" u="none" strike="noStrike" kern="1200" cap="none" spc="0" normalizeH="0" baseline="0" noProof="0">
-              <a:ln>
-                <a:noFill/>
-              </a:ln>
-              <a:solidFill>
-                <a:prstClr val="white"/>
-              </a:solidFill>
-              <a:effectLst/>
-              <a:uLnTx/>
-              <a:uFillTx/>
-              <a:latin typeface="Calibri" panose="020F0502020204030204"/>
-              <a:ea typeface="+mn-ea"/>
-              <a:cs typeface="+mn-cs"/>
-            </a:endParaRPr>
-          </a:p>
-        </p:txBody>
-      </p:sp>
-      <p:sp>
-        <p:nvSpPr>
-          <p:cNvPr id="14" name="Rounded Rectangle 26">
-            <a:extLst>
-              <a:ext uri="{FF2B5EF4-FFF2-40B4-BE49-F238E27FC236}">
-                <a16:creationId xmlns:a16="http://schemas.microsoft.com/office/drawing/2014/main" id="{1B10F861-B8F1-49C7-BD58-EAB20CEE7F93}"/>
-              </a:ext>
-              <a:ext uri="{C183D7F6-B498-43B3-948B-1728B52AA6E4}">
-                <adec:decorative xmlns:adec="http://schemas.microsoft.com/office/drawing/2017/decorative" val="1"/>
-              </a:ext>
-            </a:extLst>
-          </p:cNvPr>
-          <p:cNvSpPr>
-            <a:spLocks noGrp="1" noRot="1" noChangeAspect="1" noMove="1" noResize="1" noEditPoints="1" noAdjustHandles="1" noChangeArrowheads="1" noChangeShapeType="1" noTextEdit="1"/>
-          </p:cNvSpPr>
-          <p:nvPr>
-            <p:extLst>
-              <p:ext uri="{386F3935-93C4-4BCD-93E2-E3B085C9AB24}">
-                <p16:designElem xmlns:p16="http://schemas.microsoft.com/office/powerpoint/2015/main" val="1"/>
-              </p:ext>
-            </p:extLst>
-          </p:nvPr>
-        </p:nvSpPr>
-        <p:spPr>
-          <a:xfrm>
-            <a:off x="321564" y="2423160"/>
-            <a:ext cx="5613569" cy="3930315"/>
-          </a:xfrm>
-          <a:prstGeom prst="roundRect">
-            <a:avLst>
-              <a:gd name="adj" fmla="val 0"/>
-            </a:avLst>
-          </a:prstGeom>
-          <a:solidFill>
-            <a:srgbClr val="FFFFFF"/>
-          </a:solidFill>
-          <a:ln w="9525">
-            <a:solidFill>
-              <a:srgbClr val="C8CACA"/>
-            </a:solidFill>
-          </a:ln>
-          <a:effectLst>
-            <a:outerShdw blurRad="57150" dist="19050" dir="5400000" algn="t" rotWithShape="0">
-              <a:prstClr val="black">
-                <a:alpha val="63000"/>
-              </a:prstClr>
-            </a:outerShdw>
-          </a:effectLst>
-        </p:spPr>
-        <p:style>
-          <a:lnRef idx="2">
-            <a:schemeClr val="accent1">
-              <a:shade val="50000"/>
-            </a:schemeClr>
-          </a:lnRef>
-          <a:fillRef idx="1">
-            <a:schemeClr val="accent1"/>
-          </a:fillRef>
-          <a:effectRef idx="0">
-            <a:schemeClr val="accent1"/>
-          </a:effectRef>
-          <a:fontRef idx="minor">
-            <a:schemeClr val="lt1"/>
-          </a:fontRef>
-        </p:style>
-        <p:txBody>
-          <a:bodyPr rtlCol="0" anchor="ctr"/>
-          <a:lstStyle/>
-          <a:p>
-            <a:pPr algn="ctr"/>
-            <a:endParaRPr lang="en-US"/>
-          </a:p>
-        </p:txBody>
-      </p:sp>
-      <p:pic>
-        <p:nvPicPr>
-          <p:cNvPr id="7" name="Picture 6" descr="Chart, line chart&#10;&#10;Description automatically generated">
-            <a:extLst>
-              <a:ext uri="{FF2B5EF4-FFF2-40B4-BE49-F238E27FC236}">
-                <a16:creationId xmlns:a16="http://schemas.microsoft.com/office/drawing/2014/main" id="{9648DAD2-A99A-4E06-9548-174A82C6A422}"/>
-              </a:ext>
-            </a:extLst>
-          </p:cNvPr>
-          <p:cNvPicPr>
-            <a:picLocks noChangeAspect="1"/>
-          </p:cNvPicPr>
-          <p:nvPr/>
-        </p:nvPicPr>
-        <p:blipFill>
-          <a:blip r:embed="rId2"/>
-          <a:stretch>
-            <a:fillRect/>
-          </a:stretch>
-        </p:blipFill>
-        <p:spPr>
-          <a:xfrm>
-            <a:off x="801959" y="2742397"/>
-            <a:ext cx="4652778" cy="3291840"/>
-          </a:xfrm>
-          <a:prstGeom prst="rect">
-            <a:avLst/>
-          </a:prstGeom>
-        </p:spPr>
-      </p:pic>
-      <p:sp>
-        <p:nvSpPr>
-          <p:cNvPr id="16" name="Rounded Rectangle 16">
-            <a:extLst>
-              <a:ext uri="{FF2B5EF4-FFF2-40B4-BE49-F238E27FC236}">
-                <a16:creationId xmlns:a16="http://schemas.microsoft.com/office/drawing/2014/main" id="{61F6E425-22AB-4DA2-8FAC-58ADB58EF6C3}"/>
-              </a:ext>
-              <a:ext uri="{C183D7F6-B498-43B3-948B-1728B52AA6E4}">
-                <adec:decorative xmlns:adec="http://schemas.microsoft.com/office/drawing/2017/decorative" val="1"/>
-              </a:ext>
-            </a:extLst>
-          </p:cNvPr>
-          <p:cNvSpPr>
-            <a:spLocks noGrp="1" noRot="1" noChangeAspect="1" noMove="1" noResize="1" noEditPoints="1" noAdjustHandles="1" noChangeArrowheads="1" noChangeShapeType="1" noTextEdit="1"/>
-          </p:cNvSpPr>
-          <p:nvPr>
-            <p:extLst>
-              <p:ext uri="{386F3935-93C4-4BCD-93E2-E3B085C9AB24}">
-                <p16:designElem xmlns:p16="http://schemas.microsoft.com/office/powerpoint/2015/main" val="1"/>
-              </p:ext>
-            </p:extLst>
-          </p:nvPr>
-        </p:nvSpPr>
-        <p:spPr>
-          <a:xfrm>
-            <a:off x="6254749" y="2423160"/>
-            <a:ext cx="5613569" cy="3930315"/>
-          </a:xfrm>
-          <a:prstGeom prst="roundRect">
-            <a:avLst>
-              <a:gd name="adj" fmla="val 0"/>
-            </a:avLst>
-          </a:prstGeom>
-          <a:solidFill>
-            <a:srgbClr val="FFFFFF"/>
-          </a:solidFill>
-          <a:ln w="9525">
-            <a:solidFill>
-              <a:srgbClr val="C8CACA"/>
-            </a:solidFill>
-          </a:ln>
-          <a:effectLst>
-            <a:outerShdw blurRad="57150" dist="19050" dir="5400000" algn="t" rotWithShape="0">
-              <a:prstClr val="black">
-                <a:alpha val="63000"/>
-              </a:prstClr>
-            </a:outerShdw>
-          </a:effectLst>
-        </p:spPr>
-        <p:style>
-          <a:lnRef idx="2">
-            <a:schemeClr val="accent1">
-              <a:shade val="50000"/>
-            </a:schemeClr>
-          </a:lnRef>
-          <a:fillRef idx="1">
-            <a:schemeClr val="accent1"/>
-          </a:fillRef>
-          <a:effectRef idx="0">
-            <a:schemeClr val="accent1"/>
-          </a:effectRef>
-          <a:fontRef idx="minor">
-            <a:schemeClr val="lt1"/>
-          </a:fontRef>
-        </p:style>
-        <p:txBody>
-          <a:bodyPr rtlCol="0" anchor="ctr"/>
-          <a:lstStyle/>
-          <a:p>
-            <a:pPr algn="ctr"/>
-            <a:endParaRPr lang="en-US"/>
-          </a:p>
-        </p:txBody>
-      </p:sp>
-      <p:pic>
-        <p:nvPicPr>
-          <p:cNvPr id="5" name="Picture 4" descr="Chart, line chart&#10;&#10;Description automatically generated">
-            <a:extLst>
-              <a:ext uri="{FF2B5EF4-FFF2-40B4-BE49-F238E27FC236}">
-                <a16:creationId xmlns:a16="http://schemas.microsoft.com/office/drawing/2014/main" id="{722812DA-18D1-408C-AA6D-00603097DBBA}"/>
-              </a:ext>
-            </a:extLst>
-          </p:cNvPr>
-          <p:cNvPicPr>
-            <a:picLocks noChangeAspect="1"/>
-          </p:cNvPicPr>
-          <p:nvPr/>
-        </p:nvPicPr>
-        <p:blipFill>
-          <a:blip r:embed="rId3"/>
-          <a:stretch>
-            <a:fillRect/>
-          </a:stretch>
-        </p:blipFill>
-        <p:spPr>
-          <a:xfrm>
-            <a:off x="6720706" y="2742397"/>
-            <a:ext cx="4685892" cy="3291840"/>
-          </a:xfrm>
-          <a:prstGeom prst="rect">
-            <a:avLst/>
-          </a:prstGeom>
-        </p:spPr>
-      </p:pic>
-    </p:spTree>
-    <p:extLst>
-      <p:ext uri="{BB962C8B-B14F-4D97-AF65-F5344CB8AC3E}">
-        <p14:creationId xmlns:p14="http://schemas.microsoft.com/office/powerpoint/2010/main" val="1499934009"/>
-      </p:ext>
-    </p:extLst>
-  </p:cSld>
-  <p:clrMapOvr>
-    <a:masterClrMapping/>
-  </p:clrMapOvr>
-</p:sld>
-</file>
-
-<file path=ppt/slides/slide2.xml><?xml version="1.0" encoding="utf-8"?>
+<file path=ppt/slides/slide16.xml><?xml version="1.0" encoding="utf-8"?>
 <p:sld xmlns:a="http://schemas.openxmlformats.org/drawingml/2006/main" xmlns:r="http://schemas.openxmlformats.org/officeDocument/2006/relationships" xmlns:p="http://schemas.openxmlformats.org/presentationml/2006/main">
   <p:cSld>
     <p:spTree>
@@ -4680,7 +4780,7 @@
           <p:cNvPr id="2" name="Title 1">
             <a:extLst>
               <a:ext uri="{FF2B5EF4-FFF2-40B4-BE49-F238E27FC236}">
-                <a16:creationId xmlns:a16="http://schemas.microsoft.com/office/drawing/2014/main" id="{2CA6C278-B211-478B-B3EC-52DB9D4C9365}"/>
+                <a16:creationId xmlns:a16="http://schemas.microsoft.com/office/drawing/2014/main" id="{D4A5888F-44C7-4B3A-BA71-2AFC73296244}"/>
               </a:ext>
             </a:extLst>
           </p:cNvPr>
@@ -4691,85 +4791,20 @@
             <p:ph type="title"/>
           </p:nvPr>
         </p:nvSpPr>
-        <p:spPr/>
+        <p:spPr>
+          <a:xfrm>
+            <a:off x="838200" y="665797"/>
+            <a:ext cx="10425157" cy="3983115"/>
+          </a:xfrm>
+        </p:spPr>
         <p:txBody>
           <a:bodyPr/>
           <a:lstStyle/>
           <a:p>
+            <a:pPr algn="ctr"/>
             <a:r>
               <a:rPr lang="en-US" dirty="0"/>
-              <a:t>Executive Summary </a:t>
-            </a:r>
-          </a:p>
-        </p:txBody>
-      </p:sp>
-      <p:sp>
-        <p:nvSpPr>
-          <p:cNvPr id="3" name="Content Placeholder 2">
-            <a:extLst>
-              <a:ext uri="{FF2B5EF4-FFF2-40B4-BE49-F238E27FC236}">
-                <a16:creationId xmlns:a16="http://schemas.microsoft.com/office/drawing/2014/main" id="{90F1063B-5013-4165-A902-02E13DEEDEB8}"/>
-              </a:ext>
-            </a:extLst>
-          </p:cNvPr>
-          <p:cNvSpPr>
-            <a:spLocks noGrp="1"/>
-          </p:cNvSpPr>
-          <p:nvPr>
-            <p:ph idx="1"/>
-          </p:nvPr>
-        </p:nvSpPr>
-        <p:spPr>
-          <a:xfrm>
-            <a:off x="733796" y="1024891"/>
-            <a:ext cx="10724408" cy="5184716"/>
-          </a:xfrm>
-        </p:spPr>
-        <p:txBody>
-          <a:bodyPr>
-            <a:normAutofit/>
-          </a:bodyPr>
-          <a:lstStyle/>
-          <a:p>
-            <a:r>
-              <a:rPr lang="en-US" sz="2400" dirty="0"/>
-              <a:t>Missing salary data was generated using a linear regression model</a:t>
-            </a:r>
-          </a:p>
-          <a:p>
-            <a:endParaRPr lang="en-US" sz="2400" dirty="0"/>
-          </a:p>
-          <a:p>
-            <a:r>
-              <a:rPr lang="en-US" sz="2400" dirty="0"/>
-              <a:t>Common profile with attrition is young, early career, single with overtime</a:t>
-            </a:r>
-          </a:p>
-          <a:p>
-            <a:endParaRPr lang="en-US" sz="2400" dirty="0"/>
-          </a:p>
-          <a:p>
-            <a:r>
-              <a:rPr lang="en-US" sz="2400" dirty="0"/>
-              <a:t>Three attributes to focus on: Job Level, Overtime, Stock Options </a:t>
-            </a:r>
-          </a:p>
-          <a:p>
-            <a:endParaRPr lang="en-US" sz="2400" dirty="0"/>
-          </a:p>
-          <a:p>
-            <a:r>
-              <a:rPr lang="en-US" sz="2400" dirty="0"/>
-              <a:t>Random Forest was the optimal Model for predicting Attrition</a:t>
-            </a:r>
-          </a:p>
-          <a:p>
-            <a:endParaRPr lang="en-US" sz="2400" dirty="0"/>
-          </a:p>
-          <a:p>
-            <a:r>
-              <a:rPr lang="en-US" sz="2400" dirty="0"/>
-              <a:t>Identified 4 employees that are predicted to have attrition </a:t>
+              <a:t>Results</a:t>
             </a:r>
           </a:p>
         </p:txBody>
@@ -4777,7 +4812,7 @@
     </p:spTree>
     <p:extLst>
       <p:ext uri="{BB962C8B-B14F-4D97-AF65-F5344CB8AC3E}">
-        <p14:creationId xmlns:p14="http://schemas.microsoft.com/office/powerpoint/2010/main" val="2381646238"/>
+        <p14:creationId xmlns:p14="http://schemas.microsoft.com/office/powerpoint/2010/main" val="1993557690"/>
       </p:ext>
     </p:extLst>
   </p:cSld>
@@ -4787,7 +4822,7 @@
 </p:sld>
 </file>
 
-<file path=ppt/slides/slide3.xml><?xml version="1.0" encoding="utf-8"?>
+<file path=ppt/slides/slide17.xml><?xml version="1.0" encoding="utf-8"?>
 <p:sld xmlns:a="http://schemas.openxmlformats.org/drawingml/2006/main" xmlns:r="http://schemas.openxmlformats.org/officeDocument/2006/relationships" xmlns:p="http://schemas.openxmlformats.org/presentationml/2006/main">
   <p:cSld>
     <p:spTree>
@@ -4809,7 +4844,7 @@
           <p:cNvPr id="2" name="Title 1">
             <a:extLst>
               <a:ext uri="{FF2B5EF4-FFF2-40B4-BE49-F238E27FC236}">
-                <a16:creationId xmlns:a16="http://schemas.microsoft.com/office/drawing/2014/main" id="{89D4EE30-10BE-401E-A58E-CEAFD8E71705}"/>
+                <a16:creationId xmlns:a16="http://schemas.microsoft.com/office/drawing/2014/main" id="{05EB3667-FB82-4695-B009-9016F440AB4D}"/>
               </a:ext>
             </a:extLst>
           </p:cNvPr>
@@ -4822,14 +4857,12 @@
         </p:nvSpPr>
         <p:spPr/>
         <p:txBody>
-          <a:bodyPr>
-            <a:normAutofit/>
-          </a:bodyPr>
+          <a:bodyPr/>
           <a:lstStyle/>
           <a:p>
             <a:r>
               <a:rPr lang="en-US" dirty="0"/>
-              <a:t>Calculating Salary</a:t>
+              <a:t>Employees with Possible Attrition</a:t>
             </a:r>
           </a:p>
         </p:txBody>
@@ -4839,7 +4872,7 @@
           <p:cNvPr id="3" name="Content Placeholder 2">
             <a:extLst>
               <a:ext uri="{FF2B5EF4-FFF2-40B4-BE49-F238E27FC236}">
-                <a16:creationId xmlns:a16="http://schemas.microsoft.com/office/drawing/2014/main" id="{81A48FCF-AC7B-488F-8796-F91BC30DA99F}"/>
+                <a16:creationId xmlns:a16="http://schemas.microsoft.com/office/drawing/2014/main" id="{AD1D8FB4-4317-46BC-A10C-D91452199B0A}"/>
               </a:ext>
             </a:extLst>
           </p:cNvPr>
@@ -4852,1869 +4885,86 @@
         </p:nvSpPr>
         <p:spPr>
           <a:xfrm>
-            <a:off x="838200" y="1024891"/>
-            <a:ext cx="6050280" cy="5184716"/>
-          </a:xfrm>
-        </p:spPr>
-        <p:txBody>
-          <a:bodyPr>
-            <a:normAutofit/>
-          </a:bodyPr>
-          <a:lstStyle/>
-          <a:p>
-            <a:pPr marL="0" indent="0">
-              <a:buNone/>
-            </a:pPr>
-            <a:r>
-              <a:rPr lang="en-US" sz="2400" dirty="0"/>
-              <a:t>Missing Data</a:t>
-            </a:r>
-          </a:p>
-          <a:p>
-            <a:r>
-              <a:rPr lang="en-US" sz="1800" dirty="0"/>
-              <a:t>Part of the data set provided had </a:t>
-            </a:r>
-            <a:r>
-              <a:rPr lang="en-US" sz="1800" b="1" dirty="0"/>
-              <a:t>no salary information </a:t>
-            </a:r>
-          </a:p>
-          <a:p>
-            <a:endParaRPr lang="en-US" sz="1800" dirty="0"/>
-          </a:p>
-          <a:p>
-            <a:endParaRPr lang="en-US" sz="1800" dirty="0"/>
-          </a:p>
-          <a:p>
-            <a:pPr marL="0" indent="0">
-              <a:buNone/>
-            </a:pPr>
-            <a:r>
-              <a:rPr lang="en-US" sz="2400" dirty="0"/>
-              <a:t>Solution</a:t>
-            </a:r>
-          </a:p>
-          <a:p>
-            <a:r>
-              <a:rPr lang="en-US" sz="1800" dirty="0"/>
-              <a:t>Used </a:t>
-            </a:r>
-            <a:r>
-              <a:rPr lang="en-US" sz="1800" b="1" dirty="0"/>
-              <a:t>Linear Regression </a:t>
-            </a:r>
-            <a:r>
-              <a:rPr lang="en-US" sz="1800" dirty="0"/>
-              <a:t>to fill in the missing data </a:t>
-            </a:r>
-          </a:p>
-          <a:p>
-            <a:r>
-              <a:rPr lang="en-US" sz="1800" dirty="0"/>
-              <a:t>Used the highest correlating variables to define my function</a:t>
-            </a:r>
-          </a:p>
-          <a:p>
-            <a:pPr marL="0" indent="0">
-              <a:buNone/>
-            </a:pPr>
-            <a:endParaRPr lang="en-US" sz="1400" dirty="0"/>
-          </a:p>
-          <a:p>
-            <a:pPr marL="0" indent="0">
-              <a:buNone/>
-            </a:pPr>
-            <a:endParaRPr lang="en-US" sz="1400" dirty="0"/>
-          </a:p>
-          <a:p>
-            <a:pPr marL="0" indent="0">
-              <a:buNone/>
-            </a:pPr>
-            <a:r>
-              <a:rPr lang="en-US" sz="2400" dirty="0"/>
-              <a:t>Results</a:t>
-            </a:r>
-          </a:p>
-          <a:p>
-            <a:r>
-              <a:rPr lang="en-US" sz="1800" b="1" dirty="0"/>
-              <a:t>7% Median </a:t>
-            </a:r>
-            <a:r>
-              <a:rPr lang="en-US" sz="1800" dirty="0"/>
-              <a:t>and </a:t>
-            </a:r>
-            <a:r>
-              <a:rPr lang="en-US" sz="1800" b="1" dirty="0"/>
-              <a:t>9.8% Mean </a:t>
-            </a:r>
-            <a:r>
-              <a:rPr lang="en-US" sz="1800" dirty="0"/>
-              <a:t>difference of generated salary data as compared to the test data</a:t>
-            </a:r>
-          </a:p>
-          <a:p>
-            <a:r>
-              <a:rPr lang="en-US" sz="1800" b="1" dirty="0"/>
-              <a:t>RMSE</a:t>
-            </a:r>
-            <a:r>
-              <a:rPr lang="en-US" sz="1800" dirty="0"/>
-              <a:t> of $</a:t>
-            </a:r>
-            <a:r>
-              <a:rPr lang="en-US" sz="1800" b="1" dirty="0"/>
-              <a:t>1,376.95</a:t>
-            </a:r>
-          </a:p>
-        </p:txBody>
-      </p:sp>
-      <p:pic>
-        <p:nvPicPr>
-          <p:cNvPr id="5" name="Picture 4">
-            <a:extLst>
-              <a:ext uri="{FF2B5EF4-FFF2-40B4-BE49-F238E27FC236}">
-                <a16:creationId xmlns:a16="http://schemas.microsoft.com/office/drawing/2014/main" id="{E2F3D118-9E8D-4AA5-996F-05B1ED40A03D}"/>
-              </a:ext>
-            </a:extLst>
-          </p:cNvPr>
-          <p:cNvPicPr>
-            <a:picLocks noChangeAspect="1"/>
-          </p:cNvPicPr>
-          <p:nvPr/>
-        </p:nvPicPr>
-        <p:blipFill>
-          <a:blip r:embed="rId2"/>
-          <a:stretch>
-            <a:fillRect/>
-          </a:stretch>
-        </p:blipFill>
-        <p:spPr>
-          <a:xfrm>
-            <a:off x="7089354" y="1192876"/>
-            <a:ext cx="4572033" cy="4472247"/>
-          </a:xfrm>
-          <a:prstGeom prst="rect">
-            <a:avLst/>
-          </a:prstGeom>
-        </p:spPr>
-      </p:pic>
-    </p:spTree>
-    <p:extLst>
-      <p:ext uri="{BB962C8B-B14F-4D97-AF65-F5344CB8AC3E}">
-        <p14:creationId xmlns:p14="http://schemas.microsoft.com/office/powerpoint/2010/main" val="1334244964"/>
-      </p:ext>
-    </p:extLst>
-  </p:cSld>
-  <p:clrMapOvr>
-    <a:masterClrMapping/>
-  </p:clrMapOvr>
-</p:sld>
-</file>
-
-<file path=ppt/slides/slide4.xml><?xml version="1.0" encoding="utf-8"?>
-<p:sld xmlns:a="http://schemas.openxmlformats.org/drawingml/2006/main" xmlns:r="http://schemas.openxmlformats.org/officeDocument/2006/relationships" xmlns:p="http://schemas.openxmlformats.org/presentationml/2006/main">
-  <p:cSld>
-    <p:spTree>
-      <p:nvGrpSpPr>
-        <p:cNvPr id="1" name=""/>
-        <p:cNvGrpSpPr/>
-        <p:nvPr/>
-      </p:nvGrpSpPr>
-      <p:grpSpPr>
-        <a:xfrm>
-          <a:off x="0" y="0"/>
-          <a:ext cx="0" cy="0"/>
-          <a:chOff x="0" y="0"/>
-          <a:chExt cx="0" cy="0"/>
-        </a:xfrm>
-      </p:grpSpPr>
-      <p:sp>
-        <p:nvSpPr>
-          <p:cNvPr id="2" name="Title 1">
-            <a:extLst>
-              <a:ext uri="{FF2B5EF4-FFF2-40B4-BE49-F238E27FC236}">
-                <a16:creationId xmlns:a16="http://schemas.microsoft.com/office/drawing/2014/main" id="{2285CF61-E7FF-430D-AB39-64B5C30ED7DA}"/>
-              </a:ext>
-            </a:extLst>
-          </p:cNvPr>
-          <p:cNvSpPr>
-            <a:spLocks noGrp="1"/>
-          </p:cNvSpPr>
-          <p:nvPr>
-            <p:ph type="title"/>
-          </p:nvPr>
-        </p:nvSpPr>
-        <p:spPr/>
-        <p:txBody>
-          <a:bodyPr>
-            <a:normAutofit fontScale="90000"/>
-          </a:bodyPr>
-          <a:lstStyle/>
-          <a:p>
-            <a:r>
-              <a:rPr lang="en-US" dirty="0"/>
-              <a:t>Initial Discovery / Common Trends (1/2)</a:t>
-            </a:r>
-          </a:p>
-        </p:txBody>
-      </p:sp>
-      <p:pic>
-        <p:nvPicPr>
-          <p:cNvPr id="5" name="Picture 4">
-            <a:extLst>
-              <a:ext uri="{FF2B5EF4-FFF2-40B4-BE49-F238E27FC236}">
-                <a16:creationId xmlns:a16="http://schemas.microsoft.com/office/drawing/2014/main" id="{D07DCD95-F5FC-4553-9C49-AA3720609522}"/>
-              </a:ext>
-            </a:extLst>
-          </p:cNvPr>
-          <p:cNvPicPr>
-            <a:picLocks noChangeAspect="1"/>
-          </p:cNvPicPr>
-          <p:nvPr/>
-        </p:nvPicPr>
-        <p:blipFill>
-          <a:blip r:embed="rId2"/>
-          <a:stretch>
-            <a:fillRect/>
-          </a:stretch>
-        </p:blipFill>
-        <p:spPr>
-          <a:xfrm>
-            <a:off x="184023" y="1039368"/>
-            <a:ext cx="3766185" cy="2654580"/>
-          </a:xfrm>
-          <a:prstGeom prst="rect">
-            <a:avLst/>
-          </a:prstGeom>
-        </p:spPr>
-      </p:pic>
-      <p:pic>
-        <p:nvPicPr>
-          <p:cNvPr id="9" name="Picture 8">
-            <a:extLst>
-              <a:ext uri="{FF2B5EF4-FFF2-40B4-BE49-F238E27FC236}">
-                <a16:creationId xmlns:a16="http://schemas.microsoft.com/office/drawing/2014/main" id="{29793C7B-673D-4EE2-81AB-E30117518B97}"/>
-              </a:ext>
-            </a:extLst>
-          </p:cNvPr>
-          <p:cNvPicPr>
-            <a:picLocks noChangeAspect="1"/>
-          </p:cNvPicPr>
-          <p:nvPr/>
-        </p:nvPicPr>
-        <p:blipFill>
-          <a:blip r:embed="rId3"/>
-          <a:stretch>
-            <a:fillRect/>
-          </a:stretch>
-        </p:blipFill>
-        <p:spPr>
-          <a:xfrm>
-            <a:off x="3950208" y="1039368"/>
-            <a:ext cx="3766185" cy="2666326"/>
-          </a:xfrm>
-          <a:prstGeom prst="rect">
-            <a:avLst/>
-          </a:prstGeom>
-        </p:spPr>
-      </p:pic>
-      <p:pic>
-        <p:nvPicPr>
-          <p:cNvPr id="11" name="Picture 10">
-            <a:extLst>
-              <a:ext uri="{FF2B5EF4-FFF2-40B4-BE49-F238E27FC236}">
-                <a16:creationId xmlns:a16="http://schemas.microsoft.com/office/drawing/2014/main" id="{4797D163-89E7-4AD9-95B9-E9BE37B5D367}"/>
-              </a:ext>
-            </a:extLst>
-          </p:cNvPr>
-          <p:cNvPicPr>
-            <a:picLocks noChangeAspect="1"/>
-          </p:cNvPicPr>
-          <p:nvPr/>
-        </p:nvPicPr>
-        <p:blipFill>
-          <a:blip r:embed="rId4"/>
-          <a:stretch>
-            <a:fillRect/>
-          </a:stretch>
-        </p:blipFill>
-        <p:spPr>
-          <a:xfrm>
-            <a:off x="7716393" y="1039368"/>
-            <a:ext cx="4357366" cy="2971800"/>
-          </a:xfrm>
-          <a:prstGeom prst="rect">
-            <a:avLst/>
-          </a:prstGeom>
-        </p:spPr>
-      </p:pic>
-      <p:cxnSp>
-        <p:nvCxnSpPr>
-          <p:cNvPr id="13" name="Straight Connector 12">
-            <a:extLst>
-              <a:ext uri="{FF2B5EF4-FFF2-40B4-BE49-F238E27FC236}">
-                <a16:creationId xmlns:a16="http://schemas.microsoft.com/office/drawing/2014/main" id="{13F7209D-D9EB-4942-AFBA-BCF97B66A8A4}"/>
-              </a:ext>
-            </a:extLst>
-          </p:cNvPr>
-          <p:cNvCxnSpPr/>
-          <p:nvPr/>
-        </p:nvCxnSpPr>
-        <p:spPr>
-          <a:xfrm>
-            <a:off x="3645408" y="3693948"/>
-            <a:ext cx="0" cy="2877540"/>
-          </a:xfrm>
-          <a:prstGeom prst="line">
-            <a:avLst/>
-          </a:prstGeom>
-        </p:spPr>
-        <p:style>
-          <a:lnRef idx="1">
-            <a:schemeClr val="dk1"/>
-          </a:lnRef>
-          <a:fillRef idx="0">
-            <a:schemeClr val="dk1"/>
-          </a:fillRef>
-          <a:effectRef idx="0">
-            <a:schemeClr val="dk1"/>
-          </a:effectRef>
-          <a:fontRef idx="minor">
-            <a:schemeClr val="tx1"/>
-          </a:fontRef>
-        </p:style>
-      </p:cxnSp>
-      <p:cxnSp>
-        <p:nvCxnSpPr>
-          <p:cNvPr id="14" name="Straight Connector 13">
-            <a:extLst>
-              <a:ext uri="{FF2B5EF4-FFF2-40B4-BE49-F238E27FC236}">
-                <a16:creationId xmlns:a16="http://schemas.microsoft.com/office/drawing/2014/main" id="{27727402-4491-4B27-AD23-2FBB7B9AA6E6}"/>
-              </a:ext>
-            </a:extLst>
-          </p:cNvPr>
-          <p:cNvCxnSpPr/>
-          <p:nvPr/>
-        </p:nvCxnSpPr>
-        <p:spPr>
-          <a:xfrm>
-            <a:off x="7685913" y="3693948"/>
-            <a:ext cx="0" cy="2877540"/>
-          </a:xfrm>
-          <a:prstGeom prst="line">
-            <a:avLst/>
-          </a:prstGeom>
-        </p:spPr>
-        <p:style>
-          <a:lnRef idx="1">
-            <a:schemeClr val="dk1"/>
-          </a:lnRef>
-          <a:fillRef idx="0">
-            <a:schemeClr val="dk1"/>
-          </a:fillRef>
-          <a:effectRef idx="0">
-            <a:schemeClr val="dk1"/>
-          </a:effectRef>
-          <a:fontRef idx="minor">
-            <a:schemeClr val="tx1"/>
-          </a:fontRef>
-        </p:style>
-      </p:cxnSp>
-      <p:sp>
-        <p:nvSpPr>
-          <p:cNvPr id="19" name="TextBox 18">
-            <a:extLst>
-              <a:ext uri="{FF2B5EF4-FFF2-40B4-BE49-F238E27FC236}">
-                <a16:creationId xmlns:a16="http://schemas.microsoft.com/office/drawing/2014/main" id="{B3A9370F-A718-4AFF-BDB1-CCDF89109404}"/>
-              </a:ext>
-            </a:extLst>
-          </p:cNvPr>
-          <p:cNvSpPr txBox="1"/>
-          <p:nvPr/>
-        </p:nvSpPr>
-        <p:spPr>
-          <a:xfrm>
-            <a:off x="184023" y="4011168"/>
-            <a:ext cx="3156578" cy="1723549"/>
-          </a:xfrm>
-          <a:prstGeom prst="rect">
-            <a:avLst/>
-          </a:prstGeom>
-          <a:noFill/>
-        </p:spPr>
-        <p:txBody>
-          <a:bodyPr wrap="square" rtlCol="0">
-            <a:spAutoFit/>
-          </a:bodyPr>
-          <a:lstStyle/>
-          <a:p>
-            <a:r>
-              <a:rPr lang="en-US" u="sng" dirty="0">
-                <a:latin typeface="Times New Roman" panose="02020603050405020304" pitchFamily="18" charset="0"/>
-                <a:cs typeface="Times New Roman" panose="02020603050405020304" pitchFamily="18" charset="0"/>
-              </a:rPr>
-              <a:t>Age</a:t>
-            </a:r>
-          </a:p>
-          <a:p>
-            <a:endParaRPr lang="en-US" u="sng" dirty="0">
-              <a:latin typeface="Times New Roman" panose="02020603050405020304" pitchFamily="18" charset="0"/>
-              <a:cs typeface="Times New Roman" panose="02020603050405020304" pitchFamily="18" charset="0"/>
-            </a:endParaRPr>
-          </a:p>
-          <a:p>
-            <a:pPr marL="285750" indent="-285750">
-              <a:buFont typeface="Arial" panose="020B0604020202020204" pitchFamily="34" charset="0"/>
-              <a:buChar char="•"/>
-            </a:pPr>
-            <a:r>
-              <a:rPr lang="en-US" sz="1400" dirty="0">
-                <a:latin typeface="Times New Roman" panose="02020603050405020304" pitchFamily="18" charset="0"/>
-                <a:cs typeface="Times New Roman" panose="02020603050405020304" pitchFamily="18" charset="0"/>
-              </a:rPr>
-              <a:t>Mean</a:t>
-            </a:r>
-          </a:p>
-          <a:p>
-            <a:pPr marL="742950" lvl="1" indent="-285750">
-              <a:buFont typeface="Arial" panose="020B0604020202020204" pitchFamily="34" charset="0"/>
-              <a:buChar char="•"/>
-            </a:pPr>
-            <a:r>
-              <a:rPr lang="en-US" sz="1400" dirty="0">
-                <a:latin typeface="Times New Roman" panose="02020603050405020304" pitchFamily="18" charset="0"/>
-                <a:cs typeface="Times New Roman" panose="02020603050405020304" pitchFamily="18" charset="0"/>
-              </a:rPr>
-              <a:t>Attrition: 33.79</a:t>
-            </a:r>
-          </a:p>
-          <a:p>
-            <a:pPr marL="742950" lvl="1" indent="-285750">
-              <a:buFont typeface="Arial" panose="020B0604020202020204" pitchFamily="34" charset="0"/>
-              <a:buChar char="•"/>
-            </a:pPr>
-            <a:r>
-              <a:rPr lang="en-US" sz="1400" dirty="0">
-                <a:latin typeface="Times New Roman" panose="02020603050405020304" pitchFamily="18" charset="0"/>
-                <a:cs typeface="Times New Roman" panose="02020603050405020304" pitchFamily="18" charset="0"/>
-              </a:rPr>
-              <a:t>No Attrition: 37.34</a:t>
-            </a:r>
-          </a:p>
-          <a:p>
-            <a:pPr marL="285750" indent="-285750">
-              <a:buFont typeface="Arial" panose="020B0604020202020204" pitchFamily="34" charset="0"/>
-              <a:buChar char="•"/>
-            </a:pPr>
-            <a:r>
-              <a:rPr lang="en-US" sz="1400" dirty="0">
-                <a:latin typeface="Times New Roman" panose="02020603050405020304" pitchFamily="18" charset="0"/>
-                <a:cs typeface="Times New Roman" panose="02020603050405020304" pitchFamily="18" charset="0"/>
-              </a:rPr>
-              <a:t>The age of employees with attrition is noticeably lower </a:t>
-            </a:r>
-          </a:p>
-        </p:txBody>
-      </p:sp>
-      <p:sp>
-        <p:nvSpPr>
-          <p:cNvPr id="20" name="TextBox 19">
-            <a:extLst>
-              <a:ext uri="{FF2B5EF4-FFF2-40B4-BE49-F238E27FC236}">
-                <a16:creationId xmlns:a16="http://schemas.microsoft.com/office/drawing/2014/main" id="{04683568-7CE8-4135-9EED-E7C650D3B51A}"/>
-              </a:ext>
-            </a:extLst>
-          </p:cNvPr>
-          <p:cNvSpPr txBox="1"/>
-          <p:nvPr/>
-        </p:nvSpPr>
-        <p:spPr>
-          <a:xfrm>
-            <a:off x="4087372" y="4011168"/>
-            <a:ext cx="3156578" cy="1723549"/>
-          </a:xfrm>
-          <a:prstGeom prst="rect">
-            <a:avLst/>
-          </a:prstGeom>
-          <a:noFill/>
-        </p:spPr>
-        <p:txBody>
-          <a:bodyPr wrap="square" rtlCol="0">
-            <a:spAutoFit/>
-          </a:bodyPr>
-          <a:lstStyle/>
-          <a:p>
-            <a:r>
-              <a:rPr lang="en-US" u="sng" dirty="0">
-                <a:latin typeface="Times New Roman" panose="02020603050405020304" pitchFamily="18" charset="0"/>
-                <a:cs typeface="Times New Roman" panose="02020603050405020304" pitchFamily="18" charset="0"/>
-              </a:rPr>
-              <a:t>Job Level</a:t>
-            </a:r>
-          </a:p>
-          <a:p>
-            <a:endParaRPr lang="en-US" u="sng" dirty="0">
-              <a:latin typeface="Times New Roman" panose="02020603050405020304" pitchFamily="18" charset="0"/>
-              <a:cs typeface="Times New Roman" panose="02020603050405020304" pitchFamily="18" charset="0"/>
-            </a:endParaRPr>
-          </a:p>
-          <a:p>
-            <a:pPr marL="285750" indent="-285750">
-              <a:buFont typeface="Arial" panose="020B0604020202020204" pitchFamily="34" charset="0"/>
-              <a:buChar char="•"/>
-            </a:pPr>
-            <a:r>
-              <a:rPr lang="en-US" sz="1400" dirty="0">
-                <a:latin typeface="Times New Roman" panose="02020603050405020304" pitchFamily="18" charset="0"/>
-                <a:cs typeface="Times New Roman" panose="02020603050405020304" pitchFamily="18" charset="0"/>
-              </a:rPr>
-              <a:t>Employees with the highest attrition are level 1 with 26.3% of all level 1’s having attrition</a:t>
-            </a:r>
-          </a:p>
-          <a:p>
-            <a:pPr marL="285750" indent="-285750">
-              <a:buFont typeface="Arial" panose="020B0604020202020204" pitchFamily="34" charset="0"/>
-              <a:buChar char="•"/>
-            </a:pPr>
-            <a:r>
-              <a:rPr lang="en-US" sz="1400" dirty="0">
-                <a:latin typeface="Times New Roman" panose="02020603050405020304" pitchFamily="18" charset="0"/>
-                <a:cs typeface="Times New Roman" panose="02020603050405020304" pitchFamily="18" charset="0"/>
-              </a:rPr>
-              <a:t>The next highest isn’t until level 3 with 13.4%</a:t>
-            </a:r>
-          </a:p>
-        </p:txBody>
-      </p:sp>
-      <p:sp>
-        <p:nvSpPr>
-          <p:cNvPr id="21" name="TextBox 20">
-            <a:extLst>
-              <a:ext uri="{FF2B5EF4-FFF2-40B4-BE49-F238E27FC236}">
-                <a16:creationId xmlns:a16="http://schemas.microsoft.com/office/drawing/2014/main" id="{F9585D2A-C41F-4321-A602-66ADB84310B3}"/>
-              </a:ext>
-            </a:extLst>
-          </p:cNvPr>
-          <p:cNvSpPr txBox="1"/>
-          <p:nvPr/>
-        </p:nvSpPr>
-        <p:spPr>
-          <a:xfrm>
-            <a:off x="8127876" y="4011167"/>
-            <a:ext cx="3156578" cy="1938992"/>
-          </a:xfrm>
-          <a:prstGeom prst="rect">
-            <a:avLst/>
-          </a:prstGeom>
-          <a:noFill/>
-        </p:spPr>
-        <p:txBody>
-          <a:bodyPr wrap="square" rtlCol="0">
-            <a:spAutoFit/>
-          </a:bodyPr>
-          <a:lstStyle/>
-          <a:p>
-            <a:r>
-              <a:rPr lang="en-US" u="sng" dirty="0">
-                <a:latin typeface="Times New Roman" panose="02020603050405020304" pitchFamily="18" charset="0"/>
-                <a:cs typeface="Times New Roman" panose="02020603050405020304" pitchFamily="18" charset="0"/>
-              </a:rPr>
-              <a:t>Job Role</a:t>
-            </a:r>
-          </a:p>
-          <a:p>
-            <a:endParaRPr lang="en-US" u="sng" dirty="0">
-              <a:latin typeface="Times New Roman" panose="02020603050405020304" pitchFamily="18" charset="0"/>
-              <a:cs typeface="Times New Roman" panose="02020603050405020304" pitchFamily="18" charset="0"/>
-            </a:endParaRPr>
-          </a:p>
-          <a:p>
-            <a:pPr marL="285750" indent="-285750">
-              <a:buFont typeface="Arial" panose="020B0604020202020204" pitchFamily="34" charset="0"/>
-              <a:buChar char="•"/>
-            </a:pPr>
-            <a:r>
-              <a:rPr lang="en-US" sz="1400" dirty="0">
-                <a:latin typeface="Times New Roman" panose="02020603050405020304" pitchFamily="18" charset="0"/>
-                <a:cs typeface="Times New Roman" panose="02020603050405020304" pitchFamily="18" charset="0"/>
-              </a:rPr>
-              <a:t>Roles with the highest attrition rate</a:t>
-            </a:r>
-          </a:p>
-          <a:p>
-            <a:pPr marL="742950" lvl="1" indent="-285750">
-              <a:buFont typeface="Arial" panose="020B0604020202020204" pitchFamily="34" charset="0"/>
-              <a:buChar char="•"/>
-            </a:pPr>
-            <a:r>
-              <a:rPr lang="en-US" sz="1400" dirty="0">
-                <a:latin typeface="Times New Roman" panose="02020603050405020304" pitchFamily="18" charset="0"/>
-                <a:cs typeface="Times New Roman" panose="02020603050405020304" pitchFamily="18" charset="0"/>
-              </a:rPr>
-              <a:t>Sales Rep: 41.6%</a:t>
-            </a:r>
-          </a:p>
-          <a:p>
-            <a:pPr marL="742950" lvl="1" indent="-285750">
-              <a:buFont typeface="Arial" panose="020B0604020202020204" pitchFamily="34" charset="0"/>
-              <a:buChar char="•"/>
-            </a:pPr>
-            <a:r>
-              <a:rPr lang="en-US" sz="1400" dirty="0">
-                <a:latin typeface="Times New Roman" panose="02020603050405020304" pitchFamily="18" charset="0"/>
-                <a:cs typeface="Times New Roman" panose="02020603050405020304" pitchFamily="18" charset="0"/>
-              </a:rPr>
-              <a:t>Lab Tech: 22.5%</a:t>
-            </a:r>
-          </a:p>
-          <a:p>
-            <a:pPr marL="742950" lvl="1" indent="-285750">
-              <a:buFont typeface="Arial" panose="020B0604020202020204" pitchFamily="34" charset="0"/>
-              <a:buChar char="•"/>
-            </a:pPr>
-            <a:r>
-              <a:rPr lang="en-US" sz="1400" dirty="0">
-                <a:latin typeface="Times New Roman" panose="02020603050405020304" pitchFamily="18" charset="0"/>
-                <a:cs typeface="Times New Roman" panose="02020603050405020304" pitchFamily="18" charset="0"/>
-              </a:rPr>
-              <a:t>HR: 20.45%</a:t>
-            </a:r>
-          </a:p>
-          <a:p>
-            <a:pPr marL="742950" lvl="1" indent="-285750">
-              <a:buFont typeface="Arial" panose="020B0604020202020204" pitchFamily="34" charset="0"/>
-              <a:buChar char="•"/>
-            </a:pPr>
-            <a:r>
-              <a:rPr lang="en-US" sz="1400" dirty="0">
-                <a:latin typeface="Times New Roman" panose="02020603050405020304" pitchFamily="18" charset="0"/>
-                <a:cs typeface="Times New Roman" panose="02020603050405020304" pitchFamily="18" charset="0"/>
-              </a:rPr>
-              <a:t>Research Scientist: 17.3%</a:t>
-            </a:r>
-          </a:p>
-          <a:p>
-            <a:pPr marL="742950" lvl="1" indent="-285750">
-              <a:buFont typeface="Arial" panose="020B0604020202020204" pitchFamily="34" charset="0"/>
-              <a:buChar char="•"/>
-            </a:pPr>
-            <a:r>
-              <a:rPr lang="en-US" sz="1400" dirty="0">
-                <a:latin typeface="Times New Roman" panose="02020603050405020304" pitchFamily="18" charset="0"/>
-                <a:cs typeface="Times New Roman" panose="02020603050405020304" pitchFamily="18" charset="0"/>
-              </a:rPr>
-              <a:t>Sales Executive: 15.9%</a:t>
-            </a:r>
-          </a:p>
-        </p:txBody>
-      </p:sp>
-    </p:spTree>
-    <p:extLst>
-      <p:ext uri="{BB962C8B-B14F-4D97-AF65-F5344CB8AC3E}">
-        <p14:creationId xmlns:p14="http://schemas.microsoft.com/office/powerpoint/2010/main" val="2444865566"/>
-      </p:ext>
-    </p:extLst>
-  </p:cSld>
-  <p:clrMapOvr>
-    <a:masterClrMapping/>
-  </p:clrMapOvr>
-</p:sld>
-</file>
-
-<file path=ppt/slides/slide5.xml><?xml version="1.0" encoding="utf-8"?>
-<p:sld xmlns:a="http://schemas.openxmlformats.org/drawingml/2006/main" xmlns:r="http://schemas.openxmlformats.org/officeDocument/2006/relationships" xmlns:p="http://schemas.openxmlformats.org/presentationml/2006/main">
-  <p:cSld>
-    <p:spTree>
-      <p:nvGrpSpPr>
-        <p:cNvPr id="1" name=""/>
-        <p:cNvGrpSpPr/>
-        <p:nvPr/>
-      </p:nvGrpSpPr>
-      <p:grpSpPr>
-        <a:xfrm>
-          <a:off x="0" y="0"/>
-          <a:ext cx="0" cy="0"/>
-          <a:chOff x="0" y="0"/>
-          <a:chExt cx="0" cy="0"/>
-        </a:xfrm>
-      </p:grpSpPr>
-      <p:sp>
-        <p:nvSpPr>
-          <p:cNvPr id="2" name="Title 1">
-            <a:extLst>
-              <a:ext uri="{FF2B5EF4-FFF2-40B4-BE49-F238E27FC236}">
-                <a16:creationId xmlns:a16="http://schemas.microsoft.com/office/drawing/2014/main" id="{2285CF61-E7FF-430D-AB39-64B5C30ED7DA}"/>
-              </a:ext>
-            </a:extLst>
-          </p:cNvPr>
-          <p:cNvSpPr>
-            <a:spLocks noGrp="1"/>
-          </p:cNvSpPr>
-          <p:nvPr>
-            <p:ph type="title"/>
-          </p:nvPr>
-        </p:nvSpPr>
-        <p:spPr/>
-        <p:txBody>
-          <a:bodyPr>
-            <a:normAutofit fontScale="90000"/>
-          </a:bodyPr>
-          <a:lstStyle/>
-          <a:p>
-            <a:r>
-              <a:rPr lang="en-US" dirty="0"/>
-              <a:t>Initial Discovery / Common Trends (2/2)</a:t>
-            </a:r>
-          </a:p>
-        </p:txBody>
-      </p:sp>
-      <p:pic>
-        <p:nvPicPr>
-          <p:cNvPr id="5" name="Picture 4">
-            <a:extLst>
-              <a:ext uri="{FF2B5EF4-FFF2-40B4-BE49-F238E27FC236}">
-                <a16:creationId xmlns:a16="http://schemas.microsoft.com/office/drawing/2014/main" id="{D07DCD95-F5FC-4553-9C49-AA3720609522}"/>
-              </a:ext>
-            </a:extLst>
-          </p:cNvPr>
-          <p:cNvPicPr>
-            <a:picLocks noChangeAspect="1"/>
-          </p:cNvPicPr>
-          <p:nvPr/>
-        </p:nvPicPr>
-        <p:blipFill>
-          <a:blip r:embed="rId2">
-            <a:extLst>
-              <a:ext uri="{28A0092B-C50C-407E-A947-70E740481C1C}">
-                <a14:useLocalDpi xmlns:a14="http://schemas.microsoft.com/office/drawing/2010/main" val="0"/>
-              </a:ext>
-            </a:extLst>
-          </a:blip>
-          <a:srcRect/>
-          <a:stretch/>
-        </p:blipFill>
-        <p:spPr>
-          <a:xfrm>
-            <a:off x="146506" y="1039368"/>
-            <a:ext cx="3670530" cy="2654580"/>
-          </a:xfrm>
-          <a:prstGeom prst="rect">
-            <a:avLst/>
-          </a:prstGeom>
-        </p:spPr>
-      </p:pic>
-      <p:pic>
-        <p:nvPicPr>
-          <p:cNvPr id="9" name="Picture 8">
-            <a:extLst>
-              <a:ext uri="{FF2B5EF4-FFF2-40B4-BE49-F238E27FC236}">
-                <a16:creationId xmlns:a16="http://schemas.microsoft.com/office/drawing/2014/main" id="{29793C7B-673D-4EE2-81AB-E30117518B97}"/>
-              </a:ext>
-            </a:extLst>
-          </p:cNvPr>
-          <p:cNvPicPr>
-            <a:picLocks noChangeAspect="1"/>
-          </p:cNvPicPr>
-          <p:nvPr/>
-        </p:nvPicPr>
-        <p:blipFill>
-          <a:blip r:embed="rId3">
-            <a:extLst>
-              <a:ext uri="{28A0092B-C50C-407E-A947-70E740481C1C}">
-                <a14:useLocalDpi xmlns:a14="http://schemas.microsoft.com/office/drawing/2010/main" val="0"/>
-              </a:ext>
-            </a:extLst>
-          </a:blip>
-          <a:srcRect/>
-          <a:stretch/>
-        </p:blipFill>
-        <p:spPr>
-          <a:xfrm>
-            <a:off x="3998673" y="1039368"/>
-            <a:ext cx="3669255" cy="2666326"/>
-          </a:xfrm>
-          <a:prstGeom prst="rect">
-            <a:avLst/>
-          </a:prstGeom>
-        </p:spPr>
-      </p:pic>
-      <p:pic>
-        <p:nvPicPr>
-          <p:cNvPr id="11" name="Picture 10">
-            <a:extLst>
-              <a:ext uri="{FF2B5EF4-FFF2-40B4-BE49-F238E27FC236}">
-                <a16:creationId xmlns:a16="http://schemas.microsoft.com/office/drawing/2014/main" id="{4797D163-89E7-4AD9-95B9-E9BE37B5D367}"/>
-              </a:ext>
-            </a:extLst>
-          </p:cNvPr>
-          <p:cNvPicPr>
-            <a:picLocks noChangeAspect="1"/>
-          </p:cNvPicPr>
-          <p:nvPr/>
-        </p:nvPicPr>
-        <p:blipFill>
-          <a:blip r:embed="rId4">
-            <a:extLst>
-              <a:ext uri="{28A0092B-C50C-407E-A947-70E740481C1C}">
-                <a14:useLocalDpi xmlns:a14="http://schemas.microsoft.com/office/drawing/2010/main" val="0"/>
-              </a:ext>
-            </a:extLst>
-          </a:blip>
-          <a:srcRect/>
-          <a:stretch/>
-        </p:blipFill>
-        <p:spPr>
-          <a:xfrm>
-            <a:off x="7796528" y="1039368"/>
-            <a:ext cx="4197096" cy="2971800"/>
-          </a:xfrm>
-          <a:prstGeom prst="rect">
-            <a:avLst/>
-          </a:prstGeom>
-        </p:spPr>
-      </p:pic>
-      <p:cxnSp>
-        <p:nvCxnSpPr>
-          <p:cNvPr id="13" name="Straight Connector 12">
-            <a:extLst>
-              <a:ext uri="{FF2B5EF4-FFF2-40B4-BE49-F238E27FC236}">
-                <a16:creationId xmlns:a16="http://schemas.microsoft.com/office/drawing/2014/main" id="{13F7209D-D9EB-4942-AFBA-BCF97B66A8A4}"/>
-              </a:ext>
-            </a:extLst>
-          </p:cNvPr>
-          <p:cNvCxnSpPr/>
-          <p:nvPr/>
-        </p:nvCxnSpPr>
-        <p:spPr>
-          <a:xfrm>
-            <a:off x="3645408" y="3693948"/>
-            <a:ext cx="0" cy="2877540"/>
-          </a:xfrm>
-          <a:prstGeom prst="line">
-            <a:avLst/>
-          </a:prstGeom>
-        </p:spPr>
-        <p:style>
-          <a:lnRef idx="1">
-            <a:schemeClr val="dk1"/>
-          </a:lnRef>
-          <a:fillRef idx="0">
-            <a:schemeClr val="dk1"/>
-          </a:fillRef>
-          <a:effectRef idx="0">
-            <a:schemeClr val="dk1"/>
-          </a:effectRef>
-          <a:fontRef idx="minor">
-            <a:schemeClr val="tx1"/>
-          </a:fontRef>
-        </p:style>
-      </p:cxnSp>
-      <p:cxnSp>
-        <p:nvCxnSpPr>
-          <p:cNvPr id="14" name="Straight Connector 13">
-            <a:extLst>
-              <a:ext uri="{FF2B5EF4-FFF2-40B4-BE49-F238E27FC236}">
-                <a16:creationId xmlns:a16="http://schemas.microsoft.com/office/drawing/2014/main" id="{27727402-4491-4B27-AD23-2FBB7B9AA6E6}"/>
-              </a:ext>
-            </a:extLst>
-          </p:cNvPr>
-          <p:cNvCxnSpPr/>
-          <p:nvPr/>
-        </p:nvCxnSpPr>
-        <p:spPr>
-          <a:xfrm>
-            <a:off x="7685913" y="3693948"/>
-            <a:ext cx="0" cy="2877540"/>
-          </a:xfrm>
-          <a:prstGeom prst="line">
-            <a:avLst/>
-          </a:prstGeom>
-        </p:spPr>
-        <p:style>
-          <a:lnRef idx="1">
-            <a:schemeClr val="dk1"/>
-          </a:lnRef>
-          <a:fillRef idx="0">
-            <a:schemeClr val="dk1"/>
-          </a:fillRef>
-          <a:effectRef idx="0">
-            <a:schemeClr val="dk1"/>
-          </a:effectRef>
-          <a:fontRef idx="minor">
-            <a:schemeClr val="tx1"/>
-          </a:fontRef>
-        </p:style>
-      </p:cxnSp>
-      <p:sp>
-        <p:nvSpPr>
-          <p:cNvPr id="19" name="TextBox 18">
-            <a:extLst>
-              <a:ext uri="{FF2B5EF4-FFF2-40B4-BE49-F238E27FC236}">
-                <a16:creationId xmlns:a16="http://schemas.microsoft.com/office/drawing/2014/main" id="{B3A9370F-A718-4AFF-BDB1-CCDF89109404}"/>
-              </a:ext>
-            </a:extLst>
-          </p:cNvPr>
-          <p:cNvSpPr txBox="1"/>
-          <p:nvPr/>
-        </p:nvSpPr>
-        <p:spPr>
-          <a:xfrm>
-            <a:off x="184023" y="4011168"/>
-            <a:ext cx="3156578" cy="1508105"/>
-          </a:xfrm>
-          <a:prstGeom prst="rect">
-            <a:avLst/>
-          </a:prstGeom>
-          <a:noFill/>
-        </p:spPr>
-        <p:txBody>
-          <a:bodyPr wrap="square" rtlCol="0">
-            <a:spAutoFit/>
-          </a:bodyPr>
-          <a:lstStyle/>
-          <a:p>
-            <a:r>
-              <a:rPr lang="en-US" u="sng" dirty="0">
-                <a:latin typeface="Times New Roman" panose="02020603050405020304" pitchFamily="18" charset="0"/>
-                <a:cs typeface="Times New Roman" panose="02020603050405020304" pitchFamily="18" charset="0"/>
-              </a:rPr>
-              <a:t>Overtime</a:t>
-            </a:r>
-          </a:p>
-          <a:p>
-            <a:endParaRPr lang="en-US" u="sng" dirty="0">
-              <a:latin typeface="Times New Roman" panose="02020603050405020304" pitchFamily="18" charset="0"/>
-              <a:cs typeface="Times New Roman" panose="02020603050405020304" pitchFamily="18" charset="0"/>
-            </a:endParaRPr>
-          </a:p>
-          <a:p>
-            <a:pPr marL="285750" indent="-285750">
-              <a:buFont typeface="Arial" panose="020B0604020202020204" pitchFamily="34" charset="0"/>
-              <a:buChar char="•"/>
-            </a:pPr>
-            <a:r>
-              <a:rPr lang="en-US" sz="1400" dirty="0">
-                <a:latin typeface="Times New Roman" panose="02020603050405020304" pitchFamily="18" charset="0"/>
-                <a:cs typeface="Times New Roman" panose="02020603050405020304" pitchFamily="18" charset="0"/>
-              </a:rPr>
-              <a:t>No: 10.1%</a:t>
-            </a:r>
-          </a:p>
-          <a:p>
-            <a:pPr marL="285750" indent="-285750">
-              <a:buFont typeface="Arial" panose="020B0604020202020204" pitchFamily="34" charset="0"/>
-              <a:buChar char="•"/>
-            </a:pPr>
-            <a:r>
-              <a:rPr lang="en-US" sz="1400" dirty="0">
-                <a:latin typeface="Times New Roman" panose="02020603050405020304" pitchFamily="18" charset="0"/>
-                <a:cs typeface="Times New Roman" panose="02020603050405020304" pitchFamily="18" charset="0"/>
-              </a:rPr>
-              <a:t>Yes: 32.3%</a:t>
-            </a:r>
-          </a:p>
-          <a:p>
-            <a:pPr marL="285750" indent="-285750">
-              <a:buFont typeface="Arial" panose="020B0604020202020204" pitchFamily="34" charset="0"/>
-              <a:buChar char="•"/>
-            </a:pPr>
-            <a:r>
-              <a:rPr lang="en-US" sz="1400" dirty="0">
-                <a:latin typeface="Times New Roman" panose="02020603050405020304" pitchFamily="18" charset="0"/>
-                <a:cs typeface="Times New Roman" panose="02020603050405020304" pitchFamily="18" charset="0"/>
-              </a:rPr>
-              <a:t>Big increase in attrition from employees who work overtime </a:t>
-            </a:r>
-          </a:p>
-        </p:txBody>
-      </p:sp>
-      <p:sp>
-        <p:nvSpPr>
-          <p:cNvPr id="20" name="TextBox 19">
-            <a:extLst>
-              <a:ext uri="{FF2B5EF4-FFF2-40B4-BE49-F238E27FC236}">
-                <a16:creationId xmlns:a16="http://schemas.microsoft.com/office/drawing/2014/main" id="{04683568-7CE8-4135-9EED-E7C650D3B51A}"/>
-              </a:ext>
-            </a:extLst>
-          </p:cNvPr>
-          <p:cNvSpPr txBox="1"/>
-          <p:nvPr/>
-        </p:nvSpPr>
-        <p:spPr>
-          <a:xfrm>
-            <a:off x="4087372" y="4011168"/>
-            <a:ext cx="3156578" cy="1723549"/>
-          </a:xfrm>
-          <a:prstGeom prst="rect">
-            <a:avLst/>
-          </a:prstGeom>
-          <a:noFill/>
-        </p:spPr>
-        <p:txBody>
-          <a:bodyPr wrap="square" rtlCol="0">
-            <a:spAutoFit/>
-          </a:bodyPr>
-          <a:lstStyle/>
-          <a:p>
-            <a:r>
-              <a:rPr lang="en-US" u="sng" dirty="0">
-                <a:latin typeface="Times New Roman" panose="02020603050405020304" pitchFamily="18" charset="0"/>
-                <a:cs typeface="Times New Roman" panose="02020603050405020304" pitchFamily="18" charset="0"/>
-              </a:rPr>
-              <a:t>Total Working Years</a:t>
-            </a:r>
-          </a:p>
-          <a:p>
-            <a:endParaRPr lang="en-US" u="sng" dirty="0">
-              <a:latin typeface="Times New Roman" panose="02020603050405020304" pitchFamily="18" charset="0"/>
-              <a:cs typeface="Times New Roman" panose="02020603050405020304" pitchFamily="18" charset="0"/>
-            </a:endParaRPr>
-          </a:p>
-          <a:p>
-            <a:pPr marL="285750" indent="-285750">
-              <a:buFont typeface="Arial" panose="020B0604020202020204" pitchFamily="34" charset="0"/>
-              <a:buChar char="•"/>
-            </a:pPr>
-            <a:r>
-              <a:rPr lang="en-US" sz="1400" dirty="0">
-                <a:latin typeface="Times New Roman" panose="02020603050405020304" pitchFamily="18" charset="0"/>
-                <a:cs typeface="Times New Roman" panose="02020603050405020304" pitchFamily="18" charset="0"/>
-              </a:rPr>
-              <a:t>Mean</a:t>
-            </a:r>
-          </a:p>
-          <a:p>
-            <a:pPr marL="742950" lvl="1" indent="-285750">
-              <a:buFont typeface="Arial" panose="020B0604020202020204" pitchFamily="34" charset="0"/>
-              <a:buChar char="•"/>
-            </a:pPr>
-            <a:r>
-              <a:rPr lang="en-US" sz="1400" dirty="0">
-                <a:latin typeface="Times New Roman" panose="02020603050405020304" pitchFamily="18" charset="0"/>
-                <a:cs typeface="Times New Roman" panose="02020603050405020304" pitchFamily="18" charset="0"/>
-              </a:rPr>
-              <a:t>Attrition: 8.49 years</a:t>
-            </a:r>
-          </a:p>
-          <a:p>
-            <a:pPr marL="742950" lvl="1" indent="-285750">
-              <a:buFont typeface="Arial" panose="020B0604020202020204" pitchFamily="34" charset="0"/>
-              <a:buChar char="•"/>
-            </a:pPr>
-            <a:r>
-              <a:rPr lang="en-US" sz="1400" dirty="0">
-                <a:latin typeface="Times New Roman" panose="02020603050405020304" pitchFamily="18" charset="0"/>
-                <a:cs typeface="Times New Roman" panose="02020603050405020304" pitchFamily="18" charset="0"/>
-              </a:rPr>
-              <a:t>No-Attrition: 11.46</a:t>
-            </a:r>
-          </a:p>
-          <a:p>
-            <a:pPr marL="285750" indent="-285750">
-              <a:buFont typeface="Arial" panose="020B0604020202020204" pitchFamily="34" charset="0"/>
-              <a:buChar char="•"/>
-            </a:pPr>
-            <a:r>
-              <a:rPr lang="en-US" sz="1400" dirty="0">
-                <a:latin typeface="Times New Roman" panose="02020603050405020304" pitchFamily="18" charset="0"/>
-                <a:cs typeface="Times New Roman" panose="02020603050405020304" pitchFamily="18" charset="0"/>
-              </a:rPr>
-              <a:t>Those in their early career are likely to have more attrition</a:t>
-            </a:r>
-          </a:p>
-        </p:txBody>
-      </p:sp>
-      <p:sp>
-        <p:nvSpPr>
-          <p:cNvPr id="21" name="TextBox 20">
-            <a:extLst>
-              <a:ext uri="{FF2B5EF4-FFF2-40B4-BE49-F238E27FC236}">
-                <a16:creationId xmlns:a16="http://schemas.microsoft.com/office/drawing/2014/main" id="{F9585D2A-C41F-4321-A602-66ADB84310B3}"/>
-              </a:ext>
-            </a:extLst>
-          </p:cNvPr>
-          <p:cNvSpPr txBox="1"/>
-          <p:nvPr/>
-        </p:nvSpPr>
-        <p:spPr>
-          <a:xfrm>
-            <a:off x="8127876" y="4011167"/>
-            <a:ext cx="3156578" cy="1723549"/>
-          </a:xfrm>
-          <a:prstGeom prst="rect">
-            <a:avLst/>
-          </a:prstGeom>
-          <a:noFill/>
-        </p:spPr>
-        <p:txBody>
-          <a:bodyPr wrap="square" rtlCol="0">
-            <a:spAutoFit/>
-          </a:bodyPr>
-          <a:lstStyle/>
-          <a:p>
-            <a:r>
-              <a:rPr lang="en-US" u="sng" dirty="0">
-                <a:latin typeface="Times New Roman" panose="02020603050405020304" pitchFamily="18" charset="0"/>
-                <a:cs typeface="Times New Roman" panose="02020603050405020304" pitchFamily="18" charset="0"/>
-              </a:rPr>
-              <a:t>Monthly Income</a:t>
-            </a:r>
-          </a:p>
-          <a:p>
-            <a:endParaRPr lang="en-US" u="sng" dirty="0">
-              <a:latin typeface="Times New Roman" panose="02020603050405020304" pitchFamily="18" charset="0"/>
-              <a:cs typeface="Times New Roman" panose="02020603050405020304" pitchFamily="18" charset="0"/>
-            </a:endParaRPr>
-          </a:p>
-          <a:p>
-            <a:pPr marL="285750" indent="-285750">
-              <a:buFont typeface="Arial" panose="020B0604020202020204" pitchFamily="34" charset="0"/>
-              <a:buChar char="•"/>
-            </a:pPr>
-            <a:r>
-              <a:rPr lang="en-US" sz="1400" dirty="0">
-                <a:latin typeface="Times New Roman" panose="02020603050405020304" pitchFamily="18" charset="0"/>
-                <a:cs typeface="Times New Roman" panose="02020603050405020304" pitchFamily="18" charset="0"/>
-              </a:rPr>
-              <a:t>Mean</a:t>
-            </a:r>
-          </a:p>
-          <a:p>
-            <a:pPr marL="742950" lvl="1" indent="-285750">
-              <a:buFont typeface="Arial" panose="020B0604020202020204" pitchFamily="34" charset="0"/>
-              <a:buChar char="•"/>
-            </a:pPr>
-            <a:r>
-              <a:rPr lang="en-US" sz="1400" dirty="0">
-                <a:latin typeface="Times New Roman" panose="02020603050405020304" pitchFamily="18" charset="0"/>
-                <a:cs typeface="Times New Roman" panose="02020603050405020304" pitchFamily="18" charset="0"/>
-              </a:rPr>
-              <a:t>Attrition: $4,844.37</a:t>
-            </a:r>
-          </a:p>
-          <a:p>
-            <a:pPr marL="742950" lvl="1" indent="-285750">
-              <a:buFont typeface="Arial" panose="020B0604020202020204" pitchFamily="34" charset="0"/>
-              <a:buChar char="•"/>
-            </a:pPr>
-            <a:r>
-              <a:rPr lang="en-US" sz="1400" dirty="0">
-                <a:latin typeface="Times New Roman" panose="02020603050405020304" pitchFamily="18" charset="0"/>
-                <a:cs typeface="Times New Roman" panose="02020603050405020304" pitchFamily="18" charset="0"/>
-              </a:rPr>
-              <a:t>No-Attrition: $6,630.38</a:t>
-            </a:r>
-          </a:p>
-          <a:p>
-            <a:pPr marL="285750" indent="-285750">
-              <a:buFont typeface="Arial" panose="020B0604020202020204" pitchFamily="34" charset="0"/>
-              <a:buChar char="•"/>
-            </a:pPr>
-            <a:r>
-              <a:rPr lang="en-US" sz="1400" dirty="0">
-                <a:latin typeface="Times New Roman" panose="02020603050405020304" pitchFamily="18" charset="0"/>
-                <a:cs typeface="Times New Roman" panose="02020603050405020304" pitchFamily="18" charset="0"/>
-              </a:rPr>
-              <a:t>Lower monthly incomes seems to learn more towards higher attrition</a:t>
-            </a:r>
-          </a:p>
-        </p:txBody>
-      </p:sp>
-    </p:spTree>
-    <p:extLst>
-      <p:ext uri="{BB962C8B-B14F-4D97-AF65-F5344CB8AC3E}">
-        <p14:creationId xmlns:p14="http://schemas.microsoft.com/office/powerpoint/2010/main" val="2266731099"/>
-      </p:ext>
-    </p:extLst>
-  </p:cSld>
-  <p:clrMapOvr>
-    <a:masterClrMapping/>
-  </p:clrMapOvr>
-</p:sld>
-</file>
-
-<file path=ppt/slides/slide6.xml><?xml version="1.0" encoding="utf-8"?>
-<p:sld xmlns:a="http://schemas.openxmlformats.org/drawingml/2006/main" xmlns:r="http://schemas.openxmlformats.org/officeDocument/2006/relationships" xmlns:p="http://schemas.openxmlformats.org/presentationml/2006/main">
-  <p:cSld>
-    <p:spTree>
-      <p:nvGrpSpPr>
-        <p:cNvPr id="1" name=""/>
-        <p:cNvGrpSpPr/>
-        <p:nvPr/>
-      </p:nvGrpSpPr>
-      <p:grpSpPr>
-        <a:xfrm>
-          <a:off x="0" y="0"/>
-          <a:ext cx="0" cy="0"/>
-          <a:chOff x="0" y="0"/>
-          <a:chExt cx="0" cy="0"/>
-        </a:xfrm>
-      </p:grpSpPr>
-      <p:sp>
-        <p:nvSpPr>
-          <p:cNvPr id="2" name="Title 1">
-            <a:extLst>
-              <a:ext uri="{FF2B5EF4-FFF2-40B4-BE49-F238E27FC236}">
-                <a16:creationId xmlns:a16="http://schemas.microsoft.com/office/drawing/2014/main" id="{7C3F75B3-039C-4C7C-9FBE-848420074486}"/>
-              </a:ext>
-            </a:extLst>
-          </p:cNvPr>
-          <p:cNvSpPr>
-            <a:spLocks noGrp="1"/>
-          </p:cNvSpPr>
-          <p:nvPr>
-            <p:ph type="title"/>
-          </p:nvPr>
-        </p:nvSpPr>
-        <p:spPr/>
+            <a:off x="5865816" y="1462669"/>
+            <a:ext cx="6235140" cy="3932662"/>
+          </a:xfrm>
+        </p:spPr>
         <p:txBody>
           <a:bodyPr/>
           <a:lstStyle/>
           <a:p>
+            <a:pPr marL="0" indent="0">
+              <a:buNone/>
+            </a:pPr>
+            <a:r>
+              <a:rPr lang="en-US" sz="3200" dirty="0"/>
+              <a:t>What do they have in common?</a:t>
+            </a:r>
+          </a:p>
+          <a:p>
+            <a:pPr lvl="1"/>
+            <a:r>
+              <a:rPr lang="en-US" b="1" dirty="0"/>
+              <a:t>Low Job Level </a:t>
+            </a:r>
+            <a:endParaRPr lang="en-US" dirty="0"/>
+          </a:p>
+          <a:p>
+            <a:pPr lvl="1"/>
+            <a:r>
+              <a:rPr lang="en-US" b="1" dirty="0"/>
+              <a:t>No Stock Option</a:t>
+            </a:r>
+          </a:p>
+          <a:p>
+            <a:pPr lvl="1"/>
+            <a:r>
+              <a:rPr lang="en-US" b="1" dirty="0"/>
+              <a:t>All have Overtime</a:t>
+            </a:r>
+          </a:p>
+          <a:p>
+            <a:pPr lvl="1"/>
             <a:r>
               <a:rPr lang="en-US" dirty="0"/>
-              <a:t>Quick Profile of Employee Attrition</a:t>
-            </a:r>
-          </a:p>
-        </p:txBody>
-      </p:sp>
-      <p:sp>
-        <p:nvSpPr>
-          <p:cNvPr id="3" name="Content Placeholder 2">
-            <a:extLst>
-              <a:ext uri="{FF2B5EF4-FFF2-40B4-BE49-F238E27FC236}">
-                <a16:creationId xmlns:a16="http://schemas.microsoft.com/office/drawing/2014/main" id="{86F9281E-DF20-475A-9330-8EAB53D88A31}"/>
-              </a:ext>
-            </a:extLst>
-          </p:cNvPr>
-          <p:cNvSpPr>
-            <a:spLocks noGrp="1"/>
-          </p:cNvSpPr>
-          <p:nvPr>
-            <p:ph idx="1"/>
-          </p:nvPr>
-        </p:nvSpPr>
-        <p:spPr/>
-        <p:txBody>
-          <a:bodyPr>
-            <a:normAutofit lnSpcReduction="10000"/>
-          </a:bodyPr>
-          <a:lstStyle/>
-          <a:p>
+              <a:t>Low Job Satisfaction </a:t>
+            </a:r>
+          </a:p>
+          <a:p>
+            <a:pPr lvl="1"/>
             <a:r>
               <a:rPr lang="en-US" dirty="0"/>
-              <a:t>Employees with attrition have this most in common</a:t>
+              <a:t>Low Monthly Income </a:t>
             </a:r>
           </a:p>
           <a:p>
             <a:pPr lvl="1"/>
             <a:r>
               <a:rPr lang="en-US" dirty="0"/>
-              <a:t>Young/Early Career </a:t>
+              <a:t>Same Department</a:t>
             </a:r>
           </a:p>
           <a:p>
             <a:pPr lvl="1"/>
             <a:r>
               <a:rPr lang="en-US" dirty="0"/>
-              <a:t>Single (possibly have no family “tie” them in one location)</a:t>
-            </a:r>
+              <a:t>Low Job Involvement</a:t>
+            </a:r>
+          </a:p>
+          <a:p>
+            <a:pPr marL="457200" lvl="1" indent="0">
+              <a:buNone/>
+            </a:pPr>
+            <a:endParaRPr lang="en-US" dirty="0"/>
           </a:p>
           <a:p>
             <a:pPr lvl="1"/>
-            <a:r>
-              <a:rPr lang="en-US" dirty="0"/>
-              <a:t>Tend to have longer commutes </a:t>
-            </a:r>
-          </a:p>
-          <a:p>
-            <a:pPr lvl="1"/>
-            <a:r>
-              <a:rPr lang="en-US" dirty="0"/>
-              <a:t>Low Environment Satisfaction </a:t>
-            </a:r>
-          </a:p>
-          <a:p>
-            <a:pPr lvl="1"/>
-            <a:r>
-              <a:rPr lang="en-US" dirty="0"/>
-              <a:t>Low Job Involvement </a:t>
-            </a:r>
-          </a:p>
-          <a:p>
-            <a:pPr lvl="1"/>
-            <a:r>
-              <a:rPr lang="en-US" dirty="0"/>
-              <a:t>Most come from in Sales, HR, Lab Tech, or Research Scientist </a:t>
-            </a:r>
-          </a:p>
-          <a:p>
-            <a:pPr lvl="1"/>
-            <a:r>
-              <a:rPr lang="en-US" dirty="0"/>
-              <a:t>Work Overtime</a:t>
-            </a:r>
-          </a:p>
-          <a:p>
-            <a:pPr lvl="1"/>
-            <a:r>
-              <a:rPr lang="en-US" dirty="0"/>
-              <a:t>No stock option</a:t>
-            </a:r>
-          </a:p>
-          <a:p>
-            <a:pPr lvl="1"/>
-            <a:r>
-              <a:rPr lang="en-US" dirty="0"/>
-              <a:t>Low Work Life Balance </a:t>
-            </a:r>
+            <a:endParaRPr lang="en-US" b="1" dirty="0"/>
           </a:p>
           <a:p>
             <a:pPr lvl="1"/>
             <a:endParaRPr lang="en-US" dirty="0"/>
           </a:p>
-          <a:p>
-            <a:pPr lvl="1"/>
-            <a:endParaRPr lang="en-US" dirty="0"/>
-          </a:p>
-          <a:p>
-            <a:r>
-              <a:rPr lang="en-US" sz="1800" dirty="0"/>
-              <a:t>Of course, this is just what is in common and not a conclusion that if an employees has all these, they will have attrition or not</a:t>
-            </a:r>
-          </a:p>
-          <a:p>
-            <a:pPr lvl="1"/>
-            <a:endParaRPr lang="en-US" dirty="0"/>
-          </a:p>
-        </p:txBody>
-      </p:sp>
-    </p:spTree>
-    <p:extLst>
-      <p:ext uri="{BB962C8B-B14F-4D97-AF65-F5344CB8AC3E}">
-        <p14:creationId xmlns:p14="http://schemas.microsoft.com/office/powerpoint/2010/main" val="1622044747"/>
-      </p:ext>
-    </p:extLst>
-  </p:cSld>
-  <p:clrMapOvr>
-    <a:masterClrMapping/>
-  </p:clrMapOvr>
-</p:sld>
-</file>
-
-<file path=ppt/slides/slide7.xml><?xml version="1.0" encoding="utf-8"?>
-<p:sld xmlns:a="http://schemas.openxmlformats.org/drawingml/2006/main" xmlns:r="http://schemas.openxmlformats.org/officeDocument/2006/relationships" xmlns:p="http://schemas.openxmlformats.org/presentationml/2006/main">
-  <p:cSld>
-    <p:spTree>
-      <p:nvGrpSpPr>
-        <p:cNvPr id="1" name=""/>
-        <p:cNvGrpSpPr/>
-        <p:nvPr/>
-      </p:nvGrpSpPr>
-      <p:grpSpPr>
-        <a:xfrm>
-          <a:off x="0" y="0"/>
-          <a:ext cx="0" cy="0"/>
-          <a:chOff x="0" y="0"/>
-          <a:chExt cx="0" cy="0"/>
-        </a:xfrm>
-      </p:grpSpPr>
-      <p:sp>
-        <p:nvSpPr>
-          <p:cNvPr id="2" name="Title 1">
-            <a:extLst>
-              <a:ext uri="{FF2B5EF4-FFF2-40B4-BE49-F238E27FC236}">
-                <a16:creationId xmlns:a16="http://schemas.microsoft.com/office/drawing/2014/main" id="{527E1E4B-799F-4D8C-A06E-96C1AD1AF473}"/>
-              </a:ext>
-            </a:extLst>
-          </p:cNvPr>
-          <p:cNvSpPr>
-            <a:spLocks noGrp="1"/>
-          </p:cNvSpPr>
-          <p:nvPr>
-            <p:ph type="title"/>
-          </p:nvPr>
-        </p:nvSpPr>
-        <p:spPr/>
-        <p:txBody>
-          <a:bodyPr/>
-          <a:lstStyle/>
-          <a:p>
-            <a:r>
-              <a:rPr lang="en-US" dirty="0"/>
-              <a:t>Correlation for Predicting Attrition</a:t>
-            </a:r>
-          </a:p>
-        </p:txBody>
-      </p:sp>
-      <p:pic>
-        <p:nvPicPr>
-          <p:cNvPr id="5" name="Picture 4">
-            <a:extLst>
-              <a:ext uri="{FF2B5EF4-FFF2-40B4-BE49-F238E27FC236}">
-                <a16:creationId xmlns:a16="http://schemas.microsoft.com/office/drawing/2014/main" id="{F61531A3-08CC-494D-AA82-8D4A2722D69E}"/>
-              </a:ext>
-            </a:extLst>
-          </p:cNvPr>
-          <p:cNvPicPr>
-            <a:picLocks noChangeAspect="1"/>
-          </p:cNvPicPr>
-          <p:nvPr/>
-        </p:nvPicPr>
-        <p:blipFill>
-          <a:blip r:embed="rId2"/>
-          <a:stretch>
-            <a:fillRect/>
-          </a:stretch>
-        </p:blipFill>
-        <p:spPr>
-          <a:xfrm>
-            <a:off x="896015" y="956051"/>
-            <a:ext cx="4358736" cy="4335277"/>
-          </a:xfrm>
-          <a:prstGeom prst="rect">
-            <a:avLst/>
-          </a:prstGeom>
-        </p:spPr>
-      </p:pic>
-      <p:pic>
-        <p:nvPicPr>
-          <p:cNvPr id="7" name="Picture 6">
-            <a:extLst>
-              <a:ext uri="{FF2B5EF4-FFF2-40B4-BE49-F238E27FC236}">
-                <a16:creationId xmlns:a16="http://schemas.microsoft.com/office/drawing/2014/main" id="{E33178A8-2008-4AEA-A119-C69AB820A048}"/>
-              </a:ext>
-            </a:extLst>
-          </p:cNvPr>
-          <p:cNvPicPr>
-            <a:picLocks noChangeAspect="1"/>
-          </p:cNvPicPr>
-          <p:nvPr/>
-        </p:nvPicPr>
-        <p:blipFill>
-          <a:blip r:embed="rId3"/>
-          <a:stretch>
-            <a:fillRect/>
-          </a:stretch>
-        </p:blipFill>
-        <p:spPr>
-          <a:xfrm>
-            <a:off x="6352954" y="822962"/>
-            <a:ext cx="4429845" cy="4468366"/>
-          </a:xfrm>
-          <a:prstGeom prst="rect">
-            <a:avLst/>
-          </a:prstGeom>
-        </p:spPr>
-      </p:pic>
-      <p:cxnSp>
-        <p:nvCxnSpPr>
-          <p:cNvPr id="9" name="Straight Connector 8">
-            <a:extLst>
-              <a:ext uri="{FF2B5EF4-FFF2-40B4-BE49-F238E27FC236}">
-                <a16:creationId xmlns:a16="http://schemas.microsoft.com/office/drawing/2014/main" id="{EA26DB23-EDED-4EF0-A8C2-E6999A0E4B03}"/>
-              </a:ext>
-            </a:extLst>
-          </p:cNvPr>
-          <p:cNvCxnSpPr/>
-          <p:nvPr/>
-        </p:nvCxnSpPr>
-        <p:spPr>
-          <a:xfrm>
-            <a:off x="341376" y="5437632"/>
-            <a:ext cx="11338560" cy="0"/>
-          </a:xfrm>
-          <a:prstGeom prst="line">
-            <a:avLst/>
-          </a:prstGeom>
-        </p:spPr>
-        <p:style>
-          <a:lnRef idx="1">
-            <a:schemeClr val="dk1"/>
-          </a:lnRef>
-          <a:fillRef idx="0">
-            <a:schemeClr val="dk1"/>
-          </a:fillRef>
-          <a:effectRef idx="0">
-            <a:schemeClr val="dk1"/>
-          </a:effectRef>
-          <a:fontRef idx="minor">
-            <a:schemeClr val="tx1"/>
-          </a:fontRef>
-        </p:style>
-      </p:cxnSp>
-      <p:sp>
-        <p:nvSpPr>
-          <p:cNvPr id="10" name="TextBox 9">
-            <a:extLst>
-              <a:ext uri="{FF2B5EF4-FFF2-40B4-BE49-F238E27FC236}">
-                <a16:creationId xmlns:a16="http://schemas.microsoft.com/office/drawing/2014/main" id="{72DE2802-3211-4472-A146-CCF874B5AA79}"/>
-              </a:ext>
-            </a:extLst>
-          </p:cNvPr>
-          <p:cNvSpPr txBox="1"/>
-          <p:nvPr/>
-        </p:nvSpPr>
-        <p:spPr>
-          <a:xfrm>
-            <a:off x="1024128" y="5449824"/>
-            <a:ext cx="9758671" cy="1015663"/>
-          </a:xfrm>
-          <a:prstGeom prst="rect">
-            <a:avLst/>
-          </a:prstGeom>
-          <a:noFill/>
-        </p:spPr>
-        <p:txBody>
-          <a:bodyPr wrap="square" rtlCol="0">
-            <a:spAutoFit/>
-          </a:bodyPr>
-          <a:lstStyle/>
-          <a:p>
-            <a:r>
-              <a:rPr lang="en-US" sz="2400" u="sng" dirty="0">
-                <a:latin typeface="Times New Roman" panose="02020603050405020304" pitchFamily="18" charset="0"/>
-                <a:cs typeface="Times New Roman" panose="02020603050405020304" pitchFamily="18" charset="0"/>
-              </a:rPr>
-              <a:t>Biggest factors </a:t>
-            </a:r>
-            <a:endParaRPr lang="en-US" u="sng" dirty="0">
-              <a:latin typeface="Times New Roman" panose="02020603050405020304" pitchFamily="18" charset="0"/>
-              <a:cs typeface="Times New Roman" panose="02020603050405020304" pitchFamily="18" charset="0"/>
-            </a:endParaRPr>
-          </a:p>
-          <a:p>
-            <a:pPr marL="285750" indent="-285750">
-              <a:buFont typeface="Arial" panose="020B0604020202020204" pitchFamily="34" charset="0"/>
-              <a:buChar char="•"/>
-            </a:pPr>
-            <a:r>
-              <a:rPr lang="en-US" dirty="0">
-                <a:latin typeface="Times New Roman" panose="02020603050405020304" pitchFamily="18" charset="0"/>
-                <a:cs typeface="Times New Roman" panose="02020603050405020304" pitchFamily="18" charset="0"/>
-              </a:rPr>
-              <a:t>Age, Monthly Income, Total Working Years, Years at Company, Years in Current Role, Years With Current Manager, Job Level, Job Role, Marital Status, Over Time, Stock Option Level</a:t>
-            </a:r>
-          </a:p>
-        </p:txBody>
-      </p:sp>
-    </p:spTree>
-    <p:extLst>
-      <p:ext uri="{BB962C8B-B14F-4D97-AF65-F5344CB8AC3E}">
-        <p14:creationId xmlns:p14="http://schemas.microsoft.com/office/powerpoint/2010/main" val="1128817313"/>
-      </p:ext>
-    </p:extLst>
-  </p:cSld>
-  <p:clrMapOvr>
-    <a:masterClrMapping/>
-  </p:clrMapOvr>
-</p:sld>
-</file>
-
-<file path=ppt/slides/slide8.xml><?xml version="1.0" encoding="utf-8"?>
-<p:sld xmlns:a="http://schemas.openxmlformats.org/drawingml/2006/main" xmlns:r="http://schemas.openxmlformats.org/officeDocument/2006/relationships" xmlns:p="http://schemas.openxmlformats.org/presentationml/2006/main">
-  <p:cSld>
-    <p:spTree>
-      <p:nvGrpSpPr>
-        <p:cNvPr id="1" name=""/>
-        <p:cNvGrpSpPr/>
-        <p:nvPr/>
-      </p:nvGrpSpPr>
-      <p:grpSpPr>
-        <a:xfrm>
-          <a:off x="0" y="0"/>
-          <a:ext cx="0" cy="0"/>
-          <a:chOff x="0" y="0"/>
-          <a:chExt cx="0" cy="0"/>
-        </a:xfrm>
-      </p:grpSpPr>
-      <p:sp>
-        <p:nvSpPr>
-          <p:cNvPr id="2" name="Title 1">
-            <a:extLst>
-              <a:ext uri="{FF2B5EF4-FFF2-40B4-BE49-F238E27FC236}">
-                <a16:creationId xmlns:a16="http://schemas.microsoft.com/office/drawing/2014/main" id="{096F9D42-30DE-480B-B5C4-DCD580D79115}"/>
-              </a:ext>
-            </a:extLst>
-          </p:cNvPr>
-          <p:cNvSpPr>
-            <a:spLocks noGrp="1"/>
-          </p:cNvSpPr>
-          <p:nvPr>
-            <p:ph type="title"/>
-          </p:nvPr>
-        </p:nvSpPr>
-        <p:spPr/>
-        <p:txBody>
-          <a:bodyPr/>
-          <a:lstStyle/>
-          <a:p>
-            <a:r>
-              <a:rPr lang="en-US" dirty="0"/>
-              <a:t>Top 3 Factors leading to Attrition</a:t>
-            </a:r>
-          </a:p>
-        </p:txBody>
-      </p:sp>
-      <p:sp>
-        <p:nvSpPr>
-          <p:cNvPr id="3" name="Content Placeholder 2">
-            <a:extLst>
-              <a:ext uri="{FF2B5EF4-FFF2-40B4-BE49-F238E27FC236}">
-                <a16:creationId xmlns:a16="http://schemas.microsoft.com/office/drawing/2014/main" id="{06F6A022-2888-47C3-8B8D-CDBA94A2B608}"/>
-              </a:ext>
-            </a:extLst>
-          </p:cNvPr>
-          <p:cNvSpPr>
-            <a:spLocks noGrp="1"/>
-          </p:cNvSpPr>
-          <p:nvPr>
-            <p:ph idx="1"/>
-          </p:nvPr>
-        </p:nvSpPr>
-        <p:spPr>
-          <a:xfrm>
-            <a:off x="653143" y="653143"/>
-            <a:ext cx="11281557" cy="6204857"/>
-          </a:xfrm>
-        </p:spPr>
-        <p:txBody>
-          <a:bodyPr>
-            <a:normAutofit/>
-          </a:bodyPr>
-          <a:lstStyle/>
-          <a:p>
-            <a:r>
-              <a:rPr lang="en-US" b="1" dirty="0"/>
-              <a:t>Job Level</a:t>
-            </a:r>
-          </a:p>
-          <a:p>
-            <a:pPr lvl="1"/>
-            <a:r>
-              <a:rPr lang="en-US" dirty="0"/>
-              <a:t>Attrition happens early in the career </a:t>
-            </a:r>
-          </a:p>
-          <a:p>
-            <a:pPr lvl="1"/>
-            <a:endParaRPr lang="en-US" dirty="0"/>
-          </a:p>
-          <a:p>
-            <a:r>
-              <a:rPr lang="en-US" b="1" dirty="0"/>
-              <a:t>Overtime</a:t>
-            </a:r>
-          </a:p>
-          <a:p>
-            <a:pPr lvl="1"/>
-            <a:r>
-              <a:rPr lang="en-US" dirty="0"/>
-              <a:t>Reduce Overtime where possible</a:t>
-            </a:r>
-          </a:p>
-          <a:p>
-            <a:pPr lvl="1"/>
-            <a:endParaRPr lang="en-US" dirty="0"/>
-          </a:p>
-          <a:p>
-            <a:r>
-              <a:rPr lang="en-US" b="1" dirty="0"/>
-              <a:t>Stock Option Level</a:t>
-            </a:r>
-          </a:p>
-          <a:p>
-            <a:pPr lvl="1"/>
-            <a:r>
-              <a:rPr lang="en-US" dirty="0"/>
-              <a:t>Offer some sort of stock option for new employees </a:t>
-            </a:r>
-          </a:p>
-          <a:p>
-            <a:pPr marL="457200" lvl="1" indent="0">
-              <a:buNone/>
-            </a:pPr>
-            <a:endParaRPr lang="en-US" dirty="0"/>
-          </a:p>
-          <a:p>
-            <a:pPr marL="457200" lvl="1" indent="0">
-              <a:buNone/>
-            </a:pPr>
-            <a:endParaRPr lang="en-US" dirty="0"/>
-          </a:p>
-          <a:p>
-            <a:r>
-              <a:rPr lang="en-US" i="1" dirty="0"/>
-              <a:t>Note: </a:t>
-            </a:r>
-            <a:r>
-              <a:rPr lang="en-US" dirty="0"/>
-              <a:t>Most attributes correlate around an employee in the early years of their career. Focus should be on keeping </a:t>
-            </a:r>
-          </a:p>
-          <a:p>
-            <a:endParaRPr lang="en-US" dirty="0"/>
-          </a:p>
-          <a:p>
-            <a:pPr marL="0" indent="0">
-              <a:buNone/>
-            </a:pPr>
-            <a:r>
-              <a:rPr lang="en-US" sz="2000" i="1" dirty="0"/>
-              <a:t>Determined by value on correlation table cross checked by the charts generated for attrition vs non-attrition </a:t>
-            </a:r>
-          </a:p>
-        </p:txBody>
-      </p:sp>
-    </p:spTree>
-    <p:extLst>
-      <p:ext uri="{BB962C8B-B14F-4D97-AF65-F5344CB8AC3E}">
-        <p14:creationId xmlns:p14="http://schemas.microsoft.com/office/powerpoint/2010/main" val="2178260233"/>
-      </p:ext>
-    </p:extLst>
-  </p:cSld>
-  <p:clrMapOvr>
-    <a:masterClrMapping/>
-  </p:clrMapOvr>
-</p:sld>
-</file>
-
-<file path=ppt/slides/slide9.xml><?xml version="1.0" encoding="utf-8"?>
-<p:sld xmlns:a="http://schemas.openxmlformats.org/drawingml/2006/main" xmlns:r="http://schemas.openxmlformats.org/officeDocument/2006/relationships" xmlns:p="http://schemas.openxmlformats.org/presentationml/2006/main">
-  <p:cSld>
-    <p:spTree>
-      <p:nvGrpSpPr>
-        <p:cNvPr id="1" name=""/>
-        <p:cNvGrpSpPr/>
-        <p:nvPr/>
-      </p:nvGrpSpPr>
-      <p:grpSpPr>
-        <a:xfrm>
-          <a:off x="0" y="0"/>
-          <a:ext cx="0" cy="0"/>
-          <a:chOff x="0" y="0"/>
-          <a:chExt cx="0" cy="0"/>
-        </a:xfrm>
-      </p:grpSpPr>
-      <p:sp>
-        <p:nvSpPr>
-          <p:cNvPr id="2" name="Title 1">
-            <a:extLst>
-              <a:ext uri="{FF2B5EF4-FFF2-40B4-BE49-F238E27FC236}">
-                <a16:creationId xmlns:a16="http://schemas.microsoft.com/office/drawing/2014/main" id="{7CB20EDE-73E2-4851-A40B-DBE53644AE10}"/>
-              </a:ext>
-            </a:extLst>
-          </p:cNvPr>
-          <p:cNvSpPr>
-            <a:spLocks noGrp="1"/>
-          </p:cNvSpPr>
-          <p:nvPr>
-            <p:ph type="title"/>
-          </p:nvPr>
-        </p:nvSpPr>
-        <p:spPr/>
-        <p:txBody>
-          <a:bodyPr/>
-          <a:lstStyle/>
-          <a:p>
-            <a:r>
-              <a:rPr lang="en-US" dirty="0"/>
-              <a:t>KNN Model</a:t>
-            </a:r>
-          </a:p>
-        </p:txBody>
-      </p:sp>
-      <p:sp>
-        <p:nvSpPr>
-          <p:cNvPr id="3" name="Content Placeholder 2">
-            <a:extLst>
-              <a:ext uri="{FF2B5EF4-FFF2-40B4-BE49-F238E27FC236}">
-                <a16:creationId xmlns:a16="http://schemas.microsoft.com/office/drawing/2014/main" id="{8BAF8085-B9BD-4BE8-931E-3D8446EA3B3E}"/>
-              </a:ext>
-            </a:extLst>
-          </p:cNvPr>
-          <p:cNvSpPr>
-            <a:spLocks noGrp="1"/>
-          </p:cNvSpPr>
-          <p:nvPr>
-            <p:ph idx="1"/>
-          </p:nvPr>
-        </p:nvSpPr>
-        <p:spPr>
-          <a:xfrm>
-            <a:off x="7644386" y="1165099"/>
-            <a:ext cx="3803902" cy="5184716"/>
-          </a:xfrm>
-        </p:spPr>
-        <p:txBody>
-          <a:bodyPr>
-            <a:normAutofit/>
-          </a:bodyPr>
-          <a:lstStyle/>
-          <a:p>
-            <a:pPr marL="0" indent="0">
-              <a:buNone/>
-            </a:pPr>
-            <a:r>
-              <a:rPr lang="en-US" sz="1800" b="1" dirty="0"/>
-              <a:t>Accuracy: </a:t>
-            </a:r>
-            <a:r>
-              <a:rPr lang="en-US" sz="1800" dirty="0"/>
-              <a:t>86%</a:t>
-            </a:r>
-          </a:p>
-          <a:p>
-            <a:pPr marL="0" indent="0">
-              <a:buNone/>
-            </a:pPr>
-            <a:r>
-              <a:rPr lang="en-US" sz="1800" b="1" dirty="0"/>
-              <a:t>P-Value: </a:t>
-            </a:r>
-            <a:r>
-              <a:rPr lang="en-US" sz="1800" dirty="0"/>
-              <a:t>0.0001491</a:t>
-            </a:r>
-          </a:p>
-          <a:p>
-            <a:pPr marL="0" indent="0">
-              <a:buNone/>
-            </a:pPr>
-            <a:r>
-              <a:rPr lang="en-US" sz="1800" b="1" dirty="0"/>
-              <a:t>Sensitivity: </a:t>
-            </a:r>
-            <a:r>
-              <a:rPr lang="en-US" sz="1800" dirty="0"/>
-              <a:t>0.9664</a:t>
-            </a:r>
-          </a:p>
-          <a:p>
-            <a:pPr marL="0" indent="0">
-              <a:buNone/>
-            </a:pPr>
-            <a:r>
-              <a:rPr lang="en-US" sz="1800" b="1" dirty="0"/>
-              <a:t>Specificity: </a:t>
-            </a:r>
-            <a:r>
-              <a:rPr lang="en-US" sz="1800" dirty="0">
-                <a:highlight>
-                  <a:srgbClr val="FFFF00"/>
-                </a:highlight>
-              </a:rPr>
-              <a:t>0.3019</a:t>
-            </a:r>
-          </a:p>
-          <a:p>
-            <a:pPr marL="0" indent="0">
-              <a:buNone/>
-            </a:pPr>
-            <a:endParaRPr lang="en-US" sz="1800" dirty="0"/>
-          </a:p>
         </p:txBody>
       </p:sp>
       <p:sp>
@@ -6722,7 +4972,7 @@
           <p:cNvPr id="4" name="Content Placeholder 2">
             <a:extLst>
               <a:ext uri="{FF2B5EF4-FFF2-40B4-BE49-F238E27FC236}">
-                <a16:creationId xmlns:a16="http://schemas.microsoft.com/office/drawing/2014/main" id="{59DEFC31-2269-4B1B-8BE9-FA8CD8AD5685}"/>
+                <a16:creationId xmlns:a16="http://schemas.microsoft.com/office/drawing/2014/main" id="{A6669414-7F21-4D47-BC4B-DB7CE0125C55}"/>
               </a:ext>
             </a:extLst>
           </p:cNvPr>
@@ -6733,8 +4983,8 @@
         </p:nvSpPr>
         <p:spPr>
           <a:xfrm>
-            <a:off x="429768" y="1165099"/>
-            <a:ext cx="6128973" cy="5184716"/>
+            <a:off x="758042" y="1462669"/>
+            <a:ext cx="4965864" cy="4142484"/>
           </a:xfrm>
           <a:prstGeom prst="rect">
             <a:avLst/>
@@ -6909,44 +5159,40 @@
             </a:lvl9pPr>
           </a:lstStyle>
           <a:p>
-            <a:r>
-              <a:rPr lang="en-US" sz="2000" dirty="0"/>
-              <a:t>Using the KNN classifier I was able to achieve an accuracy of 86%</a:t>
-            </a:r>
-          </a:p>
-          <a:p>
-            <a:endParaRPr lang="en-US" sz="2000" dirty="0"/>
-          </a:p>
-          <a:p>
-            <a:r>
-              <a:rPr lang="en-US" sz="2000" dirty="0"/>
-              <a:t>Unfortunately, the specificity only achieved a value of 0.3019 </a:t>
-            </a:r>
-          </a:p>
-          <a:p>
-            <a:endParaRPr lang="en-US" sz="2000" dirty="0"/>
-          </a:p>
-          <a:p>
-            <a:r>
-              <a:rPr lang="en-US" sz="2000" dirty="0"/>
-              <a:t>After many attempts at optimizing the formula and changing the K value, the highest I could get the specificity was ~.4</a:t>
-            </a:r>
-          </a:p>
-          <a:p>
-            <a:endParaRPr lang="en-US" sz="2000" dirty="0"/>
-          </a:p>
-          <a:p>
-            <a:r>
-              <a:rPr lang="en-US" sz="2000" dirty="0"/>
-              <a:t>KNN suffered from </a:t>
-            </a:r>
-            <a:r>
-              <a:rPr lang="en-US" sz="2000" b="1" dirty="0"/>
-              <a:t>Overfitting</a:t>
-            </a:r>
-            <a:r>
-              <a:rPr lang="en-US" sz="2000" dirty="0"/>
-              <a:t> and do not recommend for predicting attrition</a:t>
+            <a:pPr marL="0" indent="0">
+              <a:buNone/>
+            </a:pPr>
+            <a:r>
+              <a:rPr lang="en-US" sz="3200" dirty="0"/>
+              <a:t>Employee by Number:</a:t>
+            </a:r>
+          </a:p>
+          <a:p>
+            <a:pPr lvl="1"/>
+            <a:r>
+              <a:rPr lang="en-US" dirty="0"/>
+              <a:t>1079</a:t>
+            </a:r>
+          </a:p>
+          <a:p>
+            <a:pPr lvl="1"/>
+            <a:r>
+              <a:rPr lang="en-US" dirty="0"/>
+              <a:t>1016</a:t>
+            </a:r>
+          </a:p>
+          <a:p>
+            <a:pPr lvl="1"/>
+            <a:r>
+              <a:rPr lang="en-US" dirty="0"/>
+              <a:t>1108</a:t>
+            </a:r>
+          </a:p>
+          <a:p>
+            <a:pPr lvl="1"/>
+            <a:r>
+              <a:rPr lang="en-US" dirty="0"/>
+              <a:t>1458</a:t>
             </a:r>
           </a:p>
         </p:txBody>
@@ -6956,19 +5202,17 @@
           <p:cNvPr id="6" name="Straight Connector 5">
             <a:extLst>
               <a:ext uri="{FF2B5EF4-FFF2-40B4-BE49-F238E27FC236}">
-                <a16:creationId xmlns:a16="http://schemas.microsoft.com/office/drawing/2014/main" id="{102EF477-D3D8-4E70-A341-AD153AC1B7EA}"/>
-              </a:ext>
-            </a:extLst>
-          </p:cNvPr>
-          <p:cNvCxnSpPr>
-            <a:cxnSpLocks/>
-          </p:cNvCxnSpPr>
+                <a16:creationId xmlns:a16="http://schemas.microsoft.com/office/drawing/2014/main" id="{20608CBE-4A74-416A-A348-78C6F35DBEB0}"/>
+              </a:ext>
+            </a:extLst>
+          </p:cNvPr>
+          <p:cNvCxnSpPr/>
           <p:nvPr/>
         </p:nvCxnSpPr>
         <p:spPr>
           <a:xfrm>
-            <a:off x="7089648" y="1036320"/>
-            <a:ext cx="0" cy="5313495"/>
+            <a:off x="5213267" y="822961"/>
+            <a:ext cx="0" cy="5197829"/>
           </a:xfrm>
           <a:prstGeom prst="line">
             <a:avLst/>
@@ -6989,12 +5233,1578 @@
           </a:fontRef>
         </p:style>
       </p:cxnSp>
+    </p:spTree>
+    <p:extLst>
+      <p:ext uri="{BB962C8B-B14F-4D97-AF65-F5344CB8AC3E}">
+        <p14:creationId xmlns:p14="http://schemas.microsoft.com/office/powerpoint/2010/main" val="1267473096"/>
+      </p:ext>
+    </p:extLst>
+  </p:cSld>
+  <p:clrMapOvr>
+    <a:masterClrMapping/>
+  </p:clrMapOvr>
+</p:sld>
+</file>
+
+<file path=ppt/slides/slide18.xml><?xml version="1.0" encoding="utf-8"?>
+<p:sld xmlns:a="http://schemas.openxmlformats.org/drawingml/2006/main" xmlns:r="http://schemas.openxmlformats.org/officeDocument/2006/relationships" xmlns:p="http://schemas.openxmlformats.org/presentationml/2006/main">
+  <p:cSld>
+    <p:spTree>
+      <p:nvGrpSpPr>
+        <p:cNvPr id="1" name=""/>
+        <p:cNvGrpSpPr/>
+        <p:nvPr/>
+      </p:nvGrpSpPr>
+      <p:grpSpPr>
+        <a:xfrm>
+          <a:off x="0" y="0"/>
+          <a:ext cx="0" cy="0"/>
+          <a:chOff x="0" y="0"/>
+          <a:chExt cx="0" cy="0"/>
+        </a:xfrm>
+      </p:grpSpPr>
+      <p:sp>
+        <p:nvSpPr>
+          <p:cNvPr id="2" name="Title 1">
+            <a:extLst>
+              <a:ext uri="{FF2B5EF4-FFF2-40B4-BE49-F238E27FC236}">
+                <a16:creationId xmlns:a16="http://schemas.microsoft.com/office/drawing/2014/main" id="{D4A5888F-44C7-4B3A-BA71-2AFC73296244}"/>
+              </a:ext>
+            </a:extLst>
+          </p:cNvPr>
+          <p:cNvSpPr>
+            <a:spLocks noGrp="1"/>
+          </p:cNvSpPr>
+          <p:nvPr>
+            <p:ph type="title"/>
+          </p:nvPr>
+        </p:nvSpPr>
+        <p:spPr>
+          <a:xfrm>
+            <a:off x="838200" y="665797"/>
+            <a:ext cx="10425157" cy="3983115"/>
+          </a:xfrm>
+        </p:spPr>
+        <p:txBody>
+          <a:bodyPr/>
+          <a:lstStyle/>
+          <a:p>
+            <a:pPr algn="ctr"/>
+            <a:r>
+              <a:rPr lang="en-US" dirty="0"/>
+              <a:t>Extra Information</a:t>
+            </a:r>
+          </a:p>
+        </p:txBody>
+      </p:sp>
+    </p:spTree>
+    <p:extLst>
+      <p:ext uri="{BB962C8B-B14F-4D97-AF65-F5344CB8AC3E}">
+        <p14:creationId xmlns:p14="http://schemas.microsoft.com/office/powerpoint/2010/main" val="2104269963"/>
+      </p:ext>
+    </p:extLst>
+  </p:cSld>
+  <p:clrMapOvr>
+    <a:masterClrMapping/>
+  </p:clrMapOvr>
+</p:sld>
+</file>
+
+<file path=ppt/slides/slide19.xml><?xml version="1.0" encoding="utf-8"?>
+<p:sld xmlns:a="http://schemas.openxmlformats.org/drawingml/2006/main" xmlns:r="http://schemas.openxmlformats.org/officeDocument/2006/relationships" xmlns:p="http://schemas.openxmlformats.org/presentationml/2006/main">
+  <p:cSld>
+    <p:bg>
+      <p:bgPr>
+        <a:solidFill>
+          <a:schemeClr val="bg1"/>
+        </a:solidFill>
+        <a:effectLst/>
+      </p:bgPr>
+    </p:bg>
+    <p:spTree>
+      <p:nvGrpSpPr>
+        <p:cNvPr id="1" name=""/>
+        <p:cNvGrpSpPr/>
+        <p:nvPr/>
+      </p:nvGrpSpPr>
+      <p:grpSpPr>
+        <a:xfrm>
+          <a:off x="0" y="0"/>
+          <a:ext cx="0" cy="0"/>
+          <a:chOff x="0" y="0"/>
+          <a:chExt cx="0" cy="0"/>
+        </a:xfrm>
+      </p:grpSpPr>
+      <p:sp>
+        <p:nvSpPr>
+          <p:cNvPr id="2" name="Title 1">
+            <a:extLst>
+              <a:ext uri="{FF2B5EF4-FFF2-40B4-BE49-F238E27FC236}">
+                <a16:creationId xmlns:a16="http://schemas.microsoft.com/office/drawing/2014/main" id="{01CBDE37-F4A4-4A24-A16E-E9B31B04F843}"/>
+              </a:ext>
+            </a:extLst>
+          </p:cNvPr>
+          <p:cNvSpPr>
+            <a:spLocks noGrp="1"/>
+          </p:cNvSpPr>
+          <p:nvPr>
+            <p:ph type="title"/>
+          </p:nvPr>
+        </p:nvSpPr>
+        <p:spPr>
+          <a:xfrm>
+            <a:off x="648928" y="338328"/>
+            <a:ext cx="3685032" cy="1608328"/>
+          </a:xfrm>
+        </p:spPr>
+        <p:txBody>
+          <a:bodyPr>
+            <a:normAutofit/>
+          </a:bodyPr>
+          <a:lstStyle/>
+          <a:p>
+            <a:r>
+              <a:rPr lang="en-US" sz="3600"/>
+              <a:t>Other Information</a:t>
+            </a:r>
+          </a:p>
+        </p:txBody>
+      </p:sp>
+      <p:sp>
+        <p:nvSpPr>
+          <p:cNvPr id="3" name="Content Placeholder 2">
+            <a:extLst>
+              <a:ext uri="{FF2B5EF4-FFF2-40B4-BE49-F238E27FC236}">
+                <a16:creationId xmlns:a16="http://schemas.microsoft.com/office/drawing/2014/main" id="{F4BDA297-7D79-4EB1-965D-1B45D1955CF8}"/>
+              </a:ext>
+            </a:extLst>
+          </p:cNvPr>
+          <p:cNvSpPr>
+            <a:spLocks noGrp="1"/>
+          </p:cNvSpPr>
+          <p:nvPr>
+            <p:ph idx="1"/>
+          </p:nvPr>
+        </p:nvSpPr>
+        <p:spPr>
+          <a:xfrm>
+            <a:off x="4864100" y="338328"/>
+            <a:ext cx="6675627" cy="1605083"/>
+          </a:xfrm>
+        </p:spPr>
+        <p:txBody>
+          <a:bodyPr anchor="ctr">
+            <a:normAutofit/>
+          </a:bodyPr>
+          <a:lstStyle/>
+          <a:p>
+            <a:pPr marL="0" indent="0">
+              <a:buNone/>
+            </a:pPr>
+            <a:r>
+              <a:rPr lang="en-US" sz="2000" u="sng" dirty="0"/>
+              <a:t>Work Life Balance by Role</a:t>
+            </a:r>
+          </a:p>
+          <a:p>
+            <a:pPr lvl="1"/>
+            <a:r>
+              <a:rPr lang="en-US" sz="2000" b="1" dirty="0"/>
+              <a:t>Sales Representatives </a:t>
+            </a:r>
+            <a:r>
+              <a:rPr lang="en-US" sz="2000" dirty="0"/>
+              <a:t>have the </a:t>
+            </a:r>
+            <a:r>
+              <a:rPr lang="en-US" sz="2000" b="1" dirty="0"/>
+              <a:t>highest</a:t>
+            </a:r>
+            <a:r>
+              <a:rPr lang="en-US" sz="2000" dirty="0"/>
+              <a:t> Work Life Balance </a:t>
+            </a:r>
+          </a:p>
+          <a:p>
+            <a:pPr lvl="1"/>
+            <a:r>
+              <a:rPr lang="en-US" sz="2000" b="1" dirty="0"/>
+              <a:t>Research Scientist </a:t>
+            </a:r>
+            <a:r>
+              <a:rPr lang="en-US" sz="2000" dirty="0"/>
+              <a:t>have the </a:t>
+            </a:r>
+            <a:r>
+              <a:rPr lang="en-US" sz="2000" b="1" dirty="0"/>
+              <a:t>lowest </a:t>
+            </a:r>
+            <a:r>
+              <a:rPr lang="en-US" sz="2000" dirty="0"/>
+              <a:t>Work Life Balance </a:t>
+            </a:r>
+          </a:p>
+        </p:txBody>
+      </p:sp>
+      <p:sp>
+        <p:nvSpPr>
+          <p:cNvPr id="12" name="Rectangle 11">
+            <a:extLst>
+              <a:ext uri="{FF2B5EF4-FFF2-40B4-BE49-F238E27FC236}">
+                <a16:creationId xmlns:a16="http://schemas.microsoft.com/office/drawing/2014/main" id="{5AAE9118-0436-4488-AC4A-C14DF6A7B6B1}"/>
+              </a:ext>
+              <a:ext uri="{C183D7F6-B498-43B3-948B-1728B52AA6E4}">
+                <adec:decorative xmlns:adec="http://schemas.microsoft.com/office/drawing/2017/decorative" val="1"/>
+              </a:ext>
+            </a:extLst>
+          </p:cNvPr>
+          <p:cNvSpPr>
+            <a:spLocks noGrp="1" noRot="1" noChangeAspect="1" noMove="1" noResize="1" noEditPoints="1" noAdjustHandles="1" noChangeArrowheads="1" noChangeShapeType="1" noTextEdit="1"/>
+          </p:cNvSpPr>
+          <p:nvPr>
+            <p:extLst>
+              <p:ext uri="{386F3935-93C4-4BCD-93E2-E3B085C9AB24}">
+                <p16:designElem xmlns:p16="http://schemas.microsoft.com/office/powerpoint/2015/main" val="1"/>
+              </p:ext>
+            </p:extLst>
+          </p:nvPr>
+        </p:nvSpPr>
+        <p:spPr>
+          <a:xfrm>
+            <a:off x="-2" y="2211010"/>
+            <a:ext cx="12192002" cy="4646990"/>
+          </a:xfrm>
+          <a:prstGeom prst="rect">
+            <a:avLst/>
+          </a:prstGeom>
+          <a:solidFill>
+            <a:srgbClr val="C8CACA"/>
+          </a:solidFill>
+          <a:ln>
+            <a:noFill/>
+          </a:ln>
+        </p:spPr>
+        <p:style>
+          <a:lnRef idx="2">
+            <a:schemeClr val="accent1">
+              <a:shade val="50000"/>
+            </a:schemeClr>
+          </a:lnRef>
+          <a:fillRef idx="1">
+            <a:schemeClr val="accent1"/>
+          </a:fillRef>
+          <a:effectRef idx="0">
+            <a:schemeClr val="accent1"/>
+          </a:effectRef>
+          <a:fontRef idx="minor">
+            <a:schemeClr val="lt1"/>
+          </a:fontRef>
+        </p:style>
+        <p:txBody>
+          <a:bodyPr rtlCol="0" anchor="ctr"/>
+          <a:lstStyle/>
+          <a:p>
+            <a:pPr marL="0" marR="0" lvl="0" indent="0" algn="ctr" defTabSz="914400" rtl="0" eaLnBrk="1" fontAlgn="auto" latinLnBrk="0" hangingPunct="1">
+              <a:lnSpc>
+                <a:spcPct val="100000"/>
+              </a:lnSpc>
+              <a:spcBef>
+                <a:spcPts val="0"/>
+              </a:spcBef>
+              <a:spcAft>
+                <a:spcPts val="0"/>
+              </a:spcAft>
+              <a:buClrTx/>
+              <a:buSzTx/>
+              <a:buFontTx/>
+              <a:buNone/>
+              <a:tabLst/>
+              <a:defRPr/>
+            </a:pPr>
+            <a:endParaRPr kumimoji="0" lang="en-US" sz="1800" b="0" i="0" u="none" strike="noStrike" kern="1200" cap="none" spc="0" normalizeH="0" baseline="0" noProof="0">
+              <a:ln>
+                <a:noFill/>
+              </a:ln>
+              <a:solidFill>
+                <a:prstClr val="white"/>
+              </a:solidFill>
+              <a:effectLst/>
+              <a:uLnTx/>
+              <a:uFillTx/>
+              <a:latin typeface="Calibri" panose="020F0502020204030204"/>
+              <a:ea typeface="+mn-ea"/>
+              <a:cs typeface="+mn-cs"/>
+            </a:endParaRPr>
+          </a:p>
+        </p:txBody>
+      </p:sp>
+      <p:sp>
+        <p:nvSpPr>
+          <p:cNvPr id="14" name="Rounded Rectangle 26">
+            <a:extLst>
+              <a:ext uri="{FF2B5EF4-FFF2-40B4-BE49-F238E27FC236}">
+                <a16:creationId xmlns:a16="http://schemas.microsoft.com/office/drawing/2014/main" id="{1B10F861-B8F1-49C7-BD58-EAB20CEE7F93}"/>
+              </a:ext>
+              <a:ext uri="{C183D7F6-B498-43B3-948B-1728B52AA6E4}">
+                <adec:decorative xmlns:adec="http://schemas.microsoft.com/office/drawing/2017/decorative" val="1"/>
+              </a:ext>
+            </a:extLst>
+          </p:cNvPr>
+          <p:cNvSpPr>
+            <a:spLocks noGrp="1" noRot="1" noChangeAspect="1" noMove="1" noResize="1" noEditPoints="1" noAdjustHandles="1" noChangeArrowheads="1" noChangeShapeType="1" noTextEdit="1"/>
+          </p:cNvSpPr>
+          <p:nvPr>
+            <p:extLst>
+              <p:ext uri="{386F3935-93C4-4BCD-93E2-E3B085C9AB24}">
+                <p16:designElem xmlns:p16="http://schemas.microsoft.com/office/powerpoint/2015/main" val="1"/>
+              </p:ext>
+            </p:extLst>
+          </p:nvPr>
+        </p:nvSpPr>
+        <p:spPr>
+          <a:xfrm>
+            <a:off x="321564" y="2423160"/>
+            <a:ext cx="5613569" cy="3930315"/>
+          </a:xfrm>
+          <a:prstGeom prst="roundRect">
+            <a:avLst>
+              <a:gd name="adj" fmla="val 0"/>
+            </a:avLst>
+          </a:prstGeom>
+          <a:solidFill>
+            <a:srgbClr val="FFFFFF"/>
+          </a:solidFill>
+          <a:ln w="9525">
+            <a:solidFill>
+              <a:srgbClr val="C8CACA"/>
+            </a:solidFill>
+          </a:ln>
+          <a:effectLst>
+            <a:outerShdw blurRad="57150" dist="19050" dir="5400000" algn="t" rotWithShape="0">
+              <a:prstClr val="black">
+                <a:alpha val="63000"/>
+              </a:prstClr>
+            </a:outerShdw>
+          </a:effectLst>
+        </p:spPr>
+        <p:style>
+          <a:lnRef idx="2">
+            <a:schemeClr val="accent1">
+              <a:shade val="50000"/>
+            </a:schemeClr>
+          </a:lnRef>
+          <a:fillRef idx="1">
+            <a:schemeClr val="accent1"/>
+          </a:fillRef>
+          <a:effectRef idx="0">
+            <a:schemeClr val="accent1"/>
+          </a:effectRef>
+          <a:fontRef idx="minor">
+            <a:schemeClr val="lt1"/>
+          </a:fontRef>
+        </p:style>
+        <p:txBody>
+          <a:bodyPr rtlCol="0" anchor="ctr"/>
+          <a:lstStyle/>
+          <a:p>
+            <a:pPr algn="ctr"/>
+            <a:endParaRPr lang="en-US"/>
+          </a:p>
+        </p:txBody>
+      </p:sp>
       <p:pic>
         <p:nvPicPr>
-          <p:cNvPr id="9" name="Graphic 8" descr="Close with solid fill">
-            <a:extLst>
-              <a:ext uri="{FF2B5EF4-FFF2-40B4-BE49-F238E27FC236}">
-                <a16:creationId xmlns:a16="http://schemas.microsoft.com/office/drawing/2014/main" id="{75C42593-F22D-4E88-8510-9E133BFFDBF7}"/>
+          <p:cNvPr id="7" name="Picture 6" descr="Chart, line chart&#10;&#10;Description automatically generated">
+            <a:extLst>
+              <a:ext uri="{FF2B5EF4-FFF2-40B4-BE49-F238E27FC236}">
+                <a16:creationId xmlns:a16="http://schemas.microsoft.com/office/drawing/2014/main" id="{9648DAD2-A99A-4E06-9548-174A82C6A422}"/>
+              </a:ext>
+            </a:extLst>
+          </p:cNvPr>
+          <p:cNvPicPr>
+            <a:picLocks noChangeAspect="1"/>
+          </p:cNvPicPr>
+          <p:nvPr/>
+        </p:nvPicPr>
+        <p:blipFill>
+          <a:blip r:embed="rId2"/>
+          <a:stretch>
+            <a:fillRect/>
+          </a:stretch>
+        </p:blipFill>
+        <p:spPr>
+          <a:xfrm>
+            <a:off x="801959" y="2742397"/>
+            <a:ext cx="4652778" cy="3291840"/>
+          </a:xfrm>
+          <a:prstGeom prst="rect">
+            <a:avLst/>
+          </a:prstGeom>
+        </p:spPr>
+      </p:pic>
+      <p:sp>
+        <p:nvSpPr>
+          <p:cNvPr id="16" name="Rounded Rectangle 16">
+            <a:extLst>
+              <a:ext uri="{FF2B5EF4-FFF2-40B4-BE49-F238E27FC236}">
+                <a16:creationId xmlns:a16="http://schemas.microsoft.com/office/drawing/2014/main" id="{61F6E425-22AB-4DA2-8FAC-58ADB58EF6C3}"/>
+              </a:ext>
+              <a:ext uri="{C183D7F6-B498-43B3-948B-1728B52AA6E4}">
+                <adec:decorative xmlns:adec="http://schemas.microsoft.com/office/drawing/2017/decorative" val="1"/>
+              </a:ext>
+            </a:extLst>
+          </p:cNvPr>
+          <p:cNvSpPr>
+            <a:spLocks noGrp="1" noRot="1" noChangeAspect="1" noMove="1" noResize="1" noEditPoints="1" noAdjustHandles="1" noChangeArrowheads="1" noChangeShapeType="1" noTextEdit="1"/>
+          </p:cNvSpPr>
+          <p:nvPr>
+            <p:extLst>
+              <p:ext uri="{386F3935-93C4-4BCD-93E2-E3B085C9AB24}">
+                <p16:designElem xmlns:p16="http://schemas.microsoft.com/office/powerpoint/2015/main" val="1"/>
+              </p:ext>
+            </p:extLst>
+          </p:nvPr>
+        </p:nvSpPr>
+        <p:spPr>
+          <a:xfrm>
+            <a:off x="6254749" y="2423160"/>
+            <a:ext cx="5613569" cy="3930315"/>
+          </a:xfrm>
+          <a:prstGeom prst="roundRect">
+            <a:avLst>
+              <a:gd name="adj" fmla="val 0"/>
+            </a:avLst>
+          </a:prstGeom>
+          <a:solidFill>
+            <a:srgbClr val="FFFFFF"/>
+          </a:solidFill>
+          <a:ln w="9525">
+            <a:solidFill>
+              <a:srgbClr val="C8CACA"/>
+            </a:solidFill>
+          </a:ln>
+          <a:effectLst>
+            <a:outerShdw blurRad="57150" dist="19050" dir="5400000" algn="t" rotWithShape="0">
+              <a:prstClr val="black">
+                <a:alpha val="63000"/>
+              </a:prstClr>
+            </a:outerShdw>
+          </a:effectLst>
+        </p:spPr>
+        <p:style>
+          <a:lnRef idx="2">
+            <a:schemeClr val="accent1">
+              <a:shade val="50000"/>
+            </a:schemeClr>
+          </a:lnRef>
+          <a:fillRef idx="1">
+            <a:schemeClr val="accent1"/>
+          </a:fillRef>
+          <a:effectRef idx="0">
+            <a:schemeClr val="accent1"/>
+          </a:effectRef>
+          <a:fontRef idx="minor">
+            <a:schemeClr val="lt1"/>
+          </a:fontRef>
+        </p:style>
+        <p:txBody>
+          <a:bodyPr rtlCol="0" anchor="ctr"/>
+          <a:lstStyle/>
+          <a:p>
+            <a:pPr algn="ctr"/>
+            <a:endParaRPr lang="en-US"/>
+          </a:p>
+        </p:txBody>
+      </p:sp>
+      <p:pic>
+        <p:nvPicPr>
+          <p:cNvPr id="5" name="Picture 4" descr="Chart, line chart&#10;&#10;Description automatically generated">
+            <a:extLst>
+              <a:ext uri="{FF2B5EF4-FFF2-40B4-BE49-F238E27FC236}">
+                <a16:creationId xmlns:a16="http://schemas.microsoft.com/office/drawing/2014/main" id="{722812DA-18D1-408C-AA6D-00603097DBBA}"/>
+              </a:ext>
+            </a:extLst>
+          </p:cNvPr>
+          <p:cNvPicPr>
+            <a:picLocks noChangeAspect="1"/>
+          </p:cNvPicPr>
+          <p:nvPr/>
+        </p:nvPicPr>
+        <p:blipFill>
+          <a:blip r:embed="rId3"/>
+          <a:stretch>
+            <a:fillRect/>
+          </a:stretch>
+        </p:blipFill>
+        <p:spPr>
+          <a:xfrm>
+            <a:off x="6720706" y="2742397"/>
+            <a:ext cx="4685892" cy="3291840"/>
+          </a:xfrm>
+          <a:prstGeom prst="rect">
+            <a:avLst/>
+          </a:prstGeom>
+        </p:spPr>
+      </p:pic>
+    </p:spTree>
+    <p:extLst>
+      <p:ext uri="{BB962C8B-B14F-4D97-AF65-F5344CB8AC3E}">
+        <p14:creationId xmlns:p14="http://schemas.microsoft.com/office/powerpoint/2010/main" val="1499934009"/>
+      </p:ext>
+    </p:extLst>
+  </p:cSld>
+  <p:clrMapOvr>
+    <a:masterClrMapping/>
+  </p:clrMapOvr>
+</p:sld>
+</file>
+
+<file path=ppt/slides/slide2.xml><?xml version="1.0" encoding="utf-8"?>
+<p:sld xmlns:a="http://schemas.openxmlformats.org/drawingml/2006/main" xmlns:r="http://schemas.openxmlformats.org/officeDocument/2006/relationships" xmlns:p="http://schemas.openxmlformats.org/presentationml/2006/main">
+  <p:cSld>
+    <p:spTree>
+      <p:nvGrpSpPr>
+        <p:cNvPr id="1" name=""/>
+        <p:cNvGrpSpPr/>
+        <p:nvPr/>
+      </p:nvGrpSpPr>
+      <p:grpSpPr>
+        <a:xfrm>
+          <a:off x="0" y="0"/>
+          <a:ext cx="0" cy="0"/>
+          <a:chOff x="0" y="0"/>
+          <a:chExt cx="0" cy="0"/>
+        </a:xfrm>
+      </p:grpSpPr>
+      <p:sp>
+        <p:nvSpPr>
+          <p:cNvPr id="2" name="Title 1">
+            <a:extLst>
+              <a:ext uri="{FF2B5EF4-FFF2-40B4-BE49-F238E27FC236}">
+                <a16:creationId xmlns:a16="http://schemas.microsoft.com/office/drawing/2014/main" id="{2CA6C278-B211-478B-B3EC-52DB9D4C9365}"/>
+              </a:ext>
+            </a:extLst>
+          </p:cNvPr>
+          <p:cNvSpPr>
+            <a:spLocks noGrp="1"/>
+          </p:cNvSpPr>
+          <p:nvPr>
+            <p:ph type="title"/>
+          </p:nvPr>
+        </p:nvSpPr>
+        <p:spPr/>
+        <p:txBody>
+          <a:bodyPr/>
+          <a:lstStyle/>
+          <a:p>
+            <a:r>
+              <a:rPr lang="en-US" dirty="0"/>
+              <a:t>Executive Summary </a:t>
+            </a:r>
+          </a:p>
+        </p:txBody>
+      </p:sp>
+      <p:sp>
+        <p:nvSpPr>
+          <p:cNvPr id="3" name="Content Placeholder 2">
+            <a:extLst>
+              <a:ext uri="{FF2B5EF4-FFF2-40B4-BE49-F238E27FC236}">
+                <a16:creationId xmlns:a16="http://schemas.microsoft.com/office/drawing/2014/main" id="{90F1063B-5013-4165-A902-02E13DEEDEB8}"/>
+              </a:ext>
+            </a:extLst>
+          </p:cNvPr>
+          <p:cNvSpPr>
+            <a:spLocks noGrp="1"/>
+          </p:cNvSpPr>
+          <p:nvPr>
+            <p:ph idx="1"/>
+          </p:nvPr>
+        </p:nvSpPr>
+        <p:spPr>
+          <a:xfrm>
+            <a:off x="733796" y="1024891"/>
+            <a:ext cx="10724408" cy="5184716"/>
+          </a:xfrm>
+        </p:spPr>
+        <p:txBody>
+          <a:bodyPr>
+            <a:normAutofit/>
+          </a:bodyPr>
+          <a:lstStyle/>
+          <a:p>
+            <a:r>
+              <a:rPr lang="en-US" sz="2400" dirty="0"/>
+              <a:t>Missing salary data was generated using a linear regression model</a:t>
+            </a:r>
+          </a:p>
+          <a:p>
+            <a:endParaRPr lang="en-US" sz="2400" dirty="0"/>
+          </a:p>
+          <a:p>
+            <a:r>
+              <a:rPr lang="en-US" sz="2400" dirty="0"/>
+              <a:t>Common profile with attrition is young, early career, single with overtime</a:t>
+            </a:r>
+          </a:p>
+          <a:p>
+            <a:endParaRPr lang="en-US" sz="2400" dirty="0"/>
+          </a:p>
+          <a:p>
+            <a:r>
+              <a:rPr lang="en-US" sz="2400" dirty="0"/>
+              <a:t>Three attributes to focus on: Job Level, Overtime, Stock Options </a:t>
+            </a:r>
+          </a:p>
+          <a:p>
+            <a:endParaRPr lang="en-US" sz="2400" dirty="0"/>
+          </a:p>
+          <a:p>
+            <a:r>
+              <a:rPr lang="en-US" sz="2400" dirty="0"/>
+              <a:t>Random Forest was the optimal Model for predicting Attrition</a:t>
+            </a:r>
+          </a:p>
+          <a:p>
+            <a:endParaRPr lang="en-US" sz="2400" dirty="0"/>
+          </a:p>
+          <a:p>
+            <a:r>
+              <a:rPr lang="en-US" sz="2400" dirty="0"/>
+              <a:t>Identified 4 employees that are predicted to have attrition </a:t>
+            </a:r>
+          </a:p>
+        </p:txBody>
+      </p:sp>
+    </p:spTree>
+    <p:extLst>
+      <p:ext uri="{BB962C8B-B14F-4D97-AF65-F5344CB8AC3E}">
+        <p14:creationId xmlns:p14="http://schemas.microsoft.com/office/powerpoint/2010/main" val="2381646238"/>
+      </p:ext>
+    </p:extLst>
+  </p:cSld>
+  <p:clrMapOvr>
+    <a:masterClrMapping/>
+  </p:clrMapOvr>
+</p:sld>
+</file>
+
+<file path=ppt/slides/slide20.xml><?xml version="1.0" encoding="utf-8"?>
+<p:sld xmlns:a="http://schemas.openxmlformats.org/drawingml/2006/main" xmlns:r="http://schemas.openxmlformats.org/officeDocument/2006/relationships" xmlns:p="http://schemas.openxmlformats.org/presentationml/2006/main">
+  <p:cSld>
+    <p:spTree>
+      <p:nvGrpSpPr>
+        <p:cNvPr id="1" name=""/>
+        <p:cNvGrpSpPr/>
+        <p:nvPr/>
+      </p:nvGrpSpPr>
+      <p:grpSpPr>
+        <a:xfrm>
+          <a:off x="0" y="0"/>
+          <a:ext cx="0" cy="0"/>
+          <a:chOff x="0" y="0"/>
+          <a:chExt cx="0" cy="0"/>
+        </a:xfrm>
+      </p:grpSpPr>
+      <p:sp>
+        <p:nvSpPr>
+          <p:cNvPr id="2" name="Title 1">
+            <a:extLst>
+              <a:ext uri="{FF2B5EF4-FFF2-40B4-BE49-F238E27FC236}">
+                <a16:creationId xmlns:a16="http://schemas.microsoft.com/office/drawing/2014/main" id="{D4A5888F-44C7-4B3A-BA71-2AFC73296244}"/>
+              </a:ext>
+            </a:extLst>
+          </p:cNvPr>
+          <p:cNvSpPr>
+            <a:spLocks noGrp="1"/>
+          </p:cNvSpPr>
+          <p:nvPr>
+            <p:ph type="title"/>
+          </p:nvPr>
+        </p:nvSpPr>
+        <p:spPr>
+          <a:xfrm>
+            <a:off x="838200" y="665797"/>
+            <a:ext cx="10425157" cy="3983115"/>
+          </a:xfrm>
+        </p:spPr>
+        <p:txBody>
+          <a:bodyPr/>
+          <a:lstStyle/>
+          <a:p>
+            <a:pPr algn="ctr"/>
+            <a:r>
+              <a:rPr lang="en-US" dirty="0"/>
+              <a:t>Thank You!</a:t>
+            </a:r>
+          </a:p>
+        </p:txBody>
+      </p:sp>
+    </p:spTree>
+    <p:extLst>
+      <p:ext uri="{BB962C8B-B14F-4D97-AF65-F5344CB8AC3E}">
+        <p14:creationId xmlns:p14="http://schemas.microsoft.com/office/powerpoint/2010/main" val="2742553286"/>
+      </p:ext>
+    </p:extLst>
+  </p:cSld>
+  <p:clrMapOvr>
+    <a:masterClrMapping/>
+  </p:clrMapOvr>
+</p:sld>
+</file>
+
+<file path=ppt/slides/slide3.xml><?xml version="1.0" encoding="utf-8"?>
+<p:sld xmlns:a="http://schemas.openxmlformats.org/drawingml/2006/main" xmlns:r="http://schemas.openxmlformats.org/officeDocument/2006/relationships" xmlns:p="http://schemas.openxmlformats.org/presentationml/2006/main">
+  <p:cSld>
+    <p:spTree>
+      <p:nvGrpSpPr>
+        <p:cNvPr id="1" name=""/>
+        <p:cNvGrpSpPr/>
+        <p:nvPr/>
+      </p:nvGrpSpPr>
+      <p:grpSpPr>
+        <a:xfrm>
+          <a:off x="0" y="0"/>
+          <a:ext cx="0" cy="0"/>
+          <a:chOff x="0" y="0"/>
+          <a:chExt cx="0" cy="0"/>
+        </a:xfrm>
+      </p:grpSpPr>
+      <p:sp>
+        <p:nvSpPr>
+          <p:cNvPr id="2" name="Title 1">
+            <a:extLst>
+              <a:ext uri="{FF2B5EF4-FFF2-40B4-BE49-F238E27FC236}">
+                <a16:creationId xmlns:a16="http://schemas.microsoft.com/office/drawing/2014/main" id="{89D4EE30-10BE-401E-A58E-CEAFD8E71705}"/>
+              </a:ext>
+            </a:extLst>
+          </p:cNvPr>
+          <p:cNvSpPr>
+            <a:spLocks noGrp="1"/>
+          </p:cNvSpPr>
+          <p:nvPr>
+            <p:ph type="title"/>
+          </p:nvPr>
+        </p:nvSpPr>
+        <p:spPr/>
+        <p:txBody>
+          <a:bodyPr>
+            <a:normAutofit/>
+          </a:bodyPr>
+          <a:lstStyle/>
+          <a:p>
+            <a:r>
+              <a:rPr lang="en-US" dirty="0"/>
+              <a:t>Calculating Salary</a:t>
+            </a:r>
+          </a:p>
+        </p:txBody>
+      </p:sp>
+      <p:sp>
+        <p:nvSpPr>
+          <p:cNvPr id="3" name="Content Placeholder 2">
+            <a:extLst>
+              <a:ext uri="{FF2B5EF4-FFF2-40B4-BE49-F238E27FC236}">
+                <a16:creationId xmlns:a16="http://schemas.microsoft.com/office/drawing/2014/main" id="{81A48FCF-AC7B-488F-8796-F91BC30DA99F}"/>
+              </a:ext>
+            </a:extLst>
+          </p:cNvPr>
+          <p:cNvSpPr>
+            <a:spLocks noGrp="1"/>
+          </p:cNvSpPr>
+          <p:nvPr>
+            <p:ph idx="1"/>
+          </p:nvPr>
+        </p:nvSpPr>
+        <p:spPr>
+          <a:xfrm>
+            <a:off x="838200" y="1024891"/>
+            <a:ext cx="6050280" cy="5184716"/>
+          </a:xfrm>
+        </p:spPr>
+        <p:txBody>
+          <a:bodyPr>
+            <a:normAutofit/>
+          </a:bodyPr>
+          <a:lstStyle/>
+          <a:p>
+            <a:pPr marL="0" indent="0">
+              <a:buNone/>
+            </a:pPr>
+            <a:r>
+              <a:rPr lang="en-US" sz="2400" dirty="0"/>
+              <a:t>Missing Data</a:t>
+            </a:r>
+          </a:p>
+          <a:p>
+            <a:r>
+              <a:rPr lang="en-US" sz="1800" dirty="0"/>
+              <a:t>Part of the data set provided had </a:t>
+            </a:r>
+            <a:r>
+              <a:rPr lang="en-US" sz="1800" b="1" dirty="0"/>
+              <a:t>no salary information </a:t>
+            </a:r>
+          </a:p>
+          <a:p>
+            <a:endParaRPr lang="en-US" sz="1800" dirty="0"/>
+          </a:p>
+          <a:p>
+            <a:endParaRPr lang="en-US" sz="1800" dirty="0"/>
+          </a:p>
+          <a:p>
+            <a:pPr marL="0" indent="0">
+              <a:buNone/>
+            </a:pPr>
+            <a:r>
+              <a:rPr lang="en-US" sz="2400" dirty="0"/>
+              <a:t>Solution</a:t>
+            </a:r>
+          </a:p>
+          <a:p>
+            <a:r>
+              <a:rPr lang="en-US" sz="1800" dirty="0"/>
+              <a:t>Used </a:t>
+            </a:r>
+            <a:r>
+              <a:rPr lang="en-US" sz="1800" b="1" dirty="0"/>
+              <a:t>Linear Regression </a:t>
+            </a:r>
+            <a:r>
+              <a:rPr lang="en-US" sz="1800" dirty="0"/>
+              <a:t>to fill in the missing data </a:t>
+            </a:r>
+          </a:p>
+          <a:p>
+            <a:r>
+              <a:rPr lang="en-US" sz="1800" dirty="0"/>
+              <a:t>Used the highest correlating variables to define my function</a:t>
+            </a:r>
+          </a:p>
+          <a:p>
+            <a:pPr marL="0" indent="0">
+              <a:buNone/>
+            </a:pPr>
+            <a:endParaRPr lang="en-US" sz="1400" dirty="0"/>
+          </a:p>
+          <a:p>
+            <a:pPr marL="0" indent="0">
+              <a:buNone/>
+            </a:pPr>
+            <a:endParaRPr lang="en-US" sz="1400" dirty="0"/>
+          </a:p>
+          <a:p>
+            <a:pPr marL="0" indent="0">
+              <a:buNone/>
+            </a:pPr>
+            <a:r>
+              <a:rPr lang="en-US" sz="2400" dirty="0"/>
+              <a:t>Results</a:t>
+            </a:r>
+          </a:p>
+          <a:p>
+            <a:r>
+              <a:rPr lang="en-US" sz="1800" b="1" dirty="0"/>
+              <a:t>7% Median </a:t>
+            </a:r>
+            <a:r>
+              <a:rPr lang="en-US" sz="1800" dirty="0"/>
+              <a:t>and </a:t>
+            </a:r>
+            <a:r>
+              <a:rPr lang="en-US" sz="1800" b="1" dirty="0"/>
+              <a:t>9.8% Mean </a:t>
+            </a:r>
+            <a:r>
+              <a:rPr lang="en-US" sz="1800" dirty="0"/>
+              <a:t>difference of generated salary data as compared to the test data</a:t>
+            </a:r>
+          </a:p>
+          <a:p>
+            <a:r>
+              <a:rPr lang="en-US" sz="1800" b="1" dirty="0"/>
+              <a:t>RMSE</a:t>
+            </a:r>
+            <a:r>
+              <a:rPr lang="en-US" sz="1800" dirty="0"/>
+              <a:t> of $</a:t>
+            </a:r>
+            <a:r>
+              <a:rPr lang="en-US" sz="1800" b="1" dirty="0"/>
+              <a:t>1,376.95</a:t>
+            </a:r>
+          </a:p>
+        </p:txBody>
+      </p:sp>
+      <p:pic>
+        <p:nvPicPr>
+          <p:cNvPr id="5" name="Picture 4">
+            <a:extLst>
+              <a:ext uri="{FF2B5EF4-FFF2-40B4-BE49-F238E27FC236}">
+                <a16:creationId xmlns:a16="http://schemas.microsoft.com/office/drawing/2014/main" id="{E2F3D118-9E8D-4AA5-996F-05B1ED40A03D}"/>
+              </a:ext>
+            </a:extLst>
+          </p:cNvPr>
+          <p:cNvPicPr>
+            <a:picLocks noChangeAspect="1"/>
+          </p:cNvPicPr>
+          <p:nvPr/>
+        </p:nvPicPr>
+        <p:blipFill>
+          <a:blip r:embed="rId2"/>
+          <a:stretch>
+            <a:fillRect/>
+          </a:stretch>
+        </p:blipFill>
+        <p:spPr>
+          <a:xfrm>
+            <a:off x="7089354" y="1192876"/>
+            <a:ext cx="4572033" cy="4472247"/>
+          </a:xfrm>
+          <a:prstGeom prst="rect">
+            <a:avLst/>
+          </a:prstGeom>
+        </p:spPr>
+      </p:pic>
+    </p:spTree>
+    <p:extLst>
+      <p:ext uri="{BB962C8B-B14F-4D97-AF65-F5344CB8AC3E}">
+        <p14:creationId xmlns:p14="http://schemas.microsoft.com/office/powerpoint/2010/main" val="1334244964"/>
+      </p:ext>
+    </p:extLst>
+  </p:cSld>
+  <p:clrMapOvr>
+    <a:masterClrMapping/>
+  </p:clrMapOvr>
+</p:sld>
+</file>
+
+<file path=ppt/slides/slide4.xml><?xml version="1.0" encoding="utf-8"?>
+<p:sld xmlns:a="http://schemas.openxmlformats.org/drawingml/2006/main" xmlns:r="http://schemas.openxmlformats.org/officeDocument/2006/relationships" xmlns:p="http://schemas.openxmlformats.org/presentationml/2006/main">
+  <p:cSld>
+    <p:spTree>
+      <p:nvGrpSpPr>
+        <p:cNvPr id="1" name=""/>
+        <p:cNvGrpSpPr/>
+        <p:nvPr/>
+      </p:nvGrpSpPr>
+      <p:grpSpPr>
+        <a:xfrm>
+          <a:off x="0" y="0"/>
+          <a:ext cx="0" cy="0"/>
+          <a:chOff x="0" y="0"/>
+          <a:chExt cx="0" cy="0"/>
+        </a:xfrm>
+      </p:grpSpPr>
+      <p:sp>
+        <p:nvSpPr>
+          <p:cNvPr id="2" name="Title 1">
+            <a:extLst>
+              <a:ext uri="{FF2B5EF4-FFF2-40B4-BE49-F238E27FC236}">
+                <a16:creationId xmlns:a16="http://schemas.microsoft.com/office/drawing/2014/main" id="{D4A5888F-44C7-4B3A-BA71-2AFC73296244}"/>
+              </a:ext>
+            </a:extLst>
+          </p:cNvPr>
+          <p:cNvSpPr>
+            <a:spLocks noGrp="1"/>
+          </p:cNvSpPr>
+          <p:nvPr>
+            <p:ph type="title"/>
+          </p:nvPr>
+        </p:nvSpPr>
+        <p:spPr>
+          <a:xfrm>
+            <a:off x="838200" y="665797"/>
+            <a:ext cx="10425157" cy="3983115"/>
+          </a:xfrm>
+        </p:spPr>
+        <p:txBody>
+          <a:bodyPr/>
+          <a:lstStyle/>
+          <a:p>
+            <a:pPr algn="ctr"/>
+            <a:r>
+              <a:rPr lang="en-US" dirty="0"/>
+              <a:t>Common Trends Related to Attrition</a:t>
+            </a:r>
+          </a:p>
+        </p:txBody>
+      </p:sp>
+    </p:spTree>
+    <p:extLst>
+      <p:ext uri="{BB962C8B-B14F-4D97-AF65-F5344CB8AC3E}">
+        <p14:creationId xmlns:p14="http://schemas.microsoft.com/office/powerpoint/2010/main" val="323067186"/>
+      </p:ext>
+    </p:extLst>
+  </p:cSld>
+  <p:clrMapOvr>
+    <a:masterClrMapping/>
+  </p:clrMapOvr>
+</p:sld>
+</file>
+
+<file path=ppt/slides/slide5.xml><?xml version="1.0" encoding="utf-8"?>
+<p:sld xmlns:a="http://schemas.openxmlformats.org/drawingml/2006/main" xmlns:r="http://schemas.openxmlformats.org/officeDocument/2006/relationships" xmlns:p="http://schemas.openxmlformats.org/presentationml/2006/main">
+  <p:cSld>
+    <p:spTree>
+      <p:nvGrpSpPr>
+        <p:cNvPr id="1" name=""/>
+        <p:cNvGrpSpPr/>
+        <p:nvPr/>
+      </p:nvGrpSpPr>
+      <p:grpSpPr>
+        <a:xfrm>
+          <a:off x="0" y="0"/>
+          <a:ext cx="0" cy="0"/>
+          <a:chOff x="0" y="0"/>
+          <a:chExt cx="0" cy="0"/>
+        </a:xfrm>
+      </p:grpSpPr>
+      <p:sp>
+        <p:nvSpPr>
+          <p:cNvPr id="2" name="Title 1">
+            <a:extLst>
+              <a:ext uri="{FF2B5EF4-FFF2-40B4-BE49-F238E27FC236}">
+                <a16:creationId xmlns:a16="http://schemas.microsoft.com/office/drawing/2014/main" id="{2285CF61-E7FF-430D-AB39-64B5C30ED7DA}"/>
+              </a:ext>
+            </a:extLst>
+          </p:cNvPr>
+          <p:cNvSpPr>
+            <a:spLocks noGrp="1"/>
+          </p:cNvSpPr>
+          <p:nvPr>
+            <p:ph type="title"/>
+          </p:nvPr>
+        </p:nvSpPr>
+        <p:spPr/>
+        <p:txBody>
+          <a:bodyPr>
+            <a:normAutofit fontScale="90000"/>
+          </a:bodyPr>
+          <a:lstStyle/>
+          <a:p>
+            <a:r>
+              <a:rPr lang="en-US" dirty="0"/>
+              <a:t>Initial Discovery / Common Trends (1/2)</a:t>
+            </a:r>
+          </a:p>
+        </p:txBody>
+      </p:sp>
+      <p:pic>
+        <p:nvPicPr>
+          <p:cNvPr id="5" name="Picture 4">
+            <a:extLst>
+              <a:ext uri="{FF2B5EF4-FFF2-40B4-BE49-F238E27FC236}">
+                <a16:creationId xmlns:a16="http://schemas.microsoft.com/office/drawing/2014/main" id="{D07DCD95-F5FC-4553-9C49-AA3720609522}"/>
+              </a:ext>
+            </a:extLst>
+          </p:cNvPr>
+          <p:cNvPicPr>
+            <a:picLocks noChangeAspect="1"/>
+          </p:cNvPicPr>
+          <p:nvPr/>
+        </p:nvPicPr>
+        <p:blipFill>
+          <a:blip r:embed="rId2"/>
+          <a:stretch>
+            <a:fillRect/>
+          </a:stretch>
+        </p:blipFill>
+        <p:spPr>
+          <a:xfrm>
+            <a:off x="184023" y="1039368"/>
+            <a:ext cx="3766185" cy="2654580"/>
+          </a:xfrm>
+          <a:prstGeom prst="rect">
+            <a:avLst/>
+          </a:prstGeom>
+        </p:spPr>
+      </p:pic>
+      <p:pic>
+        <p:nvPicPr>
+          <p:cNvPr id="9" name="Picture 8">
+            <a:extLst>
+              <a:ext uri="{FF2B5EF4-FFF2-40B4-BE49-F238E27FC236}">
+                <a16:creationId xmlns:a16="http://schemas.microsoft.com/office/drawing/2014/main" id="{29793C7B-673D-4EE2-81AB-E30117518B97}"/>
+              </a:ext>
+            </a:extLst>
+          </p:cNvPr>
+          <p:cNvPicPr>
+            <a:picLocks noChangeAspect="1"/>
+          </p:cNvPicPr>
+          <p:nvPr/>
+        </p:nvPicPr>
+        <p:blipFill>
+          <a:blip r:embed="rId3"/>
+          <a:stretch>
+            <a:fillRect/>
+          </a:stretch>
+        </p:blipFill>
+        <p:spPr>
+          <a:xfrm>
+            <a:off x="3950208" y="1039368"/>
+            <a:ext cx="3766185" cy="2666326"/>
+          </a:xfrm>
+          <a:prstGeom prst="rect">
+            <a:avLst/>
+          </a:prstGeom>
+        </p:spPr>
+      </p:pic>
+      <p:pic>
+        <p:nvPicPr>
+          <p:cNvPr id="11" name="Picture 10">
+            <a:extLst>
+              <a:ext uri="{FF2B5EF4-FFF2-40B4-BE49-F238E27FC236}">
+                <a16:creationId xmlns:a16="http://schemas.microsoft.com/office/drawing/2014/main" id="{4797D163-89E7-4AD9-95B9-E9BE37B5D367}"/>
+              </a:ext>
+            </a:extLst>
+          </p:cNvPr>
+          <p:cNvPicPr>
+            <a:picLocks noChangeAspect="1"/>
+          </p:cNvPicPr>
+          <p:nvPr/>
+        </p:nvPicPr>
+        <p:blipFill>
+          <a:blip r:embed="rId4"/>
+          <a:stretch>
+            <a:fillRect/>
+          </a:stretch>
+        </p:blipFill>
+        <p:spPr>
+          <a:xfrm>
+            <a:off x="7716393" y="1039368"/>
+            <a:ext cx="4357366" cy="2971800"/>
+          </a:xfrm>
+          <a:prstGeom prst="rect">
+            <a:avLst/>
+          </a:prstGeom>
+        </p:spPr>
+      </p:pic>
+      <p:cxnSp>
+        <p:nvCxnSpPr>
+          <p:cNvPr id="13" name="Straight Connector 12">
+            <a:extLst>
+              <a:ext uri="{FF2B5EF4-FFF2-40B4-BE49-F238E27FC236}">
+                <a16:creationId xmlns:a16="http://schemas.microsoft.com/office/drawing/2014/main" id="{13F7209D-D9EB-4942-AFBA-BCF97B66A8A4}"/>
+              </a:ext>
+            </a:extLst>
+          </p:cNvPr>
+          <p:cNvCxnSpPr/>
+          <p:nvPr/>
+        </p:nvCxnSpPr>
+        <p:spPr>
+          <a:xfrm>
+            <a:off x="3645408" y="3693948"/>
+            <a:ext cx="0" cy="2877540"/>
+          </a:xfrm>
+          <a:prstGeom prst="line">
+            <a:avLst/>
+          </a:prstGeom>
+        </p:spPr>
+        <p:style>
+          <a:lnRef idx="1">
+            <a:schemeClr val="dk1"/>
+          </a:lnRef>
+          <a:fillRef idx="0">
+            <a:schemeClr val="dk1"/>
+          </a:fillRef>
+          <a:effectRef idx="0">
+            <a:schemeClr val="dk1"/>
+          </a:effectRef>
+          <a:fontRef idx="minor">
+            <a:schemeClr val="tx1"/>
+          </a:fontRef>
+        </p:style>
+      </p:cxnSp>
+      <p:cxnSp>
+        <p:nvCxnSpPr>
+          <p:cNvPr id="14" name="Straight Connector 13">
+            <a:extLst>
+              <a:ext uri="{FF2B5EF4-FFF2-40B4-BE49-F238E27FC236}">
+                <a16:creationId xmlns:a16="http://schemas.microsoft.com/office/drawing/2014/main" id="{27727402-4491-4B27-AD23-2FBB7B9AA6E6}"/>
+              </a:ext>
+            </a:extLst>
+          </p:cNvPr>
+          <p:cNvCxnSpPr/>
+          <p:nvPr/>
+        </p:nvCxnSpPr>
+        <p:spPr>
+          <a:xfrm>
+            <a:off x="7685913" y="3693948"/>
+            <a:ext cx="0" cy="2877540"/>
+          </a:xfrm>
+          <a:prstGeom prst="line">
+            <a:avLst/>
+          </a:prstGeom>
+        </p:spPr>
+        <p:style>
+          <a:lnRef idx="1">
+            <a:schemeClr val="dk1"/>
+          </a:lnRef>
+          <a:fillRef idx="0">
+            <a:schemeClr val="dk1"/>
+          </a:fillRef>
+          <a:effectRef idx="0">
+            <a:schemeClr val="dk1"/>
+          </a:effectRef>
+          <a:fontRef idx="minor">
+            <a:schemeClr val="tx1"/>
+          </a:fontRef>
+        </p:style>
+      </p:cxnSp>
+      <p:sp>
+        <p:nvSpPr>
+          <p:cNvPr id="19" name="TextBox 18">
+            <a:extLst>
+              <a:ext uri="{FF2B5EF4-FFF2-40B4-BE49-F238E27FC236}">
+                <a16:creationId xmlns:a16="http://schemas.microsoft.com/office/drawing/2014/main" id="{B3A9370F-A718-4AFF-BDB1-CCDF89109404}"/>
+              </a:ext>
+            </a:extLst>
+          </p:cNvPr>
+          <p:cNvSpPr txBox="1"/>
+          <p:nvPr/>
+        </p:nvSpPr>
+        <p:spPr>
+          <a:xfrm>
+            <a:off x="184023" y="4011168"/>
+            <a:ext cx="3156578" cy="1723549"/>
+          </a:xfrm>
+          <a:prstGeom prst="rect">
+            <a:avLst/>
+          </a:prstGeom>
+          <a:noFill/>
+        </p:spPr>
+        <p:txBody>
+          <a:bodyPr wrap="square" rtlCol="0">
+            <a:spAutoFit/>
+          </a:bodyPr>
+          <a:lstStyle/>
+          <a:p>
+            <a:r>
+              <a:rPr lang="en-US" u="sng" dirty="0">
+                <a:latin typeface="Times New Roman" panose="02020603050405020304" pitchFamily="18" charset="0"/>
+                <a:cs typeface="Times New Roman" panose="02020603050405020304" pitchFamily="18" charset="0"/>
+              </a:rPr>
+              <a:t>Age</a:t>
+            </a:r>
+          </a:p>
+          <a:p>
+            <a:endParaRPr lang="en-US" u="sng" dirty="0">
+              <a:latin typeface="Times New Roman" panose="02020603050405020304" pitchFamily="18" charset="0"/>
+              <a:cs typeface="Times New Roman" panose="02020603050405020304" pitchFamily="18" charset="0"/>
+            </a:endParaRPr>
+          </a:p>
+          <a:p>
+            <a:pPr marL="285750" indent="-285750">
+              <a:buFont typeface="Arial" panose="020B0604020202020204" pitchFamily="34" charset="0"/>
+              <a:buChar char="•"/>
+            </a:pPr>
+            <a:r>
+              <a:rPr lang="en-US" sz="1400" dirty="0">
+                <a:latin typeface="Times New Roman" panose="02020603050405020304" pitchFamily="18" charset="0"/>
+                <a:cs typeface="Times New Roman" panose="02020603050405020304" pitchFamily="18" charset="0"/>
+              </a:rPr>
+              <a:t>Mean</a:t>
+            </a:r>
+          </a:p>
+          <a:p>
+            <a:pPr marL="742950" lvl="1" indent="-285750">
+              <a:buFont typeface="Arial" panose="020B0604020202020204" pitchFamily="34" charset="0"/>
+              <a:buChar char="•"/>
+            </a:pPr>
+            <a:r>
+              <a:rPr lang="en-US" sz="1400" dirty="0">
+                <a:latin typeface="Times New Roman" panose="02020603050405020304" pitchFamily="18" charset="0"/>
+                <a:cs typeface="Times New Roman" panose="02020603050405020304" pitchFamily="18" charset="0"/>
+              </a:rPr>
+              <a:t>Attrition: 33.79</a:t>
+            </a:r>
+          </a:p>
+          <a:p>
+            <a:pPr marL="742950" lvl="1" indent="-285750">
+              <a:buFont typeface="Arial" panose="020B0604020202020204" pitchFamily="34" charset="0"/>
+              <a:buChar char="•"/>
+            </a:pPr>
+            <a:r>
+              <a:rPr lang="en-US" sz="1400" dirty="0">
+                <a:latin typeface="Times New Roman" panose="02020603050405020304" pitchFamily="18" charset="0"/>
+                <a:cs typeface="Times New Roman" panose="02020603050405020304" pitchFamily="18" charset="0"/>
+              </a:rPr>
+              <a:t>No Attrition: 37.34</a:t>
+            </a:r>
+          </a:p>
+          <a:p>
+            <a:pPr marL="285750" indent="-285750">
+              <a:buFont typeface="Arial" panose="020B0604020202020204" pitchFamily="34" charset="0"/>
+              <a:buChar char="•"/>
+            </a:pPr>
+            <a:r>
+              <a:rPr lang="en-US" sz="1400" dirty="0">
+                <a:latin typeface="Times New Roman" panose="02020603050405020304" pitchFamily="18" charset="0"/>
+                <a:cs typeface="Times New Roman" panose="02020603050405020304" pitchFamily="18" charset="0"/>
+              </a:rPr>
+              <a:t>The age of employees with attrition is noticeably lower </a:t>
+            </a:r>
+          </a:p>
+        </p:txBody>
+      </p:sp>
+      <p:sp>
+        <p:nvSpPr>
+          <p:cNvPr id="20" name="TextBox 19">
+            <a:extLst>
+              <a:ext uri="{FF2B5EF4-FFF2-40B4-BE49-F238E27FC236}">
+                <a16:creationId xmlns:a16="http://schemas.microsoft.com/office/drawing/2014/main" id="{04683568-7CE8-4135-9EED-E7C650D3B51A}"/>
+              </a:ext>
+            </a:extLst>
+          </p:cNvPr>
+          <p:cNvSpPr txBox="1"/>
+          <p:nvPr/>
+        </p:nvSpPr>
+        <p:spPr>
+          <a:xfrm>
+            <a:off x="4087372" y="4011168"/>
+            <a:ext cx="3156578" cy="1723549"/>
+          </a:xfrm>
+          <a:prstGeom prst="rect">
+            <a:avLst/>
+          </a:prstGeom>
+          <a:noFill/>
+        </p:spPr>
+        <p:txBody>
+          <a:bodyPr wrap="square" rtlCol="0">
+            <a:spAutoFit/>
+          </a:bodyPr>
+          <a:lstStyle/>
+          <a:p>
+            <a:r>
+              <a:rPr lang="en-US" u="sng" dirty="0">
+                <a:latin typeface="Times New Roman" panose="02020603050405020304" pitchFamily="18" charset="0"/>
+                <a:cs typeface="Times New Roman" panose="02020603050405020304" pitchFamily="18" charset="0"/>
+              </a:rPr>
+              <a:t>Job Level</a:t>
+            </a:r>
+          </a:p>
+          <a:p>
+            <a:endParaRPr lang="en-US" u="sng" dirty="0">
+              <a:latin typeface="Times New Roman" panose="02020603050405020304" pitchFamily="18" charset="0"/>
+              <a:cs typeface="Times New Roman" panose="02020603050405020304" pitchFamily="18" charset="0"/>
+            </a:endParaRPr>
+          </a:p>
+          <a:p>
+            <a:pPr marL="285750" indent="-285750">
+              <a:buFont typeface="Arial" panose="020B0604020202020204" pitchFamily="34" charset="0"/>
+              <a:buChar char="•"/>
+            </a:pPr>
+            <a:r>
+              <a:rPr lang="en-US" sz="1400" dirty="0">
+                <a:latin typeface="Times New Roman" panose="02020603050405020304" pitchFamily="18" charset="0"/>
+                <a:cs typeface="Times New Roman" panose="02020603050405020304" pitchFamily="18" charset="0"/>
+              </a:rPr>
+              <a:t>Employees with the highest attrition are level 1 with 26.3% of all level 1’s having attrition</a:t>
+            </a:r>
+          </a:p>
+          <a:p>
+            <a:pPr marL="285750" indent="-285750">
+              <a:buFont typeface="Arial" panose="020B0604020202020204" pitchFamily="34" charset="0"/>
+              <a:buChar char="•"/>
+            </a:pPr>
+            <a:r>
+              <a:rPr lang="en-US" sz="1400" dirty="0">
+                <a:latin typeface="Times New Roman" panose="02020603050405020304" pitchFamily="18" charset="0"/>
+                <a:cs typeface="Times New Roman" panose="02020603050405020304" pitchFamily="18" charset="0"/>
+              </a:rPr>
+              <a:t>The next highest isn’t until level 3 with 13.4%</a:t>
+            </a:r>
+          </a:p>
+        </p:txBody>
+      </p:sp>
+      <p:sp>
+        <p:nvSpPr>
+          <p:cNvPr id="21" name="TextBox 20">
+            <a:extLst>
+              <a:ext uri="{FF2B5EF4-FFF2-40B4-BE49-F238E27FC236}">
+                <a16:creationId xmlns:a16="http://schemas.microsoft.com/office/drawing/2014/main" id="{F9585D2A-C41F-4321-A602-66ADB84310B3}"/>
+              </a:ext>
+            </a:extLst>
+          </p:cNvPr>
+          <p:cNvSpPr txBox="1"/>
+          <p:nvPr/>
+        </p:nvSpPr>
+        <p:spPr>
+          <a:xfrm>
+            <a:off x="8127876" y="4011167"/>
+            <a:ext cx="3156578" cy="1938992"/>
+          </a:xfrm>
+          <a:prstGeom prst="rect">
+            <a:avLst/>
+          </a:prstGeom>
+          <a:noFill/>
+        </p:spPr>
+        <p:txBody>
+          <a:bodyPr wrap="square" rtlCol="0">
+            <a:spAutoFit/>
+          </a:bodyPr>
+          <a:lstStyle/>
+          <a:p>
+            <a:r>
+              <a:rPr lang="en-US" u="sng" dirty="0">
+                <a:latin typeface="Times New Roman" panose="02020603050405020304" pitchFamily="18" charset="0"/>
+                <a:cs typeface="Times New Roman" panose="02020603050405020304" pitchFamily="18" charset="0"/>
+              </a:rPr>
+              <a:t>Job Role</a:t>
+            </a:r>
+          </a:p>
+          <a:p>
+            <a:endParaRPr lang="en-US" u="sng" dirty="0">
+              <a:latin typeface="Times New Roman" panose="02020603050405020304" pitchFamily="18" charset="0"/>
+              <a:cs typeface="Times New Roman" panose="02020603050405020304" pitchFamily="18" charset="0"/>
+            </a:endParaRPr>
+          </a:p>
+          <a:p>
+            <a:pPr marL="285750" indent="-285750">
+              <a:buFont typeface="Arial" panose="020B0604020202020204" pitchFamily="34" charset="0"/>
+              <a:buChar char="•"/>
+            </a:pPr>
+            <a:r>
+              <a:rPr lang="en-US" sz="1400" dirty="0">
+                <a:latin typeface="Times New Roman" panose="02020603050405020304" pitchFamily="18" charset="0"/>
+                <a:cs typeface="Times New Roman" panose="02020603050405020304" pitchFamily="18" charset="0"/>
+              </a:rPr>
+              <a:t>Roles with the highest attrition rate</a:t>
+            </a:r>
+          </a:p>
+          <a:p>
+            <a:pPr marL="742950" lvl="1" indent="-285750">
+              <a:buFont typeface="Arial" panose="020B0604020202020204" pitchFamily="34" charset="0"/>
+              <a:buChar char="•"/>
+            </a:pPr>
+            <a:r>
+              <a:rPr lang="en-US" sz="1400" dirty="0">
+                <a:latin typeface="Times New Roman" panose="02020603050405020304" pitchFamily="18" charset="0"/>
+                <a:cs typeface="Times New Roman" panose="02020603050405020304" pitchFamily="18" charset="0"/>
+              </a:rPr>
+              <a:t>Sales Rep: 41.6%</a:t>
+            </a:r>
+          </a:p>
+          <a:p>
+            <a:pPr marL="742950" lvl="1" indent="-285750">
+              <a:buFont typeface="Arial" panose="020B0604020202020204" pitchFamily="34" charset="0"/>
+              <a:buChar char="•"/>
+            </a:pPr>
+            <a:r>
+              <a:rPr lang="en-US" sz="1400" dirty="0">
+                <a:latin typeface="Times New Roman" panose="02020603050405020304" pitchFamily="18" charset="0"/>
+                <a:cs typeface="Times New Roman" panose="02020603050405020304" pitchFamily="18" charset="0"/>
+              </a:rPr>
+              <a:t>Lab Tech: 22.5%</a:t>
+            </a:r>
+          </a:p>
+          <a:p>
+            <a:pPr marL="742950" lvl="1" indent="-285750">
+              <a:buFont typeface="Arial" panose="020B0604020202020204" pitchFamily="34" charset="0"/>
+              <a:buChar char="•"/>
+            </a:pPr>
+            <a:r>
+              <a:rPr lang="en-US" sz="1400" dirty="0">
+                <a:latin typeface="Times New Roman" panose="02020603050405020304" pitchFamily="18" charset="0"/>
+                <a:cs typeface="Times New Roman" panose="02020603050405020304" pitchFamily="18" charset="0"/>
+              </a:rPr>
+              <a:t>HR: 20.45%</a:t>
+            </a:r>
+          </a:p>
+          <a:p>
+            <a:pPr marL="742950" lvl="1" indent="-285750">
+              <a:buFont typeface="Arial" panose="020B0604020202020204" pitchFamily="34" charset="0"/>
+              <a:buChar char="•"/>
+            </a:pPr>
+            <a:r>
+              <a:rPr lang="en-US" sz="1400" dirty="0">
+                <a:latin typeface="Times New Roman" panose="02020603050405020304" pitchFamily="18" charset="0"/>
+                <a:cs typeface="Times New Roman" panose="02020603050405020304" pitchFamily="18" charset="0"/>
+              </a:rPr>
+              <a:t>Research Scientist: 17.3%</a:t>
+            </a:r>
+          </a:p>
+          <a:p>
+            <a:pPr marL="742950" lvl="1" indent="-285750">
+              <a:buFont typeface="Arial" panose="020B0604020202020204" pitchFamily="34" charset="0"/>
+              <a:buChar char="•"/>
+            </a:pPr>
+            <a:r>
+              <a:rPr lang="en-US" sz="1400" dirty="0">
+                <a:latin typeface="Times New Roman" panose="02020603050405020304" pitchFamily="18" charset="0"/>
+                <a:cs typeface="Times New Roman" panose="02020603050405020304" pitchFamily="18" charset="0"/>
+              </a:rPr>
+              <a:t>Sales Executive: 15.9%</a:t>
+            </a:r>
+          </a:p>
+        </p:txBody>
+      </p:sp>
+    </p:spTree>
+    <p:extLst>
+      <p:ext uri="{BB962C8B-B14F-4D97-AF65-F5344CB8AC3E}">
+        <p14:creationId xmlns:p14="http://schemas.microsoft.com/office/powerpoint/2010/main" val="2444865566"/>
+      </p:ext>
+    </p:extLst>
+  </p:cSld>
+  <p:clrMapOvr>
+    <a:masterClrMapping/>
+  </p:clrMapOvr>
+</p:sld>
+</file>
+
+<file path=ppt/slides/slide6.xml><?xml version="1.0" encoding="utf-8"?>
+<p:sld xmlns:a="http://schemas.openxmlformats.org/drawingml/2006/main" xmlns:r="http://schemas.openxmlformats.org/officeDocument/2006/relationships" xmlns:p="http://schemas.openxmlformats.org/presentationml/2006/main">
+  <p:cSld>
+    <p:spTree>
+      <p:nvGrpSpPr>
+        <p:cNvPr id="1" name=""/>
+        <p:cNvGrpSpPr/>
+        <p:nvPr/>
+      </p:nvGrpSpPr>
+      <p:grpSpPr>
+        <a:xfrm>
+          <a:off x="0" y="0"/>
+          <a:ext cx="0" cy="0"/>
+          <a:chOff x="0" y="0"/>
+          <a:chExt cx="0" cy="0"/>
+        </a:xfrm>
+      </p:grpSpPr>
+      <p:sp>
+        <p:nvSpPr>
+          <p:cNvPr id="2" name="Title 1">
+            <a:extLst>
+              <a:ext uri="{FF2B5EF4-FFF2-40B4-BE49-F238E27FC236}">
+                <a16:creationId xmlns:a16="http://schemas.microsoft.com/office/drawing/2014/main" id="{2285CF61-E7FF-430D-AB39-64B5C30ED7DA}"/>
+              </a:ext>
+            </a:extLst>
+          </p:cNvPr>
+          <p:cNvSpPr>
+            <a:spLocks noGrp="1"/>
+          </p:cNvSpPr>
+          <p:nvPr>
+            <p:ph type="title"/>
+          </p:nvPr>
+        </p:nvSpPr>
+        <p:spPr/>
+        <p:txBody>
+          <a:bodyPr>
+            <a:normAutofit fontScale="90000"/>
+          </a:bodyPr>
+          <a:lstStyle/>
+          <a:p>
+            <a:r>
+              <a:rPr lang="en-US" dirty="0"/>
+              <a:t>Initial Discovery / Common Trends (2/2)</a:t>
+            </a:r>
+          </a:p>
+        </p:txBody>
+      </p:sp>
+      <p:pic>
+        <p:nvPicPr>
+          <p:cNvPr id="5" name="Picture 4">
+            <a:extLst>
+              <a:ext uri="{FF2B5EF4-FFF2-40B4-BE49-F238E27FC236}">
+                <a16:creationId xmlns:a16="http://schemas.microsoft.com/office/drawing/2014/main" id="{D07DCD95-F5FC-4553-9C49-AA3720609522}"/>
               </a:ext>
             </a:extLst>
           </p:cNvPr>
@@ -7009,29 +6819,739 @@
               <a:ext uri="{28A0092B-C50C-407E-A947-70E740481C1C}">
                 <a14:useLocalDpi xmlns:a14="http://schemas.microsoft.com/office/drawing/2010/main" val="0"/>
               </a:ext>
-              <a:ext uri="{96DAC541-7B7A-43D3-8B79-37D633B846F1}">
-                <asvg:svgBlip xmlns:asvg="http://schemas.microsoft.com/office/drawing/2016/SVG/main" r:embed="rId3"/>
-              </a:ext>
             </a:extLst>
           </a:blip>
-          <a:stretch>
-            <a:fillRect/>
-          </a:stretch>
+          <a:srcRect/>
+          <a:stretch/>
         </p:blipFill>
         <p:spPr>
           <a:xfrm>
-            <a:off x="8145781" y="3112008"/>
-            <a:ext cx="2801112" cy="2801112"/>
+            <a:off x="146506" y="1039368"/>
+            <a:ext cx="3670530" cy="2654580"/>
           </a:xfrm>
           <a:prstGeom prst="rect">
             <a:avLst/>
           </a:prstGeom>
         </p:spPr>
       </p:pic>
+      <p:pic>
+        <p:nvPicPr>
+          <p:cNvPr id="9" name="Picture 8">
+            <a:extLst>
+              <a:ext uri="{FF2B5EF4-FFF2-40B4-BE49-F238E27FC236}">
+                <a16:creationId xmlns:a16="http://schemas.microsoft.com/office/drawing/2014/main" id="{29793C7B-673D-4EE2-81AB-E30117518B97}"/>
+              </a:ext>
+            </a:extLst>
+          </p:cNvPr>
+          <p:cNvPicPr>
+            <a:picLocks noChangeAspect="1"/>
+          </p:cNvPicPr>
+          <p:nvPr/>
+        </p:nvPicPr>
+        <p:blipFill>
+          <a:blip r:embed="rId3">
+            <a:extLst>
+              <a:ext uri="{28A0092B-C50C-407E-A947-70E740481C1C}">
+                <a14:useLocalDpi xmlns:a14="http://schemas.microsoft.com/office/drawing/2010/main" val="0"/>
+              </a:ext>
+            </a:extLst>
+          </a:blip>
+          <a:srcRect/>
+          <a:stretch/>
+        </p:blipFill>
+        <p:spPr>
+          <a:xfrm>
+            <a:off x="3998673" y="1039368"/>
+            <a:ext cx="3669255" cy="2666326"/>
+          </a:xfrm>
+          <a:prstGeom prst="rect">
+            <a:avLst/>
+          </a:prstGeom>
+        </p:spPr>
+      </p:pic>
+      <p:pic>
+        <p:nvPicPr>
+          <p:cNvPr id="11" name="Picture 10">
+            <a:extLst>
+              <a:ext uri="{FF2B5EF4-FFF2-40B4-BE49-F238E27FC236}">
+                <a16:creationId xmlns:a16="http://schemas.microsoft.com/office/drawing/2014/main" id="{4797D163-89E7-4AD9-95B9-E9BE37B5D367}"/>
+              </a:ext>
+            </a:extLst>
+          </p:cNvPr>
+          <p:cNvPicPr>
+            <a:picLocks noChangeAspect="1"/>
+          </p:cNvPicPr>
+          <p:nvPr/>
+        </p:nvPicPr>
+        <p:blipFill>
+          <a:blip r:embed="rId4">
+            <a:extLst>
+              <a:ext uri="{28A0092B-C50C-407E-A947-70E740481C1C}">
+                <a14:useLocalDpi xmlns:a14="http://schemas.microsoft.com/office/drawing/2010/main" val="0"/>
+              </a:ext>
+            </a:extLst>
+          </a:blip>
+          <a:srcRect/>
+          <a:stretch/>
+        </p:blipFill>
+        <p:spPr>
+          <a:xfrm>
+            <a:off x="7796528" y="1039368"/>
+            <a:ext cx="4197096" cy="2971800"/>
+          </a:xfrm>
+          <a:prstGeom prst="rect">
+            <a:avLst/>
+          </a:prstGeom>
+        </p:spPr>
+      </p:pic>
+      <p:cxnSp>
+        <p:nvCxnSpPr>
+          <p:cNvPr id="13" name="Straight Connector 12">
+            <a:extLst>
+              <a:ext uri="{FF2B5EF4-FFF2-40B4-BE49-F238E27FC236}">
+                <a16:creationId xmlns:a16="http://schemas.microsoft.com/office/drawing/2014/main" id="{13F7209D-D9EB-4942-AFBA-BCF97B66A8A4}"/>
+              </a:ext>
+            </a:extLst>
+          </p:cNvPr>
+          <p:cNvCxnSpPr/>
+          <p:nvPr/>
+        </p:nvCxnSpPr>
+        <p:spPr>
+          <a:xfrm>
+            <a:off x="3645408" y="3693948"/>
+            <a:ext cx="0" cy="2877540"/>
+          </a:xfrm>
+          <a:prstGeom prst="line">
+            <a:avLst/>
+          </a:prstGeom>
+        </p:spPr>
+        <p:style>
+          <a:lnRef idx="1">
+            <a:schemeClr val="dk1"/>
+          </a:lnRef>
+          <a:fillRef idx="0">
+            <a:schemeClr val="dk1"/>
+          </a:fillRef>
+          <a:effectRef idx="0">
+            <a:schemeClr val="dk1"/>
+          </a:effectRef>
+          <a:fontRef idx="minor">
+            <a:schemeClr val="tx1"/>
+          </a:fontRef>
+        </p:style>
+      </p:cxnSp>
+      <p:cxnSp>
+        <p:nvCxnSpPr>
+          <p:cNvPr id="14" name="Straight Connector 13">
+            <a:extLst>
+              <a:ext uri="{FF2B5EF4-FFF2-40B4-BE49-F238E27FC236}">
+                <a16:creationId xmlns:a16="http://schemas.microsoft.com/office/drawing/2014/main" id="{27727402-4491-4B27-AD23-2FBB7B9AA6E6}"/>
+              </a:ext>
+            </a:extLst>
+          </p:cNvPr>
+          <p:cNvCxnSpPr/>
+          <p:nvPr/>
+        </p:nvCxnSpPr>
+        <p:spPr>
+          <a:xfrm>
+            <a:off x="7685913" y="3693948"/>
+            <a:ext cx="0" cy="2877540"/>
+          </a:xfrm>
+          <a:prstGeom prst="line">
+            <a:avLst/>
+          </a:prstGeom>
+        </p:spPr>
+        <p:style>
+          <a:lnRef idx="1">
+            <a:schemeClr val="dk1"/>
+          </a:lnRef>
+          <a:fillRef idx="0">
+            <a:schemeClr val="dk1"/>
+          </a:fillRef>
+          <a:effectRef idx="0">
+            <a:schemeClr val="dk1"/>
+          </a:effectRef>
+          <a:fontRef idx="minor">
+            <a:schemeClr val="tx1"/>
+          </a:fontRef>
+        </p:style>
+      </p:cxnSp>
+      <p:sp>
+        <p:nvSpPr>
+          <p:cNvPr id="19" name="TextBox 18">
+            <a:extLst>
+              <a:ext uri="{FF2B5EF4-FFF2-40B4-BE49-F238E27FC236}">
+                <a16:creationId xmlns:a16="http://schemas.microsoft.com/office/drawing/2014/main" id="{B3A9370F-A718-4AFF-BDB1-CCDF89109404}"/>
+              </a:ext>
+            </a:extLst>
+          </p:cNvPr>
+          <p:cNvSpPr txBox="1"/>
+          <p:nvPr/>
+        </p:nvSpPr>
+        <p:spPr>
+          <a:xfrm>
+            <a:off x="184023" y="4011168"/>
+            <a:ext cx="3156578" cy="1508105"/>
+          </a:xfrm>
+          <a:prstGeom prst="rect">
+            <a:avLst/>
+          </a:prstGeom>
+          <a:noFill/>
+        </p:spPr>
+        <p:txBody>
+          <a:bodyPr wrap="square" rtlCol="0">
+            <a:spAutoFit/>
+          </a:bodyPr>
+          <a:lstStyle/>
+          <a:p>
+            <a:r>
+              <a:rPr lang="en-US" u="sng" dirty="0">
+                <a:latin typeface="Times New Roman" panose="02020603050405020304" pitchFamily="18" charset="0"/>
+                <a:cs typeface="Times New Roman" panose="02020603050405020304" pitchFamily="18" charset="0"/>
+              </a:rPr>
+              <a:t>Overtime</a:t>
+            </a:r>
+          </a:p>
+          <a:p>
+            <a:endParaRPr lang="en-US" u="sng" dirty="0">
+              <a:latin typeface="Times New Roman" panose="02020603050405020304" pitchFamily="18" charset="0"/>
+              <a:cs typeface="Times New Roman" panose="02020603050405020304" pitchFamily="18" charset="0"/>
+            </a:endParaRPr>
+          </a:p>
+          <a:p>
+            <a:pPr marL="285750" indent="-285750">
+              <a:buFont typeface="Arial" panose="020B0604020202020204" pitchFamily="34" charset="0"/>
+              <a:buChar char="•"/>
+            </a:pPr>
+            <a:r>
+              <a:rPr lang="en-US" sz="1400" dirty="0">
+                <a:latin typeface="Times New Roman" panose="02020603050405020304" pitchFamily="18" charset="0"/>
+                <a:cs typeface="Times New Roman" panose="02020603050405020304" pitchFamily="18" charset="0"/>
+              </a:rPr>
+              <a:t>No: 10.1%</a:t>
+            </a:r>
+          </a:p>
+          <a:p>
+            <a:pPr marL="285750" indent="-285750">
+              <a:buFont typeface="Arial" panose="020B0604020202020204" pitchFamily="34" charset="0"/>
+              <a:buChar char="•"/>
+            </a:pPr>
+            <a:r>
+              <a:rPr lang="en-US" sz="1400" dirty="0">
+                <a:latin typeface="Times New Roman" panose="02020603050405020304" pitchFamily="18" charset="0"/>
+                <a:cs typeface="Times New Roman" panose="02020603050405020304" pitchFamily="18" charset="0"/>
+              </a:rPr>
+              <a:t>Yes: 32.3%</a:t>
+            </a:r>
+          </a:p>
+          <a:p>
+            <a:pPr marL="285750" indent="-285750">
+              <a:buFont typeface="Arial" panose="020B0604020202020204" pitchFamily="34" charset="0"/>
+              <a:buChar char="•"/>
+            </a:pPr>
+            <a:r>
+              <a:rPr lang="en-US" sz="1400" dirty="0">
+                <a:latin typeface="Times New Roman" panose="02020603050405020304" pitchFamily="18" charset="0"/>
+                <a:cs typeface="Times New Roman" panose="02020603050405020304" pitchFamily="18" charset="0"/>
+              </a:rPr>
+              <a:t>Big increase in attrition from employees who work overtime </a:t>
+            </a:r>
+          </a:p>
+        </p:txBody>
+      </p:sp>
+      <p:sp>
+        <p:nvSpPr>
+          <p:cNvPr id="20" name="TextBox 19">
+            <a:extLst>
+              <a:ext uri="{FF2B5EF4-FFF2-40B4-BE49-F238E27FC236}">
+                <a16:creationId xmlns:a16="http://schemas.microsoft.com/office/drawing/2014/main" id="{04683568-7CE8-4135-9EED-E7C650D3B51A}"/>
+              </a:ext>
+            </a:extLst>
+          </p:cNvPr>
+          <p:cNvSpPr txBox="1"/>
+          <p:nvPr/>
+        </p:nvSpPr>
+        <p:spPr>
+          <a:xfrm>
+            <a:off x="4087372" y="4011168"/>
+            <a:ext cx="3156578" cy="1723549"/>
+          </a:xfrm>
+          <a:prstGeom prst="rect">
+            <a:avLst/>
+          </a:prstGeom>
+          <a:noFill/>
+        </p:spPr>
+        <p:txBody>
+          <a:bodyPr wrap="square" rtlCol="0">
+            <a:spAutoFit/>
+          </a:bodyPr>
+          <a:lstStyle/>
+          <a:p>
+            <a:r>
+              <a:rPr lang="en-US" u="sng" dirty="0">
+                <a:latin typeface="Times New Roman" panose="02020603050405020304" pitchFamily="18" charset="0"/>
+                <a:cs typeface="Times New Roman" panose="02020603050405020304" pitchFamily="18" charset="0"/>
+              </a:rPr>
+              <a:t>Total Working Years</a:t>
+            </a:r>
+          </a:p>
+          <a:p>
+            <a:endParaRPr lang="en-US" u="sng" dirty="0">
+              <a:latin typeface="Times New Roman" panose="02020603050405020304" pitchFamily="18" charset="0"/>
+              <a:cs typeface="Times New Roman" panose="02020603050405020304" pitchFamily="18" charset="0"/>
+            </a:endParaRPr>
+          </a:p>
+          <a:p>
+            <a:pPr marL="285750" indent="-285750">
+              <a:buFont typeface="Arial" panose="020B0604020202020204" pitchFamily="34" charset="0"/>
+              <a:buChar char="•"/>
+            </a:pPr>
+            <a:r>
+              <a:rPr lang="en-US" sz="1400" dirty="0">
+                <a:latin typeface="Times New Roman" panose="02020603050405020304" pitchFamily="18" charset="0"/>
+                <a:cs typeface="Times New Roman" panose="02020603050405020304" pitchFamily="18" charset="0"/>
+              </a:rPr>
+              <a:t>Mean</a:t>
+            </a:r>
+          </a:p>
+          <a:p>
+            <a:pPr marL="742950" lvl="1" indent="-285750">
+              <a:buFont typeface="Arial" panose="020B0604020202020204" pitchFamily="34" charset="0"/>
+              <a:buChar char="•"/>
+            </a:pPr>
+            <a:r>
+              <a:rPr lang="en-US" sz="1400" dirty="0">
+                <a:latin typeface="Times New Roman" panose="02020603050405020304" pitchFamily="18" charset="0"/>
+                <a:cs typeface="Times New Roman" panose="02020603050405020304" pitchFamily="18" charset="0"/>
+              </a:rPr>
+              <a:t>Attrition: 8.49 years</a:t>
+            </a:r>
+          </a:p>
+          <a:p>
+            <a:pPr marL="742950" lvl="1" indent="-285750">
+              <a:buFont typeface="Arial" panose="020B0604020202020204" pitchFamily="34" charset="0"/>
+              <a:buChar char="•"/>
+            </a:pPr>
+            <a:r>
+              <a:rPr lang="en-US" sz="1400" dirty="0">
+                <a:latin typeface="Times New Roman" panose="02020603050405020304" pitchFamily="18" charset="0"/>
+                <a:cs typeface="Times New Roman" panose="02020603050405020304" pitchFamily="18" charset="0"/>
+              </a:rPr>
+              <a:t>No-Attrition: 11.46</a:t>
+            </a:r>
+          </a:p>
+          <a:p>
+            <a:pPr marL="285750" indent="-285750">
+              <a:buFont typeface="Arial" panose="020B0604020202020204" pitchFamily="34" charset="0"/>
+              <a:buChar char="•"/>
+            </a:pPr>
+            <a:r>
+              <a:rPr lang="en-US" sz="1400" dirty="0">
+                <a:latin typeface="Times New Roman" panose="02020603050405020304" pitchFamily="18" charset="0"/>
+                <a:cs typeface="Times New Roman" panose="02020603050405020304" pitchFamily="18" charset="0"/>
+              </a:rPr>
+              <a:t>Those in their early career are likely to have more attrition</a:t>
+            </a:r>
+          </a:p>
+        </p:txBody>
+      </p:sp>
+      <p:sp>
+        <p:nvSpPr>
+          <p:cNvPr id="21" name="TextBox 20">
+            <a:extLst>
+              <a:ext uri="{FF2B5EF4-FFF2-40B4-BE49-F238E27FC236}">
+                <a16:creationId xmlns:a16="http://schemas.microsoft.com/office/drawing/2014/main" id="{F9585D2A-C41F-4321-A602-66ADB84310B3}"/>
+              </a:ext>
+            </a:extLst>
+          </p:cNvPr>
+          <p:cNvSpPr txBox="1"/>
+          <p:nvPr/>
+        </p:nvSpPr>
+        <p:spPr>
+          <a:xfrm>
+            <a:off x="8127876" y="4011167"/>
+            <a:ext cx="3156578" cy="1723549"/>
+          </a:xfrm>
+          <a:prstGeom prst="rect">
+            <a:avLst/>
+          </a:prstGeom>
+          <a:noFill/>
+        </p:spPr>
+        <p:txBody>
+          <a:bodyPr wrap="square" rtlCol="0">
+            <a:spAutoFit/>
+          </a:bodyPr>
+          <a:lstStyle/>
+          <a:p>
+            <a:r>
+              <a:rPr lang="en-US" u="sng" dirty="0">
+                <a:latin typeface="Times New Roman" panose="02020603050405020304" pitchFamily="18" charset="0"/>
+                <a:cs typeface="Times New Roman" panose="02020603050405020304" pitchFamily="18" charset="0"/>
+              </a:rPr>
+              <a:t>Monthly Income</a:t>
+            </a:r>
+          </a:p>
+          <a:p>
+            <a:endParaRPr lang="en-US" u="sng" dirty="0">
+              <a:latin typeface="Times New Roman" panose="02020603050405020304" pitchFamily="18" charset="0"/>
+              <a:cs typeface="Times New Roman" panose="02020603050405020304" pitchFamily="18" charset="0"/>
+            </a:endParaRPr>
+          </a:p>
+          <a:p>
+            <a:pPr marL="285750" indent="-285750">
+              <a:buFont typeface="Arial" panose="020B0604020202020204" pitchFamily="34" charset="0"/>
+              <a:buChar char="•"/>
+            </a:pPr>
+            <a:r>
+              <a:rPr lang="en-US" sz="1400" dirty="0">
+                <a:latin typeface="Times New Roman" panose="02020603050405020304" pitchFamily="18" charset="0"/>
+                <a:cs typeface="Times New Roman" panose="02020603050405020304" pitchFamily="18" charset="0"/>
+              </a:rPr>
+              <a:t>Mean</a:t>
+            </a:r>
+          </a:p>
+          <a:p>
+            <a:pPr marL="742950" lvl="1" indent="-285750">
+              <a:buFont typeface="Arial" panose="020B0604020202020204" pitchFamily="34" charset="0"/>
+              <a:buChar char="•"/>
+            </a:pPr>
+            <a:r>
+              <a:rPr lang="en-US" sz="1400" dirty="0">
+                <a:latin typeface="Times New Roman" panose="02020603050405020304" pitchFamily="18" charset="0"/>
+                <a:cs typeface="Times New Roman" panose="02020603050405020304" pitchFamily="18" charset="0"/>
+              </a:rPr>
+              <a:t>Attrition: $4,844.37</a:t>
+            </a:r>
+          </a:p>
+          <a:p>
+            <a:pPr marL="742950" lvl="1" indent="-285750">
+              <a:buFont typeface="Arial" panose="020B0604020202020204" pitchFamily="34" charset="0"/>
+              <a:buChar char="•"/>
+            </a:pPr>
+            <a:r>
+              <a:rPr lang="en-US" sz="1400" dirty="0">
+                <a:latin typeface="Times New Roman" panose="02020603050405020304" pitchFamily="18" charset="0"/>
+                <a:cs typeface="Times New Roman" panose="02020603050405020304" pitchFamily="18" charset="0"/>
+              </a:rPr>
+              <a:t>No-Attrition: $6,630.38</a:t>
+            </a:r>
+          </a:p>
+          <a:p>
+            <a:pPr marL="285750" indent="-285750">
+              <a:buFont typeface="Arial" panose="020B0604020202020204" pitchFamily="34" charset="0"/>
+              <a:buChar char="•"/>
+            </a:pPr>
+            <a:r>
+              <a:rPr lang="en-US" sz="1400" dirty="0">
+                <a:latin typeface="Times New Roman" panose="02020603050405020304" pitchFamily="18" charset="0"/>
+                <a:cs typeface="Times New Roman" panose="02020603050405020304" pitchFamily="18" charset="0"/>
+              </a:rPr>
+              <a:t>Lower monthly incomes seems to learn more towards higher attrition</a:t>
+            </a:r>
+          </a:p>
+        </p:txBody>
+      </p:sp>
     </p:spTree>
     <p:extLst>
       <p:ext uri="{BB962C8B-B14F-4D97-AF65-F5344CB8AC3E}">
-        <p14:creationId xmlns:p14="http://schemas.microsoft.com/office/powerpoint/2010/main" val="2607107953"/>
+        <p14:creationId xmlns:p14="http://schemas.microsoft.com/office/powerpoint/2010/main" val="2266731099"/>
+      </p:ext>
+    </p:extLst>
+  </p:cSld>
+  <p:clrMapOvr>
+    <a:masterClrMapping/>
+  </p:clrMapOvr>
+</p:sld>
+</file>
+
+<file path=ppt/slides/slide7.xml><?xml version="1.0" encoding="utf-8"?>
+<p:sld xmlns:a="http://schemas.openxmlformats.org/drawingml/2006/main" xmlns:r="http://schemas.openxmlformats.org/officeDocument/2006/relationships" xmlns:p="http://schemas.openxmlformats.org/presentationml/2006/main">
+  <p:cSld>
+    <p:spTree>
+      <p:nvGrpSpPr>
+        <p:cNvPr id="1" name=""/>
+        <p:cNvGrpSpPr/>
+        <p:nvPr/>
+      </p:nvGrpSpPr>
+      <p:grpSpPr>
+        <a:xfrm>
+          <a:off x="0" y="0"/>
+          <a:ext cx="0" cy="0"/>
+          <a:chOff x="0" y="0"/>
+          <a:chExt cx="0" cy="0"/>
+        </a:xfrm>
+      </p:grpSpPr>
+      <p:sp>
+        <p:nvSpPr>
+          <p:cNvPr id="2" name="Title 1">
+            <a:extLst>
+              <a:ext uri="{FF2B5EF4-FFF2-40B4-BE49-F238E27FC236}">
+                <a16:creationId xmlns:a16="http://schemas.microsoft.com/office/drawing/2014/main" id="{D4A5888F-44C7-4B3A-BA71-2AFC73296244}"/>
+              </a:ext>
+            </a:extLst>
+          </p:cNvPr>
+          <p:cNvSpPr>
+            <a:spLocks noGrp="1"/>
+          </p:cNvSpPr>
+          <p:nvPr>
+            <p:ph type="title"/>
+          </p:nvPr>
+        </p:nvSpPr>
+        <p:spPr>
+          <a:xfrm>
+            <a:off x="838200" y="665797"/>
+            <a:ext cx="10425157" cy="3983115"/>
+          </a:xfrm>
+        </p:spPr>
+        <p:txBody>
+          <a:bodyPr/>
+          <a:lstStyle/>
+          <a:p>
+            <a:pPr algn="ctr"/>
+            <a:r>
+              <a:rPr lang="en-US" dirty="0"/>
+              <a:t>Attrition Profile</a:t>
+            </a:r>
+          </a:p>
+        </p:txBody>
+      </p:sp>
+    </p:spTree>
+    <p:extLst>
+      <p:ext uri="{BB962C8B-B14F-4D97-AF65-F5344CB8AC3E}">
+        <p14:creationId xmlns:p14="http://schemas.microsoft.com/office/powerpoint/2010/main" val="649016356"/>
+      </p:ext>
+    </p:extLst>
+  </p:cSld>
+  <p:clrMapOvr>
+    <a:masterClrMapping/>
+  </p:clrMapOvr>
+</p:sld>
+</file>
+
+<file path=ppt/slides/slide8.xml><?xml version="1.0" encoding="utf-8"?>
+<p:sld xmlns:a="http://schemas.openxmlformats.org/drawingml/2006/main" xmlns:r="http://schemas.openxmlformats.org/officeDocument/2006/relationships" xmlns:p="http://schemas.openxmlformats.org/presentationml/2006/main">
+  <p:cSld>
+    <p:spTree>
+      <p:nvGrpSpPr>
+        <p:cNvPr id="1" name=""/>
+        <p:cNvGrpSpPr/>
+        <p:nvPr/>
+      </p:nvGrpSpPr>
+      <p:grpSpPr>
+        <a:xfrm>
+          <a:off x="0" y="0"/>
+          <a:ext cx="0" cy="0"/>
+          <a:chOff x="0" y="0"/>
+          <a:chExt cx="0" cy="0"/>
+        </a:xfrm>
+      </p:grpSpPr>
+      <p:sp>
+        <p:nvSpPr>
+          <p:cNvPr id="2" name="Title 1">
+            <a:extLst>
+              <a:ext uri="{FF2B5EF4-FFF2-40B4-BE49-F238E27FC236}">
+                <a16:creationId xmlns:a16="http://schemas.microsoft.com/office/drawing/2014/main" id="{7C3F75B3-039C-4C7C-9FBE-848420074486}"/>
+              </a:ext>
+            </a:extLst>
+          </p:cNvPr>
+          <p:cNvSpPr>
+            <a:spLocks noGrp="1"/>
+          </p:cNvSpPr>
+          <p:nvPr>
+            <p:ph type="title"/>
+          </p:nvPr>
+        </p:nvSpPr>
+        <p:spPr/>
+        <p:txBody>
+          <a:bodyPr/>
+          <a:lstStyle/>
+          <a:p>
+            <a:r>
+              <a:rPr lang="en-US" dirty="0"/>
+              <a:t>Quick Profile of Employee Attrition</a:t>
+            </a:r>
+          </a:p>
+        </p:txBody>
+      </p:sp>
+      <p:sp>
+        <p:nvSpPr>
+          <p:cNvPr id="3" name="Content Placeholder 2">
+            <a:extLst>
+              <a:ext uri="{FF2B5EF4-FFF2-40B4-BE49-F238E27FC236}">
+                <a16:creationId xmlns:a16="http://schemas.microsoft.com/office/drawing/2014/main" id="{86F9281E-DF20-475A-9330-8EAB53D88A31}"/>
+              </a:ext>
+            </a:extLst>
+          </p:cNvPr>
+          <p:cNvSpPr>
+            <a:spLocks noGrp="1"/>
+          </p:cNvSpPr>
+          <p:nvPr>
+            <p:ph idx="1"/>
+          </p:nvPr>
+        </p:nvSpPr>
+        <p:spPr/>
+        <p:txBody>
+          <a:bodyPr>
+            <a:normAutofit lnSpcReduction="10000"/>
+          </a:bodyPr>
+          <a:lstStyle/>
+          <a:p>
+            <a:r>
+              <a:rPr lang="en-US" dirty="0"/>
+              <a:t>Employees with attrition have this most in common</a:t>
+            </a:r>
+          </a:p>
+          <a:p>
+            <a:pPr lvl="1"/>
+            <a:r>
+              <a:rPr lang="en-US" dirty="0"/>
+              <a:t>Young/Early Career </a:t>
+            </a:r>
+          </a:p>
+          <a:p>
+            <a:pPr lvl="1"/>
+            <a:r>
+              <a:rPr lang="en-US" dirty="0"/>
+              <a:t>Single (possibly have no family “tie” them in one location)</a:t>
+            </a:r>
+          </a:p>
+          <a:p>
+            <a:pPr lvl="1"/>
+            <a:r>
+              <a:rPr lang="en-US" dirty="0"/>
+              <a:t>Tend to have longer commutes </a:t>
+            </a:r>
+          </a:p>
+          <a:p>
+            <a:pPr lvl="1"/>
+            <a:r>
+              <a:rPr lang="en-US" dirty="0"/>
+              <a:t>Low Environment Satisfaction </a:t>
+            </a:r>
+          </a:p>
+          <a:p>
+            <a:pPr lvl="1"/>
+            <a:r>
+              <a:rPr lang="en-US" dirty="0"/>
+              <a:t>Low Job Involvement </a:t>
+            </a:r>
+          </a:p>
+          <a:p>
+            <a:pPr lvl="1"/>
+            <a:r>
+              <a:rPr lang="en-US" dirty="0"/>
+              <a:t>Most come from in Sales, HR, Lab Tech, or Research Scientist </a:t>
+            </a:r>
+          </a:p>
+          <a:p>
+            <a:pPr lvl="1"/>
+            <a:r>
+              <a:rPr lang="en-US" dirty="0"/>
+              <a:t>Work Overtime</a:t>
+            </a:r>
+          </a:p>
+          <a:p>
+            <a:pPr lvl="1"/>
+            <a:r>
+              <a:rPr lang="en-US" dirty="0"/>
+              <a:t>No stock option</a:t>
+            </a:r>
+          </a:p>
+          <a:p>
+            <a:pPr lvl="1"/>
+            <a:r>
+              <a:rPr lang="en-US" dirty="0"/>
+              <a:t>Low Work Life Balance </a:t>
+            </a:r>
+          </a:p>
+          <a:p>
+            <a:pPr lvl="1"/>
+            <a:endParaRPr lang="en-US" dirty="0"/>
+          </a:p>
+          <a:p>
+            <a:pPr lvl="1"/>
+            <a:endParaRPr lang="en-US" dirty="0"/>
+          </a:p>
+          <a:p>
+            <a:r>
+              <a:rPr lang="en-US" sz="1800" dirty="0"/>
+              <a:t>Of course, this is just what is in common and not a conclusion that if an employees has all these, they will have attrition or not</a:t>
+            </a:r>
+          </a:p>
+          <a:p>
+            <a:pPr lvl="1"/>
+            <a:endParaRPr lang="en-US" dirty="0"/>
+          </a:p>
+        </p:txBody>
+      </p:sp>
+    </p:spTree>
+    <p:extLst>
+      <p:ext uri="{BB962C8B-B14F-4D97-AF65-F5344CB8AC3E}">
+        <p14:creationId xmlns:p14="http://schemas.microsoft.com/office/powerpoint/2010/main" val="1622044747"/>
+      </p:ext>
+    </p:extLst>
+  </p:cSld>
+  <p:clrMapOvr>
+    <a:masterClrMapping/>
+  </p:clrMapOvr>
+</p:sld>
+</file>
+
+<file path=ppt/slides/slide9.xml><?xml version="1.0" encoding="utf-8"?>
+<p:sld xmlns:a="http://schemas.openxmlformats.org/drawingml/2006/main" xmlns:r="http://schemas.openxmlformats.org/officeDocument/2006/relationships" xmlns:p="http://schemas.openxmlformats.org/presentationml/2006/main">
+  <p:cSld>
+    <p:spTree>
+      <p:nvGrpSpPr>
+        <p:cNvPr id="1" name=""/>
+        <p:cNvGrpSpPr/>
+        <p:nvPr/>
+      </p:nvGrpSpPr>
+      <p:grpSpPr>
+        <a:xfrm>
+          <a:off x="0" y="0"/>
+          <a:ext cx="0" cy="0"/>
+          <a:chOff x="0" y="0"/>
+          <a:chExt cx="0" cy="0"/>
+        </a:xfrm>
+      </p:grpSpPr>
+      <p:sp>
+        <p:nvSpPr>
+          <p:cNvPr id="2" name="Title 1">
+            <a:extLst>
+              <a:ext uri="{FF2B5EF4-FFF2-40B4-BE49-F238E27FC236}">
+                <a16:creationId xmlns:a16="http://schemas.microsoft.com/office/drawing/2014/main" id="{D4A5888F-44C7-4B3A-BA71-2AFC73296244}"/>
+              </a:ext>
+            </a:extLst>
+          </p:cNvPr>
+          <p:cNvSpPr>
+            <a:spLocks noGrp="1"/>
+          </p:cNvSpPr>
+          <p:nvPr>
+            <p:ph type="title"/>
+          </p:nvPr>
+        </p:nvSpPr>
+        <p:spPr>
+          <a:xfrm>
+            <a:off x="838200" y="665797"/>
+            <a:ext cx="10425157" cy="3983115"/>
+          </a:xfrm>
+        </p:spPr>
+        <p:txBody>
+          <a:bodyPr/>
+          <a:lstStyle/>
+          <a:p>
+            <a:pPr algn="ctr"/>
+            <a:r>
+              <a:rPr lang="en-US" dirty="0"/>
+              <a:t>Creating an Attrition Formula from Correlation</a:t>
+            </a:r>
+          </a:p>
+        </p:txBody>
+      </p:sp>
+    </p:spTree>
+    <p:extLst>
+      <p:ext uri="{BB962C8B-B14F-4D97-AF65-F5344CB8AC3E}">
+        <p14:creationId xmlns:p14="http://schemas.microsoft.com/office/powerpoint/2010/main" val="40588752"/>
       </p:ext>
     </p:extLst>
   </p:cSld>
